--- a/docs/images/Sources.pptx
+++ b/docs/images/Sources.pptx
@@ -16,6 +16,7 @@
     <p:sldId id="270" r:id="rId10"/>
     <p:sldId id="289" r:id="rId11"/>
     <p:sldId id="290" r:id="rId12"/>
+    <p:sldId id="260" r:id="rId13"/>
   </p:sldIdLst>
   <p:sldSz cx="12192000" cy="6858000"/>
   <p:notesSz cx="6858000" cy="9144000"/>
@@ -8725,7 +8726,7 @@
           <a:p>
             <a:fld id="{7C7C8CC2-4E43-407C-8230-EFF88652EA00}" type="datetimeFigureOut">
               <a:rPr lang="en-NZ" smtClean="0"/>
-              <a:t>4/12/2023</a:t>
+              <a:t>8/12/2023</a:t>
             </a:fld>
             <a:endParaRPr lang="en-NZ"/>
           </a:p>
@@ -8925,7 +8926,7 @@
           <a:p>
             <a:fld id="{7C7C8CC2-4E43-407C-8230-EFF88652EA00}" type="datetimeFigureOut">
               <a:rPr lang="en-NZ" smtClean="0"/>
-              <a:t>4/12/2023</a:t>
+              <a:t>8/12/2023</a:t>
             </a:fld>
             <a:endParaRPr lang="en-NZ"/>
           </a:p>
@@ -9135,7 +9136,7 @@
           <a:p>
             <a:fld id="{7C7C8CC2-4E43-407C-8230-EFF88652EA00}" type="datetimeFigureOut">
               <a:rPr lang="en-NZ" smtClean="0"/>
-              <a:t>4/12/2023</a:t>
+              <a:t>8/12/2023</a:t>
             </a:fld>
             <a:endParaRPr lang="en-NZ"/>
           </a:p>
@@ -9335,7 +9336,7 @@
           <a:p>
             <a:fld id="{7C7C8CC2-4E43-407C-8230-EFF88652EA00}" type="datetimeFigureOut">
               <a:rPr lang="en-NZ" smtClean="0"/>
-              <a:t>4/12/2023</a:t>
+              <a:t>8/12/2023</a:t>
             </a:fld>
             <a:endParaRPr lang="en-NZ"/>
           </a:p>
@@ -9611,7 +9612,7 @@
           <a:p>
             <a:fld id="{7C7C8CC2-4E43-407C-8230-EFF88652EA00}" type="datetimeFigureOut">
               <a:rPr lang="en-NZ" smtClean="0"/>
-              <a:t>4/12/2023</a:t>
+              <a:t>8/12/2023</a:t>
             </a:fld>
             <a:endParaRPr lang="en-NZ"/>
           </a:p>
@@ -9879,7 +9880,7 @@
           <a:p>
             <a:fld id="{7C7C8CC2-4E43-407C-8230-EFF88652EA00}" type="datetimeFigureOut">
               <a:rPr lang="en-NZ" smtClean="0"/>
-              <a:t>4/12/2023</a:t>
+              <a:t>8/12/2023</a:t>
             </a:fld>
             <a:endParaRPr lang="en-NZ"/>
           </a:p>
@@ -10294,7 +10295,7 @@
           <a:p>
             <a:fld id="{7C7C8CC2-4E43-407C-8230-EFF88652EA00}" type="datetimeFigureOut">
               <a:rPr lang="en-NZ" smtClean="0"/>
-              <a:t>4/12/2023</a:t>
+              <a:t>8/12/2023</a:t>
             </a:fld>
             <a:endParaRPr lang="en-NZ"/>
           </a:p>
@@ -10436,7 +10437,7 @@
           <a:p>
             <a:fld id="{7C7C8CC2-4E43-407C-8230-EFF88652EA00}" type="datetimeFigureOut">
               <a:rPr lang="en-NZ" smtClean="0"/>
-              <a:t>4/12/2023</a:t>
+              <a:t>8/12/2023</a:t>
             </a:fld>
             <a:endParaRPr lang="en-NZ"/>
           </a:p>
@@ -10549,7 +10550,7 @@
           <a:p>
             <a:fld id="{7C7C8CC2-4E43-407C-8230-EFF88652EA00}" type="datetimeFigureOut">
               <a:rPr lang="en-NZ" smtClean="0"/>
-              <a:t>4/12/2023</a:t>
+              <a:t>8/12/2023</a:t>
             </a:fld>
             <a:endParaRPr lang="en-NZ"/>
           </a:p>
@@ -10862,7 +10863,7 @@
           <a:p>
             <a:fld id="{7C7C8CC2-4E43-407C-8230-EFF88652EA00}" type="datetimeFigureOut">
               <a:rPr lang="en-NZ" smtClean="0"/>
-              <a:t>4/12/2023</a:t>
+              <a:t>8/12/2023</a:t>
             </a:fld>
             <a:endParaRPr lang="en-NZ"/>
           </a:p>
@@ -11151,7 +11152,7 @@
           <a:p>
             <a:fld id="{7C7C8CC2-4E43-407C-8230-EFF88652EA00}" type="datetimeFigureOut">
               <a:rPr lang="en-NZ" smtClean="0"/>
-              <a:t>4/12/2023</a:t>
+              <a:t>8/12/2023</a:t>
             </a:fld>
             <a:endParaRPr lang="en-NZ"/>
           </a:p>
@@ -11394,7 +11395,7 @@
           <a:p>
             <a:fld id="{7C7C8CC2-4E43-407C-8230-EFF88652EA00}" type="datetimeFigureOut">
               <a:rPr lang="en-NZ" smtClean="0"/>
-              <a:t>4/12/2023</a:t>
+              <a:t>8/12/2023</a:t>
             </a:fld>
             <a:endParaRPr lang="en-NZ"/>
           </a:p>
@@ -20869,7 +20870,7 @@
           <a:p>
             <a:pPr algn="ctr"/>
             <a:r>
-              <a:rPr lang="en-NZ" sz="900" b="1" dirty="0" err="1">
+              <a:rPr lang="en-NZ" sz="1200" b="1" dirty="0" err="1">
                 <a:solidFill>
                   <a:schemeClr val="tx1"/>
                 </a:solidFill>
@@ -20879,7 +20880,7 @@
               </a:rPr>
               <a:t>BookingsApplication</a:t>
             </a:r>
-            <a:endParaRPr lang="en-NZ" sz="900" b="1" dirty="0">
+            <a:endParaRPr lang="en-NZ" sz="1200" b="1" dirty="0">
               <a:solidFill>
                 <a:schemeClr val="tx1"/>
               </a:solidFill>
@@ -20891,7 +20892,7 @@
           <a:p>
             <a:pPr algn="ctr"/>
             <a:r>
-              <a:rPr lang="en-NZ" sz="900" b="1" dirty="0">
+              <a:rPr lang="en-NZ" sz="1200" b="1" dirty="0">
                 <a:solidFill>
                   <a:schemeClr val="tx1"/>
                 </a:solidFill>
@@ -20902,7 +20903,7 @@
               <a:t>.</a:t>
             </a:r>
             <a:r>
-              <a:rPr lang="en-NZ" sz="900" b="1" dirty="0" err="1">
+              <a:rPr lang="en-NZ" sz="1200" b="1" dirty="0" err="1">
                 <a:solidFill>
                   <a:schemeClr val="tx1"/>
                 </a:solidFill>
@@ -20913,7 +20914,7 @@
               <a:t>SearchAllBookingsAsync</a:t>
             </a:r>
             <a:r>
-              <a:rPr lang="en-NZ" sz="900" b="1" dirty="0">
+              <a:rPr lang="en-NZ" sz="1200" b="1" dirty="0">
                 <a:solidFill>
                   <a:schemeClr val="tx1"/>
                 </a:solidFill>
@@ -21617,7 +21618,7 @@
                   <a:schemeClr val="tx1"/>
                 </a:solidFill>
               </a:rPr>
-              <a:t>                     e.g. Azure SQL Server</a:t>
+              <a:t>                   e.g. Azure SQL Server</a:t>
             </a:r>
           </a:p>
         </p:txBody>
@@ -21673,7 +21674,7 @@
           <a:p>
             <a:pPr algn="ctr"/>
             <a:r>
-              <a:rPr lang="en-NZ" sz="1100" b="1" dirty="0" err="1">
+              <a:rPr lang="en-NZ" sz="1200" b="1" dirty="0" err="1">
                 <a:solidFill>
                   <a:schemeClr val="tx1"/>
                 </a:solidFill>
@@ -21683,7 +21684,7 @@
               </a:rPr>
               <a:t>snapshot_Bookings</a:t>
             </a:r>
-            <a:endParaRPr lang="en-NZ" sz="1050" b="1" dirty="0">
+            <a:endParaRPr lang="en-NZ" sz="1100" b="1" dirty="0">
               <a:solidFill>
                 <a:schemeClr val="tx1"/>
               </a:solidFill>
@@ -23149,7 +23150,7 @@
         </p:nvSpPr>
         <p:spPr>
           <a:xfrm>
-            <a:off x="1109658" y="1732268"/>
+            <a:off x="1082499" y="1732268"/>
             <a:ext cx="888192" cy="369332"/>
           </a:xfrm>
           <a:prstGeom prst="rect">
@@ -23439,7 +23440,7 @@
                   <a:schemeClr val="tx1"/>
                 </a:solidFill>
               </a:rPr>
-              <a:t>                e.g. Azure SQL Server</a:t>
+              <a:t>                   e.g. Azure SQL Server</a:t>
             </a:r>
           </a:p>
         </p:txBody>
@@ -23495,7 +23496,7 @@
           <a:p>
             <a:pPr algn="ctr"/>
             <a:r>
-              <a:rPr lang="en-NZ" sz="1100" b="1" dirty="0">
+              <a:rPr lang="en-NZ" sz="1200" b="1" dirty="0">
                 <a:solidFill>
                   <a:schemeClr val="tx1"/>
                 </a:solidFill>
@@ -23505,7 +23506,7 @@
               </a:rPr>
               <a:t>readmodel_AllCars_v1</a:t>
             </a:r>
-            <a:endParaRPr lang="en-NZ" sz="1050" b="1" dirty="0">
+            <a:endParaRPr lang="en-NZ" sz="1100" b="1" dirty="0">
               <a:solidFill>
                 <a:schemeClr val="tx1"/>
               </a:solidFill>
@@ -23596,7 +23597,7 @@
           <a:p>
             <a:pPr algn="ctr"/>
             <a:r>
-              <a:rPr lang="en-NZ" sz="1100" b="1" dirty="0" err="1">
+              <a:rPr lang="en-NZ" sz="1200" b="1" dirty="0" err="1">
                 <a:solidFill>
                   <a:schemeClr val="tx1"/>
                 </a:solidFill>
@@ -23606,7 +23607,7 @@
               </a:rPr>
               <a:t>events_Cars</a:t>
             </a:r>
-            <a:endParaRPr lang="en-NZ" sz="1050" b="1" dirty="0">
+            <a:endParaRPr lang="en-NZ" sz="1100" b="1" dirty="0">
               <a:solidFill>
                 <a:schemeClr val="tx1"/>
               </a:solidFill>
@@ -23667,7 +23668,7 @@
           <a:p>
             <a:pPr algn="ctr"/>
             <a:r>
-              <a:rPr lang="en-NZ" sz="1100" b="1" dirty="0">
+              <a:rPr lang="en-NZ" sz="1200" b="1" dirty="0">
                 <a:solidFill>
                   <a:schemeClr val="tx1"/>
                 </a:solidFill>
@@ -23677,7 +23678,7 @@
               </a:rPr>
               <a:t>readmodel_AvailableCars_v1</a:t>
             </a:r>
-            <a:endParaRPr lang="en-NZ" sz="1050" b="1" dirty="0">
+            <a:endParaRPr lang="en-NZ" sz="1100" b="1" dirty="0">
               <a:solidFill>
                 <a:schemeClr val="tx1"/>
               </a:solidFill>
@@ -27784,6 +27785,4121 @@
     <p:extLst>
       <p:ext uri="{BB962C8B-B14F-4D97-AF65-F5344CB8AC3E}">
         <p14:creationId xmlns:p14="http://schemas.microsoft.com/office/powerpoint/2010/main" val="3860510006"/>
+      </p:ext>
+    </p:extLst>
+  </p:cSld>
+  <p:clrMapOvr>
+    <a:masterClrMapping/>
+  </p:clrMapOvr>
+</p:sld>
+</file>
+
+<file path=ppt/slides/slide12.xml><?xml version="1.0" encoding="utf-8"?>
+<p:sld xmlns:a="http://schemas.openxmlformats.org/drawingml/2006/main" xmlns:r="http://schemas.openxmlformats.org/officeDocument/2006/relationships" xmlns:p="http://schemas.openxmlformats.org/presentationml/2006/main">
+  <p:cSld>
+    <p:spTree>
+      <p:nvGrpSpPr>
+        <p:cNvPr id="1" name=""/>
+        <p:cNvGrpSpPr/>
+        <p:nvPr/>
+      </p:nvGrpSpPr>
+      <p:grpSpPr>
+        <a:xfrm>
+          <a:off x="0" y="0"/>
+          <a:ext cx="0" cy="0"/>
+          <a:chOff x="0" y="0"/>
+          <a:chExt cx="0" cy="0"/>
+        </a:xfrm>
+      </p:grpSpPr>
+      <p:sp>
+        <p:nvSpPr>
+          <p:cNvPr id="2" name="Rectangle: Rounded Corners 1">
+            <a:extLst>
+              <a:ext uri="{FF2B5EF4-FFF2-40B4-BE49-F238E27FC236}">
+                <a16:creationId xmlns:a16="http://schemas.microsoft.com/office/drawing/2014/main" id="{FD744300-B05B-455C-BC05-C3761B240149}"/>
+              </a:ext>
+            </a:extLst>
+          </p:cNvPr>
+          <p:cNvSpPr/>
+          <p:nvPr/>
+        </p:nvSpPr>
+        <p:spPr>
+          <a:xfrm>
+            <a:off x="131524" y="135111"/>
+            <a:ext cx="2800749" cy="600476"/>
+          </a:xfrm>
+          <a:prstGeom prst="roundRect">
+            <a:avLst/>
+          </a:prstGeom>
+          <a:solidFill>
+            <a:schemeClr val="accent4"/>
+          </a:solidFill>
+        </p:spPr>
+        <p:style>
+          <a:lnRef idx="2">
+            <a:schemeClr val="accent1">
+              <a:shade val="50000"/>
+            </a:schemeClr>
+          </a:lnRef>
+          <a:fillRef idx="1">
+            <a:schemeClr val="accent1"/>
+          </a:fillRef>
+          <a:effectRef idx="0">
+            <a:schemeClr val="accent1"/>
+          </a:effectRef>
+          <a:fontRef idx="minor">
+            <a:schemeClr val="lt1"/>
+          </a:fontRef>
+        </p:style>
+        <p:txBody>
+          <a:bodyPr rtlCol="0" anchor="ctr"/>
+          <a:lstStyle/>
+          <a:p>
+            <a:pPr algn="ctr"/>
+            <a:r>
+              <a:rPr lang="en-US" sz="1200" dirty="0">
+                <a:solidFill>
+                  <a:schemeClr val="tx1"/>
+                </a:solidFill>
+              </a:rPr>
+              <a:t>An</a:t>
+            </a:r>
+            <a:br>
+              <a:rPr lang="en-US" sz="1200" dirty="0">
+                <a:solidFill>
+                  <a:schemeClr val="tx1"/>
+                </a:solidFill>
+              </a:rPr>
+            </a:br>
+            <a:r>
+              <a:rPr lang="en-US" sz="1200" dirty="0">
+                <a:solidFill>
+                  <a:schemeClr val="tx1"/>
+                </a:solidFill>
+              </a:rPr>
+              <a:t>Aggregate raises one or more </a:t>
+            </a:r>
+            <a:r>
+              <a:rPr lang="en-US" sz="1200" b="1" dirty="0" err="1">
+                <a:solidFill>
+                  <a:schemeClr val="tx1"/>
+                </a:solidFill>
+                <a:ea typeface="Microsoft Sans Serif" panose="020B0604020202020204" pitchFamily="34" charset="0"/>
+                <a:cs typeface="Microsoft Sans Serif" panose="020B0604020202020204" pitchFamily="34" charset="0"/>
+              </a:rPr>
+              <a:t>IDomainEvent</a:t>
+            </a:r>
+            <a:r>
+              <a:rPr lang="en-US" sz="1200" b="1" dirty="0">
+                <a:solidFill>
+                  <a:schemeClr val="tx1"/>
+                </a:solidFill>
+              </a:rPr>
+              <a:t> (s)</a:t>
+            </a:r>
+            <a:endParaRPr lang="en-NZ" sz="1200" dirty="0">
+              <a:solidFill>
+                <a:schemeClr val="tx1"/>
+              </a:solidFill>
+            </a:endParaRPr>
+          </a:p>
+        </p:txBody>
+      </p:sp>
+      <p:cxnSp>
+        <p:nvCxnSpPr>
+          <p:cNvPr id="5" name="Straight Arrow Connector 4">
+            <a:extLst>
+              <a:ext uri="{FF2B5EF4-FFF2-40B4-BE49-F238E27FC236}">
+                <a16:creationId xmlns:a16="http://schemas.microsoft.com/office/drawing/2014/main" id="{84A45DBC-1E13-4E85-A2F0-3B41212881CF}"/>
+              </a:ext>
+            </a:extLst>
+          </p:cNvPr>
+          <p:cNvCxnSpPr>
+            <a:cxnSpLocks/>
+            <a:stCxn id="48" idx="4"/>
+            <a:endCxn id="11" idx="1"/>
+          </p:cNvCxnSpPr>
+          <p:nvPr/>
+        </p:nvCxnSpPr>
+        <p:spPr>
+          <a:xfrm flipV="1">
+            <a:off x="2898382" y="1643842"/>
+            <a:ext cx="721302" cy="1895276"/>
+          </a:xfrm>
+          <a:prstGeom prst="curvedConnector3">
+            <a:avLst>
+              <a:gd name="adj1" fmla="val 50000"/>
+            </a:avLst>
+          </a:prstGeom>
+          <a:ln w="38100">
+            <a:solidFill>
+              <a:schemeClr val="tx1"/>
+            </a:solidFill>
+            <a:tailEnd type="triangle"/>
+          </a:ln>
+        </p:spPr>
+        <p:style>
+          <a:lnRef idx="1">
+            <a:schemeClr val="accent1"/>
+          </a:lnRef>
+          <a:fillRef idx="0">
+            <a:schemeClr val="accent1"/>
+          </a:fillRef>
+          <a:effectRef idx="0">
+            <a:schemeClr val="accent1"/>
+          </a:effectRef>
+          <a:fontRef idx="minor">
+            <a:schemeClr val="tx1"/>
+          </a:fontRef>
+        </p:style>
+      </p:cxnSp>
+      <p:sp>
+        <p:nvSpPr>
+          <p:cNvPr id="11" name="Rectangle: Rounded Corners 10">
+            <a:extLst>
+              <a:ext uri="{FF2B5EF4-FFF2-40B4-BE49-F238E27FC236}">
+                <a16:creationId xmlns:a16="http://schemas.microsoft.com/office/drawing/2014/main" id="{30A1D048-9431-419D-8266-2774616B0442}"/>
+              </a:ext>
+            </a:extLst>
+          </p:cNvPr>
+          <p:cNvSpPr/>
+          <p:nvPr/>
+        </p:nvSpPr>
+        <p:spPr>
+          <a:xfrm>
+            <a:off x="3619684" y="103909"/>
+            <a:ext cx="5840023" cy="3079866"/>
+          </a:xfrm>
+          <a:prstGeom prst="roundRect">
+            <a:avLst/>
+          </a:prstGeom>
+          <a:solidFill>
+            <a:schemeClr val="bg2">
+              <a:lumMod val="75000"/>
+            </a:schemeClr>
+          </a:solidFill>
+        </p:spPr>
+        <p:style>
+          <a:lnRef idx="2">
+            <a:schemeClr val="accent1">
+              <a:shade val="50000"/>
+            </a:schemeClr>
+          </a:lnRef>
+          <a:fillRef idx="1">
+            <a:schemeClr val="accent1"/>
+          </a:fillRef>
+          <a:effectRef idx="0">
+            <a:schemeClr val="accent1"/>
+          </a:effectRef>
+          <a:fontRef idx="minor">
+            <a:schemeClr val="lt1"/>
+          </a:fontRef>
+        </p:style>
+        <p:txBody>
+          <a:bodyPr vert="vert" rtlCol="0" anchor="b"/>
+          <a:lstStyle/>
+          <a:p>
+            <a:pPr algn="ctr"/>
+            <a:r>
+              <a:rPr lang="en-US" sz="2800" dirty="0">
+                <a:solidFill>
+                  <a:schemeClr val="tx1"/>
+                </a:solidFill>
+              </a:rPr>
+              <a:t>1. Projections</a:t>
+            </a:r>
+            <a:endParaRPr lang="en-NZ" sz="2800" dirty="0">
+              <a:solidFill>
+                <a:schemeClr val="tx1"/>
+              </a:solidFill>
+            </a:endParaRPr>
+          </a:p>
+        </p:txBody>
+      </p:sp>
+      <p:sp>
+        <p:nvSpPr>
+          <p:cNvPr id="12" name="Rectangle: Rounded Corners 11">
+            <a:extLst>
+              <a:ext uri="{FF2B5EF4-FFF2-40B4-BE49-F238E27FC236}">
+                <a16:creationId xmlns:a16="http://schemas.microsoft.com/office/drawing/2014/main" id="{D85E9306-8FA2-48B8-9214-FC969C950238}"/>
+              </a:ext>
+            </a:extLst>
+          </p:cNvPr>
+          <p:cNvSpPr/>
+          <p:nvPr/>
+        </p:nvSpPr>
+        <p:spPr>
+          <a:xfrm>
+            <a:off x="3619684" y="3674225"/>
+            <a:ext cx="5852767" cy="3079866"/>
+          </a:xfrm>
+          <a:prstGeom prst="roundRect">
+            <a:avLst/>
+          </a:prstGeom>
+          <a:solidFill>
+            <a:schemeClr val="bg2">
+              <a:lumMod val="50000"/>
+            </a:schemeClr>
+          </a:solidFill>
+        </p:spPr>
+        <p:style>
+          <a:lnRef idx="2">
+            <a:schemeClr val="accent1">
+              <a:shade val="50000"/>
+            </a:schemeClr>
+          </a:lnRef>
+          <a:fillRef idx="1">
+            <a:schemeClr val="accent1"/>
+          </a:fillRef>
+          <a:effectRef idx="0">
+            <a:schemeClr val="accent1"/>
+          </a:effectRef>
+          <a:fontRef idx="minor">
+            <a:schemeClr val="lt1"/>
+          </a:fontRef>
+        </p:style>
+        <p:txBody>
+          <a:bodyPr vert="vert" rtlCol="0" anchor="b"/>
+          <a:lstStyle/>
+          <a:p>
+            <a:pPr algn="ctr"/>
+            <a:r>
+              <a:rPr lang="en-US" sz="2800" dirty="0">
+                <a:solidFill>
+                  <a:schemeClr val="bg1"/>
+                </a:solidFill>
+              </a:rPr>
+              <a:t>2. Notifications</a:t>
+            </a:r>
+            <a:endParaRPr lang="en-NZ" sz="2800" dirty="0">
+              <a:solidFill>
+                <a:schemeClr val="bg1"/>
+              </a:solidFill>
+            </a:endParaRPr>
+          </a:p>
+        </p:txBody>
+      </p:sp>
+      <p:sp>
+        <p:nvSpPr>
+          <p:cNvPr id="14" name="Rectangle: Rounded Corners 13">
+            <a:extLst>
+              <a:ext uri="{FF2B5EF4-FFF2-40B4-BE49-F238E27FC236}">
+                <a16:creationId xmlns:a16="http://schemas.microsoft.com/office/drawing/2014/main" id="{C844092C-4876-4DD9-A5FD-016E82F94FC2}"/>
+              </a:ext>
+            </a:extLst>
+          </p:cNvPr>
+          <p:cNvSpPr/>
+          <p:nvPr/>
+        </p:nvSpPr>
+        <p:spPr>
+          <a:xfrm>
+            <a:off x="4300339" y="764252"/>
+            <a:ext cx="2331561" cy="2220017"/>
+          </a:xfrm>
+          <a:prstGeom prst="roundRect">
+            <a:avLst/>
+          </a:prstGeom>
+          <a:noFill/>
+        </p:spPr>
+        <p:style>
+          <a:lnRef idx="2">
+            <a:schemeClr val="accent3">
+              <a:shade val="50000"/>
+            </a:schemeClr>
+          </a:lnRef>
+          <a:fillRef idx="1">
+            <a:schemeClr val="accent3"/>
+          </a:fillRef>
+          <a:effectRef idx="0">
+            <a:schemeClr val="accent3"/>
+          </a:effectRef>
+          <a:fontRef idx="minor">
+            <a:schemeClr val="lt1"/>
+          </a:fontRef>
+        </p:style>
+        <p:txBody>
+          <a:bodyPr vert="horz" rtlCol="0" anchor="t"/>
+          <a:lstStyle/>
+          <a:p>
+            <a:pPr marL="0" marR="0" lvl="0" indent="0" algn="ctr" defTabSz="914400" rtl="0" eaLnBrk="0" fontAlgn="base" latinLnBrk="0" hangingPunct="0">
+              <a:lnSpc>
+                <a:spcPct val="100000"/>
+              </a:lnSpc>
+              <a:spcBef>
+                <a:spcPct val="0"/>
+              </a:spcBef>
+              <a:spcAft>
+                <a:spcPct val="0"/>
+              </a:spcAft>
+              <a:buClrTx/>
+              <a:buSzTx/>
+              <a:buFontTx/>
+              <a:buNone/>
+              <a:tabLst/>
+            </a:pPr>
+            <a:r>
+              <a:rPr kumimoji="0" lang="en-US" altLang="en-US" sz="1200" b="1" i="0" u="none" strike="noStrike" cap="none" normalizeH="0" baseline="0" dirty="0" err="1">
+                <a:ln>
+                  <a:noFill/>
+                </a:ln>
+                <a:solidFill>
+                  <a:schemeClr val="tx1"/>
+                </a:solidFill>
+                <a:effectLst/>
+                <a:latin typeface="Courier New" panose="02070309020205020404" pitchFamily="49" charset="0"/>
+                <a:cs typeface="Courier New" panose="02070309020205020404" pitchFamily="49" charset="0"/>
+              </a:rPr>
+              <a:t>InProcess</a:t>
+            </a:r>
+            <a:endParaRPr kumimoji="0" lang="en-US" altLang="en-US" sz="1200" b="1" i="0" u="none" strike="noStrike" cap="none" normalizeH="0" baseline="0" dirty="0">
+              <a:ln>
+                <a:noFill/>
+              </a:ln>
+              <a:solidFill>
+                <a:schemeClr val="tx1"/>
+              </a:solidFill>
+              <a:effectLst/>
+              <a:latin typeface="Courier New" panose="02070309020205020404" pitchFamily="49" charset="0"/>
+              <a:cs typeface="Courier New" panose="02070309020205020404" pitchFamily="49" charset="0"/>
+            </a:endParaRPr>
+          </a:p>
+          <a:p>
+            <a:pPr marL="0" marR="0" lvl="0" indent="0" algn="ctr" defTabSz="914400" rtl="0" eaLnBrk="0" fontAlgn="base" latinLnBrk="0" hangingPunct="0">
+              <a:lnSpc>
+                <a:spcPct val="100000"/>
+              </a:lnSpc>
+              <a:spcBef>
+                <a:spcPct val="0"/>
+              </a:spcBef>
+              <a:spcAft>
+                <a:spcPct val="0"/>
+              </a:spcAft>
+              <a:buClrTx/>
+              <a:buSzTx/>
+              <a:buFontTx/>
+              <a:buNone/>
+              <a:tabLst/>
+            </a:pPr>
+            <a:r>
+              <a:rPr kumimoji="0" lang="en-US" altLang="en-US" sz="1200" b="1" i="0" u="none" strike="noStrike" cap="none" normalizeH="0" baseline="0" dirty="0" err="1">
+                <a:ln>
+                  <a:noFill/>
+                </a:ln>
+                <a:solidFill>
+                  <a:schemeClr val="tx1"/>
+                </a:solidFill>
+                <a:effectLst/>
+                <a:latin typeface="Courier New" panose="02070309020205020404" pitchFamily="49" charset="0"/>
+                <a:cs typeface="Courier New" panose="02070309020205020404" pitchFamily="49" charset="0"/>
+              </a:rPr>
+              <a:t>ProjectionRelay</a:t>
+            </a:r>
+            <a:endParaRPr kumimoji="0" lang="en-US" altLang="en-US" sz="3200" b="1" i="0" u="none" strike="noStrike" cap="none" normalizeH="0" baseline="0" dirty="0">
+              <a:ln>
+                <a:noFill/>
+              </a:ln>
+              <a:solidFill>
+                <a:schemeClr val="tx1"/>
+              </a:solidFill>
+              <a:effectLst/>
+              <a:latin typeface="Courier New" panose="02070309020205020404" pitchFamily="49" charset="0"/>
+              <a:cs typeface="Courier New" panose="02070309020205020404" pitchFamily="49" charset="0"/>
+            </a:endParaRPr>
+          </a:p>
+        </p:txBody>
+      </p:sp>
+      <p:sp>
+        <p:nvSpPr>
+          <p:cNvPr id="17" name="Rectangle: Rounded Corners 16">
+            <a:extLst>
+              <a:ext uri="{FF2B5EF4-FFF2-40B4-BE49-F238E27FC236}">
+                <a16:creationId xmlns:a16="http://schemas.microsoft.com/office/drawing/2014/main" id="{719A71E4-2265-438D-B166-BADE9496BF7F}"/>
+              </a:ext>
+            </a:extLst>
+          </p:cNvPr>
+          <p:cNvSpPr/>
+          <p:nvPr/>
+        </p:nvSpPr>
+        <p:spPr>
+          <a:xfrm>
+            <a:off x="4515818" y="1407347"/>
+            <a:ext cx="1542707" cy="510538"/>
+          </a:xfrm>
+          <a:prstGeom prst="roundRect">
+            <a:avLst/>
+          </a:prstGeom>
+          <a:solidFill>
+            <a:schemeClr val="bg2">
+              <a:lumMod val="50000"/>
+            </a:schemeClr>
+          </a:solidFill>
+        </p:spPr>
+        <p:style>
+          <a:lnRef idx="2">
+            <a:schemeClr val="accent1">
+              <a:shade val="50000"/>
+            </a:schemeClr>
+          </a:lnRef>
+          <a:fillRef idx="1">
+            <a:schemeClr val="accent1"/>
+          </a:fillRef>
+          <a:effectRef idx="0">
+            <a:schemeClr val="accent1"/>
+          </a:effectRef>
+          <a:fontRef idx="minor">
+            <a:schemeClr val="lt1"/>
+          </a:fontRef>
+        </p:style>
+        <p:txBody>
+          <a:bodyPr rtlCol="0" anchor="t"/>
+          <a:lstStyle/>
+          <a:p>
+            <a:pPr algn="ctr"/>
+            <a:r>
+              <a:rPr lang="en-US" sz="1200" b="1" dirty="0" err="1">
+                <a:solidFill>
+                  <a:schemeClr val="bg1"/>
+                </a:solidFill>
+                <a:latin typeface="Courier New" panose="02070309020205020404" pitchFamily="49" charset="0"/>
+                <a:ea typeface="Microsoft Sans Serif" panose="020B0604020202020204" pitchFamily="34" charset="0"/>
+                <a:cs typeface="Courier New" panose="02070309020205020404" pitchFamily="49" charset="0"/>
+              </a:rPr>
+              <a:t>IReadModel</a:t>
+            </a:r>
+            <a:r>
+              <a:rPr lang="en-US" sz="1200" b="1" dirty="0">
+                <a:solidFill>
+                  <a:schemeClr val="bg1"/>
+                </a:solidFill>
+                <a:latin typeface="Courier New" panose="02070309020205020404" pitchFamily="49" charset="0"/>
+                <a:ea typeface="Microsoft Sans Serif" panose="020B0604020202020204" pitchFamily="34" charset="0"/>
+                <a:cs typeface="Courier New" panose="02070309020205020404" pitchFamily="49" charset="0"/>
+              </a:rPr>
+              <a:t> Projector</a:t>
+            </a:r>
+            <a:endParaRPr lang="en-NZ" sz="1400" b="1" dirty="0">
+              <a:solidFill>
+                <a:schemeClr val="bg1"/>
+              </a:solidFill>
+              <a:latin typeface="Courier New" panose="02070309020205020404" pitchFamily="49" charset="0"/>
+              <a:ea typeface="Microsoft Sans Serif" panose="020B0604020202020204" pitchFamily="34" charset="0"/>
+              <a:cs typeface="Courier New" panose="02070309020205020404" pitchFamily="49" charset="0"/>
+            </a:endParaRPr>
+          </a:p>
+        </p:txBody>
+      </p:sp>
+      <p:sp>
+        <p:nvSpPr>
+          <p:cNvPr id="24" name="Rectangle: Rounded Corners 23">
+            <a:extLst>
+              <a:ext uri="{FF2B5EF4-FFF2-40B4-BE49-F238E27FC236}">
+                <a16:creationId xmlns:a16="http://schemas.microsoft.com/office/drawing/2014/main" id="{DD4502CE-1684-4F14-9FF9-B346E5BCBA56}"/>
+              </a:ext>
+            </a:extLst>
+          </p:cNvPr>
+          <p:cNvSpPr/>
+          <p:nvPr/>
+        </p:nvSpPr>
+        <p:spPr>
+          <a:xfrm>
+            <a:off x="4300339" y="3892434"/>
+            <a:ext cx="2331561" cy="2643447"/>
+          </a:xfrm>
+          <a:prstGeom prst="roundRect">
+            <a:avLst/>
+          </a:prstGeom>
+          <a:noFill/>
+          <a:ln>
+            <a:solidFill>
+              <a:schemeClr val="bg1"/>
+            </a:solidFill>
+          </a:ln>
+        </p:spPr>
+        <p:style>
+          <a:lnRef idx="2">
+            <a:schemeClr val="accent3">
+              <a:shade val="50000"/>
+            </a:schemeClr>
+          </a:lnRef>
+          <a:fillRef idx="1">
+            <a:schemeClr val="accent3"/>
+          </a:fillRef>
+          <a:effectRef idx="0">
+            <a:schemeClr val="accent3"/>
+          </a:effectRef>
+          <a:fontRef idx="minor">
+            <a:schemeClr val="lt1"/>
+          </a:fontRef>
+        </p:style>
+        <p:txBody>
+          <a:bodyPr vert="horz" rtlCol="0" anchor="t"/>
+          <a:lstStyle/>
+          <a:p>
+            <a:pPr algn="ctr"/>
+            <a:r>
+              <a:rPr kumimoji="0" lang="en-US" altLang="en-US" sz="1200" b="1" i="0" u="none" strike="noStrike" cap="none" normalizeH="0" baseline="0" dirty="0" err="1">
+                <a:ln>
+                  <a:noFill/>
+                </a:ln>
+                <a:solidFill>
+                  <a:schemeClr val="bg1"/>
+                </a:solidFill>
+                <a:effectLst/>
+                <a:latin typeface="Courier New" panose="02070309020205020404" pitchFamily="49" charset="0"/>
+                <a:cs typeface="Courier New" panose="02070309020205020404" pitchFamily="49" charset="0"/>
+              </a:rPr>
+              <a:t>InProcess</a:t>
+            </a:r>
+            <a:endParaRPr kumimoji="0" lang="en-US" altLang="en-US" sz="1200" b="1" i="0" u="none" strike="noStrike" cap="none" normalizeH="0" baseline="0" dirty="0">
+              <a:ln>
+                <a:noFill/>
+              </a:ln>
+              <a:solidFill>
+                <a:schemeClr val="bg1"/>
+              </a:solidFill>
+              <a:effectLst/>
+              <a:latin typeface="Courier New" panose="02070309020205020404" pitchFamily="49" charset="0"/>
+              <a:cs typeface="Courier New" panose="02070309020205020404" pitchFamily="49" charset="0"/>
+            </a:endParaRPr>
+          </a:p>
+          <a:p>
+            <a:pPr algn="ctr"/>
+            <a:r>
+              <a:rPr kumimoji="0" lang="en-US" altLang="en-US" sz="1200" b="1" i="0" u="none" strike="noStrike" cap="none" normalizeH="0" baseline="0" dirty="0" err="1">
+                <a:ln>
+                  <a:noFill/>
+                </a:ln>
+                <a:solidFill>
+                  <a:schemeClr val="bg1"/>
+                </a:solidFill>
+                <a:effectLst/>
+                <a:latin typeface="Courier New" panose="02070309020205020404" pitchFamily="49" charset="0"/>
+                <a:cs typeface="Courier New" panose="02070309020205020404" pitchFamily="49" charset="0"/>
+              </a:rPr>
+              <a:t>NotificationRelay</a:t>
+            </a:r>
+            <a:endParaRPr lang="en-NZ" sz="1200" b="1" dirty="0">
+              <a:solidFill>
+                <a:schemeClr val="bg1"/>
+              </a:solidFill>
+              <a:latin typeface="Courier New" panose="02070309020205020404" pitchFamily="49" charset="0"/>
+              <a:ea typeface="Microsoft Sans Serif" panose="020B0604020202020204" pitchFamily="34" charset="0"/>
+              <a:cs typeface="Courier New" panose="02070309020205020404" pitchFamily="49" charset="0"/>
+            </a:endParaRPr>
+          </a:p>
+        </p:txBody>
+      </p:sp>
+      <p:sp>
+        <p:nvSpPr>
+          <p:cNvPr id="25" name="Rectangle: Rounded Corners 24">
+            <a:extLst>
+              <a:ext uri="{FF2B5EF4-FFF2-40B4-BE49-F238E27FC236}">
+                <a16:creationId xmlns:a16="http://schemas.microsoft.com/office/drawing/2014/main" id="{A5A69600-8549-4087-9F3A-8757D9DE37E0}"/>
+              </a:ext>
+            </a:extLst>
+          </p:cNvPr>
+          <p:cNvSpPr/>
+          <p:nvPr/>
+        </p:nvSpPr>
+        <p:spPr>
+          <a:xfrm>
+            <a:off x="4515818" y="4974626"/>
+            <a:ext cx="1919488" cy="503232"/>
+          </a:xfrm>
+          <a:prstGeom prst="roundRect">
+            <a:avLst/>
+          </a:prstGeom>
+          <a:solidFill>
+            <a:schemeClr val="bg2">
+              <a:lumMod val="90000"/>
+            </a:schemeClr>
+          </a:solidFill>
+        </p:spPr>
+        <p:style>
+          <a:lnRef idx="2">
+            <a:schemeClr val="accent1">
+              <a:shade val="50000"/>
+            </a:schemeClr>
+          </a:lnRef>
+          <a:fillRef idx="1">
+            <a:schemeClr val="accent1"/>
+          </a:fillRef>
+          <a:effectRef idx="0">
+            <a:schemeClr val="accent1"/>
+          </a:effectRef>
+          <a:fontRef idx="minor">
+            <a:schemeClr val="lt1"/>
+          </a:fontRef>
+        </p:style>
+        <p:txBody>
+          <a:bodyPr rtlCol="0" anchor="t"/>
+          <a:lstStyle/>
+          <a:p>
+            <a:pPr algn="ctr"/>
+            <a:r>
+              <a:rPr lang="en-US" sz="1200" b="1" dirty="0" err="1">
+                <a:solidFill>
+                  <a:schemeClr val="tx1"/>
+                </a:solidFill>
+                <a:latin typeface="Courier New" panose="02070309020205020404" pitchFamily="49" charset="0"/>
+                <a:ea typeface="Microsoft Sans Serif" panose="020B0604020202020204" pitchFamily="34" charset="0"/>
+                <a:cs typeface="Courier New" panose="02070309020205020404" pitchFamily="49" charset="0"/>
+              </a:rPr>
+              <a:t>IEventNotificationNotifier</a:t>
+            </a:r>
+            <a:endParaRPr lang="en-NZ" sz="1200" b="1" dirty="0">
+              <a:solidFill>
+                <a:schemeClr val="tx1"/>
+              </a:solidFill>
+              <a:latin typeface="Courier New" panose="02070309020205020404" pitchFamily="49" charset="0"/>
+              <a:ea typeface="Microsoft Sans Serif" panose="020B0604020202020204" pitchFamily="34" charset="0"/>
+              <a:cs typeface="Courier New" panose="02070309020205020404" pitchFamily="49" charset="0"/>
+            </a:endParaRPr>
+          </a:p>
+        </p:txBody>
+      </p:sp>
+      <p:cxnSp>
+        <p:nvCxnSpPr>
+          <p:cNvPr id="37" name="Straight Arrow Connector 36">
+            <a:extLst>
+              <a:ext uri="{FF2B5EF4-FFF2-40B4-BE49-F238E27FC236}">
+                <a16:creationId xmlns:a16="http://schemas.microsoft.com/office/drawing/2014/main" id="{C89F12A9-BFAC-453E-A6AB-82ED4122B387}"/>
+              </a:ext>
+            </a:extLst>
+          </p:cNvPr>
+          <p:cNvCxnSpPr>
+            <a:cxnSpLocks/>
+            <a:stCxn id="48" idx="4"/>
+            <a:endCxn id="12" idx="1"/>
+          </p:cNvCxnSpPr>
+          <p:nvPr/>
+        </p:nvCxnSpPr>
+        <p:spPr>
+          <a:xfrm>
+            <a:off x="2898382" y="3539118"/>
+            <a:ext cx="721302" cy="1675040"/>
+          </a:xfrm>
+          <a:prstGeom prst="curvedConnector3">
+            <a:avLst>
+              <a:gd name="adj1" fmla="val 50000"/>
+            </a:avLst>
+          </a:prstGeom>
+          <a:ln w="38100">
+            <a:solidFill>
+              <a:schemeClr val="tx1"/>
+            </a:solidFill>
+            <a:tailEnd type="triangle"/>
+          </a:ln>
+        </p:spPr>
+        <p:style>
+          <a:lnRef idx="1">
+            <a:schemeClr val="accent1"/>
+          </a:lnRef>
+          <a:fillRef idx="0">
+            <a:schemeClr val="accent1"/>
+          </a:fillRef>
+          <a:effectRef idx="0">
+            <a:schemeClr val="accent1"/>
+          </a:effectRef>
+          <a:fontRef idx="minor">
+            <a:schemeClr val="tx1"/>
+          </a:fontRef>
+        </p:style>
+      </p:cxnSp>
+      <p:cxnSp>
+        <p:nvCxnSpPr>
+          <p:cNvPr id="40" name="Straight Arrow Connector 39">
+            <a:extLst>
+              <a:ext uri="{FF2B5EF4-FFF2-40B4-BE49-F238E27FC236}">
+                <a16:creationId xmlns:a16="http://schemas.microsoft.com/office/drawing/2014/main" id="{CF10193C-A120-411B-B70F-0B4E389DEAF2}"/>
+              </a:ext>
+            </a:extLst>
+          </p:cNvPr>
+          <p:cNvCxnSpPr>
+            <a:cxnSpLocks/>
+            <a:stCxn id="11" idx="1"/>
+            <a:endCxn id="17" idx="1"/>
+          </p:cNvCxnSpPr>
+          <p:nvPr/>
+        </p:nvCxnSpPr>
+        <p:spPr>
+          <a:xfrm>
+            <a:off x="3619684" y="1643842"/>
+            <a:ext cx="896134" cy="18774"/>
+          </a:xfrm>
+          <a:prstGeom prst="straightConnector1">
+            <a:avLst/>
+          </a:prstGeom>
+          <a:ln w="38100">
+            <a:solidFill>
+              <a:schemeClr val="tx1"/>
+            </a:solidFill>
+            <a:tailEnd type="triangle"/>
+          </a:ln>
+        </p:spPr>
+        <p:style>
+          <a:lnRef idx="1">
+            <a:schemeClr val="accent1"/>
+          </a:lnRef>
+          <a:fillRef idx="0">
+            <a:schemeClr val="accent1"/>
+          </a:fillRef>
+          <a:effectRef idx="0">
+            <a:schemeClr val="accent1"/>
+          </a:effectRef>
+          <a:fontRef idx="minor">
+            <a:schemeClr val="tx1"/>
+          </a:fontRef>
+        </p:style>
+      </p:cxnSp>
+      <p:cxnSp>
+        <p:nvCxnSpPr>
+          <p:cNvPr id="43" name="Straight Arrow Connector 42">
+            <a:extLst>
+              <a:ext uri="{FF2B5EF4-FFF2-40B4-BE49-F238E27FC236}">
+                <a16:creationId xmlns:a16="http://schemas.microsoft.com/office/drawing/2014/main" id="{5BF87E1C-D81C-41AD-83E5-772B8FCDEEA7}"/>
+              </a:ext>
+            </a:extLst>
+          </p:cNvPr>
+          <p:cNvCxnSpPr>
+            <a:cxnSpLocks/>
+            <a:stCxn id="17" idx="3"/>
+            <a:endCxn id="23" idx="1"/>
+          </p:cNvCxnSpPr>
+          <p:nvPr/>
+        </p:nvCxnSpPr>
+        <p:spPr>
+          <a:xfrm flipV="1">
+            <a:off x="6058525" y="615142"/>
+            <a:ext cx="1155266" cy="1047474"/>
+          </a:xfrm>
+          <a:prstGeom prst="straightConnector1">
+            <a:avLst/>
+          </a:prstGeom>
+          <a:ln w="38100">
+            <a:solidFill>
+              <a:schemeClr val="tx1"/>
+            </a:solidFill>
+            <a:tailEnd type="triangle"/>
+          </a:ln>
+        </p:spPr>
+        <p:style>
+          <a:lnRef idx="1">
+            <a:schemeClr val="accent1"/>
+          </a:lnRef>
+          <a:fillRef idx="0">
+            <a:schemeClr val="accent1"/>
+          </a:fillRef>
+          <a:effectRef idx="0">
+            <a:schemeClr val="accent1"/>
+          </a:effectRef>
+          <a:fontRef idx="minor">
+            <a:schemeClr val="tx1"/>
+          </a:fontRef>
+        </p:style>
+      </p:cxnSp>
+      <p:cxnSp>
+        <p:nvCxnSpPr>
+          <p:cNvPr id="46" name="Straight Arrow Connector 45">
+            <a:extLst>
+              <a:ext uri="{FF2B5EF4-FFF2-40B4-BE49-F238E27FC236}">
+                <a16:creationId xmlns:a16="http://schemas.microsoft.com/office/drawing/2014/main" id="{95A37E0E-ED39-4462-A744-099D9DA9F009}"/>
+              </a:ext>
+            </a:extLst>
+          </p:cNvPr>
+          <p:cNvCxnSpPr>
+            <a:cxnSpLocks/>
+            <a:stCxn id="12" idx="1"/>
+            <a:endCxn id="25" idx="1"/>
+          </p:cNvCxnSpPr>
+          <p:nvPr/>
+        </p:nvCxnSpPr>
+        <p:spPr>
+          <a:xfrm>
+            <a:off x="3619684" y="5214158"/>
+            <a:ext cx="896134" cy="12084"/>
+          </a:xfrm>
+          <a:prstGeom prst="straightConnector1">
+            <a:avLst/>
+          </a:prstGeom>
+          <a:ln w="38100">
+            <a:solidFill>
+              <a:schemeClr val="bg1"/>
+            </a:solidFill>
+            <a:tailEnd type="triangle"/>
+          </a:ln>
+        </p:spPr>
+        <p:style>
+          <a:lnRef idx="1">
+            <a:schemeClr val="accent1"/>
+          </a:lnRef>
+          <a:fillRef idx="0">
+            <a:schemeClr val="accent1"/>
+          </a:fillRef>
+          <a:effectRef idx="0">
+            <a:schemeClr val="accent1"/>
+          </a:effectRef>
+          <a:fontRef idx="minor">
+            <a:schemeClr val="tx1"/>
+          </a:fontRef>
+        </p:style>
+      </p:cxnSp>
+      <p:cxnSp>
+        <p:nvCxnSpPr>
+          <p:cNvPr id="49" name="Straight Arrow Connector 48">
+            <a:extLst>
+              <a:ext uri="{FF2B5EF4-FFF2-40B4-BE49-F238E27FC236}">
+                <a16:creationId xmlns:a16="http://schemas.microsoft.com/office/drawing/2014/main" id="{E39DB37B-6A83-41E0-ABBA-0D166882B618}"/>
+              </a:ext>
+            </a:extLst>
+          </p:cNvPr>
+          <p:cNvCxnSpPr>
+            <a:cxnSpLocks/>
+            <a:stCxn id="25" idx="3"/>
+            <a:endCxn id="30" idx="1"/>
+          </p:cNvCxnSpPr>
+          <p:nvPr/>
+        </p:nvCxnSpPr>
+        <p:spPr>
+          <a:xfrm flipV="1">
+            <a:off x="6435306" y="4553710"/>
+            <a:ext cx="772994" cy="672532"/>
+          </a:xfrm>
+          <a:prstGeom prst="straightConnector1">
+            <a:avLst/>
+          </a:prstGeom>
+          <a:ln w="38100">
+            <a:solidFill>
+              <a:schemeClr val="bg1"/>
+            </a:solidFill>
+            <a:tailEnd type="triangle"/>
+          </a:ln>
+        </p:spPr>
+        <p:style>
+          <a:lnRef idx="1">
+            <a:schemeClr val="accent1"/>
+          </a:lnRef>
+          <a:fillRef idx="0">
+            <a:schemeClr val="accent1"/>
+          </a:fillRef>
+          <a:effectRef idx="0">
+            <a:schemeClr val="accent1"/>
+          </a:effectRef>
+          <a:fontRef idx="minor">
+            <a:schemeClr val="tx1"/>
+          </a:fontRef>
+        </p:style>
+      </p:cxnSp>
+      <p:grpSp>
+        <p:nvGrpSpPr>
+          <p:cNvPr id="174" name="Group 173">
+            <a:extLst>
+              <a:ext uri="{FF2B5EF4-FFF2-40B4-BE49-F238E27FC236}">
+                <a16:creationId xmlns:a16="http://schemas.microsoft.com/office/drawing/2014/main" id="{92BBE289-F4CA-4E5F-9EF4-5E198EDC7B9D}"/>
+              </a:ext>
+            </a:extLst>
+          </p:cNvPr>
+          <p:cNvGrpSpPr/>
+          <p:nvPr/>
+        </p:nvGrpSpPr>
+        <p:grpSpPr>
+          <a:xfrm>
+            <a:off x="7208300" y="3959350"/>
+            <a:ext cx="3862558" cy="1188720"/>
+            <a:chOff x="6669259" y="4502034"/>
+            <a:chExt cx="3862558" cy="1188720"/>
+          </a:xfrm>
+        </p:grpSpPr>
+        <p:sp>
+          <p:nvSpPr>
+            <p:cNvPr id="30" name="Rectangle: Rounded Corners 29">
+              <a:extLst>
+                <a:ext uri="{FF2B5EF4-FFF2-40B4-BE49-F238E27FC236}">
+                  <a16:creationId xmlns:a16="http://schemas.microsoft.com/office/drawing/2014/main" id="{D1D0F549-0499-4553-81CC-1462CF0CF547}"/>
+                </a:ext>
+              </a:extLst>
+            </p:cNvPr>
+            <p:cNvSpPr/>
+            <p:nvPr/>
+          </p:nvSpPr>
+          <p:spPr>
+            <a:xfrm>
+              <a:off x="6669259" y="4502034"/>
+              <a:ext cx="2146227" cy="1188720"/>
+            </a:xfrm>
+            <a:prstGeom prst="roundRect">
+              <a:avLst/>
+            </a:prstGeom>
+            <a:solidFill>
+              <a:schemeClr val="bg2">
+                <a:lumMod val="75000"/>
+              </a:schemeClr>
+            </a:solidFill>
+          </p:spPr>
+          <p:style>
+            <a:lnRef idx="2">
+              <a:schemeClr val="accent1">
+                <a:shade val="50000"/>
+              </a:schemeClr>
+            </a:lnRef>
+            <a:fillRef idx="1">
+              <a:schemeClr val="accent1"/>
+            </a:fillRef>
+            <a:effectRef idx="0">
+              <a:schemeClr val="accent1"/>
+            </a:effectRef>
+            <a:fontRef idx="minor">
+              <a:schemeClr val="lt1"/>
+            </a:fontRef>
+          </p:style>
+          <p:txBody>
+            <a:bodyPr rtlCol="0" anchor="t"/>
+            <a:lstStyle/>
+            <a:p>
+              <a:pPr algn="ctr"/>
+              <a:r>
+                <a:rPr lang="en-US" sz="1200" b="1" dirty="0" err="1">
+                  <a:solidFill>
+                    <a:schemeClr val="tx1"/>
+                  </a:solidFill>
+                  <a:latin typeface="Courier New" panose="02070309020205020404" pitchFamily="49" charset="0"/>
+                  <a:ea typeface="Microsoft Sans Serif" panose="020B0604020202020204" pitchFamily="34" charset="0"/>
+                  <a:cs typeface="Courier New" panose="02070309020205020404" pitchFamily="49" charset="0"/>
+                </a:rPr>
+                <a:t>IEventNotification</a:t>
+              </a:r>
+              <a:endParaRPr lang="en-US" sz="1200" b="1" dirty="0">
+                <a:solidFill>
+                  <a:schemeClr val="tx1"/>
+                </a:solidFill>
+                <a:latin typeface="Courier New" panose="02070309020205020404" pitchFamily="49" charset="0"/>
+                <a:ea typeface="Microsoft Sans Serif" panose="020B0604020202020204" pitchFamily="34" charset="0"/>
+                <a:cs typeface="Courier New" panose="02070309020205020404" pitchFamily="49" charset="0"/>
+              </a:endParaRPr>
+            </a:p>
+            <a:p>
+              <a:pPr algn="ctr"/>
+              <a:r>
+                <a:rPr lang="en-US" sz="1200" b="1" dirty="0">
+                  <a:solidFill>
+                    <a:schemeClr val="tx1"/>
+                  </a:solidFill>
+                  <a:latin typeface="Courier New" panose="02070309020205020404" pitchFamily="49" charset="0"/>
+                  <a:ea typeface="Microsoft Sans Serif" panose="020B0604020202020204" pitchFamily="34" charset="0"/>
+                  <a:cs typeface="Courier New" panose="02070309020205020404" pitchFamily="49" charset="0"/>
+                </a:rPr>
+                <a:t>Registration</a:t>
+              </a:r>
+              <a:endParaRPr lang="en-NZ" sz="1200" b="1" dirty="0">
+                <a:solidFill>
+                  <a:schemeClr val="tx1"/>
+                </a:solidFill>
+                <a:latin typeface="Courier New" panose="02070309020205020404" pitchFamily="49" charset="0"/>
+                <a:ea typeface="Microsoft Sans Serif" panose="020B0604020202020204" pitchFamily="34" charset="0"/>
+                <a:cs typeface="Courier New" panose="02070309020205020404" pitchFamily="49" charset="0"/>
+              </a:endParaRPr>
+            </a:p>
+          </p:txBody>
+        </p:sp>
+        <p:sp>
+          <p:nvSpPr>
+            <p:cNvPr id="32" name="Rectangle: Rounded Corners 31">
+              <a:extLst>
+                <a:ext uri="{FF2B5EF4-FFF2-40B4-BE49-F238E27FC236}">
+                  <a16:creationId xmlns:a16="http://schemas.microsoft.com/office/drawing/2014/main" id="{8D395123-DE3B-4DBA-972F-286EC9B39F09}"/>
+                </a:ext>
+              </a:extLst>
+            </p:cNvPr>
+            <p:cNvSpPr/>
+            <p:nvPr/>
+          </p:nvSpPr>
+          <p:spPr>
+            <a:xfrm>
+              <a:off x="6766558" y="4977938"/>
+              <a:ext cx="947651" cy="642851"/>
+            </a:xfrm>
+            <a:prstGeom prst="roundRect">
+              <a:avLst/>
+            </a:prstGeom>
+            <a:solidFill>
+              <a:schemeClr val="bg2">
+                <a:lumMod val="90000"/>
+              </a:schemeClr>
+            </a:solidFill>
+          </p:spPr>
+          <p:style>
+            <a:lnRef idx="2">
+              <a:schemeClr val="accent1">
+                <a:shade val="50000"/>
+              </a:schemeClr>
+            </a:lnRef>
+            <a:fillRef idx="1">
+              <a:schemeClr val="accent1"/>
+            </a:fillRef>
+            <a:effectRef idx="0">
+              <a:schemeClr val="accent1"/>
+            </a:effectRef>
+            <a:fontRef idx="minor">
+              <a:schemeClr val="lt1"/>
+            </a:fontRef>
+          </p:style>
+          <p:txBody>
+            <a:bodyPr rtlCol="0" anchor="ctr"/>
+            <a:lstStyle/>
+            <a:p>
+              <a:pPr algn="ctr"/>
+              <a:r>
+                <a:rPr lang="en-US" sz="700" b="1" dirty="0" err="1">
+                  <a:solidFill>
+                    <a:schemeClr val="tx1"/>
+                  </a:solidFill>
+                  <a:latin typeface="Courier New" panose="02070309020205020404" pitchFamily="49" charset="0"/>
+                  <a:ea typeface="Microsoft Sans Serif" panose="020B0604020202020204" pitchFamily="34" charset="0"/>
+                  <a:cs typeface="Courier New" panose="02070309020205020404" pitchFamily="49" charset="0"/>
+                </a:rPr>
+                <a:t>IEvent</a:t>
+              </a:r>
+              <a:endParaRPr lang="en-US" sz="700" b="1" dirty="0">
+                <a:solidFill>
+                  <a:schemeClr val="tx1"/>
+                </a:solidFill>
+                <a:latin typeface="Courier New" panose="02070309020205020404" pitchFamily="49" charset="0"/>
+                <a:ea typeface="Microsoft Sans Serif" panose="020B0604020202020204" pitchFamily="34" charset="0"/>
+                <a:cs typeface="Courier New" panose="02070309020205020404" pitchFamily="49" charset="0"/>
+              </a:endParaRPr>
+            </a:p>
+            <a:p>
+              <a:pPr algn="ctr"/>
+              <a:r>
+                <a:rPr lang="en-US" sz="700" b="1" dirty="0">
+                  <a:solidFill>
+                    <a:schemeClr val="tx1"/>
+                  </a:solidFill>
+                  <a:latin typeface="Courier New" panose="02070309020205020404" pitchFamily="49" charset="0"/>
+                  <a:ea typeface="Microsoft Sans Serif" panose="020B0604020202020204" pitchFamily="34" charset="0"/>
+                  <a:cs typeface="Courier New" panose="02070309020205020404" pitchFamily="49" charset="0"/>
+                </a:rPr>
+                <a:t>Notification</a:t>
+              </a:r>
+            </a:p>
+            <a:p>
+              <a:pPr algn="ctr"/>
+              <a:r>
+                <a:rPr lang="en-US" sz="1100" b="1" dirty="0">
+                  <a:solidFill>
+                    <a:schemeClr val="tx1"/>
+                  </a:solidFill>
+                  <a:latin typeface="Courier New" panose="02070309020205020404" pitchFamily="49" charset="0"/>
+                  <a:ea typeface="Microsoft Sans Serif" panose="020B0604020202020204" pitchFamily="34" charset="0"/>
+                  <a:cs typeface="Courier New" panose="02070309020205020404" pitchFamily="49" charset="0"/>
+                </a:rPr>
+                <a:t>Producer</a:t>
+              </a:r>
+              <a:endParaRPr lang="en-NZ" sz="1000" b="1" dirty="0">
+                <a:solidFill>
+                  <a:schemeClr val="tx1"/>
+                </a:solidFill>
+                <a:latin typeface="Courier New" panose="02070309020205020404" pitchFamily="49" charset="0"/>
+                <a:ea typeface="Microsoft Sans Serif" panose="020B0604020202020204" pitchFamily="34" charset="0"/>
+                <a:cs typeface="Courier New" panose="02070309020205020404" pitchFamily="49" charset="0"/>
+              </a:endParaRPr>
+            </a:p>
+          </p:txBody>
+        </p:sp>
+        <p:sp>
+          <p:nvSpPr>
+            <p:cNvPr id="33" name="Rectangle: Rounded Corners 32">
+              <a:extLst>
+                <a:ext uri="{FF2B5EF4-FFF2-40B4-BE49-F238E27FC236}">
+                  <a16:creationId xmlns:a16="http://schemas.microsoft.com/office/drawing/2014/main" id="{CDAEF990-3828-4A36-A573-126E4516B0D8}"/>
+                </a:ext>
+              </a:extLst>
+            </p:cNvPr>
+            <p:cNvSpPr/>
+            <p:nvPr/>
+          </p:nvSpPr>
+          <p:spPr>
+            <a:xfrm>
+              <a:off x="7757770" y="4977937"/>
+              <a:ext cx="947651" cy="642851"/>
+            </a:xfrm>
+            <a:prstGeom prst="roundRect">
+              <a:avLst/>
+            </a:prstGeom>
+            <a:solidFill>
+              <a:schemeClr val="bg2">
+                <a:lumMod val="90000"/>
+              </a:schemeClr>
+            </a:solidFill>
+          </p:spPr>
+          <p:style>
+            <a:lnRef idx="2">
+              <a:schemeClr val="accent1">
+                <a:shade val="50000"/>
+              </a:schemeClr>
+            </a:lnRef>
+            <a:fillRef idx="1">
+              <a:schemeClr val="accent1"/>
+            </a:fillRef>
+            <a:effectRef idx="0">
+              <a:schemeClr val="accent1"/>
+            </a:effectRef>
+            <a:fontRef idx="minor">
+              <a:schemeClr val="lt1"/>
+            </a:fontRef>
+          </p:style>
+          <p:txBody>
+            <a:bodyPr rtlCol="0" anchor="ctr"/>
+            <a:lstStyle/>
+            <a:p>
+              <a:pPr algn="ctr"/>
+              <a:r>
+                <a:rPr lang="en-US" sz="700" b="1" dirty="0" err="1">
+                  <a:solidFill>
+                    <a:schemeClr val="tx1"/>
+                  </a:solidFill>
+                  <a:latin typeface="Courier New" panose="02070309020205020404" pitchFamily="49" charset="0"/>
+                  <a:ea typeface="Microsoft Sans Serif" panose="020B0604020202020204" pitchFamily="34" charset="0"/>
+                  <a:cs typeface="Courier New" panose="02070309020205020404" pitchFamily="49" charset="0"/>
+                </a:rPr>
+                <a:t>IEvent</a:t>
+              </a:r>
+              <a:endParaRPr lang="en-US" sz="700" b="1" dirty="0">
+                <a:solidFill>
+                  <a:schemeClr val="tx1"/>
+                </a:solidFill>
+                <a:latin typeface="Courier New" panose="02070309020205020404" pitchFamily="49" charset="0"/>
+                <a:ea typeface="Microsoft Sans Serif" panose="020B0604020202020204" pitchFamily="34" charset="0"/>
+                <a:cs typeface="Courier New" panose="02070309020205020404" pitchFamily="49" charset="0"/>
+              </a:endParaRPr>
+            </a:p>
+            <a:p>
+              <a:pPr algn="ctr"/>
+              <a:r>
+                <a:rPr lang="en-US" sz="700" b="1" dirty="0">
+                  <a:solidFill>
+                    <a:schemeClr val="tx1"/>
+                  </a:solidFill>
+                  <a:latin typeface="Courier New" panose="02070309020205020404" pitchFamily="49" charset="0"/>
+                  <a:ea typeface="Microsoft Sans Serif" panose="020B0604020202020204" pitchFamily="34" charset="0"/>
+                  <a:cs typeface="Courier New" panose="02070309020205020404" pitchFamily="49" charset="0"/>
+                </a:rPr>
+                <a:t>Notification</a:t>
+              </a:r>
+            </a:p>
+            <a:p>
+              <a:pPr algn="ctr"/>
+              <a:r>
+                <a:rPr lang="en-US" sz="1100" b="1" dirty="0">
+                  <a:solidFill>
+                    <a:schemeClr val="tx1"/>
+                  </a:solidFill>
+                  <a:latin typeface="Courier New" panose="02070309020205020404" pitchFamily="49" charset="0"/>
+                  <a:ea typeface="Microsoft Sans Serif" panose="020B0604020202020204" pitchFamily="34" charset="0"/>
+                  <a:cs typeface="Courier New" panose="02070309020205020404" pitchFamily="49" charset="0"/>
+                </a:rPr>
+                <a:t>Consumer</a:t>
+              </a:r>
+              <a:endParaRPr lang="en-NZ" sz="1000" b="1" dirty="0">
+                <a:solidFill>
+                  <a:schemeClr val="tx1"/>
+                </a:solidFill>
+                <a:latin typeface="Courier New" panose="02070309020205020404" pitchFamily="49" charset="0"/>
+                <a:ea typeface="Microsoft Sans Serif" panose="020B0604020202020204" pitchFamily="34" charset="0"/>
+                <a:cs typeface="Courier New" panose="02070309020205020404" pitchFamily="49" charset="0"/>
+              </a:endParaRPr>
+            </a:p>
+          </p:txBody>
+        </p:sp>
+        <p:cxnSp>
+          <p:nvCxnSpPr>
+            <p:cNvPr id="52" name="Straight Arrow Connector 51">
+              <a:extLst>
+                <a:ext uri="{FF2B5EF4-FFF2-40B4-BE49-F238E27FC236}">
+                  <a16:creationId xmlns:a16="http://schemas.microsoft.com/office/drawing/2014/main" id="{88E7E200-D295-4200-A7B1-327EDE29766B}"/>
+                </a:ext>
+              </a:extLst>
+            </p:cNvPr>
+            <p:cNvCxnSpPr>
+              <a:cxnSpLocks/>
+              <a:stCxn id="33" idx="3"/>
+              <a:endCxn id="55" idx="1"/>
+            </p:cNvCxnSpPr>
+            <p:nvPr/>
+          </p:nvCxnSpPr>
+          <p:spPr>
+            <a:xfrm flipV="1">
+              <a:off x="8705421" y="5289319"/>
+              <a:ext cx="490468" cy="10044"/>
+            </a:xfrm>
+            <a:prstGeom prst="straightConnector1">
+              <a:avLst/>
+            </a:prstGeom>
+            <a:ln w="38100">
+              <a:solidFill>
+                <a:schemeClr val="tx1"/>
+              </a:solidFill>
+              <a:tailEnd type="triangle"/>
+            </a:ln>
+          </p:spPr>
+          <p:style>
+            <a:lnRef idx="1">
+              <a:schemeClr val="accent1"/>
+            </a:lnRef>
+            <a:fillRef idx="0">
+              <a:schemeClr val="accent1"/>
+            </a:fillRef>
+            <a:effectRef idx="0">
+              <a:schemeClr val="accent1"/>
+            </a:effectRef>
+            <a:fontRef idx="minor">
+              <a:schemeClr val="tx1"/>
+            </a:fontRef>
+          </p:style>
+        </p:cxnSp>
+        <p:sp>
+          <p:nvSpPr>
+            <p:cNvPr id="55" name="Rectangle: Rounded Corners 54">
+              <a:extLst>
+                <a:ext uri="{FF2B5EF4-FFF2-40B4-BE49-F238E27FC236}">
+                  <a16:creationId xmlns:a16="http://schemas.microsoft.com/office/drawing/2014/main" id="{2F184224-DF43-4509-BDB6-28E09D3CF9BF}"/>
+                </a:ext>
+              </a:extLst>
+            </p:cNvPr>
+            <p:cNvSpPr/>
+            <p:nvPr/>
+          </p:nvSpPr>
+          <p:spPr>
+            <a:xfrm>
+              <a:off x="9195889" y="4887884"/>
+              <a:ext cx="1335928" cy="802870"/>
+            </a:xfrm>
+            <a:prstGeom prst="roundRect">
+              <a:avLst/>
+            </a:prstGeom>
+            <a:solidFill>
+              <a:srgbClr val="7030A0"/>
+            </a:solidFill>
+          </p:spPr>
+          <p:style>
+            <a:lnRef idx="2">
+              <a:schemeClr val="accent1">
+                <a:shade val="50000"/>
+              </a:schemeClr>
+            </a:lnRef>
+            <a:fillRef idx="1">
+              <a:schemeClr val="accent1"/>
+            </a:fillRef>
+            <a:effectRef idx="0">
+              <a:schemeClr val="accent1"/>
+            </a:effectRef>
+            <a:fontRef idx="minor">
+              <a:schemeClr val="lt1"/>
+            </a:fontRef>
+          </p:style>
+          <p:txBody>
+            <a:bodyPr rtlCol="0" anchor="ctr"/>
+            <a:lstStyle/>
+            <a:p>
+              <a:pPr algn="ctr"/>
+              <a:r>
+                <a:rPr lang="en-US" sz="1100" dirty="0">
+                  <a:solidFill>
+                    <a:schemeClr val="bg1"/>
+                  </a:solidFill>
+                  <a:ea typeface="Microsoft Sans Serif" panose="020B0604020202020204" pitchFamily="34" charset="0"/>
+                  <a:cs typeface="Courier New" panose="02070309020205020404" pitchFamily="49" charset="0"/>
+                </a:rPr>
+                <a:t>Another Component</a:t>
+              </a:r>
+              <a:endParaRPr lang="en-NZ" sz="1100" dirty="0">
+                <a:solidFill>
+                  <a:schemeClr val="bg1"/>
+                </a:solidFill>
+                <a:ea typeface="Microsoft Sans Serif" panose="020B0604020202020204" pitchFamily="34" charset="0"/>
+                <a:cs typeface="Courier New" panose="02070309020205020404" pitchFamily="49" charset="0"/>
+              </a:endParaRPr>
+            </a:p>
+          </p:txBody>
+        </p:sp>
+      </p:grpSp>
+      <p:sp>
+        <p:nvSpPr>
+          <p:cNvPr id="59" name="Cylinder 58">
+            <a:extLst>
+              <a:ext uri="{FF2B5EF4-FFF2-40B4-BE49-F238E27FC236}">
+                <a16:creationId xmlns:a16="http://schemas.microsoft.com/office/drawing/2014/main" id="{E77348E0-078E-4B1B-8141-2627F44FC228}"/>
+              </a:ext>
+            </a:extLst>
+          </p:cNvPr>
+          <p:cNvSpPr/>
+          <p:nvPr/>
+        </p:nvSpPr>
+        <p:spPr>
+          <a:xfrm>
+            <a:off x="4716206" y="2130829"/>
+            <a:ext cx="1152541" cy="748144"/>
+          </a:xfrm>
+          <a:prstGeom prst="can">
+            <a:avLst/>
+          </a:prstGeom>
+          <a:solidFill>
+            <a:srgbClr val="A60015"/>
+          </a:solidFill>
+        </p:spPr>
+        <p:style>
+          <a:lnRef idx="2">
+            <a:schemeClr val="accent1">
+              <a:shade val="50000"/>
+            </a:schemeClr>
+          </a:lnRef>
+          <a:fillRef idx="1">
+            <a:schemeClr val="accent1"/>
+          </a:fillRef>
+          <a:effectRef idx="0">
+            <a:schemeClr val="accent1"/>
+          </a:effectRef>
+          <a:fontRef idx="minor">
+            <a:schemeClr val="lt1"/>
+          </a:fontRef>
+        </p:style>
+        <p:txBody>
+          <a:bodyPr rtlCol="0" anchor="ctr"/>
+          <a:lstStyle/>
+          <a:p>
+            <a:pPr algn="ctr"/>
+            <a:r>
+              <a:rPr lang="en-US" sz="1100" dirty="0"/>
+              <a:t>Event </a:t>
+            </a:r>
+            <a:r>
+              <a:rPr lang="en-US" sz="1100" dirty="0" err="1"/>
+              <a:t>CheckPoint</a:t>
+            </a:r>
+            <a:r>
+              <a:rPr lang="en-US" sz="1100" dirty="0"/>
+              <a:t> Store</a:t>
+            </a:r>
+            <a:endParaRPr lang="en-NZ" sz="1100" dirty="0"/>
+          </a:p>
+        </p:txBody>
+      </p:sp>
+      <p:cxnSp>
+        <p:nvCxnSpPr>
+          <p:cNvPr id="62" name="Straight Arrow Connector 61">
+            <a:extLst>
+              <a:ext uri="{FF2B5EF4-FFF2-40B4-BE49-F238E27FC236}">
+                <a16:creationId xmlns:a16="http://schemas.microsoft.com/office/drawing/2014/main" id="{4C700E39-7946-494A-9DBE-D0C71B582C9C}"/>
+              </a:ext>
+            </a:extLst>
+          </p:cNvPr>
+          <p:cNvCxnSpPr>
+            <a:cxnSpLocks/>
+            <a:stCxn id="17" idx="2"/>
+            <a:endCxn id="59" idx="0"/>
+          </p:cNvCxnSpPr>
+          <p:nvPr/>
+        </p:nvCxnSpPr>
+        <p:spPr>
+          <a:xfrm>
+            <a:off x="5287172" y="1917885"/>
+            <a:ext cx="5305" cy="399980"/>
+          </a:xfrm>
+          <a:prstGeom prst="straightConnector1">
+            <a:avLst/>
+          </a:prstGeom>
+          <a:ln w="38100">
+            <a:solidFill>
+              <a:schemeClr val="tx1"/>
+            </a:solidFill>
+            <a:headEnd type="triangle" w="med" len="med"/>
+            <a:tailEnd type="triangle" w="med" len="med"/>
+          </a:ln>
+        </p:spPr>
+        <p:style>
+          <a:lnRef idx="1">
+            <a:schemeClr val="accent1"/>
+          </a:lnRef>
+          <a:fillRef idx="0">
+            <a:schemeClr val="accent1"/>
+          </a:fillRef>
+          <a:effectRef idx="0">
+            <a:schemeClr val="accent1"/>
+          </a:effectRef>
+          <a:fontRef idx="minor">
+            <a:schemeClr val="tx1"/>
+          </a:fontRef>
+        </p:style>
+      </p:cxnSp>
+      <p:cxnSp>
+        <p:nvCxnSpPr>
+          <p:cNvPr id="95" name="Straight Arrow Connector 94">
+            <a:extLst>
+              <a:ext uri="{FF2B5EF4-FFF2-40B4-BE49-F238E27FC236}">
+                <a16:creationId xmlns:a16="http://schemas.microsoft.com/office/drawing/2014/main" id="{B6B1EF9C-833E-4F0F-BF92-9E847CB68276}"/>
+              </a:ext>
+            </a:extLst>
+          </p:cNvPr>
+          <p:cNvCxnSpPr>
+            <a:cxnSpLocks/>
+            <a:stCxn id="17" idx="3"/>
+            <a:endCxn id="156" idx="1"/>
+          </p:cNvCxnSpPr>
+          <p:nvPr/>
+        </p:nvCxnSpPr>
+        <p:spPr>
+          <a:xfrm flipV="1">
+            <a:off x="6058525" y="1456717"/>
+            <a:ext cx="1155266" cy="205899"/>
+          </a:xfrm>
+          <a:prstGeom prst="straightConnector1">
+            <a:avLst/>
+          </a:prstGeom>
+          <a:ln w="38100">
+            <a:solidFill>
+              <a:schemeClr val="tx1"/>
+            </a:solidFill>
+            <a:tailEnd type="triangle"/>
+          </a:ln>
+        </p:spPr>
+        <p:style>
+          <a:lnRef idx="1">
+            <a:schemeClr val="accent1"/>
+          </a:lnRef>
+          <a:fillRef idx="0">
+            <a:schemeClr val="accent1"/>
+          </a:fillRef>
+          <a:effectRef idx="0">
+            <a:schemeClr val="accent1"/>
+          </a:effectRef>
+          <a:fontRef idx="minor">
+            <a:schemeClr val="tx1"/>
+          </a:fontRef>
+        </p:style>
+      </p:cxnSp>
+      <p:cxnSp>
+        <p:nvCxnSpPr>
+          <p:cNvPr id="98" name="Straight Arrow Connector 97">
+            <a:extLst>
+              <a:ext uri="{FF2B5EF4-FFF2-40B4-BE49-F238E27FC236}">
+                <a16:creationId xmlns:a16="http://schemas.microsoft.com/office/drawing/2014/main" id="{FBB726AA-24A0-4A3A-BE04-B010905D7B7C}"/>
+              </a:ext>
+            </a:extLst>
+          </p:cNvPr>
+          <p:cNvCxnSpPr>
+            <a:cxnSpLocks/>
+            <a:stCxn id="17" idx="3"/>
+            <a:endCxn id="164" idx="1"/>
+          </p:cNvCxnSpPr>
+          <p:nvPr/>
+        </p:nvCxnSpPr>
+        <p:spPr>
+          <a:xfrm>
+            <a:off x="6058525" y="1662616"/>
+            <a:ext cx="1149775" cy="595424"/>
+          </a:xfrm>
+          <a:prstGeom prst="straightConnector1">
+            <a:avLst/>
+          </a:prstGeom>
+          <a:ln w="38100">
+            <a:solidFill>
+              <a:schemeClr val="tx1"/>
+            </a:solidFill>
+            <a:tailEnd type="triangle"/>
+          </a:ln>
+        </p:spPr>
+        <p:style>
+          <a:lnRef idx="1">
+            <a:schemeClr val="accent1"/>
+          </a:lnRef>
+          <a:fillRef idx="0">
+            <a:schemeClr val="accent1"/>
+          </a:fillRef>
+          <a:effectRef idx="0">
+            <a:schemeClr val="accent1"/>
+          </a:effectRef>
+          <a:fontRef idx="minor">
+            <a:schemeClr val="tx1"/>
+          </a:fontRef>
+        </p:style>
+      </p:cxnSp>
+      <p:cxnSp>
+        <p:nvCxnSpPr>
+          <p:cNvPr id="102" name="Straight Arrow Connector 101">
+            <a:extLst>
+              <a:ext uri="{FF2B5EF4-FFF2-40B4-BE49-F238E27FC236}">
+                <a16:creationId xmlns:a16="http://schemas.microsoft.com/office/drawing/2014/main" id="{CE8EFA7B-7F17-4FF1-8541-8B8DC2446A98}"/>
+              </a:ext>
+            </a:extLst>
+          </p:cNvPr>
+          <p:cNvCxnSpPr>
+            <a:cxnSpLocks/>
+            <a:stCxn id="25" idx="3"/>
+            <a:endCxn id="179" idx="1"/>
+          </p:cNvCxnSpPr>
+          <p:nvPr/>
+        </p:nvCxnSpPr>
+        <p:spPr>
+          <a:xfrm>
+            <a:off x="6435306" y="5226242"/>
+            <a:ext cx="772994" cy="663740"/>
+          </a:xfrm>
+          <a:prstGeom prst="straightConnector1">
+            <a:avLst/>
+          </a:prstGeom>
+          <a:ln w="38100">
+            <a:solidFill>
+              <a:schemeClr val="bg1"/>
+            </a:solidFill>
+            <a:tailEnd type="triangle"/>
+          </a:ln>
+        </p:spPr>
+        <p:style>
+          <a:lnRef idx="1">
+            <a:schemeClr val="accent1"/>
+          </a:lnRef>
+          <a:fillRef idx="0">
+            <a:schemeClr val="accent1"/>
+          </a:fillRef>
+          <a:effectRef idx="0">
+            <a:schemeClr val="accent1"/>
+          </a:effectRef>
+          <a:fontRef idx="minor">
+            <a:schemeClr val="tx1"/>
+          </a:fontRef>
+        </p:style>
+      </p:cxnSp>
+      <p:grpSp>
+        <p:nvGrpSpPr>
+          <p:cNvPr id="127" name="Group 126">
+            <a:extLst>
+              <a:ext uri="{FF2B5EF4-FFF2-40B4-BE49-F238E27FC236}">
+                <a16:creationId xmlns:a16="http://schemas.microsoft.com/office/drawing/2014/main" id="{693D8D86-CEBE-4176-988B-128F3B37275B}"/>
+              </a:ext>
+            </a:extLst>
+          </p:cNvPr>
+          <p:cNvGrpSpPr/>
+          <p:nvPr/>
+        </p:nvGrpSpPr>
+        <p:grpSpPr>
+          <a:xfrm>
+            <a:off x="7213791" y="253715"/>
+            <a:ext cx="4821648" cy="660685"/>
+            <a:chOff x="6454673" y="253715"/>
+            <a:chExt cx="4821648" cy="660685"/>
+          </a:xfrm>
+        </p:grpSpPr>
+        <p:sp>
+          <p:nvSpPr>
+            <p:cNvPr id="23" name="Rectangle: Rounded Corners 22">
+              <a:extLst>
+                <a:ext uri="{FF2B5EF4-FFF2-40B4-BE49-F238E27FC236}">
+                  <a16:creationId xmlns:a16="http://schemas.microsoft.com/office/drawing/2014/main" id="{0F971607-8474-46D1-AAB0-A6DA24647FA4}"/>
+                </a:ext>
+              </a:extLst>
+            </p:cNvPr>
+            <p:cNvSpPr/>
+            <p:nvPr/>
+          </p:nvSpPr>
+          <p:spPr>
+            <a:xfrm>
+              <a:off x="6454673" y="340822"/>
+              <a:ext cx="2111750" cy="548640"/>
+            </a:xfrm>
+            <a:prstGeom prst="roundRect">
+              <a:avLst/>
+            </a:prstGeom>
+            <a:solidFill>
+              <a:schemeClr val="bg2">
+                <a:lumMod val="50000"/>
+              </a:schemeClr>
+            </a:solidFill>
+          </p:spPr>
+          <p:style>
+            <a:lnRef idx="2">
+              <a:schemeClr val="accent1">
+                <a:shade val="50000"/>
+              </a:schemeClr>
+            </a:lnRef>
+            <a:fillRef idx="1">
+              <a:schemeClr val="accent1"/>
+            </a:fillRef>
+            <a:effectRef idx="0">
+              <a:schemeClr val="accent1"/>
+            </a:effectRef>
+            <a:fontRef idx="minor">
+              <a:schemeClr val="lt1"/>
+            </a:fontRef>
+          </p:style>
+          <p:txBody>
+            <a:bodyPr rtlCol="0" anchor="ctr"/>
+            <a:lstStyle/>
+            <a:p>
+              <a:pPr algn="ctr"/>
+              <a:r>
+                <a:rPr lang="en-US" sz="1200" b="1" dirty="0" err="1">
+                  <a:solidFill>
+                    <a:schemeClr val="bg1"/>
+                  </a:solidFill>
+                  <a:latin typeface="Courier New" panose="02070309020205020404" pitchFamily="49" charset="0"/>
+                  <a:ea typeface="Microsoft Sans Serif" panose="020B0604020202020204" pitchFamily="34" charset="0"/>
+                  <a:cs typeface="Courier New" panose="02070309020205020404" pitchFamily="49" charset="0"/>
+                </a:rPr>
+                <a:t>IReadModelProjection</a:t>
+              </a:r>
+              <a:endParaRPr lang="en-NZ" sz="1200" b="1" dirty="0">
+                <a:solidFill>
+                  <a:schemeClr val="bg1"/>
+                </a:solidFill>
+                <a:latin typeface="Courier New" panose="02070309020205020404" pitchFamily="49" charset="0"/>
+                <a:ea typeface="Microsoft Sans Serif" panose="020B0604020202020204" pitchFamily="34" charset="0"/>
+                <a:cs typeface="Courier New" panose="02070309020205020404" pitchFamily="49" charset="0"/>
+              </a:endParaRPr>
+            </a:p>
+          </p:txBody>
+        </p:sp>
+        <p:sp>
+          <p:nvSpPr>
+            <p:cNvPr id="34" name="Cylinder 33">
+              <a:extLst>
+                <a:ext uri="{FF2B5EF4-FFF2-40B4-BE49-F238E27FC236}">
+                  <a16:creationId xmlns:a16="http://schemas.microsoft.com/office/drawing/2014/main" id="{292E3E49-8472-47C4-BF26-36B2971B1D2E}"/>
+                </a:ext>
+              </a:extLst>
+            </p:cNvPr>
+            <p:cNvSpPr/>
+            <p:nvPr/>
+          </p:nvSpPr>
+          <p:spPr>
+            <a:xfrm>
+              <a:off x="9486415" y="253715"/>
+              <a:ext cx="1012764" cy="300296"/>
+            </a:xfrm>
+            <a:prstGeom prst="can">
+              <a:avLst/>
+            </a:prstGeom>
+            <a:solidFill>
+              <a:srgbClr val="C00000"/>
+            </a:solidFill>
+          </p:spPr>
+          <p:style>
+            <a:lnRef idx="2">
+              <a:schemeClr val="accent1">
+                <a:shade val="50000"/>
+              </a:schemeClr>
+            </a:lnRef>
+            <a:fillRef idx="1">
+              <a:schemeClr val="accent1"/>
+            </a:fillRef>
+            <a:effectRef idx="0">
+              <a:schemeClr val="accent1"/>
+            </a:effectRef>
+            <a:fontRef idx="minor">
+              <a:schemeClr val="lt1"/>
+            </a:fontRef>
+          </p:style>
+          <p:txBody>
+            <a:bodyPr rtlCol="0" anchor="ctr"/>
+            <a:lstStyle/>
+            <a:p>
+              <a:pPr algn="ctr"/>
+              <a:endParaRPr lang="en-NZ" sz="1400" dirty="0">
+                <a:solidFill>
+                  <a:schemeClr val="bg1"/>
+                </a:solidFill>
+                <a:latin typeface="Courier New" panose="02070309020205020404" pitchFamily="49" charset="0"/>
+                <a:ea typeface="Microsoft Sans Serif" panose="020B0604020202020204" pitchFamily="34" charset="0"/>
+                <a:cs typeface="Courier New" panose="02070309020205020404" pitchFamily="49" charset="0"/>
+              </a:endParaRPr>
+            </a:p>
+          </p:txBody>
+        </p:sp>
+        <p:cxnSp>
+          <p:nvCxnSpPr>
+            <p:cNvPr id="36" name="Connector: Elbow 35">
+              <a:extLst>
+                <a:ext uri="{FF2B5EF4-FFF2-40B4-BE49-F238E27FC236}">
+                  <a16:creationId xmlns:a16="http://schemas.microsoft.com/office/drawing/2014/main" id="{2D6295CE-6BC3-4F8E-89C4-77102CEC0C4C}"/>
+                </a:ext>
+              </a:extLst>
+            </p:cNvPr>
+            <p:cNvCxnSpPr>
+              <a:cxnSpLocks/>
+              <a:stCxn id="23" idx="3"/>
+              <a:endCxn id="34" idx="2"/>
+            </p:cNvCxnSpPr>
+            <p:nvPr/>
+          </p:nvCxnSpPr>
+          <p:spPr>
+            <a:xfrm flipV="1">
+              <a:off x="8566423" y="403863"/>
+              <a:ext cx="919992" cy="211279"/>
+            </a:xfrm>
+            <a:prstGeom prst="straightConnector1">
+              <a:avLst/>
+            </a:prstGeom>
+            <a:ln w="38100">
+              <a:solidFill>
+                <a:schemeClr val="tx1"/>
+              </a:solidFill>
+              <a:tailEnd type="triangle"/>
+            </a:ln>
+          </p:spPr>
+          <p:style>
+            <a:lnRef idx="1">
+              <a:schemeClr val="accent1"/>
+            </a:lnRef>
+            <a:fillRef idx="0">
+              <a:schemeClr val="accent1"/>
+            </a:fillRef>
+            <a:effectRef idx="0">
+              <a:schemeClr val="accent1"/>
+            </a:effectRef>
+            <a:fontRef idx="minor">
+              <a:schemeClr val="tx1"/>
+            </a:fontRef>
+          </p:style>
+        </p:cxnSp>
+        <p:sp>
+          <p:nvSpPr>
+            <p:cNvPr id="112" name="Cylinder 111">
+              <a:extLst>
+                <a:ext uri="{FF2B5EF4-FFF2-40B4-BE49-F238E27FC236}">
+                  <a16:creationId xmlns:a16="http://schemas.microsoft.com/office/drawing/2014/main" id="{AF8CE0D7-B478-461A-9D60-670C0B3E8A71}"/>
+                </a:ext>
+              </a:extLst>
+            </p:cNvPr>
+            <p:cNvSpPr/>
+            <p:nvPr/>
+          </p:nvSpPr>
+          <p:spPr>
+            <a:xfrm>
+              <a:off x="9868614" y="424124"/>
+              <a:ext cx="1012764" cy="300296"/>
+            </a:xfrm>
+            <a:prstGeom prst="can">
+              <a:avLst/>
+            </a:prstGeom>
+            <a:solidFill>
+              <a:srgbClr val="C00000"/>
+            </a:solidFill>
+          </p:spPr>
+          <p:style>
+            <a:lnRef idx="2">
+              <a:schemeClr val="accent1">
+                <a:shade val="50000"/>
+              </a:schemeClr>
+            </a:lnRef>
+            <a:fillRef idx="1">
+              <a:schemeClr val="accent1"/>
+            </a:fillRef>
+            <a:effectRef idx="0">
+              <a:schemeClr val="accent1"/>
+            </a:effectRef>
+            <a:fontRef idx="minor">
+              <a:schemeClr val="lt1"/>
+            </a:fontRef>
+          </p:style>
+          <p:txBody>
+            <a:bodyPr rtlCol="0" anchor="ctr"/>
+            <a:lstStyle/>
+            <a:p>
+              <a:pPr algn="ctr"/>
+              <a:endParaRPr lang="en-NZ" sz="1400" dirty="0">
+                <a:solidFill>
+                  <a:schemeClr val="bg1"/>
+                </a:solidFill>
+                <a:latin typeface="Courier New" panose="02070309020205020404" pitchFamily="49" charset="0"/>
+                <a:ea typeface="Microsoft Sans Serif" panose="020B0604020202020204" pitchFamily="34" charset="0"/>
+                <a:cs typeface="Courier New" panose="02070309020205020404" pitchFamily="49" charset="0"/>
+              </a:endParaRPr>
+            </a:p>
+          </p:txBody>
+        </p:sp>
+        <p:sp>
+          <p:nvSpPr>
+            <p:cNvPr id="113" name="Cylinder 112">
+              <a:extLst>
+                <a:ext uri="{FF2B5EF4-FFF2-40B4-BE49-F238E27FC236}">
+                  <a16:creationId xmlns:a16="http://schemas.microsoft.com/office/drawing/2014/main" id="{88A96E02-58F8-4107-956B-1D25251EB447}"/>
+                </a:ext>
+              </a:extLst>
+            </p:cNvPr>
+            <p:cNvSpPr/>
+            <p:nvPr/>
+          </p:nvSpPr>
+          <p:spPr>
+            <a:xfrm>
+              <a:off x="10263557" y="614104"/>
+              <a:ext cx="1012764" cy="300296"/>
+            </a:xfrm>
+            <a:prstGeom prst="can">
+              <a:avLst/>
+            </a:prstGeom>
+            <a:solidFill>
+              <a:srgbClr val="C00000"/>
+            </a:solidFill>
+          </p:spPr>
+          <p:style>
+            <a:lnRef idx="2">
+              <a:schemeClr val="accent1">
+                <a:shade val="50000"/>
+              </a:schemeClr>
+            </a:lnRef>
+            <a:fillRef idx="1">
+              <a:schemeClr val="accent1"/>
+            </a:fillRef>
+            <a:effectRef idx="0">
+              <a:schemeClr val="accent1"/>
+            </a:effectRef>
+            <a:fontRef idx="minor">
+              <a:schemeClr val="lt1"/>
+            </a:fontRef>
+          </p:style>
+          <p:txBody>
+            <a:bodyPr rtlCol="0" anchor="ctr"/>
+            <a:lstStyle/>
+            <a:p>
+              <a:pPr algn="ctr"/>
+              <a:r>
+                <a:rPr lang="en-US" sz="900" dirty="0">
+                  <a:solidFill>
+                    <a:schemeClr val="bg1"/>
+                  </a:solidFill>
+                  <a:latin typeface="Courier New" panose="02070309020205020404" pitchFamily="49" charset="0"/>
+                  <a:ea typeface="Microsoft Sans Serif" panose="020B0604020202020204" pitchFamily="34" charset="0"/>
+                  <a:cs typeface="Courier New" panose="02070309020205020404" pitchFamily="49" charset="0"/>
+                </a:rPr>
+                <a:t>A </a:t>
+              </a:r>
+              <a:r>
+                <a:rPr lang="en-US" sz="900" dirty="0" err="1">
+                  <a:solidFill>
+                    <a:schemeClr val="bg1"/>
+                  </a:solidFill>
+                  <a:latin typeface="Courier New" panose="02070309020205020404" pitchFamily="49" charset="0"/>
+                  <a:ea typeface="Microsoft Sans Serif" panose="020B0604020202020204" pitchFamily="34" charset="0"/>
+                  <a:cs typeface="Courier New" panose="02070309020205020404" pitchFamily="49" charset="0"/>
+                </a:rPr>
+                <a:t>ReadModel</a:t>
+              </a:r>
+              <a:endParaRPr lang="en-NZ" sz="900" dirty="0">
+                <a:solidFill>
+                  <a:schemeClr val="bg1"/>
+                </a:solidFill>
+                <a:latin typeface="Courier New" panose="02070309020205020404" pitchFamily="49" charset="0"/>
+                <a:ea typeface="Microsoft Sans Serif" panose="020B0604020202020204" pitchFamily="34" charset="0"/>
+                <a:cs typeface="Courier New" panose="02070309020205020404" pitchFamily="49" charset="0"/>
+              </a:endParaRPr>
+            </a:p>
+          </p:txBody>
+        </p:sp>
+        <p:cxnSp>
+          <p:nvCxnSpPr>
+            <p:cNvPr id="114" name="Connector: Elbow 35">
+              <a:extLst>
+                <a:ext uri="{FF2B5EF4-FFF2-40B4-BE49-F238E27FC236}">
+                  <a16:creationId xmlns:a16="http://schemas.microsoft.com/office/drawing/2014/main" id="{9118CA71-77C7-4A6C-B4E1-879F31269960}"/>
+                </a:ext>
+              </a:extLst>
+            </p:cNvPr>
+            <p:cNvCxnSpPr>
+              <a:cxnSpLocks/>
+              <a:stCxn id="23" idx="3"/>
+              <a:endCxn id="112" idx="2"/>
+            </p:cNvCxnSpPr>
+            <p:nvPr/>
+          </p:nvCxnSpPr>
+          <p:spPr>
+            <a:xfrm flipV="1">
+              <a:off x="8566423" y="574272"/>
+              <a:ext cx="1302191" cy="40870"/>
+            </a:xfrm>
+            <a:prstGeom prst="straightConnector1">
+              <a:avLst/>
+            </a:prstGeom>
+            <a:ln w="38100">
+              <a:solidFill>
+                <a:schemeClr val="tx1"/>
+              </a:solidFill>
+              <a:tailEnd type="triangle"/>
+            </a:ln>
+          </p:spPr>
+          <p:style>
+            <a:lnRef idx="1">
+              <a:schemeClr val="accent1"/>
+            </a:lnRef>
+            <a:fillRef idx="0">
+              <a:schemeClr val="accent1"/>
+            </a:fillRef>
+            <a:effectRef idx="0">
+              <a:schemeClr val="accent1"/>
+            </a:effectRef>
+            <a:fontRef idx="minor">
+              <a:schemeClr val="tx1"/>
+            </a:fontRef>
+          </p:style>
+        </p:cxnSp>
+        <p:cxnSp>
+          <p:nvCxnSpPr>
+            <p:cNvPr id="117" name="Connector: Elbow 35">
+              <a:extLst>
+                <a:ext uri="{FF2B5EF4-FFF2-40B4-BE49-F238E27FC236}">
+                  <a16:creationId xmlns:a16="http://schemas.microsoft.com/office/drawing/2014/main" id="{2CE1ED86-6A85-45C9-A20F-A55337FC6D46}"/>
+                </a:ext>
+              </a:extLst>
+            </p:cNvPr>
+            <p:cNvCxnSpPr>
+              <a:cxnSpLocks/>
+              <a:stCxn id="23" idx="3"/>
+              <a:endCxn id="113" idx="2"/>
+            </p:cNvCxnSpPr>
+            <p:nvPr/>
+          </p:nvCxnSpPr>
+          <p:spPr>
+            <a:xfrm>
+              <a:off x="8566423" y="615142"/>
+              <a:ext cx="1697134" cy="149110"/>
+            </a:xfrm>
+            <a:prstGeom prst="straightConnector1">
+              <a:avLst/>
+            </a:prstGeom>
+            <a:ln w="38100">
+              <a:solidFill>
+                <a:schemeClr val="tx1"/>
+              </a:solidFill>
+              <a:tailEnd type="triangle"/>
+            </a:ln>
+          </p:spPr>
+          <p:style>
+            <a:lnRef idx="1">
+              <a:schemeClr val="accent1"/>
+            </a:lnRef>
+            <a:fillRef idx="0">
+              <a:schemeClr val="accent1"/>
+            </a:fillRef>
+            <a:effectRef idx="0">
+              <a:schemeClr val="accent1"/>
+            </a:effectRef>
+            <a:fontRef idx="minor">
+              <a:schemeClr val="tx1"/>
+            </a:fontRef>
+          </p:style>
+        </p:cxnSp>
+      </p:grpSp>
+      <p:grpSp>
+        <p:nvGrpSpPr>
+          <p:cNvPr id="155" name="Group 154">
+            <a:extLst>
+              <a:ext uri="{FF2B5EF4-FFF2-40B4-BE49-F238E27FC236}">
+                <a16:creationId xmlns:a16="http://schemas.microsoft.com/office/drawing/2014/main" id="{00AA2E95-EDE4-4046-9B9D-9B789ACEBFFF}"/>
+              </a:ext>
+            </a:extLst>
+          </p:cNvPr>
+          <p:cNvGrpSpPr/>
+          <p:nvPr/>
+        </p:nvGrpSpPr>
+        <p:grpSpPr>
+          <a:xfrm>
+            <a:off x="7213791" y="1074849"/>
+            <a:ext cx="4827137" cy="660685"/>
+            <a:chOff x="6454673" y="233274"/>
+            <a:chExt cx="4827137" cy="660685"/>
+          </a:xfrm>
+        </p:grpSpPr>
+        <p:sp>
+          <p:nvSpPr>
+            <p:cNvPr id="156" name="Rectangle: Rounded Corners 155">
+              <a:extLst>
+                <a:ext uri="{FF2B5EF4-FFF2-40B4-BE49-F238E27FC236}">
+                  <a16:creationId xmlns:a16="http://schemas.microsoft.com/office/drawing/2014/main" id="{E20702D0-D5B3-4368-AA64-D40AA143B567}"/>
+                </a:ext>
+              </a:extLst>
+            </p:cNvPr>
+            <p:cNvSpPr/>
+            <p:nvPr/>
+          </p:nvSpPr>
+          <p:spPr>
+            <a:xfrm>
+              <a:off x="6454673" y="340822"/>
+              <a:ext cx="2111750" cy="548640"/>
+            </a:xfrm>
+            <a:prstGeom prst="roundRect">
+              <a:avLst/>
+            </a:prstGeom>
+            <a:solidFill>
+              <a:schemeClr val="bg2">
+                <a:lumMod val="50000"/>
+              </a:schemeClr>
+            </a:solidFill>
+          </p:spPr>
+          <p:style>
+            <a:lnRef idx="2">
+              <a:schemeClr val="accent1">
+                <a:shade val="50000"/>
+              </a:schemeClr>
+            </a:lnRef>
+            <a:fillRef idx="1">
+              <a:schemeClr val="accent1"/>
+            </a:fillRef>
+            <a:effectRef idx="0">
+              <a:schemeClr val="accent1"/>
+            </a:effectRef>
+            <a:fontRef idx="minor">
+              <a:schemeClr val="lt1"/>
+            </a:fontRef>
+          </p:style>
+          <p:txBody>
+            <a:bodyPr rtlCol="0" anchor="ctr"/>
+            <a:lstStyle/>
+            <a:p>
+              <a:pPr algn="ctr"/>
+              <a:r>
+                <a:rPr lang="en-US" sz="1200" b="1" dirty="0" err="1">
+                  <a:solidFill>
+                    <a:schemeClr val="bg1"/>
+                  </a:solidFill>
+                  <a:latin typeface="Courier New" panose="02070309020205020404" pitchFamily="49" charset="0"/>
+                  <a:ea typeface="Microsoft Sans Serif" panose="020B0604020202020204" pitchFamily="34" charset="0"/>
+                  <a:cs typeface="Courier New" panose="02070309020205020404" pitchFamily="49" charset="0"/>
+                </a:rPr>
+                <a:t>IReadModelProjection</a:t>
+              </a:r>
+              <a:endParaRPr lang="en-NZ" sz="1200" b="1" dirty="0">
+                <a:solidFill>
+                  <a:schemeClr val="bg1"/>
+                </a:solidFill>
+                <a:latin typeface="Courier New" panose="02070309020205020404" pitchFamily="49" charset="0"/>
+                <a:ea typeface="Microsoft Sans Serif" panose="020B0604020202020204" pitchFamily="34" charset="0"/>
+                <a:cs typeface="Courier New" panose="02070309020205020404" pitchFamily="49" charset="0"/>
+              </a:endParaRPr>
+            </a:p>
+          </p:txBody>
+        </p:sp>
+        <p:sp>
+          <p:nvSpPr>
+            <p:cNvPr id="157" name="Cylinder 156">
+              <a:extLst>
+                <a:ext uri="{FF2B5EF4-FFF2-40B4-BE49-F238E27FC236}">
+                  <a16:creationId xmlns:a16="http://schemas.microsoft.com/office/drawing/2014/main" id="{D18151DF-308A-456D-877D-5F968BA79281}"/>
+                </a:ext>
+              </a:extLst>
+            </p:cNvPr>
+            <p:cNvSpPr/>
+            <p:nvPr/>
+          </p:nvSpPr>
+          <p:spPr>
+            <a:xfrm>
+              <a:off x="9491904" y="233274"/>
+              <a:ext cx="1012764" cy="300296"/>
+            </a:xfrm>
+            <a:prstGeom prst="can">
+              <a:avLst/>
+            </a:prstGeom>
+            <a:solidFill>
+              <a:srgbClr val="C00000"/>
+            </a:solidFill>
+          </p:spPr>
+          <p:style>
+            <a:lnRef idx="2">
+              <a:schemeClr val="accent1">
+                <a:shade val="50000"/>
+              </a:schemeClr>
+            </a:lnRef>
+            <a:fillRef idx="1">
+              <a:schemeClr val="accent1"/>
+            </a:fillRef>
+            <a:effectRef idx="0">
+              <a:schemeClr val="accent1"/>
+            </a:effectRef>
+            <a:fontRef idx="minor">
+              <a:schemeClr val="lt1"/>
+            </a:fontRef>
+          </p:style>
+          <p:txBody>
+            <a:bodyPr rtlCol="0" anchor="ctr"/>
+            <a:lstStyle/>
+            <a:p>
+              <a:pPr algn="ctr"/>
+              <a:endParaRPr lang="en-NZ" sz="1400" dirty="0">
+                <a:solidFill>
+                  <a:schemeClr val="bg1"/>
+                </a:solidFill>
+                <a:latin typeface="Courier New" panose="02070309020205020404" pitchFamily="49" charset="0"/>
+                <a:ea typeface="Microsoft Sans Serif" panose="020B0604020202020204" pitchFamily="34" charset="0"/>
+                <a:cs typeface="Courier New" panose="02070309020205020404" pitchFamily="49" charset="0"/>
+              </a:endParaRPr>
+            </a:p>
+          </p:txBody>
+        </p:sp>
+        <p:cxnSp>
+          <p:nvCxnSpPr>
+            <p:cNvPr id="158" name="Connector: Elbow 35">
+              <a:extLst>
+                <a:ext uri="{FF2B5EF4-FFF2-40B4-BE49-F238E27FC236}">
+                  <a16:creationId xmlns:a16="http://schemas.microsoft.com/office/drawing/2014/main" id="{B88BC1B6-A233-4597-B0EA-CA6D5F4977F9}"/>
+                </a:ext>
+              </a:extLst>
+            </p:cNvPr>
+            <p:cNvCxnSpPr>
+              <a:cxnSpLocks/>
+              <a:stCxn id="156" idx="3"/>
+              <a:endCxn id="157" idx="2"/>
+            </p:cNvCxnSpPr>
+            <p:nvPr/>
+          </p:nvCxnSpPr>
+          <p:spPr>
+            <a:xfrm flipV="1">
+              <a:off x="8566423" y="383422"/>
+              <a:ext cx="925481" cy="231720"/>
+            </a:xfrm>
+            <a:prstGeom prst="straightConnector1">
+              <a:avLst/>
+            </a:prstGeom>
+            <a:ln w="38100">
+              <a:solidFill>
+                <a:schemeClr val="tx1"/>
+              </a:solidFill>
+              <a:tailEnd type="triangle"/>
+            </a:ln>
+          </p:spPr>
+          <p:style>
+            <a:lnRef idx="1">
+              <a:schemeClr val="accent1"/>
+            </a:lnRef>
+            <a:fillRef idx="0">
+              <a:schemeClr val="accent1"/>
+            </a:fillRef>
+            <a:effectRef idx="0">
+              <a:schemeClr val="accent1"/>
+            </a:effectRef>
+            <a:fontRef idx="minor">
+              <a:schemeClr val="tx1"/>
+            </a:fontRef>
+          </p:style>
+        </p:cxnSp>
+        <p:sp>
+          <p:nvSpPr>
+            <p:cNvPr id="159" name="Cylinder 158">
+              <a:extLst>
+                <a:ext uri="{FF2B5EF4-FFF2-40B4-BE49-F238E27FC236}">
+                  <a16:creationId xmlns:a16="http://schemas.microsoft.com/office/drawing/2014/main" id="{126CA97C-06F2-4E8A-A533-2F83A00DCC83}"/>
+                </a:ext>
+              </a:extLst>
+            </p:cNvPr>
+            <p:cNvSpPr/>
+            <p:nvPr/>
+          </p:nvSpPr>
+          <p:spPr>
+            <a:xfrm>
+              <a:off x="9874103" y="403683"/>
+              <a:ext cx="1012764" cy="300296"/>
+            </a:xfrm>
+            <a:prstGeom prst="can">
+              <a:avLst/>
+            </a:prstGeom>
+            <a:solidFill>
+              <a:srgbClr val="C00000"/>
+            </a:solidFill>
+          </p:spPr>
+          <p:style>
+            <a:lnRef idx="2">
+              <a:schemeClr val="accent1">
+                <a:shade val="50000"/>
+              </a:schemeClr>
+            </a:lnRef>
+            <a:fillRef idx="1">
+              <a:schemeClr val="accent1"/>
+            </a:fillRef>
+            <a:effectRef idx="0">
+              <a:schemeClr val="accent1"/>
+            </a:effectRef>
+            <a:fontRef idx="minor">
+              <a:schemeClr val="lt1"/>
+            </a:fontRef>
+          </p:style>
+          <p:txBody>
+            <a:bodyPr rtlCol="0" anchor="ctr"/>
+            <a:lstStyle/>
+            <a:p>
+              <a:pPr algn="ctr"/>
+              <a:endParaRPr lang="en-NZ" sz="1400" dirty="0">
+                <a:solidFill>
+                  <a:schemeClr val="bg1"/>
+                </a:solidFill>
+                <a:latin typeface="Courier New" panose="02070309020205020404" pitchFamily="49" charset="0"/>
+                <a:ea typeface="Microsoft Sans Serif" panose="020B0604020202020204" pitchFamily="34" charset="0"/>
+                <a:cs typeface="Courier New" panose="02070309020205020404" pitchFamily="49" charset="0"/>
+              </a:endParaRPr>
+            </a:p>
+          </p:txBody>
+        </p:sp>
+        <p:sp>
+          <p:nvSpPr>
+            <p:cNvPr id="160" name="Cylinder 159">
+              <a:extLst>
+                <a:ext uri="{FF2B5EF4-FFF2-40B4-BE49-F238E27FC236}">
+                  <a16:creationId xmlns:a16="http://schemas.microsoft.com/office/drawing/2014/main" id="{6D9F1CAD-912C-4DA5-8CFF-680A2B595116}"/>
+                </a:ext>
+              </a:extLst>
+            </p:cNvPr>
+            <p:cNvSpPr/>
+            <p:nvPr/>
+          </p:nvSpPr>
+          <p:spPr>
+            <a:xfrm>
+              <a:off x="10269046" y="593663"/>
+              <a:ext cx="1012764" cy="300296"/>
+            </a:xfrm>
+            <a:prstGeom prst="can">
+              <a:avLst/>
+            </a:prstGeom>
+            <a:solidFill>
+              <a:srgbClr val="C00000"/>
+            </a:solidFill>
+          </p:spPr>
+          <p:style>
+            <a:lnRef idx="2">
+              <a:schemeClr val="accent1">
+                <a:shade val="50000"/>
+              </a:schemeClr>
+            </a:lnRef>
+            <a:fillRef idx="1">
+              <a:schemeClr val="accent1"/>
+            </a:fillRef>
+            <a:effectRef idx="0">
+              <a:schemeClr val="accent1"/>
+            </a:effectRef>
+            <a:fontRef idx="minor">
+              <a:schemeClr val="lt1"/>
+            </a:fontRef>
+          </p:style>
+          <p:txBody>
+            <a:bodyPr rtlCol="0" anchor="ctr"/>
+            <a:lstStyle/>
+            <a:p>
+              <a:pPr algn="ctr"/>
+              <a:r>
+                <a:rPr lang="en-US" sz="900" dirty="0">
+                  <a:solidFill>
+                    <a:schemeClr val="bg1"/>
+                  </a:solidFill>
+                  <a:ea typeface="Microsoft Sans Serif" panose="020B0604020202020204" pitchFamily="34" charset="0"/>
+                  <a:cs typeface="Courier New" panose="02070309020205020404" pitchFamily="49" charset="0"/>
+                </a:rPr>
+                <a:t>A </a:t>
+              </a:r>
+              <a:r>
+                <a:rPr lang="en-US" sz="900" dirty="0" err="1">
+                  <a:solidFill>
+                    <a:schemeClr val="bg1"/>
+                  </a:solidFill>
+                  <a:ea typeface="Microsoft Sans Serif" panose="020B0604020202020204" pitchFamily="34" charset="0"/>
+                  <a:cs typeface="Courier New" panose="02070309020205020404" pitchFamily="49" charset="0"/>
+                </a:rPr>
+                <a:t>ReadModel</a:t>
+              </a:r>
+              <a:endParaRPr lang="en-NZ" sz="900" dirty="0">
+                <a:solidFill>
+                  <a:schemeClr val="bg1"/>
+                </a:solidFill>
+                <a:ea typeface="Microsoft Sans Serif" panose="020B0604020202020204" pitchFamily="34" charset="0"/>
+                <a:cs typeface="Courier New" panose="02070309020205020404" pitchFamily="49" charset="0"/>
+              </a:endParaRPr>
+            </a:p>
+          </p:txBody>
+        </p:sp>
+        <p:cxnSp>
+          <p:nvCxnSpPr>
+            <p:cNvPr id="161" name="Connector: Elbow 35">
+              <a:extLst>
+                <a:ext uri="{FF2B5EF4-FFF2-40B4-BE49-F238E27FC236}">
+                  <a16:creationId xmlns:a16="http://schemas.microsoft.com/office/drawing/2014/main" id="{3DE5029F-8376-4132-93D9-0FF240F798CE}"/>
+                </a:ext>
+              </a:extLst>
+            </p:cNvPr>
+            <p:cNvCxnSpPr>
+              <a:cxnSpLocks/>
+              <a:stCxn id="156" idx="3"/>
+              <a:endCxn id="159" idx="2"/>
+            </p:cNvCxnSpPr>
+            <p:nvPr/>
+          </p:nvCxnSpPr>
+          <p:spPr>
+            <a:xfrm flipV="1">
+              <a:off x="8566423" y="553831"/>
+              <a:ext cx="1307680" cy="61311"/>
+            </a:xfrm>
+            <a:prstGeom prst="straightConnector1">
+              <a:avLst/>
+            </a:prstGeom>
+            <a:ln w="38100">
+              <a:solidFill>
+                <a:schemeClr val="tx1"/>
+              </a:solidFill>
+              <a:tailEnd type="triangle"/>
+            </a:ln>
+          </p:spPr>
+          <p:style>
+            <a:lnRef idx="1">
+              <a:schemeClr val="accent1"/>
+            </a:lnRef>
+            <a:fillRef idx="0">
+              <a:schemeClr val="accent1"/>
+            </a:fillRef>
+            <a:effectRef idx="0">
+              <a:schemeClr val="accent1"/>
+            </a:effectRef>
+            <a:fontRef idx="minor">
+              <a:schemeClr val="tx1"/>
+            </a:fontRef>
+          </p:style>
+        </p:cxnSp>
+        <p:cxnSp>
+          <p:nvCxnSpPr>
+            <p:cNvPr id="162" name="Connector: Elbow 35">
+              <a:extLst>
+                <a:ext uri="{FF2B5EF4-FFF2-40B4-BE49-F238E27FC236}">
+                  <a16:creationId xmlns:a16="http://schemas.microsoft.com/office/drawing/2014/main" id="{D8C3B4A9-7570-4193-B9FB-58C1EED265E8}"/>
+                </a:ext>
+              </a:extLst>
+            </p:cNvPr>
+            <p:cNvCxnSpPr>
+              <a:cxnSpLocks/>
+              <a:stCxn id="156" idx="3"/>
+              <a:endCxn id="160" idx="2"/>
+            </p:cNvCxnSpPr>
+            <p:nvPr/>
+          </p:nvCxnSpPr>
+          <p:spPr>
+            <a:xfrm>
+              <a:off x="8566423" y="615142"/>
+              <a:ext cx="1702623" cy="128669"/>
+            </a:xfrm>
+            <a:prstGeom prst="straightConnector1">
+              <a:avLst/>
+            </a:prstGeom>
+            <a:ln w="38100">
+              <a:solidFill>
+                <a:schemeClr val="tx1"/>
+              </a:solidFill>
+              <a:tailEnd type="triangle"/>
+            </a:ln>
+          </p:spPr>
+          <p:style>
+            <a:lnRef idx="1">
+              <a:schemeClr val="accent1"/>
+            </a:lnRef>
+            <a:fillRef idx="0">
+              <a:schemeClr val="accent1"/>
+            </a:fillRef>
+            <a:effectRef idx="0">
+              <a:schemeClr val="accent1"/>
+            </a:effectRef>
+            <a:fontRef idx="minor">
+              <a:schemeClr val="tx1"/>
+            </a:fontRef>
+          </p:style>
+        </p:cxnSp>
+      </p:grpSp>
+      <p:grpSp>
+        <p:nvGrpSpPr>
+          <p:cNvPr id="163" name="Group 162">
+            <a:extLst>
+              <a:ext uri="{FF2B5EF4-FFF2-40B4-BE49-F238E27FC236}">
+                <a16:creationId xmlns:a16="http://schemas.microsoft.com/office/drawing/2014/main" id="{67E4F46B-99AE-4355-8588-A8817FB69E5A}"/>
+              </a:ext>
+            </a:extLst>
+          </p:cNvPr>
+          <p:cNvGrpSpPr/>
+          <p:nvPr/>
+        </p:nvGrpSpPr>
+        <p:grpSpPr>
+          <a:xfrm>
+            <a:off x="7208300" y="1876172"/>
+            <a:ext cx="4827139" cy="660685"/>
+            <a:chOff x="6454673" y="233274"/>
+            <a:chExt cx="4827139" cy="660685"/>
+          </a:xfrm>
+        </p:grpSpPr>
+        <p:sp>
+          <p:nvSpPr>
+            <p:cNvPr id="164" name="Rectangle: Rounded Corners 163">
+              <a:extLst>
+                <a:ext uri="{FF2B5EF4-FFF2-40B4-BE49-F238E27FC236}">
+                  <a16:creationId xmlns:a16="http://schemas.microsoft.com/office/drawing/2014/main" id="{2270240A-9EDB-44EC-A3ED-5277ADAE8A7E}"/>
+                </a:ext>
+              </a:extLst>
+            </p:cNvPr>
+            <p:cNvSpPr/>
+            <p:nvPr/>
+          </p:nvSpPr>
+          <p:spPr>
+            <a:xfrm>
+              <a:off x="6454673" y="340822"/>
+              <a:ext cx="2111750" cy="548640"/>
+            </a:xfrm>
+            <a:prstGeom prst="roundRect">
+              <a:avLst/>
+            </a:prstGeom>
+            <a:solidFill>
+              <a:schemeClr val="bg2">
+                <a:lumMod val="50000"/>
+              </a:schemeClr>
+            </a:solidFill>
+          </p:spPr>
+          <p:style>
+            <a:lnRef idx="2">
+              <a:schemeClr val="accent1">
+                <a:shade val="50000"/>
+              </a:schemeClr>
+            </a:lnRef>
+            <a:fillRef idx="1">
+              <a:schemeClr val="accent1"/>
+            </a:fillRef>
+            <a:effectRef idx="0">
+              <a:schemeClr val="accent1"/>
+            </a:effectRef>
+            <a:fontRef idx="minor">
+              <a:schemeClr val="lt1"/>
+            </a:fontRef>
+          </p:style>
+          <p:txBody>
+            <a:bodyPr rtlCol="0" anchor="ctr"/>
+            <a:lstStyle/>
+            <a:p>
+              <a:pPr algn="ctr"/>
+              <a:r>
+                <a:rPr lang="en-US" sz="1200" b="1" dirty="0" err="1">
+                  <a:solidFill>
+                    <a:schemeClr val="bg1"/>
+                  </a:solidFill>
+                  <a:latin typeface="Courier New" panose="02070309020205020404" pitchFamily="49" charset="0"/>
+                  <a:ea typeface="Microsoft Sans Serif" panose="020B0604020202020204" pitchFamily="34" charset="0"/>
+                  <a:cs typeface="Courier New" panose="02070309020205020404" pitchFamily="49" charset="0"/>
+                </a:rPr>
+                <a:t>IReadModelProjection</a:t>
+              </a:r>
+              <a:endParaRPr lang="en-NZ" sz="1200" b="1" dirty="0">
+                <a:solidFill>
+                  <a:schemeClr val="bg1"/>
+                </a:solidFill>
+                <a:latin typeface="Courier New" panose="02070309020205020404" pitchFamily="49" charset="0"/>
+                <a:ea typeface="Microsoft Sans Serif" panose="020B0604020202020204" pitchFamily="34" charset="0"/>
+                <a:cs typeface="Courier New" panose="02070309020205020404" pitchFamily="49" charset="0"/>
+              </a:endParaRPr>
+            </a:p>
+          </p:txBody>
+        </p:sp>
+        <p:sp>
+          <p:nvSpPr>
+            <p:cNvPr id="165" name="Cylinder 164">
+              <a:extLst>
+                <a:ext uri="{FF2B5EF4-FFF2-40B4-BE49-F238E27FC236}">
+                  <a16:creationId xmlns:a16="http://schemas.microsoft.com/office/drawing/2014/main" id="{E57C2778-4A6C-439C-B19B-66F0762B5806}"/>
+                </a:ext>
+              </a:extLst>
+            </p:cNvPr>
+            <p:cNvSpPr/>
+            <p:nvPr/>
+          </p:nvSpPr>
+          <p:spPr>
+            <a:xfrm>
+              <a:off x="9491906" y="233274"/>
+              <a:ext cx="1012764" cy="300296"/>
+            </a:xfrm>
+            <a:prstGeom prst="can">
+              <a:avLst/>
+            </a:prstGeom>
+            <a:solidFill>
+              <a:srgbClr val="C00000"/>
+            </a:solidFill>
+          </p:spPr>
+          <p:style>
+            <a:lnRef idx="2">
+              <a:schemeClr val="accent1">
+                <a:shade val="50000"/>
+              </a:schemeClr>
+            </a:lnRef>
+            <a:fillRef idx="1">
+              <a:schemeClr val="accent1"/>
+            </a:fillRef>
+            <a:effectRef idx="0">
+              <a:schemeClr val="accent1"/>
+            </a:effectRef>
+            <a:fontRef idx="minor">
+              <a:schemeClr val="lt1"/>
+            </a:fontRef>
+          </p:style>
+          <p:txBody>
+            <a:bodyPr rtlCol="0" anchor="ctr"/>
+            <a:lstStyle/>
+            <a:p>
+              <a:pPr algn="ctr"/>
+              <a:endParaRPr lang="en-NZ" sz="1400" dirty="0">
+                <a:solidFill>
+                  <a:schemeClr val="bg1"/>
+                </a:solidFill>
+                <a:latin typeface="Courier New" panose="02070309020205020404" pitchFamily="49" charset="0"/>
+                <a:ea typeface="Microsoft Sans Serif" panose="020B0604020202020204" pitchFamily="34" charset="0"/>
+                <a:cs typeface="Courier New" panose="02070309020205020404" pitchFamily="49" charset="0"/>
+              </a:endParaRPr>
+            </a:p>
+          </p:txBody>
+        </p:sp>
+        <p:cxnSp>
+          <p:nvCxnSpPr>
+            <p:cNvPr id="166" name="Connector: Elbow 35">
+              <a:extLst>
+                <a:ext uri="{FF2B5EF4-FFF2-40B4-BE49-F238E27FC236}">
+                  <a16:creationId xmlns:a16="http://schemas.microsoft.com/office/drawing/2014/main" id="{7682B0C5-BFE8-449D-9E3A-1354E25EE7FF}"/>
+                </a:ext>
+              </a:extLst>
+            </p:cNvPr>
+            <p:cNvCxnSpPr>
+              <a:cxnSpLocks/>
+              <a:stCxn id="164" idx="3"/>
+              <a:endCxn id="165" idx="2"/>
+            </p:cNvCxnSpPr>
+            <p:nvPr/>
+          </p:nvCxnSpPr>
+          <p:spPr>
+            <a:xfrm flipV="1">
+              <a:off x="8566423" y="383422"/>
+              <a:ext cx="925483" cy="231720"/>
+            </a:xfrm>
+            <a:prstGeom prst="straightConnector1">
+              <a:avLst/>
+            </a:prstGeom>
+            <a:ln w="38100">
+              <a:solidFill>
+                <a:schemeClr val="tx1"/>
+              </a:solidFill>
+              <a:tailEnd type="triangle"/>
+            </a:ln>
+          </p:spPr>
+          <p:style>
+            <a:lnRef idx="1">
+              <a:schemeClr val="accent1"/>
+            </a:lnRef>
+            <a:fillRef idx="0">
+              <a:schemeClr val="accent1"/>
+            </a:fillRef>
+            <a:effectRef idx="0">
+              <a:schemeClr val="accent1"/>
+            </a:effectRef>
+            <a:fontRef idx="minor">
+              <a:schemeClr val="tx1"/>
+            </a:fontRef>
+          </p:style>
+        </p:cxnSp>
+        <p:sp>
+          <p:nvSpPr>
+            <p:cNvPr id="167" name="Cylinder 166">
+              <a:extLst>
+                <a:ext uri="{FF2B5EF4-FFF2-40B4-BE49-F238E27FC236}">
+                  <a16:creationId xmlns:a16="http://schemas.microsoft.com/office/drawing/2014/main" id="{869A435C-AD74-4B82-9EED-93CC8A24CE52}"/>
+                </a:ext>
+              </a:extLst>
+            </p:cNvPr>
+            <p:cNvSpPr/>
+            <p:nvPr/>
+          </p:nvSpPr>
+          <p:spPr>
+            <a:xfrm>
+              <a:off x="9874105" y="403683"/>
+              <a:ext cx="1012764" cy="300296"/>
+            </a:xfrm>
+            <a:prstGeom prst="can">
+              <a:avLst/>
+            </a:prstGeom>
+            <a:solidFill>
+              <a:srgbClr val="C00000"/>
+            </a:solidFill>
+          </p:spPr>
+          <p:style>
+            <a:lnRef idx="2">
+              <a:schemeClr val="accent1">
+                <a:shade val="50000"/>
+              </a:schemeClr>
+            </a:lnRef>
+            <a:fillRef idx="1">
+              <a:schemeClr val="accent1"/>
+            </a:fillRef>
+            <a:effectRef idx="0">
+              <a:schemeClr val="accent1"/>
+            </a:effectRef>
+            <a:fontRef idx="minor">
+              <a:schemeClr val="lt1"/>
+            </a:fontRef>
+          </p:style>
+          <p:txBody>
+            <a:bodyPr rtlCol="0" anchor="ctr"/>
+            <a:lstStyle/>
+            <a:p>
+              <a:pPr algn="ctr"/>
+              <a:endParaRPr lang="en-NZ" sz="1400" dirty="0">
+                <a:solidFill>
+                  <a:schemeClr val="bg1"/>
+                </a:solidFill>
+                <a:latin typeface="Courier New" panose="02070309020205020404" pitchFamily="49" charset="0"/>
+                <a:ea typeface="Microsoft Sans Serif" panose="020B0604020202020204" pitchFamily="34" charset="0"/>
+                <a:cs typeface="Courier New" panose="02070309020205020404" pitchFamily="49" charset="0"/>
+              </a:endParaRPr>
+            </a:p>
+          </p:txBody>
+        </p:sp>
+        <p:sp>
+          <p:nvSpPr>
+            <p:cNvPr id="168" name="Cylinder 167">
+              <a:extLst>
+                <a:ext uri="{FF2B5EF4-FFF2-40B4-BE49-F238E27FC236}">
+                  <a16:creationId xmlns:a16="http://schemas.microsoft.com/office/drawing/2014/main" id="{D3815DFD-076A-4753-9D8B-F666E3063F1F}"/>
+                </a:ext>
+              </a:extLst>
+            </p:cNvPr>
+            <p:cNvSpPr/>
+            <p:nvPr/>
+          </p:nvSpPr>
+          <p:spPr>
+            <a:xfrm>
+              <a:off x="10269048" y="593663"/>
+              <a:ext cx="1012764" cy="300296"/>
+            </a:xfrm>
+            <a:prstGeom prst="can">
+              <a:avLst/>
+            </a:prstGeom>
+            <a:solidFill>
+              <a:srgbClr val="C00000"/>
+            </a:solidFill>
+          </p:spPr>
+          <p:style>
+            <a:lnRef idx="2">
+              <a:schemeClr val="accent1">
+                <a:shade val="50000"/>
+              </a:schemeClr>
+            </a:lnRef>
+            <a:fillRef idx="1">
+              <a:schemeClr val="accent1"/>
+            </a:fillRef>
+            <a:effectRef idx="0">
+              <a:schemeClr val="accent1"/>
+            </a:effectRef>
+            <a:fontRef idx="minor">
+              <a:schemeClr val="lt1"/>
+            </a:fontRef>
+          </p:style>
+          <p:txBody>
+            <a:bodyPr rtlCol="0" anchor="ctr"/>
+            <a:lstStyle/>
+            <a:p>
+              <a:pPr algn="ctr"/>
+              <a:r>
+                <a:rPr lang="en-US" sz="900" dirty="0">
+                  <a:solidFill>
+                    <a:schemeClr val="bg1"/>
+                  </a:solidFill>
+                  <a:ea typeface="Microsoft Sans Serif" panose="020B0604020202020204" pitchFamily="34" charset="0"/>
+                  <a:cs typeface="Courier New" panose="02070309020205020404" pitchFamily="49" charset="0"/>
+                </a:rPr>
+                <a:t>A </a:t>
+              </a:r>
+              <a:r>
+                <a:rPr lang="en-US" sz="900" dirty="0" err="1">
+                  <a:solidFill>
+                    <a:schemeClr val="bg1"/>
+                  </a:solidFill>
+                  <a:ea typeface="Microsoft Sans Serif" panose="020B0604020202020204" pitchFamily="34" charset="0"/>
+                  <a:cs typeface="Courier New" panose="02070309020205020404" pitchFamily="49" charset="0"/>
+                </a:rPr>
+                <a:t>ReadModel</a:t>
+              </a:r>
+              <a:endParaRPr lang="en-NZ" sz="900" dirty="0">
+                <a:solidFill>
+                  <a:schemeClr val="bg1"/>
+                </a:solidFill>
+                <a:ea typeface="Microsoft Sans Serif" panose="020B0604020202020204" pitchFamily="34" charset="0"/>
+                <a:cs typeface="Courier New" panose="02070309020205020404" pitchFamily="49" charset="0"/>
+              </a:endParaRPr>
+            </a:p>
+          </p:txBody>
+        </p:sp>
+        <p:cxnSp>
+          <p:nvCxnSpPr>
+            <p:cNvPr id="169" name="Connector: Elbow 35">
+              <a:extLst>
+                <a:ext uri="{FF2B5EF4-FFF2-40B4-BE49-F238E27FC236}">
+                  <a16:creationId xmlns:a16="http://schemas.microsoft.com/office/drawing/2014/main" id="{08AA4869-7B4B-47A4-97F7-6E0CD90DD6AA}"/>
+                </a:ext>
+              </a:extLst>
+            </p:cNvPr>
+            <p:cNvCxnSpPr>
+              <a:cxnSpLocks/>
+              <a:stCxn id="164" idx="3"/>
+              <a:endCxn id="167" idx="2"/>
+            </p:cNvCxnSpPr>
+            <p:nvPr/>
+          </p:nvCxnSpPr>
+          <p:spPr>
+            <a:xfrm flipV="1">
+              <a:off x="8566423" y="553831"/>
+              <a:ext cx="1307682" cy="61311"/>
+            </a:xfrm>
+            <a:prstGeom prst="straightConnector1">
+              <a:avLst/>
+            </a:prstGeom>
+            <a:ln w="38100">
+              <a:solidFill>
+                <a:schemeClr val="tx1"/>
+              </a:solidFill>
+              <a:tailEnd type="triangle"/>
+            </a:ln>
+          </p:spPr>
+          <p:style>
+            <a:lnRef idx="1">
+              <a:schemeClr val="accent1"/>
+            </a:lnRef>
+            <a:fillRef idx="0">
+              <a:schemeClr val="accent1"/>
+            </a:fillRef>
+            <a:effectRef idx="0">
+              <a:schemeClr val="accent1"/>
+            </a:effectRef>
+            <a:fontRef idx="minor">
+              <a:schemeClr val="tx1"/>
+            </a:fontRef>
+          </p:style>
+        </p:cxnSp>
+        <p:cxnSp>
+          <p:nvCxnSpPr>
+            <p:cNvPr id="170" name="Connector: Elbow 35">
+              <a:extLst>
+                <a:ext uri="{FF2B5EF4-FFF2-40B4-BE49-F238E27FC236}">
+                  <a16:creationId xmlns:a16="http://schemas.microsoft.com/office/drawing/2014/main" id="{50271C9D-FF78-467B-AE71-82763F3C0D40}"/>
+                </a:ext>
+              </a:extLst>
+            </p:cNvPr>
+            <p:cNvCxnSpPr>
+              <a:cxnSpLocks/>
+              <a:stCxn id="164" idx="3"/>
+              <a:endCxn id="168" idx="2"/>
+            </p:cNvCxnSpPr>
+            <p:nvPr/>
+          </p:nvCxnSpPr>
+          <p:spPr>
+            <a:xfrm>
+              <a:off x="8566423" y="615142"/>
+              <a:ext cx="1702625" cy="128669"/>
+            </a:xfrm>
+            <a:prstGeom prst="straightConnector1">
+              <a:avLst/>
+            </a:prstGeom>
+            <a:ln w="38100">
+              <a:solidFill>
+                <a:schemeClr val="tx1"/>
+              </a:solidFill>
+              <a:tailEnd type="triangle"/>
+            </a:ln>
+          </p:spPr>
+          <p:style>
+            <a:lnRef idx="1">
+              <a:schemeClr val="accent1"/>
+            </a:lnRef>
+            <a:fillRef idx="0">
+              <a:schemeClr val="accent1"/>
+            </a:fillRef>
+            <a:effectRef idx="0">
+              <a:schemeClr val="accent1"/>
+            </a:effectRef>
+            <a:fontRef idx="minor">
+              <a:schemeClr val="tx1"/>
+            </a:fontRef>
+          </p:style>
+        </p:cxnSp>
+      </p:grpSp>
+      <p:grpSp>
+        <p:nvGrpSpPr>
+          <p:cNvPr id="178" name="Group 177">
+            <a:extLst>
+              <a:ext uri="{FF2B5EF4-FFF2-40B4-BE49-F238E27FC236}">
+                <a16:creationId xmlns:a16="http://schemas.microsoft.com/office/drawing/2014/main" id="{FAF73F78-0FDC-4A20-B489-77FD7126E6B6}"/>
+              </a:ext>
+            </a:extLst>
+          </p:cNvPr>
+          <p:cNvGrpSpPr/>
+          <p:nvPr/>
+        </p:nvGrpSpPr>
+        <p:grpSpPr>
+          <a:xfrm>
+            <a:off x="7208300" y="5295622"/>
+            <a:ext cx="3862558" cy="1188720"/>
+            <a:chOff x="6669259" y="4502034"/>
+            <a:chExt cx="3862558" cy="1188720"/>
+          </a:xfrm>
+        </p:grpSpPr>
+        <p:sp>
+          <p:nvSpPr>
+            <p:cNvPr id="179" name="Rectangle: Rounded Corners 178">
+              <a:extLst>
+                <a:ext uri="{FF2B5EF4-FFF2-40B4-BE49-F238E27FC236}">
+                  <a16:creationId xmlns:a16="http://schemas.microsoft.com/office/drawing/2014/main" id="{A81ADF67-433F-4B8B-88C1-DA5570686962}"/>
+                </a:ext>
+              </a:extLst>
+            </p:cNvPr>
+            <p:cNvSpPr/>
+            <p:nvPr/>
+          </p:nvSpPr>
+          <p:spPr>
+            <a:xfrm>
+              <a:off x="6669259" y="4502034"/>
+              <a:ext cx="2146227" cy="1188720"/>
+            </a:xfrm>
+            <a:prstGeom prst="roundRect">
+              <a:avLst/>
+            </a:prstGeom>
+            <a:solidFill>
+              <a:schemeClr val="bg2">
+                <a:lumMod val="75000"/>
+              </a:schemeClr>
+            </a:solidFill>
+          </p:spPr>
+          <p:style>
+            <a:lnRef idx="2">
+              <a:schemeClr val="accent1">
+                <a:shade val="50000"/>
+              </a:schemeClr>
+            </a:lnRef>
+            <a:fillRef idx="1">
+              <a:schemeClr val="accent1"/>
+            </a:fillRef>
+            <a:effectRef idx="0">
+              <a:schemeClr val="accent1"/>
+            </a:effectRef>
+            <a:fontRef idx="minor">
+              <a:schemeClr val="lt1"/>
+            </a:fontRef>
+          </p:style>
+          <p:txBody>
+            <a:bodyPr rtlCol="0" anchor="t"/>
+            <a:lstStyle/>
+            <a:p>
+              <a:pPr algn="ctr"/>
+              <a:r>
+                <a:rPr lang="en-US" sz="1200" b="1" dirty="0" err="1">
+                  <a:solidFill>
+                    <a:schemeClr val="tx1"/>
+                  </a:solidFill>
+                  <a:latin typeface="Courier New" panose="02070309020205020404" pitchFamily="49" charset="0"/>
+                  <a:ea typeface="Microsoft Sans Serif" panose="020B0604020202020204" pitchFamily="34" charset="0"/>
+                  <a:cs typeface="Courier New" panose="02070309020205020404" pitchFamily="49" charset="0"/>
+                </a:rPr>
+                <a:t>IEventNotification</a:t>
+              </a:r>
+              <a:endParaRPr lang="en-US" sz="1200" b="1" dirty="0">
+                <a:solidFill>
+                  <a:schemeClr val="tx1"/>
+                </a:solidFill>
+                <a:latin typeface="Courier New" panose="02070309020205020404" pitchFamily="49" charset="0"/>
+                <a:ea typeface="Microsoft Sans Serif" panose="020B0604020202020204" pitchFamily="34" charset="0"/>
+                <a:cs typeface="Courier New" panose="02070309020205020404" pitchFamily="49" charset="0"/>
+              </a:endParaRPr>
+            </a:p>
+            <a:p>
+              <a:pPr algn="ctr"/>
+              <a:r>
+                <a:rPr lang="en-US" sz="1200" b="1" dirty="0">
+                  <a:solidFill>
+                    <a:schemeClr val="tx1"/>
+                  </a:solidFill>
+                  <a:latin typeface="Courier New" panose="02070309020205020404" pitchFamily="49" charset="0"/>
+                  <a:ea typeface="Microsoft Sans Serif" panose="020B0604020202020204" pitchFamily="34" charset="0"/>
+                  <a:cs typeface="Courier New" panose="02070309020205020404" pitchFamily="49" charset="0"/>
+                </a:rPr>
+                <a:t>Registration</a:t>
+              </a:r>
+              <a:endParaRPr lang="en-NZ" sz="1200" b="1" dirty="0">
+                <a:solidFill>
+                  <a:schemeClr val="tx1"/>
+                </a:solidFill>
+                <a:latin typeface="Courier New" panose="02070309020205020404" pitchFamily="49" charset="0"/>
+                <a:ea typeface="Microsoft Sans Serif" panose="020B0604020202020204" pitchFamily="34" charset="0"/>
+                <a:cs typeface="Courier New" panose="02070309020205020404" pitchFamily="49" charset="0"/>
+              </a:endParaRPr>
+            </a:p>
+          </p:txBody>
+        </p:sp>
+        <p:sp>
+          <p:nvSpPr>
+            <p:cNvPr id="180" name="Rectangle: Rounded Corners 179">
+              <a:extLst>
+                <a:ext uri="{FF2B5EF4-FFF2-40B4-BE49-F238E27FC236}">
+                  <a16:creationId xmlns:a16="http://schemas.microsoft.com/office/drawing/2014/main" id="{9CEC59DD-B11B-4CBE-A688-6115F096F73A}"/>
+                </a:ext>
+              </a:extLst>
+            </p:cNvPr>
+            <p:cNvSpPr/>
+            <p:nvPr/>
+          </p:nvSpPr>
+          <p:spPr>
+            <a:xfrm>
+              <a:off x="6766558" y="4977938"/>
+              <a:ext cx="947651" cy="642851"/>
+            </a:xfrm>
+            <a:prstGeom prst="roundRect">
+              <a:avLst/>
+            </a:prstGeom>
+            <a:solidFill>
+              <a:schemeClr val="bg2">
+                <a:lumMod val="90000"/>
+              </a:schemeClr>
+            </a:solidFill>
+          </p:spPr>
+          <p:style>
+            <a:lnRef idx="2">
+              <a:schemeClr val="accent1">
+                <a:shade val="50000"/>
+              </a:schemeClr>
+            </a:lnRef>
+            <a:fillRef idx="1">
+              <a:schemeClr val="accent1"/>
+            </a:fillRef>
+            <a:effectRef idx="0">
+              <a:schemeClr val="accent1"/>
+            </a:effectRef>
+            <a:fontRef idx="minor">
+              <a:schemeClr val="lt1"/>
+            </a:fontRef>
+          </p:style>
+          <p:txBody>
+            <a:bodyPr rtlCol="0" anchor="ctr"/>
+            <a:lstStyle/>
+            <a:p>
+              <a:pPr algn="ctr"/>
+              <a:r>
+                <a:rPr lang="en-US" sz="700" b="1" dirty="0" err="1">
+                  <a:solidFill>
+                    <a:schemeClr val="tx1"/>
+                  </a:solidFill>
+                  <a:latin typeface="Courier New" panose="02070309020205020404" pitchFamily="49" charset="0"/>
+                  <a:ea typeface="Microsoft Sans Serif" panose="020B0604020202020204" pitchFamily="34" charset="0"/>
+                  <a:cs typeface="Courier New" panose="02070309020205020404" pitchFamily="49" charset="0"/>
+                </a:rPr>
+                <a:t>IEvent</a:t>
+              </a:r>
+              <a:endParaRPr lang="en-US" sz="700" b="1" dirty="0">
+                <a:solidFill>
+                  <a:schemeClr val="tx1"/>
+                </a:solidFill>
+                <a:latin typeface="Courier New" panose="02070309020205020404" pitchFamily="49" charset="0"/>
+                <a:ea typeface="Microsoft Sans Serif" panose="020B0604020202020204" pitchFamily="34" charset="0"/>
+                <a:cs typeface="Courier New" panose="02070309020205020404" pitchFamily="49" charset="0"/>
+              </a:endParaRPr>
+            </a:p>
+            <a:p>
+              <a:pPr algn="ctr"/>
+              <a:r>
+                <a:rPr lang="en-US" sz="700" b="1" dirty="0">
+                  <a:solidFill>
+                    <a:schemeClr val="tx1"/>
+                  </a:solidFill>
+                  <a:latin typeface="Courier New" panose="02070309020205020404" pitchFamily="49" charset="0"/>
+                  <a:ea typeface="Microsoft Sans Serif" panose="020B0604020202020204" pitchFamily="34" charset="0"/>
+                  <a:cs typeface="Courier New" panose="02070309020205020404" pitchFamily="49" charset="0"/>
+                </a:rPr>
+                <a:t>Notification</a:t>
+              </a:r>
+            </a:p>
+            <a:p>
+              <a:pPr algn="ctr"/>
+              <a:r>
+                <a:rPr lang="en-US" sz="1100" b="1" dirty="0">
+                  <a:solidFill>
+                    <a:schemeClr val="tx1"/>
+                  </a:solidFill>
+                  <a:latin typeface="Courier New" panose="02070309020205020404" pitchFamily="49" charset="0"/>
+                  <a:ea typeface="Microsoft Sans Serif" panose="020B0604020202020204" pitchFamily="34" charset="0"/>
+                  <a:cs typeface="Courier New" panose="02070309020205020404" pitchFamily="49" charset="0"/>
+                </a:rPr>
+                <a:t>Producer</a:t>
+              </a:r>
+              <a:endParaRPr lang="en-NZ" sz="1000" b="1" dirty="0">
+                <a:solidFill>
+                  <a:schemeClr val="tx1"/>
+                </a:solidFill>
+                <a:latin typeface="Courier New" panose="02070309020205020404" pitchFamily="49" charset="0"/>
+                <a:ea typeface="Microsoft Sans Serif" panose="020B0604020202020204" pitchFamily="34" charset="0"/>
+                <a:cs typeface="Courier New" panose="02070309020205020404" pitchFamily="49" charset="0"/>
+              </a:endParaRPr>
+            </a:p>
+          </p:txBody>
+        </p:sp>
+        <p:sp>
+          <p:nvSpPr>
+            <p:cNvPr id="181" name="Rectangle: Rounded Corners 180">
+              <a:extLst>
+                <a:ext uri="{FF2B5EF4-FFF2-40B4-BE49-F238E27FC236}">
+                  <a16:creationId xmlns:a16="http://schemas.microsoft.com/office/drawing/2014/main" id="{99657496-5303-4F5B-83B7-9ED2DD62D99B}"/>
+                </a:ext>
+              </a:extLst>
+            </p:cNvPr>
+            <p:cNvSpPr/>
+            <p:nvPr/>
+          </p:nvSpPr>
+          <p:spPr>
+            <a:xfrm>
+              <a:off x="7757770" y="4977937"/>
+              <a:ext cx="947651" cy="642851"/>
+            </a:xfrm>
+            <a:prstGeom prst="roundRect">
+              <a:avLst/>
+            </a:prstGeom>
+            <a:solidFill>
+              <a:schemeClr val="bg2">
+                <a:lumMod val="90000"/>
+              </a:schemeClr>
+            </a:solidFill>
+          </p:spPr>
+          <p:style>
+            <a:lnRef idx="2">
+              <a:schemeClr val="accent1">
+                <a:shade val="50000"/>
+              </a:schemeClr>
+            </a:lnRef>
+            <a:fillRef idx="1">
+              <a:schemeClr val="accent1"/>
+            </a:fillRef>
+            <a:effectRef idx="0">
+              <a:schemeClr val="accent1"/>
+            </a:effectRef>
+            <a:fontRef idx="minor">
+              <a:schemeClr val="lt1"/>
+            </a:fontRef>
+          </p:style>
+          <p:txBody>
+            <a:bodyPr rtlCol="0" anchor="ctr"/>
+            <a:lstStyle/>
+            <a:p>
+              <a:pPr algn="ctr"/>
+              <a:r>
+                <a:rPr lang="en-US" sz="700" b="1" dirty="0" err="1">
+                  <a:solidFill>
+                    <a:schemeClr val="tx1"/>
+                  </a:solidFill>
+                  <a:latin typeface="Courier New" panose="02070309020205020404" pitchFamily="49" charset="0"/>
+                  <a:ea typeface="Microsoft Sans Serif" panose="020B0604020202020204" pitchFamily="34" charset="0"/>
+                  <a:cs typeface="Courier New" panose="02070309020205020404" pitchFamily="49" charset="0"/>
+                </a:rPr>
+                <a:t>IEvent</a:t>
+              </a:r>
+              <a:endParaRPr lang="en-US" sz="700" b="1" dirty="0">
+                <a:solidFill>
+                  <a:schemeClr val="tx1"/>
+                </a:solidFill>
+                <a:latin typeface="Courier New" panose="02070309020205020404" pitchFamily="49" charset="0"/>
+                <a:ea typeface="Microsoft Sans Serif" panose="020B0604020202020204" pitchFamily="34" charset="0"/>
+                <a:cs typeface="Courier New" panose="02070309020205020404" pitchFamily="49" charset="0"/>
+              </a:endParaRPr>
+            </a:p>
+            <a:p>
+              <a:pPr algn="ctr"/>
+              <a:r>
+                <a:rPr lang="en-US" sz="700" b="1" dirty="0">
+                  <a:solidFill>
+                    <a:schemeClr val="tx1"/>
+                  </a:solidFill>
+                  <a:latin typeface="Courier New" panose="02070309020205020404" pitchFamily="49" charset="0"/>
+                  <a:ea typeface="Microsoft Sans Serif" panose="020B0604020202020204" pitchFamily="34" charset="0"/>
+                  <a:cs typeface="Courier New" panose="02070309020205020404" pitchFamily="49" charset="0"/>
+                </a:rPr>
+                <a:t>Notification</a:t>
+              </a:r>
+            </a:p>
+            <a:p>
+              <a:pPr algn="ctr"/>
+              <a:r>
+                <a:rPr lang="en-US" sz="1100" b="1" dirty="0">
+                  <a:solidFill>
+                    <a:schemeClr val="tx1"/>
+                  </a:solidFill>
+                  <a:latin typeface="Courier New" panose="02070309020205020404" pitchFamily="49" charset="0"/>
+                  <a:ea typeface="Microsoft Sans Serif" panose="020B0604020202020204" pitchFamily="34" charset="0"/>
+                  <a:cs typeface="Courier New" panose="02070309020205020404" pitchFamily="49" charset="0"/>
+                </a:rPr>
+                <a:t>Consumer</a:t>
+              </a:r>
+              <a:endParaRPr lang="en-NZ" sz="1000" b="1" dirty="0">
+                <a:solidFill>
+                  <a:schemeClr val="tx1"/>
+                </a:solidFill>
+                <a:latin typeface="Courier New" panose="02070309020205020404" pitchFamily="49" charset="0"/>
+                <a:ea typeface="Microsoft Sans Serif" panose="020B0604020202020204" pitchFamily="34" charset="0"/>
+                <a:cs typeface="Courier New" panose="02070309020205020404" pitchFamily="49" charset="0"/>
+              </a:endParaRPr>
+            </a:p>
+          </p:txBody>
+        </p:sp>
+        <p:cxnSp>
+          <p:nvCxnSpPr>
+            <p:cNvPr id="182" name="Straight Arrow Connector 181">
+              <a:extLst>
+                <a:ext uri="{FF2B5EF4-FFF2-40B4-BE49-F238E27FC236}">
+                  <a16:creationId xmlns:a16="http://schemas.microsoft.com/office/drawing/2014/main" id="{16FA9748-18AB-4172-BDC3-EE110BFB295C}"/>
+                </a:ext>
+              </a:extLst>
+            </p:cNvPr>
+            <p:cNvCxnSpPr>
+              <a:cxnSpLocks/>
+              <a:stCxn id="181" idx="3"/>
+              <a:endCxn id="183" idx="1"/>
+            </p:cNvCxnSpPr>
+            <p:nvPr/>
+          </p:nvCxnSpPr>
+          <p:spPr>
+            <a:xfrm flipV="1">
+              <a:off x="8705421" y="5289319"/>
+              <a:ext cx="490468" cy="10044"/>
+            </a:xfrm>
+            <a:prstGeom prst="straightConnector1">
+              <a:avLst/>
+            </a:prstGeom>
+            <a:ln w="38100">
+              <a:solidFill>
+                <a:schemeClr val="tx1"/>
+              </a:solidFill>
+              <a:tailEnd type="triangle"/>
+            </a:ln>
+          </p:spPr>
+          <p:style>
+            <a:lnRef idx="1">
+              <a:schemeClr val="accent1"/>
+            </a:lnRef>
+            <a:fillRef idx="0">
+              <a:schemeClr val="accent1"/>
+            </a:fillRef>
+            <a:effectRef idx="0">
+              <a:schemeClr val="accent1"/>
+            </a:effectRef>
+            <a:fontRef idx="minor">
+              <a:schemeClr val="tx1"/>
+            </a:fontRef>
+          </p:style>
+        </p:cxnSp>
+        <p:sp>
+          <p:nvSpPr>
+            <p:cNvPr id="183" name="Rectangle: Rounded Corners 182">
+              <a:extLst>
+                <a:ext uri="{FF2B5EF4-FFF2-40B4-BE49-F238E27FC236}">
+                  <a16:creationId xmlns:a16="http://schemas.microsoft.com/office/drawing/2014/main" id="{E5F3610B-363A-4DBA-B912-9B2BF290E817}"/>
+                </a:ext>
+              </a:extLst>
+            </p:cNvPr>
+            <p:cNvSpPr/>
+            <p:nvPr/>
+          </p:nvSpPr>
+          <p:spPr>
+            <a:xfrm>
+              <a:off x="9195889" y="4887884"/>
+              <a:ext cx="1335928" cy="802870"/>
+            </a:xfrm>
+            <a:prstGeom prst="roundRect">
+              <a:avLst/>
+            </a:prstGeom>
+            <a:solidFill>
+              <a:srgbClr val="7030A0"/>
+            </a:solidFill>
+          </p:spPr>
+          <p:style>
+            <a:lnRef idx="2">
+              <a:schemeClr val="accent1">
+                <a:shade val="50000"/>
+              </a:schemeClr>
+            </a:lnRef>
+            <a:fillRef idx="1">
+              <a:schemeClr val="accent1"/>
+            </a:fillRef>
+            <a:effectRef idx="0">
+              <a:schemeClr val="accent1"/>
+            </a:effectRef>
+            <a:fontRef idx="minor">
+              <a:schemeClr val="lt1"/>
+            </a:fontRef>
+          </p:style>
+          <p:txBody>
+            <a:bodyPr rtlCol="0" anchor="ctr"/>
+            <a:lstStyle/>
+            <a:p>
+              <a:pPr algn="ctr"/>
+              <a:r>
+                <a:rPr lang="en-US" sz="1100" dirty="0">
+                  <a:solidFill>
+                    <a:schemeClr val="bg1"/>
+                  </a:solidFill>
+                  <a:ea typeface="Microsoft Sans Serif" panose="020B0604020202020204" pitchFamily="34" charset="0"/>
+                  <a:cs typeface="Courier New" panose="02070309020205020404" pitchFamily="49" charset="0"/>
+                </a:rPr>
+                <a:t>Another Component</a:t>
+              </a:r>
+              <a:endParaRPr lang="en-NZ" sz="1100" dirty="0">
+                <a:solidFill>
+                  <a:schemeClr val="bg1"/>
+                </a:solidFill>
+                <a:ea typeface="Microsoft Sans Serif" panose="020B0604020202020204" pitchFamily="34" charset="0"/>
+                <a:cs typeface="Courier New" panose="02070309020205020404" pitchFamily="49" charset="0"/>
+              </a:endParaRPr>
+            </a:p>
+          </p:txBody>
+        </p:sp>
+      </p:grpSp>
+      <p:sp>
+        <p:nvSpPr>
+          <p:cNvPr id="207" name="Rectangle: Rounded Corners 206">
+            <a:extLst>
+              <a:ext uri="{FF2B5EF4-FFF2-40B4-BE49-F238E27FC236}">
+                <a16:creationId xmlns:a16="http://schemas.microsoft.com/office/drawing/2014/main" id="{34DFEBB1-656D-4B91-A199-E8B62BC82B0D}"/>
+              </a:ext>
+            </a:extLst>
+          </p:cNvPr>
+          <p:cNvSpPr/>
+          <p:nvPr/>
+        </p:nvSpPr>
+        <p:spPr>
+          <a:xfrm>
+            <a:off x="140615" y="1471091"/>
+            <a:ext cx="2789556" cy="528094"/>
+          </a:xfrm>
+          <a:prstGeom prst="roundRect">
+            <a:avLst/>
+          </a:prstGeom>
+          <a:solidFill>
+            <a:schemeClr val="accent5"/>
+          </a:solidFill>
+        </p:spPr>
+        <p:style>
+          <a:lnRef idx="2">
+            <a:schemeClr val="accent1">
+              <a:shade val="50000"/>
+            </a:schemeClr>
+          </a:lnRef>
+          <a:fillRef idx="1">
+            <a:schemeClr val="accent1"/>
+          </a:fillRef>
+          <a:effectRef idx="0">
+            <a:schemeClr val="accent1"/>
+          </a:effectRef>
+          <a:fontRef idx="minor">
+            <a:schemeClr val="lt1"/>
+          </a:fontRef>
+        </p:style>
+        <p:txBody>
+          <a:bodyPr rtlCol="0" anchor="ctr"/>
+          <a:lstStyle/>
+          <a:p>
+            <a:pPr algn="ctr"/>
+            <a:r>
+              <a:rPr lang="en-US" sz="1200" b="1" dirty="0" err="1">
+                <a:solidFill>
+                  <a:schemeClr val="bg1"/>
+                </a:solidFill>
+                <a:latin typeface="Courier New" panose="02070309020205020404" pitchFamily="49" charset="0"/>
+                <a:ea typeface="Microsoft Sans Serif" panose="020B0604020202020204" pitchFamily="34" charset="0"/>
+                <a:cs typeface="Courier New" panose="02070309020205020404" pitchFamily="49" charset="0"/>
+              </a:rPr>
+              <a:t>IEventSourcingDddCommandStore</a:t>
+            </a:r>
+            <a:r>
+              <a:rPr lang="en-US" sz="1200" b="1" dirty="0">
+                <a:solidFill>
+                  <a:schemeClr val="bg1"/>
+                </a:solidFill>
+                <a:latin typeface="Courier New" panose="02070309020205020404" pitchFamily="49" charset="0"/>
+                <a:ea typeface="Microsoft Sans Serif" panose="020B0604020202020204" pitchFamily="34" charset="0"/>
+                <a:cs typeface="Courier New" panose="02070309020205020404" pitchFamily="49" charset="0"/>
+              </a:rPr>
+              <a:t>&lt;</a:t>
+            </a:r>
+            <a:r>
+              <a:rPr lang="en-US" sz="1200" b="1" dirty="0" err="1">
+                <a:solidFill>
+                  <a:schemeClr val="bg1"/>
+                </a:solidFill>
+                <a:latin typeface="Courier New" panose="02070309020205020404" pitchFamily="49" charset="0"/>
+                <a:ea typeface="Microsoft Sans Serif" panose="020B0604020202020204" pitchFamily="34" charset="0"/>
+                <a:cs typeface="Courier New" panose="02070309020205020404" pitchFamily="49" charset="0"/>
+              </a:rPr>
+              <a:t>TAggregate</a:t>
+            </a:r>
+            <a:r>
+              <a:rPr lang="en-US" sz="1200" b="1" dirty="0">
+                <a:solidFill>
+                  <a:schemeClr val="bg1"/>
+                </a:solidFill>
+                <a:latin typeface="Courier New" panose="02070309020205020404" pitchFamily="49" charset="0"/>
+                <a:ea typeface="Microsoft Sans Serif" panose="020B0604020202020204" pitchFamily="34" charset="0"/>
+                <a:cs typeface="Courier New" panose="02070309020205020404" pitchFamily="49" charset="0"/>
+              </a:rPr>
+              <a:t>&gt;.</a:t>
+            </a:r>
+            <a:r>
+              <a:rPr lang="en-US" sz="1200" b="1" dirty="0" err="1">
+                <a:solidFill>
+                  <a:schemeClr val="bg1"/>
+                </a:solidFill>
+                <a:latin typeface="Courier New" panose="02070309020205020404" pitchFamily="49" charset="0"/>
+                <a:ea typeface="Microsoft Sans Serif" panose="020B0604020202020204" pitchFamily="34" charset="0"/>
+                <a:cs typeface="Courier New" panose="02070309020205020404" pitchFamily="49" charset="0"/>
+              </a:rPr>
+              <a:t>SaveAsync</a:t>
+            </a:r>
+            <a:r>
+              <a:rPr lang="en-US" sz="1200" b="1" dirty="0">
+                <a:solidFill>
+                  <a:schemeClr val="bg1"/>
+                </a:solidFill>
+                <a:latin typeface="Courier New" panose="02070309020205020404" pitchFamily="49" charset="0"/>
+                <a:ea typeface="Microsoft Sans Serif" panose="020B0604020202020204" pitchFamily="34" charset="0"/>
+                <a:cs typeface="Courier New" panose="02070309020205020404" pitchFamily="49" charset="0"/>
+              </a:rPr>
+              <a:t>()</a:t>
+            </a:r>
+            <a:endParaRPr lang="en-NZ" sz="1200" b="1" dirty="0">
+              <a:solidFill>
+                <a:schemeClr val="bg1"/>
+              </a:solidFill>
+              <a:latin typeface="Courier New" panose="02070309020205020404" pitchFamily="49" charset="0"/>
+              <a:ea typeface="Microsoft Sans Serif" panose="020B0604020202020204" pitchFamily="34" charset="0"/>
+              <a:cs typeface="Courier New" panose="02070309020205020404" pitchFamily="49" charset="0"/>
+            </a:endParaRPr>
+          </a:p>
+        </p:txBody>
+      </p:sp>
+      <p:cxnSp>
+        <p:nvCxnSpPr>
+          <p:cNvPr id="210" name="Straight Arrow Connector 209">
+            <a:extLst>
+              <a:ext uri="{FF2B5EF4-FFF2-40B4-BE49-F238E27FC236}">
+                <a16:creationId xmlns:a16="http://schemas.microsoft.com/office/drawing/2014/main" id="{AAD12F78-C8F1-47EA-99B5-65CD82EA362D}"/>
+              </a:ext>
+            </a:extLst>
+          </p:cNvPr>
+          <p:cNvCxnSpPr>
+            <a:cxnSpLocks/>
+            <a:stCxn id="21" idx="2"/>
+            <a:endCxn id="207" idx="0"/>
+          </p:cNvCxnSpPr>
+          <p:nvPr/>
+        </p:nvCxnSpPr>
+        <p:spPr>
+          <a:xfrm>
+            <a:off x="1526302" y="1303978"/>
+            <a:ext cx="9091" cy="167113"/>
+          </a:xfrm>
+          <a:prstGeom prst="straightConnector1">
+            <a:avLst/>
+          </a:prstGeom>
+          <a:ln w="38100">
+            <a:solidFill>
+              <a:schemeClr val="tx1"/>
+            </a:solidFill>
+            <a:tailEnd type="triangle"/>
+          </a:ln>
+        </p:spPr>
+        <p:style>
+          <a:lnRef idx="1">
+            <a:schemeClr val="accent1"/>
+          </a:lnRef>
+          <a:fillRef idx="0">
+            <a:schemeClr val="accent1"/>
+          </a:fillRef>
+          <a:effectRef idx="0">
+            <a:schemeClr val="accent1"/>
+          </a:effectRef>
+          <a:fontRef idx="minor">
+            <a:schemeClr val="tx1"/>
+          </a:fontRef>
+        </p:style>
+      </p:cxnSp>
+      <p:sp>
+        <p:nvSpPr>
+          <p:cNvPr id="9" name="Rectangle: Rounded Corners 8">
+            <a:extLst>
+              <a:ext uri="{FF2B5EF4-FFF2-40B4-BE49-F238E27FC236}">
+                <a16:creationId xmlns:a16="http://schemas.microsoft.com/office/drawing/2014/main" id="{8566509F-869D-A90E-1D98-8941C8569F2A}"/>
+              </a:ext>
+            </a:extLst>
+          </p:cNvPr>
+          <p:cNvSpPr/>
+          <p:nvPr/>
+        </p:nvSpPr>
+        <p:spPr>
+          <a:xfrm>
+            <a:off x="250167" y="2603612"/>
+            <a:ext cx="1725302" cy="397625"/>
+          </a:xfrm>
+          <a:prstGeom prst="roundRect">
+            <a:avLst/>
+          </a:prstGeom>
+          <a:solidFill>
+            <a:srgbClr val="5B9BD5"/>
+          </a:solidFill>
+        </p:spPr>
+        <p:style>
+          <a:lnRef idx="2">
+            <a:schemeClr val="accent1">
+              <a:shade val="50000"/>
+            </a:schemeClr>
+          </a:lnRef>
+          <a:fillRef idx="1">
+            <a:schemeClr val="accent1"/>
+          </a:fillRef>
+          <a:effectRef idx="0">
+            <a:schemeClr val="accent1"/>
+          </a:effectRef>
+          <a:fontRef idx="minor">
+            <a:schemeClr val="lt1"/>
+          </a:fontRef>
+        </p:style>
+        <p:txBody>
+          <a:bodyPr rtlCol="0" anchor="ctr"/>
+          <a:lstStyle/>
+          <a:p>
+            <a:pPr algn="ctr"/>
+            <a:r>
+              <a:rPr lang="en-US" sz="1200" b="1" dirty="0" err="1">
+                <a:solidFill>
+                  <a:schemeClr val="bg1"/>
+                </a:solidFill>
+                <a:latin typeface="Courier New" panose="02070309020205020404" pitchFamily="49" charset="0"/>
+                <a:ea typeface="Microsoft Sans Serif" panose="020B0604020202020204" pitchFamily="34" charset="0"/>
+                <a:cs typeface="Courier New" panose="02070309020205020404" pitchFamily="49" charset="0"/>
+              </a:rPr>
+              <a:t>IEventStore</a:t>
+            </a:r>
+            <a:r>
+              <a:rPr lang="en-US" sz="1200" b="1" dirty="0">
+                <a:solidFill>
+                  <a:schemeClr val="bg1"/>
+                </a:solidFill>
+                <a:latin typeface="Courier New" panose="02070309020205020404" pitchFamily="49" charset="0"/>
+                <a:ea typeface="Microsoft Sans Serif" panose="020B0604020202020204" pitchFamily="34" charset="0"/>
+                <a:cs typeface="Courier New" panose="02070309020205020404" pitchFamily="49" charset="0"/>
+              </a:rPr>
+              <a:t>.</a:t>
+            </a:r>
+          </a:p>
+          <a:p>
+            <a:pPr algn="ctr"/>
+            <a:r>
+              <a:rPr lang="en-US" sz="1200" b="1" dirty="0" err="1">
+                <a:solidFill>
+                  <a:schemeClr val="bg1"/>
+                </a:solidFill>
+                <a:latin typeface="Courier New" panose="02070309020205020404" pitchFamily="49" charset="0"/>
+                <a:ea typeface="Microsoft Sans Serif" panose="020B0604020202020204" pitchFamily="34" charset="0"/>
+                <a:cs typeface="Courier New" panose="02070309020205020404" pitchFamily="49" charset="0"/>
+              </a:rPr>
+              <a:t>AddEventsAsync</a:t>
+            </a:r>
+            <a:r>
+              <a:rPr lang="en-US" sz="1200" b="1" dirty="0">
+                <a:solidFill>
+                  <a:schemeClr val="bg1"/>
+                </a:solidFill>
+                <a:latin typeface="Courier New" panose="02070309020205020404" pitchFamily="49" charset="0"/>
+                <a:ea typeface="Microsoft Sans Serif" panose="020B0604020202020204" pitchFamily="34" charset="0"/>
+                <a:cs typeface="Courier New" panose="02070309020205020404" pitchFamily="49" charset="0"/>
+              </a:rPr>
+              <a:t>()</a:t>
+            </a:r>
+            <a:endParaRPr lang="en-NZ" sz="1200" b="1" dirty="0">
+              <a:solidFill>
+                <a:schemeClr val="bg1"/>
+              </a:solidFill>
+              <a:latin typeface="Courier New" panose="02070309020205020404" pitchFamily="49" charset="0"/>
+              <a:ea typeface="Microsoft Sans Serif" panose="020B0604020202020204" pitchFamily="34" charset="0"/>
+              <a:cs typeface="Courier New" panose="02070309020205020404" pitchFamily="49" charset="0"/>
+            </a:endParaRPr>
+          </a:p>
+        </p:txBody>
+      </p:sp>
+      <p:sp>
+        <p:nvSpPr>
+          <p:cNvPr id="10" name="Rectangle: Rounded Corners 9">
+            <a:extLst>
+              <a:ext uri="{FF2B5EF4-FFF2-40B4-BE49-F238E27FC236}">
+                <a16:creationId xmlns:a16="http://schemas.microsoft.com/office/drawing/2014/main" id="{B5746F65-F0A5-CEF0-563F-C1BC8A8D0211}"/>
+              </a:ext>
+            </a:extLst>
+          </p:cNvPr>
+          <p:cNvSpPr/>
+          <p:nvPr/>
+        </p:nvSpPr>
+        <p:spPr>
+          <a:xfrm>
+            <a:off x="250164" y="3337462"/>
+            <a:ext cx="1725286" cy="397625"/>
+          </a:xfrm>
+          <a:prstGeom prst="roundRect">
+            <a:avLst/>
+          </a:prstGeom>
+          <a:solidFill>
+            <a:schemeClr val="accent5"/>
+          </a:solidFill>
+        </p:spPr>
+        <p:style>
+          <a:lnRef idx="2">
+            <a:schemeClr val="accent1">
+              <a:shade val="50000"/>
+            </a:schemeClr>
+          </a:lnRef>
+          <a:fillRef idx="1">
+            <a:schemeClr val="accent1"/>
+          </a:fillRef>
+          <a:effectRef idx="0">
+            <a:schemeClr val="accent1"/>
+          </a:effectRef>
+          <a:fontRef idx="minor">
+            <a:schemeClr val="lt1"/>
+          </a:fontRef>
+        </p:style>
+        <p:txBody>
+          <a:bodyPr rtlCol="0" anchor="ctr"/>
+          <a:lstStyle/>
+          <a:p>
+            <a:pPr algn="ctr"/>
+            <a:r>
+              <a:rPr lang="en-NZ" sz="1200" b="1" dirty="0">
+                <a:solidFill>
+                  <a:schemeClr val="bg1"/>
+                </a:solidFill>
+                <a:ea typeface="Microsoft Sans Serif" panose="020B0604020202020204" pitchFamily="34" charset="0"/>
+                <a:cs typeface="Courier New" panose="02070309020205020404" pitchFamily="49" charset="0"/>
+              </a:rPr>
+              <a:t>Publish Events</a:t>
+            </a:r>
+          </a:p>
+          <a:p>
+            <a:pPr algn="ctr"/>
+            <a:r>
+              <a:rPr lang="en-NZ" sz="1200" b="1" dirty="0">
+                <a:solidFill>
+                  <a:schemeClr val="bg1"/>
+                </a:solidFill>
+                <a:ea typeface="Microsoft Sans Serif" panose="020B0604020202020204" pitchFamily="34" charset="0"/>
+                <a:cs typeface="Courier New" panose="02070309020205020404" pitchFamily="49" charset="0"/>
+              </a:rPr>
+              <a:t>(in order)</a:t>
+            </a:r>
+          </a:p>
+        </p:txBody>
+      </p:sp>
+      <p:cxnSp>
+        <p:nvCxnSpPr>
+          <p:cNvPr id="16" name="Straight Arrow Connector 15">
+            <a:extLst>
+              <a:ext uri="{FF2B5EF4-FFF2-40B4-BE49-F238E27FC236}">
+                <a16:creationId xmlns:a16="http://schemas.microsoft.com/office/drawing/2014/main" id="{1C6A39D9-07D5-A0AA-DD16-C807CF7F6441}"/>
+              </a:ext>
+            </a:extLst>
+          </p:cNvPr>
+          <p:cNvCxnSpPr>
+            <a:cxnSpLocks/>
+            <a:stCxn id="207" idx="2"/>
+            <a:endCxn id="9" idx="0"/>
+          </p:cNvCxnSpPr>
+          <p:nvPr/>
+        </p:nvCxnSpPr>
+        <p:spPr>
+          <a:xfrm rot="5400000">
+            <a:off x="1021893" y="2090111"/>
+            <a:ext cx="604427" cy="422575"/>
+          </a:xfrm>
+          <a:prstGeom prst="curvedConnector3">
+            <a:avLst>
+              <a:gd name="adj1" fmla="val 50000"/>
+            </a:avLst>
+          </a:prstGeom>
+          <a:ln w="38100">
+            <a:solidFill>
+              <a:schemeClr val="tx1"/>
+            </a:solidFill>
+            <a:tailEnd type="triangle"/>
+          </a:ln>
+        </p:spPr>
+        <p:style>
+          <a:lnRef idx="1">
+            <a:schemeClr val="accent1"/>
+          </a:lnRef>
+          <a:fillRef idx="0">
+            <a:schemeClr val="accent1"/>
+          </a:fillRef>
+          <a:effectRef idx="0">
+            <a:schemeClr val="accent1"/>
+          </a:effectRef>
+          <a:fontRef idx="minor">
+            <a:schemeClr val="tx1"/>
+          </a:fontRef>
+        </p:style>
+      </p:cxnSp>
+      <p:cxnSp>
+        <p:nvCxnSpPr>
+          <p:cNvPr id="22" name="Straight Arrow Connector 21">
+            <a:extLst>
+              <a:ext uri="{FF2B5EF4-FFF2-40B4-BE49-F238E27FC236}">
+                <a16:creationId xmlns:a16="http://schemas.microsoft.com/office/drawing/2014/main" id="{683BEF44-FD81-8E8E-1929-33CD6BFB488F}"/>
+              </a:ext>
+            </a:extLst>
+          </p:cNvPr>
+          <p:cNvCxnSpPr>
+            <a:cxnSpLocks/>
+            <a:stCxn id="9" idx="2"/>
+            <a:endCxn id="10" idx="0"/>
+          </p:cNvCxnSpPr>
+          <p:nvPr/>
+        </p:nvCxnSpPr>
+        <p:spPr>
+          <a:xfrm flipH="1">
+            <a:off x="1112807" y="3001237"/>
+            <a:ext cx="11" cy="336225"/>
+          </a:xfrm>
+          <a:prstGeom prst="straightConnector1">
+            <a:avLst/>
+          </a:prstGeom>
+          <a:ln w="38100">
+            <a:solidFill>
+              <a:schemeClr val="tx1"/>
+            </a:solidFill>
+            <a:tailEnd type="triangle"/>
+          </a:ln>
+        </p:spPr>
+        <p:style>
+          <a:lnRef idx="1">
+            <a:schemeClr val="accent1"/>
+          </a:lnRef>
+          <a:fillRef idx="0">
+            <a:schemeClr val="accent1"/>
+          </a:fillRef>
+          <a:effectRef idx="0">
+            <a:schemeClr val="accent1"/>
+          </a:effectRef>
+          <a:fontRef idx="minor">
+            <a:schemeClr val="tx1"/>
+          </a:fontRef>
+        </p:style>
+      </p:cxnSp>
+      <p:sp>
+        <p:nvSpPr>
+          <p:cNvPr id="39" name="Cylinder 38">
+            <a:extLst>
+              <a:ext uri="{FF2B5EF4-FFF2-40B4-BE49-F238E27FC236}">
+                <a16:creationId xmlns:a16="http://schemas.microsoft.com/office/drawing/2014/main" id="{3B8F1B34-D595-DA58-1B39-8A74981E1D8D}"/>
+              </a:ext>
+            </a:extLst>
+          </p:cNvPr>
+          <p:cNvSpPr/>
+          <p:nvPr/>
+        </p:nvSpPr>
+        <p:spPr>
+          <a:xfrm>
+            <a:off x="2233998" y="2461466"/>
+            <a:ext cx="677839" cy="681916"/>
+          </a:xfrm>
+          <a:prstGeom prst="can">
+            <a:avLst/>
+          </a:prstGeom>
+          <a:solidFill>
+            <a:srgbClr val="A60015"/>
+          </a:solidFill>
+        </p:spPr>
+        <p:style>
+          <a:lnRef idx="2">
+            <a:schemeClr val="accent1">
+              <a:shade val="50000"/>
+            </a:schemeClr>
+          </a:lnRef>
+          <a:fillRef idx="1">
+            <a:schemeClr val="accent1"/>
+          </a:fillRef>
+          <a:effectRef idx="0">
+            <a:schemeClr val="accent1"/>
+          </a:effectRef>
+          <a:fontRef idx="minor">
+            <a:schemeClr val="lt1"/>
+          </a:fontRef>
+        </p:style>
+        <p:txBody>
+          <a:bodyPr vert="horz" rtlCol="0" anchor="ctr"/>
+          <a:lstStyle/>
+          <a:p>
+            <a:pPr algn="ctr"/>
+            <a:r>
+              <a:rPr lang="en-NZ" sz="1400" dirty="0"/>
+              <a:t>Event</a:t>
+            </a:r>
+          </a:p>
+          <a:p>
+            <a:pPr algn="ctr"/>
+            <a:r>
+              <a:rPr lang="en-NZ" sz="1400" dirty="0"/>
+              <a:t>Store</a:t>
+            </a:r>
+          </a:p>
+        </p:txBody>
+      </p:sp>
+      <p:cxnSp>
+        <p:nvCxnSpPr>
+          <p:cNvPr id="41" name="Straight Arrow Connector 40">
+            <a:extLst>
+              <a:ext uri="{FF2B5EF4-FFF2-40B4-BE49-F238E27FC236}">
+                <a16:creationId xmlns:a16="http://schemas.microsoft.com/office/drawing/2014/main" id="{FBF86DC8-15C3-493B-7D82-D217290DB78B}"/>
+              </a:ext>
+            </a:extLst>
+          </p:cNvPr>
+          <p:cNvCxnSpPr>
+            <a:cxnSpLocks/>
+            <a:stCxn id="9" idx="3"/>
+            <a:endCxn id="39" idx="2"/>
+          </p:cNvCxnSpPr>
+          <p:nvPr/>
+        </p:nvCxnSpPr>
+        <p:spPr>
+          <a:xfrm flipV="1">
+            <a:off x="1975469" y="2802424"/>
+            <a:ext cx="258529" cy="1"/>
+          </a:xfrm>
+          <a:prstGeom prst="curvedConnector3">
+            <a:avLst>
+              <a:gd name="adj1" fmla="val 50000"/>
+            </a:avLst>
+          </a:prstGeom>
+          <a:ln w="38100">
+            <a:solidFill>
+              <a:schemeClr val="tx1"/>
+            </a:solidFill>
+            <a:tailEnd type="triangle"/>
+          </a:ln>
+        </p:spPr>
+        <p:style>
+          <a:lnRef idx="1">
+            <a:schemeClr val="accent1"/>
+          </a:lnRef>
+          <a:fillRef idx="0">
+            <a:schemeClr val="accent1"/>
+          </a:fillRef>
+          <a:effectRef idx="0">
+            <a:schemeClr val="accent1"/>
+          </a:effectRef>
+          <a:fontRef idx="minor">
+            <a:schemeClr val="tx1"/>
+          </a:fontRef>
+        </p:style>
+      </p:cxnSp>
+      <p:sp>
+        <p:nvSpPr>
+          <p:cNvPr id="21" name="Rectangle: Rounded Corners 20">
+            <a:extLst>
+              <a:ext uri="{FF2B5EF4-FFF2-40B4-BE49-F238E27FC236}">
+                <a16:creationId xmlns:a16="http://schemas.microsoft.com/office/drawing/2014/main" id="{066B7779-E6E5-E6A5-3CE9-AF4B396258F0}"/>
+              </a:ext>
+            </a:extLst>
+          </p:cNvPr>
+          <p:cNvSpPr/>
+          <p:nvPr/>
+        </p:nvSpPr>
+        <p:spPr>
+          <a:xfrm>
+            <a:off x="131524" y="906353"/>
+            <a:ext cx="2789556" cy="397625"/>
+          </a:xfrm>
+          <a:prstGeom prst="roundRect">
+            <a:avLst/>
+          </a:prstGeom>
+          <a:solidFill>
+            <a:schemeClr val="accent6"/>
+          </a:solidFill>
+        </p:spPr>
+        <p:style>
+          <a:lnRef idx="2">
+            <a:schemeClr val="accent1">
+              <a:shade val="50000"/>
+            </a:schemeClr>
+          </a:lnRef>
+          <a:fillRef idx="1">
+            <a:schemeClr val="accent1"/>
+          </a:fillRef>
+          <a:effectRef idx="0">
+            <a:schemeClr val="accent1"/>
+          </a:effectRef>
+          <a:fontRef idx="minor">
+            <a:schemeClr val="lt1"/>
+          </a:fontRef>
+        </p:style>
+        <p:txBody>
+          <a:bodyPr rtlCol="0" anchor="ctr"/>
+          <a:lstStyle/>
+          <a:p>
+            <a:pPr algn="ctr"/>
+            <a:r>
+              <a:rPr lang="en-US" sz="1200" dirty="0">
+                <a:solidFill>
+                  <a:schemeClr val="tx1"/>
+                </a:solidFill>
+                <a:ea typeface="Microsoft Sans Serif" panose="020B0604020202020204" pitchFamily="34" charset="0"/>
+                <a:cs typeface="Courier New" panose="02070309020205020404" pitchFamily="49" charset="0"/>
+              </a:rPr>
+              <a:t>Application saves the aggregate</a:t>
+            </a:r>
+            <a:endParaRPr lang="en-NZ" sz="1200" dirty="0">
+              <a:solidFill>
+                <a:schemeClr val="tx1"/>
+              </a:solidFill>
+              <a:ea typeface="Microsoft Sans Serif" panose="020B0604020202020204" pitchFamily="34" charset="0"/>
+              <a:cs typeface="Courier New" panose="02070309020205020404" pitchFamily="49" charset="0"/>
+            </a:endParaRPr>
+          </a:p>
+        </p:txBody>
+      </p:sp>
+      <p:cxnSp>
+        <p:nvCxnSpPr>
+          <p:cNvPr id="27" name="Straight Arrow Connector 26">
+            <a:extLst>
+              <a:ext uri="{FF2B5EF4-FFF2-40B4-BE49-F238E27FC236}">
+                <a16:creationId xmlns:a16="http://schemas.microsoft.com/office/drawing/2014/main" id="{9068AD67-6601-184D-3015-2ED89A716A2E}"/>
+              </a:ext>
+            </a:extLst>
+          </p:cNvPr>
+          <p:cNvCxnSpPr>
+            <a:cxnSpLocks/>
+            <a:stCxn id="2" idx="2"/>
+            <a:endCxn id="21" idx="0"/>
+          </p:cNvCxnSpPr>
+          <p:nvPr/>
+        </p:nvCxnSpPr>
+        <p:spPr>
+          <a:xfrm flipH="1">
+            <a:off x="1526302" y="735587"/>
+            <a:ext cx="5597" cy="170766"/>
+          </a:xfrm>
+          <a:prstGeom prst="straightConnector1">
+            <a:avLst/>
+          </a:prstGeom>
+          <a:ln w="38100">
+            <a:solidFill>
+              <a:schemeClr val="tx1"/>
+            </a:solidFill>
+            <a:tailEnd type="triangle"/>
+          </a:ln>
+        </p:spPr>
+        <p:style>
+          <a:lnRef idx="1">
+            <a:schemeClr val="accent1"/>
+          </a:lnRef>
+          <a:fillRef idx="0">
+            <a:schemeClr val="accent1"/>
+          </a:fillRef>
+          <a:effectRef idx="0">
+            <a:schemeClr val="accent1"/>
+          </a:effectRef>
+          <a:fontRef idx="minor">
+            <a:schemeClr val="tx1"/>
+          </a:fontRef>
+        </p:style>
+      </p:cxnSp>
+      <p:sp>
+        <p:nvSpPr>
+          <p:cNvPr id="26" name="Rectangle 25">
+            <a:extLst>
+              <a:ext uri="{FF2B5EF4-FFF2-40B4-BE49-F238E27FC236}">
+                <a16:creationId xmlns:a16="http://schemas.microsoft.com/office/drawing/2014/main" id="{0E98ED58-5EE1-AEA0-5C69-337F2F20B30C}"/>
+              </a:ext>
+            </a:extLst>
+          </p:cNvPr>
+          <p:cNvSpPr/>
+          <p:nvPr/>
+        </p:nvSpPr>
+        <p:spPr>
+          <a:xfrm>
+            <a:off x="156561" y="2386709"/>
+            <a:ext cx="2845302" cy="1958491"/>
+          </a:xfrm>
+          <a:prstGeom prst="rect">
+            <a:avLst/>
+          </a:prstGeom>
+          <a:noFill/>
+          <a:ln>
+            <a:prstDash val="dash"/>
+          </a:ln>
+        </p:spPr>
+        <p:style>
+          <a:lnRef idx="2">
+            <a:schemeClr val="accent1">
+              <a:shade val="15000"/>
+            </a:schemeClr>
+          </a:lnRef>
+          <a:fillRef idx="1">
+            <a:schemeClr val="accent1"/>
+          </a:fillRef>
+          <a:effectRef idx="0">
+            <a:schemeClr val="accent1"/>
+          </a:effectRef>
+          <a:fontRef idx="minor">
+            <a:schemeClr val="lt1"/>
+          </a:fontRef>
+        </p:style>
+        <p:txBody>
+          <a:bodyPr rtlCol="0" anchor="b"/>
+          <a:lstStyle/>
+          <a:p>
+            <a:pPr algn="ctr"/>
+            <a:r>
+              <a:rPr lang="en-NZ" sz="1200" dirty="0">
+                <a:solidFill>
+                  <a:schemeClr val="tx1"/>
+                </a:solidFill>
+              </a:rPr>
+              <a:t>Note: This part of the process must complete atomically and reliably</a:t>
+            </a:r>
+          </a:p>
+        </p:txBody>
+      </p:sp>
+      <p:sp>
+        <p:nvSpPr>
+          <p:cNvPr id="48" name="Cylinder 47">
+            <a:extLst>
+              <a:ext uri="{FF2B5EF4-FFF2-40B4-BE49-F238E27FC236}">
+                <a16:creationId xmlns:a16="http://schemas.microsoft.com/office/drawing/2014/main" id="{42AA91BE-EBBB-81B0-AE84-5599D2D3F164}"/>
+              </a:ext>
+            </a:extLst>
+          </p:cNvPr>
+          <p:cNvSpPr/>
+          <p:nvPr/>
+        </p:nvSpPr>
+        <p:spPr>
+          <a:xfrm>
+            <a:off x="2220543" y="3198160"/>
+            <a:ext cx="677839" cy="681916"/>
+          </a:xfrm>
+          <a:prstGeom prst="can">
+            <a:avLst/>
+          </a:prstGeom>
+          <a:solidFill>
+            <a:srgbClr val="A60015"/>
+          </a:solidFill>
+        </p:spPr>
+        <p:style>
+          <a:lnRef idx="2">
+            <a:schemeClr val="accent1">
+              <a:shade val="50000"/>
+            </a:schemeClr>
+          </a:lnRef>
+          <a:fillRef idx="1">
+            <a:schemeClr val="accent1"/>
+          </a:fillRef>
+          <a:effectRef idx="0">
+            <a:schemeClr val="accent1"/>
+          </a:effectRef>
+          <a:fontRef idx="minor">
+            <a:schemeClr val="lt1"/>
+          </a:fontRef>
+        </p:style>
+        <p:txBody>
+          <a:bodyPr vert="horz" rtlCol="0" anchor="ctr"/>
+          <a:lstStyle/>
+          <a:p>
+            <a:pPr algn="ctr"/>
+            <a:r>
+              <a:rPr lang="en-NZ" sz="1200" dirty="0"/>
+              <a:t>Broker</a:t>
+            </a:r>
+          </a:p>
+        </p:txBody>
+      </p:sp>
+      <p:cxnSp>
+        <p:nvCxnSpPr>
+          <p:cNvPr id="53" name="Straight Arrow Connector 40">
+            <a:extLst>
+              <a:ext uri="{FF2B5EF4-FFF2-40B4-BE49-F238E27FC236}">
+                <a16:creationId xmlns:a16="http://schemas.microsoft.com/office/drawing/2014/main" id="{B6037B6A-8D60-C7DF-BCA4-CE686A0FA767}"/>
+              </a:ext>
+            </a:extLst>
+          </p:cNvPr>
+          <p:cNvCxnSpPr>
+            <a:cxnSpLocks/>
+            <a:stCxn id="10" idx="3"/>
+            <a:endCxn id="48" idx="2"/>
+          </p:cNvCxnSpPr>
+          <p:nvPr/>
+        </p:nvCxnSpPr>
+        <p:spPr>
+          <a:xfrm>
+            <a:off x="1975450" y="3536275"/>
+            <a:ext cx="245093" cy="2843"/>
+          </a:xfrm>
+          <a:prstGeom prst="curvedConnector3">
+            <a:avLst>
+              <a:gd name="adj1" fmla="val 50000"/>
+            </a:avLst>
+          </a:prstGeom>
+          <a:ln w="38100">
+            <a:solidFill>
+              <a:schemeClr val="tx1"/>
+            </a:solidFill>
+            <a:tailEnd type="triangle"/>
+          </a:ln>
+        </p:spPr>
+        <p:style>
+          <a:lnRef idx="1">
+            <a:schemeClr val="accent1"/>
+          </a:lnRef>
+          <a:fillRef idx="0">
+            <a:schemeClr val="accent1"/>
+          </a:fillRef>
+          <a:effectRef idx="0">
+            <a:schemeClr val="accent1"/>
+          </a:effectRef>
+          <a:fontRef idx="minor">
+            <a:schemeClr val="tx1"/>
+          </a:fontRef>
+        </p:style>
+      </p:cxnSp>
+      <p:sp>
+        <p:nvSpPr>
+          <p:cNvPr id="60" name="TextBox 59">
+            <a:extLst>
+              <a:ext uri="{FF2B5EF4-FFF2-40B4-BE49-F238E27FC236}">
+                <a16:creationId xmlns:a16="http://schemas.microsoft.com/office/drawing/2014/main" id="{EB0C7FFF-3DB2-A789-99C5-DACAB3D13B9D}"/>
+              </a:ext>
+            </a:extLst>
+          </p:cNvPr>
+          <p:cNvSpPr txBox="1"/>
+          <p:nvPr/>
+        </p:nvSpPr>
+        <p:spPr>
+          <a:xfrm>
+            <a:off x="156561" y="5148229"/>
+            <a:ext cx="3055267" cy="461665"/>
+          </a:xfrm>
+          <a:prstGeom prst="rect">
+            <a:avLst/>
+          </a:prstGeom>
+          <a:noFill/>
+        </p:spPr>
+        <p:txBody>
+          <a:bodyPr wrap="square" rtlCol="0">
+            <a:spAutoFit/>
+          </a:bodyPr>
+          <a:lstStyle/>
+          <a:p>
+            <a:r>
+              <a:rPr lang="en-NZ" sz="2400" dirty="0"/>
+              <a:t>Eventing</a:t>
+            </a:r>
+          </a:p>
+        </p:txBody>
+      </p:sp>
+    </p:spTree>
+    <p:extLst>
+      <p:ext uri="{BB962C8B-B14F-4D97-AF65-F5344CB8AC3E}">
+        <p14:creationId xmlns:p14="http://schemas.microsoft.com/office/powerpoint/2010/main" val="3423607807"/>
       </p:ext>
     </p:extLst>
   </p:cSld>
@@ -42579,53 +46695,6 @@
       </p:sp>
       <p:sp>
         <p:nvSpPr>
-          <p:cNvPr id="3" name="Rectangle 2">
-            <a:extLst>
-              <a:ext uri="{FF2B5EF4-FFF2-40B4-BE49-F238E27FC236}">
-                <a16:creationId xmlns:a16="http://schemas.microsoft.com/office/drawing/2014/main" id="{24828938-3AC6-49ED-9838-E547A03B6A40}"/>
-              </a:ext>
-            </a:extLst>
-          </p:cNvPr>
-          <p:cNvSpPr/>
-          <p:nvPr/>
-        </p:nvSpPr>
-        <p:spPr>
-          <a:xfrm>
-            <a:off x="1710997" y="1052423"/>
-            <a:ext cx="7363991" cy="4770407"/>
-          </a:xfrm>
-          <a:prstGeom prst="rect">
-            <a:avLst/>
-          </a:prstGeom>
-          <a:noFill/>
-        </p:spPr>
-        <p:style>
-          <a:lnRef idx="2">
-            <a:schemeClr val="accent1">
-              <a:shade val="50000"/>
-            </a:schemeClr>
-          </a:lnRef>
-          <a:fillRef idx="1">
-            <a:schemeClr val="accent1"/>
-          </a:fillRef>
-          <a:effectRef idx="0">
-            <a:schemeClr val="accent1"/>
-          </a:effectRef>
-          <a:fontRef idx="minor">
-            <a:schemeClr val="lt1"/>
-          </a:fontRef>
-        </p:style>
-        <p:txBody>
-          <a:bodyPr rtlCol="0" anchor="ctr"/>
-          <a:lstStyle/>
-          <a:p>
-            <a:pPr algn="ctr"/>
-            <a:endParaRPr lang="en-NZ"/>
-          </a:p>
-        </p:txBody>
-      </p:sp>
-      <p:sp>
-        <p:nvSpPr>
           <p:cNvPr id="4" name="Flowchart: Magnetic Disk 3">
             <a:extLst>
               <a:ext uri="{FF2B5EF4-FFF2-40B4-BE49-F238E27FC236}">
@@ -42790,7 +46859,7 @@
       </p:sp>
       <p:sp>
         <p:nvSpPr>
-          <p:cNvPr id="10" name="Rectangle 9">
+          <p:cNvPr id="10" name="Rectangle: Rounded Corners 9">
             <a:extLst>
               <a:ext uri="{FF2B5EF4-FFF2-40B4-BE49-F238E27FC236}">
                 <a16:creationId xmlns:a16="http://schemas.microsoft.com/office/drawing/2014/main" id="{C401CA83-84D9-42AA-80EF-011FC5F388A9}"/>
@@ -42805,7 +46874,7 @@
             <a:off x="1797261" y="1526874"/>
             <a:ext cx="695773" cy="3770212"/>
           </a:xfrm>
-          <a:prstGeom prst="rect">
+          <a:prstGeom prst="roundRect">
             <a:avLst/>
           </a:prstGeom>
           <a:ln>
@@ -42831,12 +46900,12 @@
           </a:fontRef>
         </p:style>
         <p:txBody>
-          <a:bodyPr rtlCol="0" anchor="ctr"/>
+          <a:bodyPr vert="vert" rtlCol="0" anchor="ctr"/>
           <a:lstStyle/>
           <a:p>
             <a:pPr algn="ctr"/>
             <a:r>
-              <a:rPr lang="en-NZ" sz="1200" dirty="0"/>
+              <a:rPr lang="en-NZ" sz="1400" dirty="0"/>
               <a:t>Service A</a:t>
             </a:r>
           </a:p>
@@ -42844,7 +46913,7 @@
       </p:sp>
       <p:sp>
         <p:nvSpPr>
-          <p:cNvPr id="11" name="Rectangle 10">
+          <p:cNvPr id="11" name="Rectangle: Rounded Corners 10">
             <a:extLst>
               <a:ext uri="{FF2B5EF4-FFF2-40B4-BE49-F238E27FC236}">
                 <a16:creationId xmlns:a16="http://schemas.microsoft.com/office/drawing/2014/main" id="{FF5C7A6E-27CF-4318-9A6E-BB6FAB9A79D8}"/>
@@ -42856,10 +46925,10 @@
         </p:nvSpPr>
         <p:spPr>
           <a:xfrm>
-            <a:off x="2751826" y="1526876"/>
-            <a:ext cx="3257910" cy="3770210"/>
+            <a:off x="2751826" y="1526875"/>
+            <a:ext cx="3257910" cy="4161911"/>
           </a:xfrm>
-          <a:prstGeom prst="rect">
+          <a:prstGeom prst="roundRect">
             <a:avLst/>
           </a:prstGeom>
           <a:solidFill>
@@ -42893,7 +46962,7 @@
           <a:p>
             <a:pPr algn="ctr"/>
             <a:r>
-              <a:rPr lang="en-NZ" sz="1200" dirty="0"/>
+              <a:rPr lang="en-NZ" sz="1400" dirty="0"/>
               <a:t>Application A</a:t>
             </a:r>
           </a:p>
@@ -42913,7 +46982,7 @@
         </p:nvSpPr>
         <p:spPr>
           <a:xfrm>
-            <a:off x="2832047" y="1760113"/>
+            <a:off x="2832047" y="1950232"/>
             <a:ext cx="3097468" cy="3416320"/>
           </a:xfrm>
           <a:prstGeom prst="rect">
@@ -43318,7 +47387,7 @@
             <a:p>
               <a:pPr algn="ctr"/>
               <a:r>
-                <a:rPr lang="en-NZ" sz="1200" dirty="0"/>
+                <a:rPr lang="en-NZ" sz="1400" dirty="0"/>
                 <a:t>Repository A</a:t>
               </a:r>
             </a:p>
@@ -43392,9 +47461,9 @@
           <p:nvPr/>
         </p:nvCxnSpPr>
         <p:spPr>
-          <a:xfrm>
-            <a:off x="5318331" y="2125609"/>
-            <a:ext cx="1030418" cy="3142"/>
+          <a:xfrm flipV="1">
+            <a:off x="5640309" y="2128751"/>
+            <a:ext cx="708440" cy="163598"/>
           </a:xfrm>
           <a:prstGeom prst="straightConnector1">
             <a:avLst/>
@@ -43529,7 +47598,7 @@
         <p:spPr>
           <a:xfrm flipH="1" flipV="1">
             <a:off x="1935480" y="4867227"/>
-            <a:ext cx="1295400" cy="93393"/>
+            <a:ext cx="896567" cy="264960"/>
           </a:xfrm>
           <a:prstGeom prst="straightConnector1">
             <a:avLst/>
@@ -43676,7 +47745,7 @@
             <a:p>
               <a:pPr algn="ctr"/>
               <a:r>
-                <a:rPr lang="en-NZ" sz="1200" dirty="0"/>
+                <a:rPr lang="en-NZ" sz="1400" dirty="0"/>
                 <a:t>Repository A</a:t>
               </a:r>
             </a:p>
@@ -43782,52 +47851,6 @@
           </a:fontRef>
         </p:style>
       </p:cxnSp>
-      <p:sp>
-        <p:nvSpPr>
-          <p:cNvPr id="71" name="Flowchart: Summing Junction 70">
-            <a:extLst>
-              <a:ext uri="{FF2B5EF4-FFF2-40B4-BE49-F238E27FC236}">
-                <a16:creationId xmlns:a16="http://schemas.microsoft.com/office/drawing/2014/main" id="{2927C717-B75E-4C45-80D1-03DA8054013A}"/>
-              </a:ext>
-            </a:extLst>
-          </p:cNvPr>
-          <p:cNvSpPr/>
-          <p:nvPr/>
-        </p:nvSpPr>
-        <p:spPr>
-          <a:xfrm>
-            <a:off x="5298057" y="4746700"/>
-            <a:ext cx="501770" cy="501770"/>
-          </a:xfrm>
-          <a:prstGeom prst="flowChartSummingJunction">
-            <a:avLst/>
-          </a:prstGeom>
-        </p:spPr>
-        <p:style>
-          <a:lnRef idx="2">
-            <a:schemeClr val="accent6">
-              <a:shade val="50000"/>
-            </a:schemeClr>
-          </a:lnRef>
-          <a:fillRef idx="1">
-            <a:schemeClr val="accent6"/>
-          </a:fillRef>
-          <a:effectRef idx="0">
-            <a:schemeClr val="accent6"/>
-          </a:effectRef>
-          <a:fontRef idx="minor">
-            <a:schemeClr val="lt1"/>
-          </a:fontRef>
-        </p:style>
-        <p:txBody>
-          <a:bodyPr rtlCol="0" anchor="ctr"/>
-          <a:lstStyle/>
-          <a:p>
-            <a:pPr algn="ctr"/>
-            <a:endParaRPr lang="en-NZ"/>
-          </a:p>
-        </p:txBody>
-      </p:sp>
       <p:cxnSp>
         <p:nvCxnSpPr>
           <p:cNvPr id="35" name="Straight Arrow Connector 34">
@@ -44132,6 +48155,414 @@
           </a:p>
         </p:txBody>
       </p:sp>
+      <p:grpSp>
+        <p:nvGrpSpPr>
+          <p:cNvPr id="14" name="Group 13">
+            <a:extLst>
+              <a:ext uri="{FF2B5EF4-FFF2-40B4-BE49-F238E27FC236}">
+                <a16:creationId xmlns:a16="http://schemas.microsoft.com/office/drawing/2014/main" id="{45ABEB04-B3E3-E2D5-DD00-BE939DAD0BD9}"/>
+              </a:ext>
+            </a:extLst>
+          </p:cNvPr>
+          <p:cNvGrpSpPr/>
+          <p:nvPr/>
+        </p:nvGrpSpPr>
+        <p:grpSpPr>
+          <a:xfrm>
+            <a:off x="7657965" y="5107703"/>
+            <a:ext cx="4147191" cy="1641517"/>
+            <a:chOff x="7657965" y="5107703"/>
+            <a:chExt cx="4147191" cy="1641517"/>
+          </a:xfrm>
+        </p:grpSpPr>
+        <p:sp>
+          <p:nvSpPr>
+            <p:cNvPr id="15" name="Flowchart: Magnetic Disk 14">
+              <a:extLst>
+                <a:ext uri="{FF2B5EF4-FFF2-40B4-BE49-F238E27FC236}">
+                  <a16:creationId xmlns:a16="http://schemas.microsoft.com/office/drawing/2014/main" id="{309FB6A0-C742-8936-39F4-3C931DCB085F}"/>
+                </a:ext>
+              </a:extLst>
+            </p:cNvPr>
+            <p:cNvSpPr/>
+            <p:nvPr/>
+          </p:nvSpPr>
+          <p:spPr>
+            <a:xfrm>
+              <a:off x="9613353" y="5463885"/>
+              <a:ext cx="868302" cy="1285335"/>
+            </a:xfrm>
+            <a:prstGeom prst="flowChartMagneticDisk">
+              <a:avLst/>
+            </a:prstGeom>
+            <a:solidFill>
+              <a:schemeClr val="accent5">
+                <a:lumMod val="60000"/>
+                <a:lumOff val="40000"/>
+              </a:schemeClr>
+            </a:solidFill>
+            <a:ln>
+              <a:prstDash val="sysDash"/>
+            </a:ln>
+          </p:spPr>
+          <p:style>
+            <a:lnRef idx="2">
+              <a:schemeClr val="accent1">
+                <a:shade val="50000"/>
+              </a:schemeClr>
+            </a:lnRef>
+            <a:fillRef idx="1">
+              <a:schemeClr val="accent1"/>
+            </a:fillRef>
+            <a:effectRef idx="0">
+              <a:schemeClr val="accent1"/>
+            </a:effectRef>
+            <a:fontRef idx="minor">
+              <a:schemeClr val="lt1"/>
+            </a:fontRef>
+          </p:style>
+          <p:txBody>
+            <a:bodyPr rtlCol="0" anchor="ctr"/>
+            <a:lstStyle/>
+            <a:p>
+              <a:pPr algn="ctr"/>
+              <a:r>
+                <a:rPr lang="en-NZ" sz="1200" dirty="0">
+                  <a:solidFill>
+                    <a:schemeClr val="tx1"/>
+                  </a:solidFill>
+                </a:rPr>
+                <a:t>Read</a:t>
+              </a:r>
+            </a:p>
+            <a:p>
+              <a:pPr algn="ctr"/>
+              <a:r>
+                <a:rPr lang="en-NZ" sz="1200" dirty="0">
+                  <a:solidFill>
+                    <a:schemeClr val="tx1"/>
+                  </a:solidFill>
+                </a:rPr>
+                <a:t>Data Stores</a:t>
+              </a:r>
+            </a:p>
+          </p:txBody>
+        </p:sp>
+        <p:sp>
+          <p:nvSpPr>
+            <p:cNvPr id="16" name="TextBox 15">
+              <a:extLst>
+                <a:ext uri="{FF2B5EF4-FFF2-40B4-BE49-F238E27FC236}">
+                  <a16:creationId xmlns:a16="http://schemas.microsoft.com/office/drawing/2014/main" id="{507AEBDA-1F79-03EC-711D-B161D9E931C2}"/>
+                </a:ext>
+              </a:extLst>
+            </p:cNvPr>
+            <p:cNvSpPr txBox="1"/>
+            <p:nvPr/>
+          </p:nvSpPr>
+          <p:spPr>
+            <a:xfrm>
+              <a:off x="7657965" y="6020963"/>
+              <a:ext cx="1965603" cy="646331"/>
+            </a:xfrm>
+            <a:prstGeom prst="rect">
+              <a:avLst/>
+            </a:prstGeom>
+            <a:noFill/>
+          </p:spPr>
+          <p:txBody>
+            <a:bodyPr wrap="none" rtlCol="0">
+              <a:spAutoFit/>
+            </a:bodyPr>
+            <a:lstStyle/>
+            <a:p>
+              <a:r>
+                <a:rPr lang="en-NZ" dirty="0"/>
+                <a:t>1…n Projections /</a:t>
+              </a:r>
+            </a:p>
+            <a:p>
+              <a:r>
+                <a:rPr lang="en-NZ" dirty="0"/>
+                <a:t>Notifications</a:t>
+              </a:r>
+            </a:p>
+          </p:txBody>
+        </p:sp>
+        <p:cxnSp>
+          <p:nvCxnSpPr>
+            <p:cNvPr id="17" name="Straight Arrow Connector 62">
+              <a:extLst>
+                <a:ext uri="{FF2B5EF4-FFF2-40B4-BE49-F238E27FC236}">
+                  <a16:creationId xmlns:a16="http://schemas.microsoft.com/office/drawing/2014/main" id="{CBC023C7-ADCB-01E3-8303-3F70FBDAA493}"/>
+                </a:ext>
+              </a:extLst>
+            </p:cNvPr>
+            <p:cNvCxnSpPr>
+              <a:cxnSpLocks/>
+              <a:endCxn id="15" idx="0"/>
+            </p:cNvCxnSpPr>
+            <p:nvPr/>
+          </p:nvCxnSpPr>
+          <p:spPr>
+            <a:xfrm>
+              <a:off x="9074988" y="5297086"/>
+              <a:ext cx="972516" cy="595244"/>
+            </a:xfrm>
+            <a:prstGeom prst="curvedConnector2">
+              <a:avLst/>
+            </a:prstGeom>
+            <a:ln w="38100">
+              <a:solidFill>
+                <a:schemeClr val="tx1"/>
+              </a:solidFill>
+              <a:prstDash val="sysDot"/>
+              <a:headEnd type="none" w="med" len="med"/>
+              <a:tailEnd type="triangle" w="med" len="med"/>
+            </a:ln>
+          </p:spPr>
+          <p:style>
+            <a:lnRef idx="1">
+              <a:schemeClr val="accent1"/>
+            </a:lnRef>
+            <a:fillRef idx="0">
+              <a:schemeClr val="accent1"/>
+            </a:fillRef>
+            <a:effectRef idx="0">
+              <a:schemeClr val="accent1"/>
+            </a:effectRef>
+            <a:fontRef idx="minor">
+              <a:schemeClr val="tx1"/>
+            </a:fontRef>
+          </p:style>
+        </p:cxnSp>
+        <p:sp>
+          <p:nvSpPr>
+            <p:cNvPr id="19" name="Flowchart: Magnetic Disk 18">
+              <a:extLst>
+                <a:ext uri="{FF2B5EF4-FFF2-40B4-BE49-F238E27FC236}">
+                  <a16:creationId xmlns:a16="http://schemas.microsoft.com/office/drawing/2014/main" id="{21EEA014-365C-378D-5E3A-B52D3E350796}"/>
+                </a:ext>
+              </a:extLst>
+            </p:cNvPr>
+            <p:cNvSpPr/>
+            <p:nvPr/>
+          </p:nvSpPr>
+          <p:spPr>
+            <a:xfrm>
+              <a:off x="10929666" y="6247793"/>
+              <a:ext cx="868302" cy="496073"/>
+            </a:xfrm>
+            <a:prstGeom prst="flowChartMagneticDisk">
+              <a:avLst/>
+            </a:prstGeom>
+            <a:solidFill>
+              <a:schemeClr val="accent5">
+                <a:lumMod val="75000"/>
+              </a:schemeClr>
+            </a:solidFill>
+            <a:ln>
+              <a:prstDash val="sysDash"/>
+            </a:ln>
+          </p:spPr>
+          <p:style>
+            <a:lnRef idx="2">
+              <a:schemeClr val="accent1">
+                <a:shade val="50000"/>
+              </a:schemeClr>
+            </a:lnRef>
+            <a:fillRef idx="1">
+              <a:schemeClr val="accent1"/>
+            </a:fillRef>
+            <a:effectRef idx="0">
+              <a:schemeClr val="accent1"/>
+            </a:effectRef>
+            <a:fontRef idx="minor">
+              <a:schemeClr val="lt1"/>
+            </a:fontRef>
+          </p:style>
+          <p:txBody>
+            <a:bodyPr rtlCol="0" anchor="ctr"/>
+            <a:lstStyle/>
+            <a:p>
+              <a:pPr algn="ctr"/>
+              <a:endParaRPr lang="en-NZ" sz="1200" dirty="0">
+                <a:solidFill>
+                  <a:schemeClr val="tx1"/>
+                </a:solidFill>
+              </a:endParaRPr>
+            </a:p>
+          </p:txBody>
+        </p:sp>
+        <p:sp>
+          <p:nvSpPr>
+            <p:cNvPr id="21" name="Flowchart: Magnetic Disk 20">
+              <a:extLst>
+                <a:ext uri="{FF2B5EF4-FFF2-40B4-BE49-F238E27FC236}">
+                  <a16:creationId xmlns:a16="http://schemas.microsoft.com/office/drawing/2014/main" id="{35E33AE9-1D94-760F-9B8E-61C16D5EF641}"/>
+                </a:ext>
+              </a:extLst>
+            </p:cNvPr>
+            <p:cNvSpPr/>
+            <p:nvPr/>
+          </p:nvSpPr>
+          <p:spPr>
+            <a:xfrm>
+              <a:off x="10929666" y="5821861"/>
+              <a:ext cx="868302" cy="496073"/>
+            </a:xfrm>
+            <a:prstGeom prst="flowChartMagneticDisk">
+              <a:avLst/>
+            </a:prstGeom>
+            <a:solidFill>
+              <a:schemeClr val="accent5">
+                <a:lumMod val="60000"/>
+                <a:lumOff val="40000"/>
+              </a:schemeClr>
+            </a:solidFill>
+            <a:ln>
+              <a:prstDash val="sysDash"/>
+            </a:ln>
+          </p:spPr>
+          <p:style>
+            <a:lnRef idx="2">
+              <a:schemeClr val="accent1">
+                <a:shade val="50000"/>
+              </a:schemeClr>
+            </a:lnRef>
+            <a:fillRef idx="1">
+              <a:schemeClr val="accent1"/>
+            </a:fillRef>
+            <a:effectRef idx="0">
+              <a:schemeClr val="accent1"/>
+            </a:effectRef>
+            <a:fontRef idx="minor">
+              <a:schemeClr val="lt1"/>
+            </a:fontRef>
+          </p:style>
+          <p:txBody>
+            <a:bodyPr rtlCol="0" anchor="ctr"/>
+            <a:lstStyle/>
+            <a:p>
+              <a:pPr algn="ctr"/>
+              <a:r>
+                <a:rPr lang="en-NZ" sz="1200" dirty="0">
+                  <a:solidFill>
+                    <a:schemeClr val="tx1"/>
+                  </a:solidFill>
+                </a:rPr>
+                <a:t>Message Broker</a:t>
+              </a:r>
+            </a:p>
+          </p:txBody>
+        </p:sp>
+        <p:sp>
+          <p:nvSpPr>
+            <p:cNvPr id="27" name="Flowchart: Magnetic Disk 26">
+              <a:extLst>
+                <a:ext uri="{FF2B5EF4-FFF2-40B4-BE49-F238E27FC236}">
+                  <a16:creationId xmlns:a16="http://schemas.microsoft.com/office/drawing/2014/main" id="{7A2C6648-4753-A7B4-0141-756B3F8ABC39}"/>
+                </a:ext>
+              </a:extLst>
+            </p:cNvPr>
+            <p:cNvSpPr/>
+            <p:nvPr/>
+          </p:nvSpPr>
+          <p:spPr>
+            <a:xfrm>
+              <a:off x="10936854" y="5396257"/>
+              <a:ext cx="868302" cy="496073"/>
+            </a:xfrm>
+            <a:prstGeom prst="flowChartMagneticDisk">
+              <a:avLst/>
+            </a:prstGeom>
+            <a:solidFill>
+              <a:schemeClr val="accent5">
+                <a:lumMod val="40000"/>
+                <a:lumOff val="60000"/>
+              </a:schemeClr>
+            </a:solidFill>
+            <a:ln>
+              <a:prstDash val="sysDash"/>
+            </a:ln>
+          </p:spPr>
+          <p:style>
+            <a:lnRef idx="2">
+              <a:schemeClr val="accent1">
+                <a:shade val="50000"/>
+              </a:schemeClr>
+            </a:lnRef>
+            <a:fillRef idx="1">
+              <a:schemeClr val="accent1"/>
+            </a:fillRef>
+            <a:effectRef idx="0">
+              <a:schemeClr val="accent1"/>
+            </a:effectRef>
+            <a:fontRef idx="minor">
+              <a:schemeClr val="lt1"/>
+            </a:fontRef>
+          </p:style>
+          <p:txBody>
+            <a:bodyPr rtlCol="0" anchor="ctr"/>
+            <a:lstStyle/>
+            <a:p>
+              <a:pPr algn="ctr"/>
+              <a:endParaRPr lang="en-NZ" sz="1200" dirty="0">
+                <a:solidFill>
+                  <a:schemeClr val="tx1"/>
+                </a:solidFill>
+              </a:endParaRPr>
+            </a:p>
+          </p:txBody>
+        </p:sp>
+        <p:cxnSp>
+          <p:nvCxnSpPr>
+            <p:cNvPr id="31" name="Straight Arrow Connector 62">
+              <a:extLst>
+                <a:ext uri="{FF2B5EF4-FFF2-40B4-BE49-F238E27FC236}">
+                  <a16:creationId xmlns:a16="http://schemas.microsoft.com/office/drawing/2014/main" id="{21643506-4CE7-967C-A1A8-852D0E4ED5E3}"/>
+                </a:ext>
+              </a:extLst>
+            </p:cNvPr>
+            <p:cNvCxnSpPr>
+              <a:cxnSpLocks/>
+              <a:endCxn id="27" idx="0"/>
+            </p:cNvCxnSpPr>
+            <p:nvPr/>
+          </p:nvCxnSpPr>
+          <p:spPr>
+            <a:xfrm>
+              <a:off x="8988724" y="5107703"/>
+              <a:ext cx="2382281" cy="453912"/>
+            </a:xfrm>
+            <a:prstGeom prst="curvedConnector2">
+              <a:avLst/>
+            </a:prstGeom>
+            <a:ln w="38100">
+              <a:solidFill>
+                <a:schemeClr val="tx1"/>
+              </a:solidFill>
+              <a:prstDash val="sysDot"/>
+              <a:headEnd type="none" w="med" len="med"/>
+              <a:tailEnd type="triangle" w="med" len="med"/>
+            </a:ln>
+          </p:spPr>
+          <p:style>
+            <a:lnRef idx="1">
+              <a:schemeClr val="accent1"/>
+            </a:lnRef>
+            <a:fillRef idx="0">
+              <a:schemeClr val="accent1"/>
+            </a:fillRef>
+            <a:effectRef idx="0">
+              <a:schemeClr val="accent1"/>
+            </a:effectRef>
+            <a:fontRef idx="minor">
+              <a:schemeClr val="tx1"/>
+            </a:fontRef>
+          </p:style>
+        </p:cxnSp>
+      </p:grpSp>
     </p:spTree>
     <p:extLst>
       <p:ext uri="{BB962C8B-B14F-4D97-AF65-F5344CB8AC3E}">
@@ -44203,53 +48634,6 @@
       </p:sp>
       <p:sp>
         <p:nvSpPr>
-          <p:cNvPr id="3" name="Rectangle 2">
-            <a:extLst>
-              <a:ext uri="{FF2B5EF4-FFF2-40B4-BE49-F238E27FC236}">
-                <a16:creationId xmlns:a16="http://schemas.microsoft.com/office/drawing/2014/main" id="{24828938-3AC6-49ED-9838-E547A03B6A40}"/>
-              </a:ext>
-            </a:extLst>
-          </p:cNvPr>
-          <p:cNvSpPr/>
-          <p:nvPr/>
-        </p:nvSpPr>
-        <p:spPr>
-          <a:xfrm>
-            <a:off x="1710997" y="1052423"/>
-            <a:ext cx="7363991" cy="4770407"/>
-          </a:xfrm>
-          <a:prstGeom prst="rect">
-            <a:avLst/>
-          </a:prstGeom>
-          <a:noFill/>
-        </p:spPr>
-        <p:style>
-          <a:lnRef idx="2">
-            <a:schemeClr val="accent1">
-              <a:shade val="50000"/>
-            </a:schemeClr>
-          </a:lnRef>
-          <a:fillRef idx="1">
-            <a:schemeClr val="accent1"/>
-          </a:fillRef>
-          <a:effectRef idx="0">
-            <a:schemeClr val="accent1"/>
-          </a:effectRef>
-          <a:fontRef idx="minor">
-            <a:schemeClr val="lt1"/>
-          </a:fontRef>
-        </p:style>
-        <p:txBody>
-          <a:bodyPr rtlCol="0" anchor="ctr"/>
-          <a:lstStyle/>
-          <a:p>
-            <a:pPr algn="ctr"/>
-            <a:endParaRPr lang="en-NZ"/>
-          </a:p>
-        </p:txBody>
-      </p:sp>
-      <p:sp>
-        <p:nvSpPr>
           <p:cNvPr id="4" name="Flowchart: Magnetic Disk 3">
             <a:extLst>
               <a:ext uri="{FF2B5EF4-FFF2-40B4-BE49-F238E27FC236}">
@@ -44414,7 +48798,7 @@
       </p:sp>
       <p:sp>
         <p:nvSpPr>
-          <p:cNvPr id="10" name="Rectangle 9">
+          <p:cNvPr id="10" name="Rectangle: Rounded Corners 9">
             <a:extLst>
               <a:ext uri="{FF2B5EF4-FFF2-40B4-BE49-F238E27FC236}">
                 <a16:creationId xmlns:a16="http://schemas.microsoft.com/office/drawing/2014/main" id="{C401CA83-84D9-42AA-80EF-011FC5F388A9}"/>
@@ -44429,7 +48813,7 @@
             <a:off x="1797261" y="1526874"/>
             <a:ext cx="695773" cy="3770212"/>
           </a:xfrm>
-          <a:prstGeom prst="rect">
+          <a:prstGeom prst="roundRect">
             <a:avLst/>
           </a:prstGeom>
           <a:ln>
@@ -44455,12 +48839,12 @@
           </a:fontRef>
         </p:style>
         <p:txBody>
-          <a:bodyPr rtlCol="0" anchor="ctr"/>
+          <a:bodyPr vert="vert" rtlCol="0" anchor="ctr"/>
           <a:lstStyle/>
           <a:p>
             <a:pPr algn="ctr"/>
             <a:r>
-              <a:rPr lang="en-NZ" sz="1200" dirty="0"/>
+              <a:rPr lang="en-NZ" sz="1400" dirty="0"/>
               <a:t>Service A</a:t>
             </a:r>
           </a:p>
@@ -44468,7 +48852,7 @@
       </p:sp>
       <p:sp>
         <p:nvSpPr>
-          <p:cNvPr id="11" name="Rectangle 10">
+          <p:cNvPr id="11" name="Rectangle: Rounded Corners 10">
             <a:extLst>
               <a:ext uri="{FF2B5EF4-FFF2-40B4-BE49-F238E27FC236}">
                 <a16:creationId xmlns:a16="http://schemas.microsoft.com/office/drawing/2014/main" id="{FF5C7A6E-27CF-4318-9A6E-BB6FAB9A79D8}"/>
@@ -44480,10 +48864,10 @@
         </p:nvSpPr>
         <p:spPr>
           <a:xfrm>
-            <a:off x="2751826" y="1526876"/>
-            <a:ext cx="3257910" cy="3770210"/>
+            <a:off x="2751826" y="1526875"/>
+            <a:ext cx="3257910" cy="4161911"/>
           </a:xfrm>
-          <a:prstGeom prst="rect">
+          <a:prstGeom prst="roundRect">
             <a:avLst/>
           </a:prstGeom>
           <a:solidFill>
@@ -44517,7 +48901,7 @@
           <a:p>
             <a:pPr algn="ctr"/>
             <a:r>
-              <a:rPr lang="en-NZ" sz="1200" dirty="0"/>
+              <a:rPr lang="en-NZ" sz="1400" dirty="0"/>
               <a:t>Application A</a:t>
             </a:r>
           </a:p>
@@ -44537,7 +48921,7 @@
         </p:nvSpPr>
         <p:spPr>
           <a:xfrm>
-            <a:off x="2832047" y="1760113"/>
+            <a:off x="2832047" y="1959285"/>
             <a:ext cx="3097468" cy="3416320"/>
           </a:xfrm>
           <a:prstGeom prst="rect">
@@ -44952,7 +49336,7 @@
             <a:p>
               <a:pPr algn="ctr"/>
               <a:r>
-                <a:rPr lang="en-NZ" sz="1200" dirty="0"/>
+                <a:rPr lang="en-NZ" sz="1400" dirty="0"/>
                 <a:t>Repository A</a:t>
               </a:r>
             </a:p>
@@ -45040,9 +49424,9 @@
           <p:nvPr/>
         </p:nvCxnSpPr>
         <p:spPr>
-          <a:xfrm>
-            <a:off x="5318331" y="2125609"/>
-            <a:ext cx="1030418" cy="3142"/>
+          <a:xfrm flipV="1">
+            <a:off x="5489387" y="2128751"/>
+            <a:ext cx="859362" cy="144227"/>
           </a:xfrm>
           <a:prstGeom prst="straightConnector1">
             <a:avLst/>
@@ -45177,7 +49561,7 @@
         <p:spPr>
           <a:xfrm flipH="1" flipV="1">
             <a:off x="1973009" y="4879138"/>
-            <a:ext cx="1250251" cy="81482"/>
+            <a:ext cx="859038" cy="337054"/>
           </a:xfrm>
           <a:prstGeom prst="straightConnector1">
             <a:avLst/>
@@ -45324,7 +49708,7 @@
             <a:p>
               <a:pPr algn="ctr"/>
               <a:r>
-                <a:rPr lang="en-NZ" sz="1200" dirty="0"/>
+                <a:rPr lang="en-NZ" sz="1400" dirty="0"/>
                 <a:t>Repository A</a:t>
               </a:r>
             </a:p>
@@ -45390,52 +49774,6 @@
           </p:txBody>
         </p:sp>
       </p:grpSp>
-      <p:sp>
-        <p:nvSpPr>
-          <p:cNvPr id="71" name="Flowchart: Summing Junction 70">
-            <a:extLst>
-              <a:ext uri="{FF2B5EF4-FFF2-40B4-BE49-F238E27FC236}">
-                <a16:creationId xmlns:a16="http://schemas.microsoft.com/office/drawing/2014/main" id="{2927C717-B75E-4C45-80D1-03DA8054013A}"/>
-              </a:ext>
-            </a:extLst>
-          </p:cNvPr>
-          <p:cNvSpPr/>
-          <p:nvPr/>
-        </p:nvSpPr>
-        <p:spPr>
-          <a:xfrm>
-            <a:off x="5298057" y="4746700"/>
-            <a:ext cx="501770" cy="501770"/>
-          </a:xfrm>
-          <a:prstGeom prst="flowChartSummingJunction">
-            <a:avLst/>
-          </a:prstGeom>
-        </p:spPr>
-        <p:style>
-          <a:lnRef idx="2">
-            <a:schemeClr val="accent6">
-              <a:shade val="50000"/>
-            </a:schemeClr>
-          </a:lnRef>
-          <a:fillRef idx="1">
-            <a:schemeClr val="accent6"/>
-          </a:fillRef>
-          <a:effectRef idx="0">
-            <a:schemeClr val="accent6"/>
-          </a:effectRef>
-          <a:fontRef idx="minor">
-            <a:schemeClr val="lt1"/>
-          </a:fontRef>
-        </p:style>
-        <p:txBody>
-          <a:bodyPr rtlCol="0" anchor="ctr"/>
-          <a:lstStyle/>
-          <a:p>
-            <a:pPr algn="ctr"/>
-            <a:endParaRPr lang="en-NZ"/>
-          </a:p>
-        </p:txBody>
-      </p:sp>
       <p:cxnSp>
         <p:nvCxnSpPr>
           <p:cNvPr id="35" name="Straight Arrow Connector 34">
@@ -45452,8 +49790,8 @@
         </p:nvCxnSpPr>
         <p:spPr>
           <a:xfrm>
-            <a:off x="5460894" y="4142752"/>
-            <a:ext cx="887855" cy="1079438"/>
+            <a:off x="5350598" y="4282956"/>
+            <a:ext cx="998151" cy="939234"/>
           </a:xfrm>
           <a:prstGeom prst="straightConnector1">
             <a:avLst/>
@@ -45678,282 +50016,6 @@
           </a:fontRef>
         </p:style>
       </p:cxnSp>
-      <p:sp>
-        <p:nvSpPr>
-          <p:cNvPr id="37" name="Flowchart: Magnetic Disk 36">
-            <a:extLst>
-              <a:ext uri="{FF2B5EF4-FFF2-40B4-BE49-F238E27FC236}">
-                <a16:creationId xmlns:a16="http://schemas.microsoft.com/office/drawing/2014/main" id="{B102C2AC-6373-4402-8CE7-B62033B8A64E}"/>
-              </a:ext>
-            </a:extLst>
-          </p:cNvPr>
-          <p:cNvSpPr/>
-          <p:nvPr/>
-        </p:nvSpPr>
-        <p:spPr>
-          <a:xfrm>
-            <a:off x="9943290" y="5396257"/>
-            <a:ext cx="868302" cy="1285335"/>
-          </a:xfrm>
-          <a:prstGeom prst="flowChartMagneticDisk">
-            <a:avLst/>
-          </a:prstGeom>
-          <a:solidFill>
-            <a:schemeClr val="accent5">
-              <a:lumMod val="60000"/>
-              <a:lumOff val="40000"/>
-            </a:schemeClr>
-          </a:solidFill>
-          <a:ln>
-            <a:prstDash val="sysDash"/>
-          </a:ln>
-        </p:spPr>
-        <p:style>
-          <a:lnRef idx="2">
-            <a:schemeClr val="accent1">
-              <a:shade val="50000"/>
-            </a:schemeClr>
-          </a:lnRef>
-          <a:fillRef idx="1">
-            <a:schemeClr val="accent1"/>
-          </a:fillRef>
-          <a:effectRef idx="0">
-            <a:schemeClr val="accent1"/>
-          </a:effectRef>
-          <a:fontRef idx="minor">
-            <a:schemeClr val="lt1"/>
-          </a:fontRef>
-        </p:style>
-        <p:txBody>
-          <a:bodyPr rtlCol="0" anchor="ctr"/>
-          <a:lstStyle/>
-          <a:p>
-            <a:pPr algn="ctr"/>
-            <a:r>
-              <a:rPr lang="en-NZ" sz="1200" dirty="0">
-                <a:solidFill>
-                  <a:schemeClr val="tx1"/>
-                </a:solidFill>
-              </a:rPr>
-              <a:t>Read</a:t>
-            </a:r>
-          </a:p>
-          <a:p>
-            <a:pPr algn="ctr"/>
-            <a:r>
-              <a:rPr lang="en-NZ" sz="1200" dirty="0">
-                <a:solidFill>
-                  <a:schemeClr val="tx1"/>
-                </a:solidFill>
-              </a:rPr>
-              <a:t>Data Stores</a:t>
-            </a:r>
-          </a:p>
-        </p:txBody>
-      </p:sp>
-      <p:cxnSp>
-        <p:nvCxnSpPr>
-          <p:cNvPr id="63" name="Straight Arrow Connector 62">
-            <a:extLst>
-              <a:ext uri="{FF2B5EF4-FFF2-40B4-BE49-F238E27FC236}">
-                <a16:creationId xmlns:a16="http://schemas.microsoft.com/office/drawing/2014/main" id="{54233B16-F081-4FD1-B7D6-D237A56C0033}"/>
-              </a:ext>
-            </a:extLst>
-          </p:cNvPr>
-          <p:cNvCxnSpPr>
-            <a:cxnSpLocks/>
-            <a:stCxn id="61" idx="3"/>
-            <a:endCxn id="42" idx="0"/>
-          </p:cNvCxnSpPr>
-          <p:nvPr/>
-        </p:nvCxnSpPr>
-        <p:spPr>
-          <a:xfrm>
-            <a:off x="8988724" y="5107703"/>
-            <a:ext cx="2382281" cy="716999"/>
-          </a:xfrm>
-          <a:prstGeom prst="curvedConnector2">
-            <a:avLst/>
-          </a:prstGeom>
-          <a:ln w="38100">
-            <a:solidFill>
-              <a:schemeClr val="tx1"/>
-            </a:solidFill>
-            <a:prstDash val="sysDot"/>
-            <a:headEnd type="none" w="med" len="med"/>
-            <a:tailEnd type="triangle" w="med" len="med"/>
-          </a:ln>
-        </p:spPr>
-        <p:style>
-          <a:lnRef idx="1">
-            <a:schemeClr val="accent1"/>
-          </a:lnRef>
-          <a:fillRef idx="0">
-            <a:schemeClr val="accent1"/>
-          </a:fillRef>
-          <a:effectRef idx="0">
-            <a:schemeClr val="accent1"/>
-          </a:effectRef>
-          <a:fontRef idx="minor">
-            <a:schemeClr val="tx1"/>
-          </a:fontRef>
-        </p:style>
-      </p:cxnSp>
-      <p:sp>
-        <p:nvSpPr>
-          <p:cNvPr id="17" name="TextBox 16">
-            <a:extLst>
-              <a:ext uri="{FF2B5EF4-FFF2-40B4-BE49-F238E27FC236}">
-                <a16:creationId xmlns:a16="http://schemas.microsoft.com/office/drawing/2014/main" id="{454BA71D-8F30-491E-98A6-AC9C42DFA7F1}"/>
-              </a:ext>
-            </a:extLst>
-          </p:cNvPr>
-          <p:cNvSpPr txBox="1"/>
-          <p:nvPr/>
-        </p:nvSpPr>
-        <p:spPr>
-          <a:xfrm>
-            <a:off x="10047504" y="4879138"/>
-            <a:ext cx="1682961" cy="369332"/>
-          </a:xfrm>
-          <a:prstGeom prst="rect">
-            <a:avLst/>
-          </a:prstGeom>
-          <a:noFill/>
-        </p:spPr>
-        <p:txBody>
-          <a:bodyPr wrap="none" rtlCol="0">
-            <a:spAutoFit/>
-          </a:bodyPr>
-          <a:lstStyle/>
-          <a:p>
-            <a:r>
-              <a:rPr lang="en-NZ" dirty="0"/>
-              <a:t>1…n Projections</a:t>
-            </a:r>
-          </a:p>
-        </p:txBody>
-      </p:sp>
-      <p:sp>
-        <p:nvSpPr>
-          <p:cNvPr id="42" name="Flowchart: Magnetic Disk 41">
-            <a:extLst>
-              <a:ext uri="{FF2B5EF4-FFF2-40B4-BE49-F238E27FC236}">
-                <a16:creationId xmlns:a16="http://schemas.microsoft.com/office/drawing/2014/main" id="{BAD3E9EB-BBF7-4AF1-954B-C5A2B89B125E}"/>
-              </a:ext>
-            </a:extLst>
-          </p:cNvPr>
-          <p:cNvSpPr/>
-          <p:nvPr/>
-        </p:nvSpPr>
-        <p:spPr>
-          <a:xfrm>
-            <a:off x="10936854" y="5396257"/>
-            <a:ext cx="868302" cy="1285335"/>
-          </a:xfrm>
-          <a:prstGeom prst="flowChartMagneticDisk">
-            <a:avLst/>
-          </a:prstGeom>
-          <a:solidFill>
-            <a:schemeClr val="accent5">
-              <a:lumMod val="60000"/>
-              <a:lumOff val="40000"/>
-            </a:schemeClr>
-          </a:solidFill>
-          <a:ln>
-            <a:prstDash val="sysDash"/>
-          </a:ln>
-        </p:spPr>
-        <p:style>
-          <a:lnRef idx="2">
-            <a:schemeClr val="accent1">
-              <a:shade val="50000"/>
-            </a:schemeClr>
-          </a:lnRef>
-          <a:fillRef idx="1">
-            <a:schemeClr val="accent1"/>
-          </a:fillRef>
-          <a:effectRef idx="0">
-            <a:schemeClr val="accent1"/>
-          </a:effectRef>
-          <a:fontRef idx="minor">
-            <a:schemeClr val="lt1"/>
-          </a:fontRef>
-        </p:style>
-        <p:txBody>
-          <a:bodyPr rtlCol="0" anchor="ctr"/>
-          <a:lstStyle/>
-          <a:p>
-            <a:pPr algn="ctr"/>
-            <a:r>
-              <a:rPr lang="en-NZ" sz="1200" dirty="0">
-                <a:solidFill>
-                  <a:schemeClr val="tx1"/>
-                </a:solidFill>
-              </a:rPr>
-              <a:t>Read</a:t>
-            </a:r>
-          </a:p>
-          <a:p>
-            <a:pPr algn="ctr"/>
-            <a:r>
-              <a:rPr lang="en-NZ" sz="1200" dirty="0">
-                <a:solidFill>
-                  <a:schemeClr val="tx1"/>
-                </a:solidFill>
-              </a:rPr>
-              <a:t>Data Stores</a:t>
-            </a:r>
-          </a:p>
-        </p:txBody>
-      </p:sp>
-      <p:cxnSp>
-        <p:nvCxnSpPr>
-          <p:cNvPr id="43" name="Straight Arrow Connector 62">
-            <a:extLst>
-              <a:ext uri="{FF2B5EF4-FFF2-40B4-BE49-F238E27FC236}">
-                <a16:creationId xmlns:a16="http://schemas.microsoft.com/office/drawing/2014/main" id="{238F00D6-93F4-477B-9D2A-EFE9B4C286D0}"/>
-              </a:ext>
-            </a:extLst>
-          </p:cNvPr>
-          <p:cNvCxnSpPr>
-            <a:cxnSpLocks/>
-            <a:endCxn id="37" idx="0"/>
-          </p:cNvCxnSpPr>
-          <p:nvPr/>
-        </p:nvCxnSpPr>
-        <p:spPr>
-          <a:xfrm>
-            <a:off x="8988724" y="5297085"/>
-            <a:ext cx="1388717" cy="527617"/>
-          </a:xfrm>
-          <a:prstGeom prst="curvedConnector2">
-            <a:avLst/>
-          </a:prstGeom>
-          <a:ln w="38100">
-            <a:solidFill>
-              <a:schemeClr val="tx1"/>
-            </a:solidFill>
-            <a:prstDash val="sysDot"/>
-            <a:headEnd type="none" w="med" len="med"/>
-            <a:tailEnd type="triangle" w="med" len="med"/>
-          </a:ln>
-        </p:spPr>
-        <p:style>
-          <a:lnRef idx="1">
-            <a:schemeClr val="accent1"/>
-          </a:lnRef>
-          <a:fillRef idx="0">
-            <a:schemeClr val="accent1"/>
-          </a:fillRef>
-          <a:effectRef idx="0">
-            <a:schemeClr val="accent1"/>
-          </a:effectRef>
-          <a:fontRef idx="minor">
-            <a:schemeClr val="tx1"/>
-          </a:fontRef>
-        </p:style>
-      </p:cxnSp>
       <p:cxnSp>
         <p:nvCxnSpPr>
           <p:cNvPr id="38" name="Straight Arrow Connector 75">
@@ -46186,6 +50248,415 @@
           </a:p>
         </p:txBody>
       </p:sp>
+      <p:grpSp>
+        <p:nvGrpSpPr>
+          <p:cNvPr id="30" name="Group 29">
+            <a:extLst>
+              <a:ext uri="{FF2B5EF4-FFF2-40B4-BE49-F238E27FC236}">
+                <a16:creationId xmlns:a16="http://schemas.microsoft.com/office/drawing/2014/main" id="{B2911F9D-2008-6F75-AD09-958F98B3EABB}"/>
+              </a:ext>
+            </a:extLst>
+          </p:cNvPr>
+          <p:cNvGrpSpPr/>
+          <p:nvPr/>
+        </p:nvGrpSpPr>
+        <p:grpSpPr>
+          <a:xfrm>
+            <a:off x="7657965" y="5107703"/>
+            <a:ext cx="4147191" cy="1641517"/>
+            <a:chOff x="7657965" y="5107703"/>
+            <a:chExt cx="4147191" cy="1641517"/>
+          </a:xfrm>
+        </p:grpSpPr>
+        <p:sp>
+          <p:nvSpPr>
+            <p:cNvPr id="37" name="Flowchart: Magnetic Disk 36">
+              <a:extLst>
+                <a:ext uri="{FF2B5EF4-FFF2-40B4-BE49-F238E27FC236}">
+                  <a16:creationId xmlns:a16="http://schemas.microsoft.com/office/drawing/2014/main" id="{B102C2AC-6373-4402-8CE7-B62033B8A64E}"/>
+                </a:ext>
+              </a:extLst>
+            </p:cNvPr>
+            <p:cNvSpPr/>
+            <p:nvPr/>
+          </p:nvSpPr>
+          <p:spPr>
+            <a:xfrm>
+              <a:off x="9613353" y="5463885"/>
+              <a:ext cx="868302" cy="1285335"/>
+            </a:xfrm>
+            <a:prstGeom prst="flowChartMagneticDisk">
+              <a:avLst/>
+            </a:prstGeom>
+            <a:solidFill>
+              <a:schemeClr val="accent5">
+                <a:lumMod val="60000"/>
+                <a:lumOff val="40000"/>
+              </a:schemeClr>
+            </a:solidFill>
+            <a:ln>
+              <a:prstDash val="sysDash"/>
+            </a:ln>
+          </p:spPr>
+          <p:style>
+            <a:lnRef idx="2">
+              <a:schemeClr val="accent1">
+                <a:shade val="50000"/>
+              </a:schemeClr>
+            </a:lnRef>
+            <a:fillRef idx="1">
+              <a:schemeClr val="accent1"/>
+            </a:fillRef>
+            <a:effectRef idx="0">
+              <a:schemeClr val="accent1"/>
+            </a:effectRef>
+            <a:fontRef idx="minor">
+              <a:schemeClr val="lt1"/>
+            </a:fontRef>
+          </p:style>
+          <p:txBody>
+            <a:bodyPr rtlCol="0" anchor="ctr"/>
+            <a:lstStyle/>
+            <a:p>
+              <a:pPr algn="ctr"/>
+              <a:r>
+                <a:rPr lang="en-NZ" sz="1200" dirty="0">
+                  <a:solidFill>
+                    <a:schemeClr val="tx1"/>
+                  </a:solidFill>
+                </a:rPr>
+                <a:t>Read</a:t>
+              </a:r>
+            </a:p>
+            <a:p>
+              <a:pPr algn="ctr"/>
+              <a:r>
+                <a:rPr lang="en-NZ" sz="1200" dirty="0">
+                  <a:solidFill>
+                    <a:schemeClr val="tx1"/>
+                  </a:solidFill>
+                </a:rPr>
+                <a:t>Data Stores</a:t>
+              </a:r>
+            </a:p>
+          </p:txBody>
+        </p:sp>
+        <p:sp>
+          <p:nvSpPr>
+            <p:cNvPr id="17" name="TextBox 16">
+              <a:extLst>
+                <a:ext uri="{FF2B5EF4-FFF2-40B4-BE49-F238E27FC236}">
+                  <a16:creationId xmlns:a16="http://schemas.microsoft.com/office/drawing/2014/main" id="{454BA71D-8F30-491E-98A6-AC9C42DFA7F1}"/>
+                </a:ext>
+              </a:extLst>
+            </p:cNvPr>
+            <p:cNvSpPr txBox="1"/>
+            <p:nvPr/>
+          </p:nvSpPr>
+          <p:spPr>
+            <a:xfrm>
+              <a:off x="7657965" y="6020963"/>
+              <a:ext cx="1965603" cy="646331"/>
+            </a:xfrm>
+            <a:prstGeom prst="rect">
+              <a:avLst/>
+            </a:prstGeom>
+            <a:noFill/>
+          </p:spPr>
+          <p:txBody>
+            <a:bodyPr wrap="none" rtlCol="0">
+              <a:spAutoFit/>
+            </a:bodyPr>
+            <a:lstStyle/>
+            <a:p>
+              <a:r>
+                <a:rPr lang="en-NZ" dirty="0"/>
+                <a:t>1…n Projections /</a:t>
+              </a:r>
+            </a:p>
+            <a:p>
+              <a:r>
+                <a:rPr lang="en-NZ" dirty="0"/>
+                <a:t>Notifications</a:t>
+              </a:r>
+            </a:p>
+          </p:txBody>
+        </p:sp>
+        <p:cxnSp>
+          <p:nvCxnSpPr>
+            <p:cNvPr id="43" name="Straight Arrow Connector 62">
+              <a:extLst>
+                <a:ext uri="{FF2B5EF4-FFF2-40B4-BE49-F238E27FC236}">
+                  <a16:creationId xmlns:a16="http://schemas.microsoft.com/office/drawing/2014/main" id="{238F00D6-93F4-477B-9D2A-EFE9B4C286D0}"/>
+                </a:ext>
+              </a:extLst>
+            </p:cNvPr>
+            <p:cNvCxnSpPr>
+              <a:cxnSpLocks/>
+              <a:endCxn id="37" idx="0"/>
+            </p:cNvCxnSpPr>
+            <p:nvPr/>
+          </p:nvCxnSpPr>
+          <p:spPr>
+            <a:xfrm>
+              <a:off x="9074988" y="5297086"/>
+              <a:ext cx="972516" cy="595244"/>
+            </a:xfrm>
+            <a:prstGeom prst="curvedConnector2">
+              <a:avLst/>
+            </a:prstGeom>
+            <a:ln w="38100">
+              <a:solidFill>
+                <a:schemeClr val="tx1"/>
+              </a:solidFill>
+              <a:prstDash val="sysDot"/>
+              <a:headEnd type="none" w="med" len="med"/>
+              <a:tailEnd type="triangle" w="med" len="med"/>
+            </a:ln>
+          </p:spPr>
+          <p:style>
+            <a:lnRef idx="1">
+              <a:schemeClr val="accent1"/>
+            </a:lnRef>
+            <a:fillRef idx="0">
+              <a:schemeClr val="accent1"/>
+            </a:fillRef>
+            <a:effectRef idx="0">
+              <a:schemeClr val="accent1"/>
+            </a:effectRef>
+            <a:fontRef idx="minor">
+              <a:schemeClr val="tx1"/>
+            </a:fontRef>
+          </p:style>
+        </p:cxnSp>
+        <p:sp>
+          <p:nvSpPr>
+            <p:cNvPr id="28" name="Flowchart: Magnetic Disk 27">
+              <a:extLst>
+                <a:ext uri="{FF2B5EF4-FFF2-40B4-BE49-F238E27FC236}">
+                  <a16:creationId xmlns:a16="http://schemas.microsoft.com/office/drawing/2014/main" id="{596EFD4B-F2CF-58D8-8204-B572CC3F3766}"/>
+                </a:ext>
+              </a:extLst>
+            </p:cNvPr>
+            <p:cNvSpPr/>
+            <p:nvPr/>
+          </p:nvSpPr>
+          <p:spPr>
+            <a:xfrm>
+              <a:off x="10929666" y="6247793"/>
+              <a:ext cx="868302" cy="496073"/>
+            </a:xfrm>
+            <a:prstGeom prst="flowChartMagneticDisk">
+              <a:avLst/>
+            </a:prstGeom>
+            <a:solidFill>
+              <a:schemeClr val="accent5">
+                <a:lumMod val="75000"/>
+              </a:schemeClr>
+            </a:solidFill>
+            <a:ln>
+              <a:prstDash val="sysDash"/>
+            </a:ln>
+          </p:spPr>
+          <p:style>
+            <a:lnRef idx="2">
+              <a:schemeClr val="accent1">
+                <a:shade val="50000"/>
+              </a:schemeClr>
+            </a:lnRef>
+            <a:fillRef idx="1">
+              <a:schemeClr val="accent1"/>
+            </a:fillRef>
+            <a:effectRef idx="0">
+              <a:schemeClr val="accent1"/>
+            </a:effectRef>
+            <a:fontRef idx="minor">
+              <a:schemeClr val="lt1"/>
+            </a:fontRef>
+          </p:style>
+          <p:txBody>
+            <a:bodyPr rtlCol="0" anchor="ctr"/>
+            <a:lstStyle/>
+            <a:p>
+              <a:pPr algn="ctr"/>
+              <a:endParaRPr lang="en-NZ" sz="1200" dirty="0">
+                <a:solidFill>
+                  <a:schemeClr val="tx1"/>
+                </a:solidFill>
+              </a:endParaRPr>
+            </a:p>
+          </p:txBody>
+        </p:sp>
+        <p:sp>
+          <p:nvSpPr>
+            <p:cNvPr id="27" name="Flowchart: Magnetic Disk 26">
+              <a:extLst>
+                <a:ext uri="{FF2B5EF4-FFF2-40B4-BE49-F238E27FC236}">
+                  <a16:creationId xmlns:a16="http://schemas.microsoft.com/office/drawing/2014/main" id="{89E881D7-FAC8-C8DE-3A42-20A87152FBC2}"/>
+                </a:ext>
+              </a:extLst>
+            </p:cNvPr>
+            <p:cNvSpPr/>
+            <p:nvPr/>
+          </p:nvSpPr>
+          <p:spPr>
+            <a:xfrm>
+              <a:off x="10929666" y="5821861"/>
+              <a:ext cx="868302" cy="496073"/>
+            </a:xfrm>
+            <a:prstGeom prst="flowChartMagneticDisk">
+              <a:avLst/>
+            </a:prstGeom>
+            <a:solidFill>
+              <a:schemeClr val="accent5">
+                <a:lumMod val="60000"/>
+                <a:lumOff val="40000"/>
+              </a:schemeClr>
+            </a:solidFill>
+            <a:ln>
+              <a:prstDash val="sysDash"/>
+            </a:ln>
+          </p:spPr>
+          <p:style>
+            <a:lnRef idx="2">
+              <a:schemeClr val="accent1">
+                <a:shade val="50000"/>
+              </a:schemeClr>
+            </a:lnRef>
+            <a:fillRef idx="1">
+              <a:schemeClr val="accent1"/>
+            </a:fillRef>
+            <a:effectRef idx="0">
+              <a:schemeClr val="accent1"/>
+            </a:effectRef>
+            <a:fontRef idx="minor">
+              <a:schemeClr val="lt1"/>
+            </a:fontRef>
+          </p:style>
+          <p:txBody>
+            <a:bodyPr rtlCol="0" anchor="ctr"/>
+            <a:lstStyle/>
+            <a:p>
+              <a:pPr algn="ctr"/>
+              <a:r>
+                <a:rPr lang="en-NZ" sz="1200" dirty="0">
+                  <a:solidFill>
+                    <a:schemeClr val="tx1"/>
+                  </a:solidFill>
+                </a:rPr>
+                <a:t>Message Broker</a:t>
+              </a:r>
+            </a:p>
+          </p:txBody>
+        </p:sp>
+        <p:sp>
+          <p:nvSpPr>
+            <p:cNvPr id="42" name="Flowchart: Magnetic Disk 41">
+              <a:extLst>
+                <a:ext uri="{FF2B5EF4-FFF2-40B4-BE49-F238E27FC236}">
+                  <a16:creationId xmlns:a16="http://schemas.microsoft.com/office/drawing/2014/main" id="{BAD3E9EB-BBF7-4AF1-954B-C5A2B89B125E}"/>
+                </a:ext>
+              </a:extLst>
+            </p:cNvPr>
+            <p:cNvSpPr/>
+            <p:nvPr/>
+          </p:nvSpPr>
+          <p:spPr>
+            <a:xfrm>
+              <a:off x="10936854" y="5396257"/>
+              <a:ext cx="868302" cy="496073"/>
+            </a:xfrm>
+            <a:prstGeom prst="flowChartMagneticDisk">
+              <a:avLst/>
+            </a:prstGeom>
+            <a:solidFill>
+              <a:schemeClr val="accent5">
+                <a:lumMod val="40000"/>
+                <a:lumOff val="60000"/>
+              </a:schemeClr>
+            </a:solidFill>
+            <a:ln>
+              <a:prstDash val="sysDash"/>
+            </a:ln>
+          </p:spPr>
+          <p:style>
+            <a:lnRef idx="2">
+              <a:schemeClr val="accent1">
+                <a:shade val="50000"/>
+              </a:schemeClr>
+            </a:lnRef>
+            <a:fillRef idx="1">
+              <a:schemeClr val="accent1"/>
+            </a:fillRef>
+            <a:effectRef idx="0">
+              <a:schemeClr val="accent1"/>
+            </a:effectRef>
+            <a:fontRef idx="minor">
+              <a:schemeClr val="lt1"/>
+            </a:fontRef>
+          </p:style>
+          <p:txBody>
+            <a:bodyPr rtlCol="0" anchor="ctr"/>
+            <a:lstStyle/>
+            <a:p>
+              <a:pPr algn="ctr"/>
+              <a:endParaRPr lang="en-NZ" sz="1200" dirty="0">
+                <a:solidFill>
+                  <a:schemeClr val="tx1"/>
+                </a:solidFill>
+              </a:endParaRPr>
+            </a:p>
+          </p:txBody>
+        </p:sp>
+        <p:cxnSp>
+          <p:nvCxnSpPr>
+            <p:cNvPr id="63" name="Straight Arrow Connector 62">
+              <a:extLst>
+                <a:ext uri="{FF2B5EF4-FFF2-40B4-BE49-F238E27FC236}">
+                  <a16:creationId xmlns:a16="http://schemas.microsoft.com/office/drawing/2014/main" id="{54233B16-F081-4FD1-B7D6-D237A56C0033}"/>
+                </a:ext>
+              </a:extLst>
+            </p:cNvPr>
+            <p:cNvCxnSpPr>
+              <a:cxnSpLocks/>
+              <a:stCxn id="61" idx="3"/>
+              <a:endCxn id="42" idx="0"/>
+            </p:cNvCxnSpPr>
+            <p:nvPr/>
+          </p:nvCxnSpPr>
+          <p:spPr>
+            <a:xfrm>
+              <a:off x="8988724" y="5107703"/>
+              <a:ext cx="2382281" cy="453912"/>
+            </a:xfrm>
+            <a:prstGeom prst="curvedConnector2">
+              <a:avLst/>
+            </a:prstGeom>
+            <a:ln w="38100">
+              <a:solidFill>
+                <a:schemeClr val="tx1"/>
+              </a:solidFill>
+              <a:prstDash val="sysDot"/>
+              <a:headEnd type="none" w="med" len="med"/>
+              <a:tailEnd type="triangle" w="med" len="med"/>
+            </a:ln>
+          </p:spPr>
+          <p:style>
+            <a:lnRef idx="1">
+              <a:schemeClr val="accent1"/>
+            </a:lnRef>
+            <a:fillRef idx="0">
+              <a:schemeClr val="accent1"/>
+            </a:fillRef>
+            <a:effectRef idx="0">
+              <a:schemeClr val="accent1"/>
+            </a:effectRef>
+            <a:fontRef idx="minor">
+              <a:schemeClr val="tx1"/>
+            </a:fontRef>
+          </p:style>
+        </p:cxnSp>
+      </p:grpSp>
     </p:spTree>
     <p:extLst>
       <p:ext uri="{BB962C8B-B14F-4D97-AF65-F5344CB8AC3E}">
@@ -46253,53 +50724,6 @@
       </p:sp>
       <p:sp>
         <p:nvSpPr>
-          <p:cNvPr id="3" name="Rectangle 2">
-            <a:extLst>
-              <a:ext uri="{FF2B5EF4-FFF2-40B4-BE49-F238E27FC236}">
-                <a16:creationId xmlns:a16="http://schemas.microsoft.com/office/drawing/2014/main" id="{24828938-3AC6-49ED-9838-E547A03B6A40}"/>
-              </a:ext>
-            </a:extLst>
-          </p:cNvPr>
-          <p:cNvSpPr/>
-          <p:nvPr/>
-        </p:nvSpPr>
-        <p:spPr>
-          <a:xfrm>
-            <a:off x="1710997" y="1052423"/>
-            <a:ext cx="7363991" cy="4770407"/>
-          </a:xfrm>
-          <a:prstGeom prst="rect">
-            <a:avLst/>
-          </a:prstGeom>
-          <a:noFill/>
-        </p:spPr>
-        <p:style>
-          <a:lnRef idx="2">
-            <a:schemeClr val="accent1">
-              <a:shade val="50000"/>
-            </a:schemeClr>
-          </a:lnRef>
-          <a:fillRef idx="1">
-            <a:schemeClr val="accent1"/>
-          </a:fillRef>
-          <a:effectRef idx="0">
-            <a:schemeClr val="accent1"/>
-          </a:effectRef>
-          <a:fontRef idx="minor">
-            <a:schemeClr val="lt1"/>
-          </a:fontRef>
-        </p:style>
-        <p:txBody>
-          <a:bodyPr rtlCol="0" anchor="ctr"/>
-          <a:lstStyle/>
-          <a:p>
-            <a:pPr algn="ctr"/>
-            <a:endParaRPr lang="en-NZ"/>
-          </a:p>
-        </p:txBody>
-      </p:sp>
-      <p:sp>
-        <p:nvSpPr>
           <p:cNvPr id="4" name="Flowchart: Magnetic Disk 3">
             <a:extLst>
               <a:ext uri="{FF2B5EF4-FFF2-40B4-BE49-F238E27FC236}">
@@ -46565,7 +50989,7 @@
       </p:sp>
       <p:sp>
         <p:nvSpPr>
-          <p:cNvPr id="10" name="Rectangle 9">
+          <p:cNvPr id="10" name="Rectangle: Rounded Corners 9">
             <a:extLst>
               <a:ext uri="{FF2B5EF4-FFF2-40B4-BE49-F238E27FC236}">
                 <a16:creationId xmlns:a16="http://schemas.microsoft.com/office/drawing/2014/main" id="{C401CA83-84D9-42AA-80EF-011FC5F388A9}"/>
@@ -46580,7 +51004,7 @@
             <a:off x="1797261" y="1526874"/>
             <a:ext cx="695773" cy="3770212"/>
           </a:xfrm>
-          <a:prstGeom prst="rect">
+          <a:prstGeom prst="roundRect">
             <a:avLst/>
           </a:prstGeom>
           <a:ln>
@@ -46606,12 +51030,12 @@
           </a:fontRef>
         </p:style>
         <p:txBody>
-          <a:bodyPr rtlCol="0" anchor="ctr"/>
+          <a:bodyPr vert="vert" rtlCol="0" anchor="ctr"/>
           <a:lstStyle/>
           <a:p>
             <a:pPr algn="ctr"/>
             <a:r>
-              <a:rPr lang="en-NZ" sz="1200" dirty="0"/>
+              <a:rPr lang="en-NZ" sz="1400" dirty="0"/>
               <a:t>Service A</a:t>
             </a:r>
           </a:p>
@@ -46619,7 +51043,7 @@
       </p:sp>
       <p:sp>
         <p:nvSpPr>
-          <p:cNvPr id="11" name="Rectangle 10">
+          <p:cNvPr id="11" name="Rectangle: Rounded Corners 10">
             <a:extLst>
               <a:ext uri="{FF2B5EF4-FFF2-40B4-BE49-F238E27FC236}">
                 <a16:creationId xmlns:a16="http://schemas.microsoft.com/office/drawing/2014/main" id="{FF5C7A6E-27CF-4318-9A6E-BB6FAB9A79D8}"/>
@@ -46634,7 +51058,7 @@
             <a:off x="2751826" y="1526876"/>
             <a:ext cx="3257910" cy="3770210"/>
           </a:xfrm>
-          <a:prstGeom prst="rect">
+          <a:prstGeom prst="roundRect">
             <a:avLst/>
           </a:prstGeom>
           <a:solidFill>
@@ -46668,7 +51092,7 @@
           <a:p>
             <a:pPr algn="ctr"/>
             <a:r>
-              <a:rPr lang="en-NZ" sz="1200" dirty="0"/>
+              <a:rPr lang="en-NZ" sz="1400" dirty="0"/>
               <a:t>Application A</a:t>
             </a:r>
           </a:p>
@@ -46688,8 +51112,8 @@
         </p:nvSpPr>
         <p:spPr>
           <a:xfrm>
-            <a:off x="2832047" y="1760113"/>
-            <a:ext cx="3097468" cy="2862322"/>
+            <a:off x="2832047" y="2194674"/>
+            <a:ext cx="3097468" cy="2585323"/>
           </a:xfrm>
           <a:prstGeom prst="rect">
             <a:avLst/>
@@ -46709,12 +51133,6 @@
               <a:rPr lang="en-NZ" dirty="0"/>
               <a:t>Fetch Read Models from Repository</a:t>
             </a:r>
-          </a:p>
-          <a:p>
-            <a:pPr marL="342900" indent="-342900">
-              <a:buAutoNum type="arabicPeriod"/>
-            </a:pPr>
-            <a:endParaRPr lang="en-NZ" dirty="0"/>
           </a:p>
           <a:p>
             <a:pPr marL="342900" indent="-342900">
@@ -46891,7 +51309,7 @@
             <a:p>
               <a:pPr algn="ctr"/>
               <a:r>
-                <a:rPr lang="en-NZ" sz="1200" dirty="0"/>
+                <a:rPr lang="en-NZ" sz="1400" dirty="0"/>
                 <a:t>Repository A</a:t>
               </a:r>
             </a:p>
@@ -46911,7 +51329,7 @@
           </p:nvSpPr>
           <p:spPr>
             <a:xfrm>
-              <a:off x="6302647" y="1270311"/>
+              <a:off x="6302647" y="1315189"/>
               <a:ext cx="2402645" cy="238287"/>
             </a:xfrm>
             <a:prstGeom prst="roundRect">
@@ -46982,9 +51400,9 @@
           <p:nvPr/>
         </p:nvCxnSpPr>
         <p:spPr>
-          <a:xfrm>
-            <a:off x="5318331" y="2125609"/>
-            <a:ext cx="1030418" cy="3142"/>
+          <a:xfrm flipV="1">
+            <a:off x="5774818" y="2128751"/>
+            <a:ext cx="573931" cy="322764"/>
           </a:xfrm>
           <a:prstGeom prst="straightConnector1">
             <a:avLst/>
@@ -47074,8 +51492,8 @@
         </p:nvCxnSpPr>
         <p:spPr>
           <a:xfrm flipH="1">
-            <a:off x="1920240" y="4456160"/>
-            <a:ext cx="1303020" cy="391782"/>
+            <a:off x="1920240" y="4590107"/>
+            <a:ext cx="911807" cy="257835"/>
           </a:xfrm>
           <a:prstGeom prst="straightConnector1">
             <a:avLst/>
@@ -47102,52 +51520,6 @@
           </a:fontRef>
         </p:style>
       </p:cxnSp>
-      <p:sp>
-        <p:nvSpPr>
-          <p:cNvPr id="71" name="Flowchart: Summing Junction 70">
-            <a:extLst>
-              <a:ext uri="{FF2B5EF4-FFF2-40B4-BE49-F238E27FC236}">
-                <a16:creationId xmlns:a16="http://schemas.microsoft.com/office/drawing/2014/main" id="{2927C717-B75E-4C45-80D1-03DA8054013A}"/>
-              </a:ext>
-            </a:extLst>
-          </p:cNvPr>
-          <p:cNvSpPr/>
-          <p:nvPr/>
-        </p:nvSpPr>
-        <p:spPr>
-          <a:xfrm>
-            <a:off x="5273048" y="3954390"/>
-            <a:ext cx="501770" cy="501770"/>
-          </a:xfrm>
-          <a:prstGeom prst="flowChartSummingJunction">
-            <a:avLst/>
-          </a:prstGeom>
-        </p:spPr>
-        <p:style>
-          <a:lnRef idx="2">
-            <a:schemeClr val="accent6">
-              <a:shade val="50000"/>
-            </a:schemeClr>
-          </a:lnRef>
-          <a:fillRef idx="1">
-            <a:schemeClr val="accent6"/>
-          </a:fillRef>
-          <a:effectRef idx="0">
-            <a:schemeClr val="accent6"/>
-          </a:effectRef>
-          <a:fontRef idx="minor">
-            <a:schemeClr val="lt1"/>
-          </a:fontRef>
-        </p:style>
-        <p:txBody>
-          <a:bodyPr rtlCol="0" anchor="ctr"/>
-          <a:lstStyle/>
-          <a:p>
-            <a:pPr algn="ctr"/>
-            <a:endParaRPr lang="en-NZ"/>
-          </a:p>
-        </p:txBody>
-      </p:sp>
     </p:spTree>
     <p:extLst>
       <p:ext uri="{BB962C8B-B14F-4D97-AF65-F5344CB8AC3E}">

--- a/docs/images/Sources.pptx
+++ b/docs/images/Sources.pptx
@@ -8726,7 +8726,7 @@
           <a:p>
             <a:fld id="{7C7C8CC2-4E43-407C-8230-EFF88652EA00}" type="datetimeFigureOut">
               <a:rPr lang="en-NZ" smtClean="0"/>
-              <a:t>8/12/2023</a:t>
+              <a:t>11/12/2023</a:t>
             </a:fld>
             <a:endParaRPr lang="en-NZ"/>
           </a:p>
@@ -8926,7 +8926,7 @@
           <a:p>
             <a:fld id="{7C7C8CC2-4E43-407C-8230-EFF88652EA00}" type="datetimeFigureOut">
               <a:rPr lang="en-NZ" smtClean="0"/>
-              <a:t>8/12/2023</a:t>
+              <a:t>11/12/2023</a:t>
             </a:fld>
             <a:endParaRPr lang="en-NZ"/>
           </a:p>
@@ -9136,7 +9136,7 @@
           <a:p>
             <a:fld id="{7C7C8CC2-4E43-407C-8230-EFF88652EA00}" type="datetimeFigureOut">
               <a:rPr lang="en-NZ" smtClean="0"/>
-              <a:t>8/12/2023</a:t>
+              <a:t>11/12/2023</a:t>
             </a:fld>
             <a:endParaRPr lang="en-NZ"/>
           </a:p>
@@ -9336,7 +9336,7 @@
           <a:p>
             <a:fld id="{7C7C8CC2-4E43-407C-8230-EFF88652EA00}" type="datetimeFigureOut">
               <a:rPr lang="en-NZ" smtClean="0"/>
-              <a:t>8/12/2023</a:t>
+              <a:t>11/12/2023</a:t>
             </a:fld>
             <a:endParaRPr lang="en-NZ"/>
           </a:p>
@@ -9612,7 +9612,7 @@
           <a:p>
             <a:fld id="{7C7C8CC2-4E43-407C-8230-EFF88652EA00}" type="datetimeFigureOut">
               <a:rPr lang="en-NZ" smtClean="0"/>
-              <a:t>8/12/2023</a:t>
+              <a:t>11/12/2023</a:t>
             </a:fld>
             <a:endParaRPr lang="en-NZ"/>
           </a:p>
@@ -9880,7 +9880,7 @@
           <a:p>
             <a:fld id="{7C7C8CC2-4E43-407C-8230-EFF88652EA00}" type="datetimeFigureOut">
               <a:rPr lang="en-NZ" smtClean="0"/>
-              <a:t>8/12/2023</a:t>
+              <a:t>11/12/2023</a:t>
             </a:fld>
             <a:endParaRPr lang="en-NZ"/>
           </a:p>
@@ -10295,7 +10295,7 @@
           <a:p>
             <a:fld id="{7C7C8CC2-4E43-407C-8230-EFF88652EA00}" type="datetimeFigureOut">
               <a:rPr lang="en-NZ" smtClean="0"/>
-              <a:t>8/12/2023</a:t>
+              <a:t>11/12/2023</a:t>
             </a:fld>
             <a:endParaRPr lang="en-NZ"/>
           </a:p>
@@ -10437,7 +10437,7 @@
           <a:p>
             <a:fld id="{7C7C8CC2-4E43-407C-8230-EFF88652EA00}" type="datetimeFigureOut">
               <a:rPr lang="en-NZ" smtClean="0"/>
-              <a:t>8/12/2023</a:t>
+              <a:t>11/12/2023</a:t>
             </a:fld>
             <a:endParaRPr lang="en-NZ"/>
           </a:p>
@@ -10550,7 +10550,7 @@
           <a:p>
             <a:fld id="{7C7C8CC2-4E43-407C-8230-EFF88652EA00}" type="datetimeFigureOut">
               <a:rPr lang="en-NZ" smtClean="0"/>
-              <a:t>8/12/2023</a:t>
+              <a:t>11/12/2023</a:t>
             </a:fld>
             <a:endParaRPr lang="en-NZ"/>
           </a:p>
@@ -10863,7 +10863,7 @@
           <a:p>
             <a:fld id="{7C7C8CC2-4E43-407C-8230-EFF88652EA00}" type="datetimeFigureOut">
               <a:rPr lang="en-NZ" smtClean="0"/>
-              <a:t>8/12/2023</a:t>
+              <a:t>11/12/2023</a:t>
             </a:fld>
             <a:endParaRPr lang="en-NZ"/>
           </a:p>
@@ -11152,7 +11152,7 @@
           <a:p>
             <a:fld id="{7C7C8CC2-4E43-407C-8230-EFF88652EA00}" type="datetimeFigureOut">
               <a:rPr lang="en-NZ" smtClean="0"/>
-              <a:t>8/12/2023</a:t>
+              <a:t>11/12/2023</a:t>
             </a:fld>
             <a:endParaRPr lang="en-NZ"/>
           </a:p>
@@ -11395,7 +11395,7 @@
           <a:p>
             <a:fld id="{7C7C8CC2-4E43-407C-8230-EFF88652EA00}" type="datetimeFigureOut">
               <a:rPr lang="en-NZ" smtClean="0"/>
-              <a:t>8/12/2023</a:t>
+              <a:t>11/12/2023</a:t>
             </a:fld>
             <a:endParaRPr lang="en-NZ"/>
           </a:p>
@@ -17281,6 +17281,16 @@
             <a:p>
               <a:pPr algn="ctr"/>
               <a:r>
+                <a:rPr lang="en-US" sz="1200" dirty="0" err="1">
+                  <a:solidFill>
+                    <a:schemeClr val="bg2">
+                      <a:lumMod val="25000"/>
+                    </a:schemeClr>
+                  </a:solidFill>
+                </a:rPr>
+                <a:t>EndUser</a:t>
+              </a:r>
+              <a:r>
                 <a:rPr lang="en-US" sz="1200" dirty="0">
                   <a:solidFill>
                     <a:schemeClr val="bg2">
@@ -17288,7 +17298,7 @@
                     </a:schemeClr>
                   </a:solidFill>
                 </a:rPr>
-                <a:t>User Account API</a:t>
+                <a:t> API</a:t>
               </a:r>
               <a:endParaRPr lang="en-NZ" sz="1200" dirty="0">
                 <a:solidFill>
@@ -17533,7 +17543,7 @@
                     </a:schemeClr>
                   </a:solidFill>
                 </a:rPr>
-                <a:t>Organisation  API</a:t>
+                <a:t>Organization  API</a:t>
               </a:r>
               <a:endParaRPr lang="en-NZ" sz="1200" dirty="0">
                 <a:solidFill>
@@ -37191,6 +37201,16 @@
               <a:p>
                 <a:pPr algn="ctr"/>
                 <a:r>
+                  <a:rPr lang="en-US" sz="1200" dirty="0" err="1">
+                    <a:solidFill>
+                      <a:schemeClr val="bg2">
+                        <a:lumMod val="25000"/>
+                      </a:schemeClr>
+                    </a:solidFill>
+                  </a:rPr>
+                  <a:t>EndUser</a:t>
+                </a:r>
+                <a:r>
                   <a:rPr lang="en-US" sz="1200" dirty="0">
                     <a:solidFill>
                       <a:schemeClr val="bg2">
@@ -37198,7 +37218,7 @@
                       </a:schemeClr>
                     </a:solidFill>
                   </a:rPr>
-                  <a:t>User Account API</a:t>
+                  <a:t> API</a:t>
                 </a:r>
                 <a:endParaRPr lang="en-NZ" sz="1200" dirty="0">
                   <a:solidFill>
@@ -37476,7 +37496,7 @@
                       </a:schemeClr>
                     </a:solidFill>
                   </a:rPr>
-                  <a:t>Organisation  API</a:t>
+                  <a:t>Organization  API</a:t>
                 </a:r>
                 <a:endParaRPr lang="en-NZ" sz="1200" dirty="0">
                   <a:solidFill>
@@ -40620,10 +40640,10 @@
       </p:grpSpPr>
       <p:sp>
         <p:nvSpPr>
-          <p:cNvPr id="3" name="Oval 2">
+          <p:cNvPr id="39" name="Oval 38">
             <a:extLst>
               <a:ext uri="{FF2B5EF4-FFF2-40B4-BE49-F238E27FC236}">
-                <a16:creationId xmlns:a16="http://schemas.microsoft.com/office/drawing/2014/main" id="{72D55F02-0DCF-AC7B-BAF9-EEC9FE255283}"/>
+                <a16:creationId xmlns:a16="http://schemas.microsoft.com/office/drawing/2014/main" id="{36157869-ED3F-6EA8-1ED4-218A794B3AA0}"/>
               </a:ext>
             </a:extLst>
           </p:cNvPr>
@@ -40631,86 +40651,23 @@
           <p:nvPr/>
         </p:nvSpPr>
         <p:spPr>
-          <a:xfrm>
-            <a:off x="1702130" y="688769"/>
-            <a:ext cx="8415647" cy="5795158"/>
-          </a:xfrm>
-          <a:prstGeom prst="ellipse">
-            <a:avLst/>
-          </a:prstGeom>
-          <a:noFill/>
-          <a:ln>
-            <a:solidFill>
-              <a:schemeClr val="tx1"/>
-            </a:solidFill>
-          </a:ln>
-        </p:spPr>
-        <p:style>
-          <a:lnRef idx="2">
-            <a:schemeClr val="accent1">
-              <a:shade val="50000"/>
-            </a:schemeClr>
-          </a:lnRef>
-          <a:fillRef idx="1">
-            <a:schemeClr val="accent1"/>
-          </a:fillRef>
-          <a:effectRef idx="0">
-            <a:schemeClr val="accent1"/>
-          </a:effectRef>
-          <a:fontRef idx="minor">
-            <a:schemeClr val="lt1"/>
-          </a:fontRef>
-        </p:style>
-        <p:txBody>
-          <a:bodyPr wrap="square" tIns="0" rtlCol="0" anchor="t">
-            <a:prstTxWarp prst="textArchUp">
-              <a:avLst/>
-            </a:prstTxWarp>
-          </a:bodyPr>
-          <a:lstStyle/>
-          <a:p>
-            <a:pPr algn="ctr"/>
-            <a:r>
-              <a:rPr lang="en-NZ" sz="2800" dirty="0">
-                <a:solidFill>
-                  <a:schemeClr val="tx1"/>
-                </a:solidFill>
-              </a:rPr>
-              <a:t>Domain = “Car Sharing”</a:t>
-            </a:r>
-          </a:p>
-        </p:txBody>
-      </p:sp>
-      <p:sp>
-        <p:nvSpPr>
-          <p:cNvPr id="4" name="Oval 3">
-            <a:extLst>
-              <a:ext uri="{FF2B5EF4-FFF2-40B4-BE49-F238E27FC236}">
-                <a16:creationId xmlns:a16="http://schemas.microsoft.com/office/drawing/2014/main" id="{97446B54-85A8-1358-580D-A2DD9B57DA09}"/>
-              </a:ext>
-            </a:extLst>
-          </p:cNvPr>
-          <p:cNvSpPr/>
-          <p:nvPr/>
-        </p:nvSpPr>
-        <p:spPr>
-          <a:xfrm>
-            <a:off x="3079667" y="2284020"/>
-            <a:ext cx="1603169" cy="1302328"/>
+          <a:xfrm rot="5400000">
+            <a:off x="1998497" y="885659"/>
+            <a:ext cx="4992894" cy="6133477"/>
           </a:xfrm>
           <a:custGeom>
             <a:avLst/>
             <a:gdLst>
-              <a:gd name="connsiteX0" fmla="*/ 0 w 1603169"/>
-              <a:gd name="connsiteY0" fmla="*/ 651164 h 1302328"/>
-              <a:gd name="connsiteX1" fmla="*/ 801585 w 1603169"/>
-              <a:gd name="connsiteY1" fmla="*/ 0 h 1302328"/>
-              <a:gd name="connsiteX2" fmla="*/ 1603170 w 1603169"/>
-              <a:gd name="connsiteY2" fmla="*/ 651164 h 1302328"/>
-              <a:gd name="connsiteX3" fmla="*/ 801585 w 1603169"/>
-              <a:gd name="connsiteY3" fmla="*/ 1302328 h 1302328"/>
-              <a:gd name="connsiteX4" fmla="*/ 0 w 1603169"/>
-              <a:gd name="connsiteY4" fmla="*/ 651164 h 1302328"/>
+              <a:gd name="connsiteX0" fmla="*/ 0 w 4992894"/>
+              <a:gd name="connsiteY0" fmla="*/ 3066739 h 6133477"/>
+              <a:gd name="connsiteX1" fmla="*/ 2496447 w 4992894"/>
+              <a:gd name="connsiteY1" fmla="*/ 0 h 6133477"/>
+              <a:gd name="connsiteX2" fmla="*/ 4992894 w 4992894"/>
+              <a:gd name="connsiteY2" fmla="*/ 3066739 h 6133477"/>
+              <a:gd name="connsiteX3" fmla="*/ 2496447 w 4992894"/>
+              <a:gd name="connsiteY3" fmla="*/ 6133478 h 6133477"/>
+              <a:gd name="connsiteX4" fmla="*/ 0 w 4992894"/>
+              <a:gd name="connsiteY4" fmla="*/ 3066739 h 6133477"/>
             </a:gdLst>
             <a:ahLst/>
             <a:cxnLst>
@@ -40732,29 +40689,29 @@
             </a:cxnLst>
             <a:rect l="l" t="t" r="r" b="b"/>
             <a:pathLst>
-              <a:path w="1603169" h="1302328" extrusionOk="0">
+              <a:path w="4992894" h="6133477" extrusionOk="0">
                 <a:moveTo>
-                  <a:pt x="0" y="651164"/>
+                  <a:pt x="0" y="3066739"/>
                 </a:moveTo>
                 <a:cubicBezTo>
-                  <a:pt x="-8950" y="295347"/>
-                  <a:pt x="444089" y="55719"/>
-                  <a:pt x="801585" y="0"/>
+                  <a:pt x="-24968" y="1471136"/>
+                  <a:pt x="1278672" y="259492"/>
+                  <a:pt x="2496447" y="0"/>
                 </a:cubicBezTo>
                 <a:cubicBezTo>
-                  <a:pt x="1304306" y="-62381"/>
-                  <a:pt x="1542983" y="300968"/>
-                  <a:pt x="1603170" y="651164"/>
+                  <a:pt x="3969936" y="118459"/>
+                  <a:pt x="4672068" y="1543014"/>
+                  <a:pt x="4992894" y="3066739"/>
                 </a:cubicBezTo>
                 <a:cubicBezTo>
-                  <a:pt x="1572783" y="1025806"/>
-                  <a:pt x="1205489" y="1242621"/>
-                  <a:pt x="801585" y="1302328"/>
+                  <a:pt x="5039383" y="4820417"/>
+                  <a:pt x="3884247" y="6057060"/>
+                  <a:pt x="2496447" y="6133478"/>
                 </a:cubicBezTo>
                 <a:cubicBezTo>
-                  <a:pt x="360085" y="1283715"/>
-                  <a:pt x="-29629" y="982532"/>
-                  <a:pt x="0" y="651164"/>
+                  <a:pt x="1392999" y="6307006"/>
+                  <a:pt x="159560" y="5081392"/>
+                  <a:pt x="0" y="3066739"/>
                 </a:cubicBezTo>
                 <a:close/>
               </a:path>
@@ -40762,18 +40719,15 @@
           </a:custGeom>
           <a:noFill/>
           <a:ln>
-            <a:solidFill>
-              <a:schemeClr val="tx1"/>
-            </a:solidFill>
-            <a:prstDash val="dash"/>
+            <a:prstDash val="sysDash"/>
             <a:extLst>
               <a:ext uri="{C807C97D-BFC1-408E-A445-0C87EB9F89A2}">
-                <ask:lineSketchStyleProps xmlns:ask="http://schemas.microsoft.com/office/drawing/2018/sketchyshapes" sd="2781262624">
+                <ask:lineSketchStyleProps xmlns:ask="http://schemas.microsoft.com/office/drawing/2018/sketchyshapes" sd="4243355398">
                   <a:prstGeom prst="ellipse">
                     <a:avLst/>
                   </a:prstGeom>
                   <ask:type>
-                    <ask:lineSketchScribble/>
+                    <ask:lineSketchFreehand/>
                   </ask:type>
                 </ask:lineSketchStyleProps>
               </a:ext>
@@ -40783,7 +40737,7 @@
         <p:style>
           <a:lnRef idx="2">
             <a:schemeClr val="accent1">
-              <a:shade val="50000"/>
+              <a:shade val="15000"/>
             </a:schemeClr>
           </a:lnRef>
           <a:fillRef idx="1">
@@ -40797,31 +40751,36 @@
           </a:fontRef>
         </p:style>
         <p:txBody>
-          <a:bodyPr rtlCol="0" anchor="ctr">
+          <a:bodyPr spcFirstLastPara="1" numCol="1" rtlCol="0" anchor="ctr">
             <a:prstTxWarp prst="textArchUp">
-              <a:avLst/>
+              <a:avLst>
+                <a:gd name="adj" fmla="val 11204420"/>
+              </a:avLst>
             </a:prstTxWarp>
           </a:bodyPr>
           <a:lstStyle/>
           <a:p>
             <a:pPr algn="ctr"/>
             <a:r>
-              <a:rPr lang="en-NZ" sz="1200" dirty="0">
+              <a:rPr lang="en-NZ" dirty="0">
                 <a:solidFill>
-                  <a:schemeClr val="tx1"/>
+                  <a:schemeClr val="tx1">
+                    <a:lumMod val="50000"/>
+                    <a:lumOff val="50000"/>
+                  </a:schemeClr>
                 </a:solidFill>
               </a:rPr>
-              <a:t>End Users</a:t>
+              <a:t>Generic Subdomains</a:t>
             </a:r>
           </a:p>
         </p:txBody>
       </p:sp>
       <p:sp>
         <p:nvSpPr>
-          <p:cNvPr id="5" name="Oval 4">
+          <p:cNvPr id="3" name="Oval 2">
             <a:extLst>
               <a:ext uri="{FF2B5EF4-FFF2-40B4-BE49-F238E27FC236}">
-                <a16:creationId xmlns:a16="http://schemas.microsoft.com/office/drawing/2014/main" id="{78A2904A-0A9E-A06F-CB21-B13804ECA39D}"/>
+                <a16:creationId xmlns:a16="http://schemas.microsoft.com/office/drawing/2014/main" id="{72D55F02-0DCF-AC7B-BAF9-EEC9FE255283}"/>
               </a:ext>
             </a:extLst>
           </p:cNvPr>
@@ -40830,89 +40789,17 @@
         </p:nvSpPr>
         <p:spPr>
           <a:xfrm>
-            <a:off x="4653148" y="1869581"/>
-            <a:ext cx="1603169" cy="1302328"/>
+            <a:off x="322217" y="296091"/>
+            <a:ext cx="11574410" cy="6462927"/>
           </a:xfrm>
-          <a:custGeom>
+          <a:prstGeom prst="ellipse">
             <a:avLst/>
-            <a:gdLst>
-              <a:gd name="connsiteX0" fmla="*/ 0 w 1603169"/>
-              <a:gd name="connsiteY0" fmla="*/ 651164 h 1302328"/>
-              <a:gd name="connsiteX1" fmla="*/ 801585 w 1603169"/>
-              <a:gd name="connsiteY1" fmla="*/ 0 h 1302328"/>
-              <a:gd name="connsiteX2" fmla="*/ 1603170 w 1603169"/>
-              <a:gd name="connsiteY2" fmla="*/ 651164 h 1302328"/>
-              <a:gd name="connsiteX3" fmla="*/ 801585 w 1603169"/>
-              <a:gd name="connsiteY3" fmla="*/ 1302328 h 1302328"/>
-              <a:gd name="connsiteX4" fmla="*/ 0 w 1603169"/>
-              <a:gd name="connsiteY4" fmla="*/ 651164 h 1302328"/>
-            </a:gdLst>
-            <a:ahLst/>
-            <a:cxnLst>
-              <a:cxn ang="0">
-                <a:pos x="connsiteX0" y="connsiteY0"/>
-              </a:cxn>
-              <a:cxn ang="0">
-                <a:pos x="connsiteX1" y="connsiteY1"/>
-              </a:cxn>
-              <a:cxn ang="0">
-                <a:pos x="connsiteX2" y="connsiteY2"/>
-              </a:cxn>
-              <a:cxn ang="0">
-                <a:pos x="connsiteX3" y="connsiteY3"/>
-              </a:cxn>
-              <a:cxn ang="0">
-                <a:pos x="connsiteX4" y="connsiteY4"/>
-              </a:cxn>
-            </a:cxnLst>
-            <a:rect l="l" t="t" r="r" b="b"/>
-            <a:pathLst>
-              <a:path w="1603169" h="1302328" extrusionOk="0">
-                <a:moveTo>
-                  <a:pt x="0" y="651164"/>
-                </a:moveTo>
-                <a:cubicBezTo>
-                  <a:pt x="-54498" y="351592"/>
-                  <a:pt x="421179" y="30301"/>
-                  <a:pt x="801585" y="0"/>
-                </a:cubicBezTo>
-                <a:cubicBezTo>
-                  <a:pt x="1191521" y="-13884"/>
-                  <a:pt x="1613043" y="208884"/>
-                  <a:pt x="1603170" y="651164"/>
-                </a:cubicBezTo>
-                <a:cubicBezTo>
-                  <a:pt x="1567562" y="979702"/>
-                  <a:pt x="1336390" y="1312872"/>
-                  <a:pt x="801585" y="1302328"/>
-                </a:cubicBezTo>
-                <a:cubicBezTo>
-                  <a:pt x="310596" y="1303466"/>
-                  <a:pt x="103818" y="1004985"/>
-                  <a:pt x="0" y="651164"/>
-                </a:cubicBezTo>
-                <a:close/>
-              </a:path>
-            </a:pathLst>
-          </a:custGeom>
+          </a:prstGeom>
           <a:noFill/>
           <a:ln>
             <a:solidFill>
               <a:schemeClr val="tx1"/>
             </a:solidFill>
-            <a:prstDash val="dash"/>
-            <a:extLst>
-              <a:ext uri="{C807C97D-BFC1-408E-A445-0C87EB9F89A2}">
-                <ask:lineSketchStyleProps xmlns:ask="http://schemas.microsoft.com/office/drawing/2018/sketchyshapes" sd="2864466342">
-                  <a:prstGeom prst="ellipse">
-                    <a:avLst/>
-                  </a:prstGeom>
-                  <ask:type>
-                    <ask:lineSketchScribble/>
-                  </ask:type>
-                </ask:lineSketchStyleProps>
-              </a:ext>
-            </a:extLst>
           </a:ln>
         </p:spPr>
         <p:style>
@@ -40932,685 +40819,766 @@
           </a:fontRef>
         </p:style>
         <p:txBody>
-          <a:bodyPr rtlCol="0" anchor="ctr">
+          <a:bodyPr wrap="square" tIns="0" rIns="36000" bIns="0" rtlCol="0" anchor="t" anchorCtr="0">
             <a:prstTxWarp prst="textArchUp">
-              <a:avLst/>
+              <a:avLst>
+                <a:gd name="adj" fmla="val 12677112"/>
+              </a:avLst>
             </a:prstTxWarp>
           </a:bodyPr>
           <a:lstStyle/>
           <a:p>
             <a:pPr algn="ctr"/>
             <a:r>
-              <a:rPr lang="en-NZ" sz="1200" dirty="0">
+              <a:rPr lang="en-NZ" sz="2800" dirty="0">
                 <a:solidFill>
                   <a:schemeClr val="tx1"/>
                 </a:solidFill>
               </a:rPr>
-              <a:t>Organizations</a:t>
+              <a:t>      </a:t>
+            </a:r>
+            <a:r>
+              <a:rPr lang="en-NZ" sz="2800">
+                <a:solidFill>
+                  <a:schemeClr val="tx1"/>
+                </a:solidFill>
+              </a:rPr>
+              <a:t>Domain is </a:t>
+            </a:r>
+            <a:r>
+              <a:rPr lang="en-NZ" sz="2800" dirty="0">
+                <a:solidFill>
+                  <a:schemeClr val="tx1"/>
+                </a:solidFill>
+              </a:rPr>
+              <a:t>“Car Sharing”</a:t>
             </a:r>
           </a:p>
         </p:txBody>
       </p:sp>
-      <p:sp>
-        <p:nvSpPr>
-          <p:cNvPr id="6" name="Oval 5">
+      <p:grpSp>
+        <p:nvGrpSpPr>
+          <p:cNvPr id="42" name="Group 41">
             <a:extLst>
               <a:ext uri="{FF2B5EF4-FFF2-40B4-BE49-F238E27FC236}">
-                <a16:creationId xmlns:a16="http://schemas.microsoft.com/office/drawing/2014/main" id="{51A04A27-2567-2A27-4415-FE137B3C253B}"/>
+                <a16:creationId xmlns:a16="http://schemas.microsoft.com/office/drawing/2014/main" id="{EC9CF7DC-6FF9-1ED2-F7EA-34070BDEE3C2}"/>
               </a:ext>
             </a:extLst>
           </p:cNvPr>
-          <p:cNvSpPr/>
+          <p:cNvGrpSpPr/>
           <p:nvPr/>
-        </p:nvSpPr>
-        <p:spPr>
+        </p:nvGrpSpPr>
+        <p:grpSpPr>
           <a:xfrm>
-            <a:off x="4283031" y="3200398"/>
+            <a:off x="3121600" y="3165964"/>
             <a:ext cx="1603169" cy="1302328"/>
+            <a:chOff x="3098664" y="3008808"/>
+            <a:chExt cx="1603169" cy="1302328"/>
           </a:xfrm>
-          <a:custGeom>
-            <a:avLst/>
-            <a:gdLst>
-              <a:gd name="connsiteX0" fmla="*/ 0 w 1603169"/>
-              <a:gd name="connsiteY0" fmla="*/ 651164 h 1302328"/>
-              <a:gd name="connsiteX1" fmla="*/ 801585 w 1603169"/>
-              <a:gd name="connsiteY1" fmla="*/ 0 h 1302328"/>
-              <a:gd name="connsiteX2" fmla="*/ 1603170 w 1603169"/>
-              <a:gd name="connsiteY2" fmla="*/ 651164 h 1302328"/>
-              <a:gd name="connsiteX3" fmla="*/ 801585 w 1603169"/>
-              <a:gd name="connsiteY3" fmla="*/ 1302328 h 1302328"/>
-              <a:gd name="connsiteX4" fmla="*/ 0 w 1603169"/>
-              <a:gd name="connsiteY4" fmla="*/ 651164 h 1302328"/>
-            </a:gdLst>
-            <a:ahLst/>
-            <a:cxnLst>
-              <a:cxn ang="0">
-                <a:pos x="connsiteX0" y="connsiteY0"/>
-              </a:cxn>
-              <a:cxn ang="0">
-                <a:pos x="connsiteX1" y="connsiteY1"/>
-              </a:cxn>
-              <a:cxn ang="0">
-                <a:pos x="connsiteX2" y="connsiteY2"/>
-              </a:cxn>
-              <a:cxn ang="0">
-                <a:pos x="connsiteX3" y="connsiteY3"/>
-              </a:cxn>
-              <a:cxn ang="0">
-                <a:pos x="connsiteX4" y="connsiteY4"/>
-              </a:cxn>
-            </a:cxnLst>
-            <a:rect l="l" t="t" r="r" b="b"/>
-            <a:pathLst>
-              <a:path w="1603169" h="1302328" extrusionOk="0">
-                <a:moveTo>
-                  <a:pt x="0" y="651164"/>
-                </a:moveTo>
-                <a:cubicBezTo>
-                  <a:pt x="1010" y="308382"/>
-                  <a:pt x="344055" y="-3084"/>
-                  <a:pt x="801585" y="0"/>
-                </a:cubicBezTo>
-                <a:cubicBezTo>
-                  <a:pt x="1179795" y="-52616"/>
-                  <a:pt x="1567140" y="282884"/>
-                  <a:pt x="1603170" y="651164"/>
-                </a:cubicBezTo>
-                <a:cubicBezTo>
-                  <a:pt x="1536482" y="1114072"/>
-                  <a:pt x="1350591" y="1307889"/>
-                  <a:pt x="801585" y="1302328"/>
-                </a:cubicBezTo>
-                <a:cubicBezTo>
-                  <a:pt x="313978" y="1285785"/>
-                  <a:pt x="992" y="957490"/>
-                  <a:pt x="0" y="651164"/>
-                </a:cubicBezTo>
-                <a:close/>
-              </a:path>
-            </a:pathLst>
-          </a:custGeom>
-          <a:noFill/>
-          <a:ln>
-            <a:solidFill>
-              <a:schemeClr val="tx1"/>
-            </a:solidFill>
-            <a:prstDash val="dash"/>
-            <a:extLst>
-              <a:ext uri="{C807C97D-BFC1-408E-A445-0C87EB9F89A2}">
-                <ask:lineSketchStyleProps xmlns:ask="http://schemas.microsoft.com/office/drawing/2018/sketchyshapes" sd="2343261054">
-                  <a:prstGeom prst="ellipse">
-                    <a:avLst/>
-                  </a:prstGeom>
-                  <ask:type>
-                    <ask:lineSketchScribble/>
-                  </ask:type>
-                </ask:lineSketchStyleProps>
-              </a:ext>
-            </a:extLst>
-          </a:ln>
-        </p:spPr>
-        <p:style>
-          <a:lnRef idx="2">
-            <a:schemeClr val="accent1">
-              <a:shade val="50000"/>
-            </a:schemeClr>
-          </a:lnRef>
-          <a:fillRef idx="1">
-            <a:schemeClr val="accent1"/>
-          </a:fillRef>
-          <a:effectRef idx="0">
-            <a:schemeClr val="accent1"/>
-          </a:effectRef>
-          <a:fontRef idx="minor">
-            <a:schemeClr val="lt1"/>
-          </a:fontRef>
-        </p:style>
-        <p:txBody>
-          <a:bodyPr rtlCol="0" anchor="ctr">
-            <a:prstTxWarp prst="textArchUp">
+        </p:grpSpPr>
+        <p:sp>
+          <p:nvSpPr>
+            <p:cNvPr id="6" name="Oval 5">
+              <a:extLst>
+                <a:ext uri="{FF2B5EF4-FFF2-40B4-BE49-F238E27FC236}">
+                  <a16:creationId xmlns:a16="http://schemas.microsoft.com/office/drawing/2014/main" id="{51A04A27-2567-2A27-4415-FE137B3C253B}"/>
+                </a:ext>
+              </a:extLst>
+            </p:cNvPr>
+            <p:cNvSpPr/>
+            <p:nvPr/>
+          </p:nvSpPr>
+          <p:spPr>
+            <a:xfrm>
+              <a:off x="3098664" y="3008808"/>
+              <a:ext cx="1603169" cy="1302328"/>
+            </a:xfrm>
+            <a:custGeom>
               <a:avLst/>
-            </a:prstTxWarp>
-          </a:bodyPr>
-          <a:lstStyle/>
-          <a:p>
-            <a:pPr algn="ctr"/>
-            <a:r>
-              <a:rPr lang="en-NZ" sz="1200" dirty="0">
-                <a:solidFill>
-                  <a:schemeClr val="tx1"/>
-                </a:solidFill>
-              </a:rPr>
-              <a:t>Profile</a:t>
-            </a:r>
-          </a:p>
-        </p:txBody>
-      </p:sp>
-      <p:sp>
-        <p:nvSpPr>
-          <p:cNvPr id="7" name="Rectangle: Rounded Corners 6">
+              <a:gdLst>
+                <a:gd name="connsiteX0" fmla="*/ 0 w 1603169"/>
+                <a:gd name="connsiteY0" fmla="*/ 651164 h 1302328"/>
+                <a:gd name="connsiteX1" fmla="*/ 801585 w 1603169"/>
+                <a:gd name="connsiteY1" fmla="*/ 0 h 1302328"/>
+                <a:gd name="connsiteX2" fmla="*/ 1603170 w 1603169"/>
+                <a:gd name="connsiteY2" fmla="*/ 651164 h 1302328"/>
+                <a:gd name="connsiteX3" fmla="*/ 801585 w 1603169"/>
+                <a:gd name="connsiteY3" fmla="*/ 1302328 h 1302328"/>
+                <a:gd name="connsiteX4" fmla="*/ 0 w 1603169"/>
+                <a:gd name="connsiteY4" fmla="*/ 651164 h 1302328"/>
+              </a:gdLst>
+              <a:ahLst/>
+              <a:cxnLst>
+                <a:cxn ang="0">
+                  <a:pos x="connsiteX0" y="connsiteY0"/>
+                </a:cxn>
+                <a:cxn ang="0">
+                  <a:pos x="connsiteX1" y="connsiteY1"/>
+                </a:cxn>
+                <a:cxn ang="0">
+                  <a:pos x="connsiteX2" y="connsiteY2"/>
+                </a:cxn>
+                <a:cxn ang="0">
+                  <a:pos x="connsiteX3" y="connsiteY3"/>
+                </a:cxn>
+                <a:cxn ang="0">
+                  <a:pos x="connsiteX4" y="connsiteY4"/>
+                </a:cxn>
+              </a:cxnLst>
+              <a:rect l="l" t="t" r="r" b="b"/>
+              <a:pathLst>
+                <a:path w="1603169" h="1302328" extrusionOk="0">
+                  <a:moveTo>
+                    <a:pt x="0" y="651164"/>
+                  </a:moveTo>
+                  <a:cubicBezTo>
+                    <a:pt x="1010" y="308382"/>
+                    <a:pt x="344055" y="-3084"/>
+                    <a:pt x="801585" y="0"/>
+                  </a:cubicBezTo>
+                  <a:cubicBezTo>
+                    <a:pt x="1179795" y="-52616"/>
+                    <a:pt x="1567140" y="282884"/>
+                    <a:pt x="1603170" y="651164"/>
+                  </a:cubicBezTo>
+                  <a:cubicBezTo>
+                    <a:pt x="1536482" y="1114072"/>
+                    <a:pt x="1350591" y="1307889"/>
+                    <a:pt x="801585" y="1302328"/>
+                  </a:cubicBezTo>
+                  <a:cubicBezTo>
+                    <a:pt x="313978" y="1285785"/>
+                    <a:pt x="992" y="957490"/>
+                    <a:pt x="0" y="651164"/>
+                  </a:cubicBezTo>
+                  <a:close/>
+                </a:path>
+              </a:pathLst>
+            </a:custGeom>
+            <a:noFill/>
+            <a:ln>
+              <a:solidFill>
+                <a:schemeClr val="tx1"/>
+              </a:solidFill>
+              <a:prstDash val="dash"/>
+              <a:extLst>
+                <a:ext uri="{C807C97D-BFC1-408E-A445-0C87EB9F89A2}">
+                  <ask:lineSketchStyleProps xmlns:ask="http://schemas.microsoft.com/office/drawing/2018/sketchyshapes" sd="2343261054">
+                    <a:prstGeom prst="ellipse">
+                      <a:avLst/>
+                    </a:prstGeom>
+                    <ask:type>
+                      <ask:lineSketchScribble/>
+                    </ask:type>
+                  </ask:lineSketchStyleProps>
+                </a:ext>
+              </a:extLst>
+            </a:ln>
+          </p:spPr>
+          <p:style>
+            <a:lnRef idx="2">
+              <a:schemeClr val="accent1">
+                <a:shade val="50000"/>
+              </a:schemeClr>
+            </a:lnRef>
+            <a:fillRef idx="1">
+              <a:schemeClr val="accent1"/>
+            </a:fillRef>
+            <a:effectRef idx="0">
+              <a:schemeClr val="accent1"/>
+            </a:effectRef>
+            <a:fontRef idx="minor">
+              <a:schemeClr val="lt1"/>
+            </a:fontRef>
+          </p:style>
+          <p:txBody>
+            <a:bodyPr rtlCol="0" anchor="ctr">
+              <a:prstTxWarp prst="textArchUp">
+                <a:avLst/>
+              </a:prstTxWarp>
+            </a:bodyPr>
+            <a:lstStyle/>
+            <a:p>
+              <a:pPr algn="ctr"/>
+              <a:r>
+                <a:rPr lang="en-NZ" sz="1200" dirty="0">
+                  <a:solidFill>
+                    <a:schemeClr val="tx1"/>
+                  </a:solidFill>
+                </a:rPr>
+                <a:t>Profile</a:t>
+              </a:r>
+            </a:p>
+          </p:txBody>
+        </p:sp>
+        <p:sp>
+          <p:nvSpPr>
+            <p:cNvPr id="9" name="Rectangle: Rounded Corners 8">
+              <a:extLst>
+                <a:ext uri="{FF2B5EF4-FFF2-40B4-BE49-F238E27FC236}">
+                  <a16:creationId xmlns:a16="http://schemas.microsoft.com/office/drawing/2014/main" id="{E271986B-7E68-2A3B-56D1-6233088D031E}"/>
+                </a:ext>
+              </a:extLst>
+            </p:cNvPr>
+            <p:cNvSpPr/>
+            <p:nvPr/>
+          </p:nvSpPr>
+          <p:spPr>
+            <a:xfrm>
+              <a:off x="3553886" y="3394758"/>
+              <a:ext cx="740229" cy="178129"/>
+            </a:xfrm>
+            <a:prstGeom prst="roundRect">
+              <a:avLst/>
+            </a:prstGeom>
+          </p:spPr>
+          <p:style>
+            <a:lnRef idx="2">
+              <a:schemeClr val="dk1"/>
+            </a:lnRef>
+            <a:fillRef idx="1">
+              <a:schemeClr val="lt1"/>
+            </a:fillRef>
+            <a:effectRef idx="0">
+              <a:schemeClr val="dk1"/>
+            </a:effectRef>
+            <a:fontRef idx="minor">
+              <a:schemeClr val="dk1"/>
+            </a:fontRef>
+          </p:style>
+          <p:txBody>
+            <a:bodyPr rtlCol="0" anchor="ctr"/>
+            <a:lstStyle/>
+            <a:p>
+              <a:pPr algn="ctr"/>
+              <a:r>
+                <a:rPr lang="en-NZ" sz="1100" dirty="0">
+                  <a:solidFill>
+                    <a:schemeClr val="tx1"/>
+                  </a:solidFill>
+                </a:rPr>
+                <a:t>Profile</a:t>
+              </a:r>
+            </a:p>
+          </p:txBody>
+        </p:sp>
+      </p:grpSp>
+      <p:grpSp>
+        <p:nvGrpSpPr>
+          <p:cNvPr id="48" name="Group 47">
             <a:extLst>
               <a:ext uri="{FF2B5EF4-FFF2-40B4-BE49-F238E27FC236}">
-                <a16:creationId xmlns:a16="http://schemas.microsoft.com/office/drawing/2014/main" id="{363BC0AE-A564-AA79-29BD-0CB2A8AB2017}"/>
+                <a16:creationId xmlns:a16="http://schemas.microsoft.com/office/drawing/2014/main" id="{CC5F426D-5EEB-63A5-209F-FE1982164DA5}"/>
               </a:ext>
             </a:extLst>
           </p:cNvPr>
-          <p:cNvSpPr/>
+          <p:cNvGrpSpPr/>
           <p:nvPr/>
-        </p:nvSpPr>
-        <p:spPr>
+        </p:nvGrpSpPr>
+        <p:grpSpPr>
           <a:xfrm>
-            <a:off x="3511136" y="2713512"/>
-            <a:ext cx="740229" cy="178129"/>
+            <a:off x="1853159" y="2289814"/>
+            <a:ext cx="1603169" cy="1302328"/>
+            <a:chOff x="1895300" y="2092430"/>
+            <a:chExt cx="1603169" cy="1302328"/>
           </a:xfrm>
-          <a:prstGeom prst="roundRect">
-            <a:avLst/>
-          </a:prstGeom>
-        </p:spPr>
-        <p:style>
-          <a:lnRef idx="2">
-            <a:schemeClr val="dk1"/>
-          </a:lnRef>
-          <a:fillRef idx="1">
-            <a:schemeClr val="lt1"/>
-          </a:fillRef>
-          <a:effectRef idx="0">
-            <a:schemeClr val="dk1"/>
-          </a:effectRef>
-          <a:fontRef idx="minor">
-            <a:schemeClr val="dk1"/>
-          </a:fontRef>
-        </p:style>
-        <p:txBody>
-          <a:bodyPr rtlCol="0" anchor="ctr"/>
-          <a:lstStyle/>
-          <a:p>
-            <a:pPr algn="ctr"/>
-            <a:r>
-              <a:rPr lang="en-NZ" sz="1100" dirty="0">
-                <a:solidFill>
-                  <a:schemeClr val="tx1"/>
-                </a:solidFill>
-              </a:rPr>
-              <a:t>Identity</a:t>
-            </a:r>
-          </a:p>
-        </p:txBody>
-      </p:sp>
-      <p:sp>
-        <p:nvSpPr>
-          <p:cNvPr id="8" name="Rectangle: Rounded Corners 7">
+        </p:grpSpPr>
+        <p:sp>
+          <p:nvSpPr>
+            <p:cNvPr id="4" name="Oval 3">
+              <a:extLst>
+                <a:ext uri="{FF2B5EF4-FFF2-40B4-BE49-F238E27FC236}">
+                  <a16:creationId xmlns:a16="http://schemas.microsoft.com/office/drawing/2014/main" id="{97446B54-85A8-1358-580D-A2DD9B57DA09}"/>
+                </a:ext>
+              </a:extLst>
+            </p:cNvPr>
+            <p:cNvSpPr/>
+            <p:nvPr/>
+          </p:nvSpPr>
+          <p:spPr>
+            <a:xfrm>
+              <a:off x="1895300" y="2092430"/>
+              <a:ext cx="1603169" cy="1302328"/>
+            </a:xfrm>
+            <a:custGeom>
+              <a:avLst/>
+              <a:gdLst>
+                <a:gd name="connsiteX0" fmla="*/ 0 w 1603169"/>
+                <a:gd name="connsiteY0" fmla="*/ 651164 h 1302328"/>
+                <a:gd name="connsiteX1" fmla="*/ 801585 w 1603169"/>
+                <a:gd name="connsiteY1" fmla="*/ 0 h 1302328"/>
+                <a:gd name="connsiteX2" fmla="*/ 1603170 w 1603169"/>
+                <a:gd name="connsiteY2" fmla="*/ 651164 h 1302328"/>
+                <a:gd name="connsiteX3" fmla="*/ 801585 w 1603169"/>
+                <a:gd name="connsiteY3" fmla="*/ 1302328 h 1302328"/>
+                <a:gd name="connsiteX4" fmla="*/ 0 w 1603169"/>
+                <a:gd name="connsiteY4" fmla="*/ 651164 h 1302328"/>
+              </a:gdLst>
+              <a:ahLst/>
+              <a:cxnLst>
+                <a:cxn ang="0">
+                  <a:pos x="connsiteX0" y="connsiteY0"/>
+                </a:cxn>
+                <a:cxn ang="0">
+                  <a:pos x="connsiteX1" y="connsiteY1"/>
+                </a:cxn>
+                <a:cxn ang="0">
+                  <a:pos x="connsiteX2" y="connsiteY2"/>
+                </a:cxn>
+                <a:cxn ang="0">
+                  <a:pos x="connsiteX3" y="connsiteY3"/>
+                </a:cxn>
+                <a:cxn ang="0">
+                  <a:pos x="connsiteX4" y="connsiteY4"/>
+                </a:cxn>
+              </a:cxnLst>
+              <a:rect l="l" t="t" r="r" b="b"/>
+              <a:pathLst>
+                <a:path w="1603169" h="1302328" extrusionOk="0">
+                  <a:moveTo>
+                    <a:pt x="0" y="651164"/>
+                  </a:moveTo>
+                  <a:cubicBezTo>
+                    <a:pt x="-8950" y="295347"/>
+                    <a:pt x="444089" y="55719"/>
+                    <a:pt x="801585" y="0"/>
+                  </a:cubicBezTo>
+                  <a:cubicBezTo>
+                    <a:pt x="1304306" y="-62381"/>
+                    <a:pt x="1542983" y="300968"/>
+                    <a:pt x="1603170" y="651164"/>
+                  </a:cubicBezTo>
+                  <a:cubicBezTo>
+                    <a:pt x="1572783" y="1025806"/>
+                    <a:pt x="1205489" y="1242621"/>
+                    <a:pt x="801585" y="1302328"/>
+                  </a:cubicBezTo>
+                  <a:cubicBezTo>
+                    <a:pt x="360085" y="1283715"/>
+                    <a:pt x="-29629" y="982532"/>
+                    <a:pt x="0" y="651164"/>
+                  </a:cubicBezTo>
+                  <a:close/>
+                </a:path>
+              </a:pathLst>
+            </a:custGeom>
+            <a:noFill/>
+            <a:ln>
+              <a:solidFill>
+                <a:schemeClr val="tx1"/>
+              </a:solidFill>
+              <a:prstDash val="dash"/>
+              <a:extLst>
+                <a:ext uri="{C807C97D-BFC1-408E-A445-0C87EB9F89A2}">
+                  <ask:lineSketchStyleProps xmlns:ask="http://schemas.microsoft.com/office/drawing/2018/sketchyshapes" sd="2781262624">
+                    <a:prstGeom prst="ellipse">
+                      <a:avLst/>
+                    </a:prstGeom>
+                    <ask:type>
+                      <ask:lineSketchScribble/>
+                    </ask:type>
+                  </ask:lineSketchStyleProps>
+                </a:ext>
+              </a:extLst>
+            </a:ln>
+          </p:spPr>
+          <p:style>
+            <a:lnRef idx="2">
+              <a:schemeClr val="accent1">
+                <a:shade val="50000"/>
+              </a:schemeClr>
+            </a:lnRef>
+            <a:fillRef idx="1">
+              <a:schemeClr val="accent1"/>
+            </a:fillRef>
+            <a:effectRef idx="0">
+              <a:schemeClr val="accent1"/>
+            </a:effectRef>
+            <a:fontRef idx="minor">
+              <a:schemeClr val="lt1"/>
+            </a:fontRef>
+          </p:style>
+          <p:txBody>
+            <a:bodyPr rtlCol="0" anchor="ctr">
+              <a:prstTxWarp prst="textArchUp">
+                <a:avLst/>
+              </a:prstTxWarp>
+            </a:bodyPr>
+            <a:lstStyle/>
+            <a:p>
+              <a:pPr algn="ctr"/>
+              <a:r>
+                <a:rPr lang="en-NZ" sz="1200" dirty="0">
+                  <a:solidFill>
+                    <a:schemeClr val="tx1"/>
+                  </a:solidFill>
+                </a:rPr>
+                <a:t>End Users</a:t>
+              </a:r>
+            </a:p>
+          </p:txBody>
+        </p:sp>
+        <p:sp>
+          <p:nvSpPr>
+            <p:cNvPr id="7" name="Rectangle: Rounded Corners 6">
+              <a:extLst>
+                <a:ext uri="{FF2B5EF4-FFF2-40B4-BE49-F238E27FC236}">
+                  <a16:creationId xmlns:a16="http://schemas.microsoft.com/office/drawing/2014/main" id="{363BC0AE-A564-AA79-29BD-0CB2A8AB2017}"/>
+                </a:ext>
+              </a:extLst>
+            </p:cNvPr>
+            <p:cNvSpPr/>
+            <p:nvPr/>
+          </p:nvSpPr>
+          <p:spPr>
+            <a:xfrm>
+              <a:off x="2326769" y="2521922"/>
+              <a:ext cx="740229" cy="178129"/>
+            </a:xfrm>
+            <a:prstGeom prst="roundRect">
+              <a:avLst/>
+            </a:prstGeom>
+          </p:spPr>
+          <p:style>
+            <a:lnRef idx="2">
+              <a:schemeClr val="dk1"/>
+            </a:lnRef>
+            <a:fillRef idx="1">
+              <a:schemeClr val="lt1"/>
+            </a:fillRef>
+            <a:effectRef idx="0">
+              <a:schemeClr val="dk1"/>
+            </a:effectRef>
+            <a:fontRef idx="minor">
+              <a:schemeClr val="dk1"/>
+            </a:fontRef>
+          </p:style>
+          <p:txBody>
+            <a:bodyPr rtlCol="0" anchor="ctr"/>
+            <a:lstStyle/>
+            <a:p>
+              <a:pPr algn="ctr"/>
+              <a:r>
+                <a:rPr lang="en-NZ" sz="1100" dirty="0">
+                  <a:solidFill>
+                    <a:schemeClr val="tx1"/>
+                  </a:solidFill>
+                </a:rPr>
+                <a:t>Identity</a:t>
+              </a:r>
+            </a:p>
+          </p:txBody>
+        </p:sp>
+        <p:sp>
+          <p:nvSpPr>
+            <p:cNvPr id="10" name="Rectangle: Rounded Corners 9">
+              <a:extLst>
+                <a:ext uri="{FF2B5EF4-FFF2-40B4-BE49-F238E27FC236}">
+                  <a16:creationId xmlns:a16="http://schemas.microsoft.com/office/drawing/2014/main" id="{63964E59-66FB-C6BF-1282-1024ED10498A}"/>
+                </a:ext>
+              </a:extLst>
+            </p:cNvPr>
+            <p:cNvSpPr/>
+            <p:nvPr/>
+          </p:nvSpPr>
+          <p:spPr>
+            <a:xfrm>
+              <a:off x="2190697" y="2802190"/>
+              <a:ext cx="1012372" cy="178129"/>
+            </a:xfrm>
+            <a:prstGeom prst="roundRect">
+              <a:avLst/>
+            </a:prstGeom>
+          </p:spPr>
+          <p:style>
+            <a:lnRef idx="2">
+              <a:schemeClr val="dk1"/>
+            </a:lnRef>
+            <a:fillRef idx="1">
+              <a:schemeClr val="lt1"/>
+            </a:fillRef>
+            <a:effectRef idx="0">
+              <a:schemeClr val="dk1"/>
+            </a:effectRef>
+            <a:fontRef idx="minor">
+              <a:schemeClr val="dk1"/>
+            </a:fontRef>
+          </p:style>
+          <p:txBody>
+            <a:bodyPr rtlCol="0" anchor="ctr"/>
+            <a:lstStyle/>
+            <a:p>
+              <a:pPr algn="ctr"/>
+              <a:r>
+                <a:rPr lang="en-NZ" sz="1050" dirty="0">
+                  <a:solidFill>
+                    <a:schemeClr val="tx1"/>
+                  </a:solidFill>
+                </a:rPr>
+                <a:t>Memberships</a:t>
+              </a:r>
+            </a:p>
+          </p:txBody>
+        </p:sp>
+      </p:grpSp>
+      <p:grpSp>
+        <p:nvGrpSpPr>
+          <p:cNvPr id="47" name="Group 46">
             <a:extLst>
               <a:ext uri="{FF2B5EF4-FFF2-40B4-BE49-F238E27FC236}">
-                <a16:creationId xmlns:a16="http://schemas.microsoft.com/office/drawing/2014/main" id="{9DA5D99B-2E04-00DE-BC6B-C44F917D4150}"/>
+                <a16:creationId xmlns:a16="http://schemas.microsoft.com/office/drawing/2014/main" id="{B5B285C3-17E3-DC28-6F6F-149F301AA293}"/>
               </a:ext>
             </a:extLst>
           </p:cNvPr>
-          <p:cNvSpPr/>
+          <p:cNvGrpSpPr/>
           <p:nvPr/>
-        </p:nvSpPr>
-        <p:spPr>
+        </p:nvGrpSpPr>
+        <p:grpSpPr>
           <a:xfrm>
-            <a:off x="5084617" y="2284020"/>
-            <a:ext cx="740229" cy="178129"/>
+            <a:off x="3464883" y="1733644"/>
+            <a:ext cx="1603169" cy="1302328"/>
+            <a:chOff x="3468781" y="1677991"/>
+            <a:chExt cx="1603169" cy="1302328"/>
           </a:xfrm>
-          <a:prstGeom prst="roundRect">
-            <a:avLst/>
-          </a:prstGeom>
-        </p:spPr>
-        <p:style>
-          <a:lnRef idx="2">
-            <a:schemeClr val="dk1"/>
-          </a:lnRef>
-          <a:fillRef idx="1">
-            <a:schemeClr val="lt1"/>
-          </a:fillRef>
-          <a:effectRef idx="0">
-            <a:schemeClr val="dk1"/>
-          </a:effectRef>
-          <a:fontRef idx="minor">
-            <a:schemeClr val="dk1"/>
-          </a:fontRef>
-        </p:style>
-        <p:txBody>
-          <a:bodyPr rtlCol="0" anchor="ctr"/>
-          <a:lstStyle/>
-          <a:p>
-            <a:pPr algn="ctr"/>
-            <a:r>
-              <a:rPr lang="en-NZ" sz="1100" dirty="0">
-                <a:solidFill>
-                  <a:schemeClr val="tx1"/>
-                </a:solidFill>
-              </a:rPr>
-              <a:t>Member</a:t>
-            </a:r>
-          </a:p>
-        </p:txBody>
-      </p:sp>
-      <p:sp>
-        <p:nvSpPr>
-          <p:cNvPr id="9" name="Rectangle: Rounded Corners 8">
-            <a:extLst>
-              <a:ext uri="{FF2B5EF4-FFF2-40B4-BE49-F238E27FC236}">
-                <a16:creationId xmlns:a16="http://schemas.microsoft.com/office/drawing/2014/main" id="{E271986B-7E68-2A3B-56D1-6233088D031E}"/>
-              </a:ext>
-            </a:extLst>
-          </p:cNvPr>
-          <p:cNvSpPr/>
-          <p:nvPr/>
-        </p:nvSpPr>
-        <p:spPr>
-          <a:xfrm>
-            <a:off x="4738253" y="3586348"/>
-            <a:ext cx="740229" cy="178129"/>
-          </a:xfrm>
-          <a:prstGeom prst="roundRect">
-            <a:avLst/>
-          </a:prstGeom>
-        </p:spPr>
-        <p:style>
-          <a:lnRef idx="2">
-            <a:schemeClr val="dk1"/>
-          </a:lnRef>
-          <a:fillRef idx="1">
-            <a:schemeClr val="lt1"/>
-          </a:fillRef>
-          <a:effectRef idx="0">
-            <a:schemeClr val="dk1"/>
-          </a:effectRef>
-          <a:fontRef idx="minor">
-            <a:schemeClr val="dk1"/>
-          </a:fontRef>
-        </p:style>
-        <p:txBody>
-          <a:bodyPr rtlCol="0" anchor="ctr"/>
-          <a:lstStyle/>
-          <a:p>
-            <a:pPr algn="ctr"/>
-            <a:r>
-              <a:rPr lang="en-NZ" sz="1100" dirty="0">
-                <a:solidFill>
-                  <a:schemeClr val="tx1"/>
-                </a:solidFill>
-              </a:rPr>
-              <a:t>Profile</a:t>
-            </a:r>
-          </a:p>
-        </p:txBody>
-      </p:sp>
-      <p:sp>
-        <p:nvSpPr>
-          <p:cNvPr id="10" name="Rectangle: Rounded Corners 9">
-            <a:extLst>
-              <a:ext uri="{FF2B5EF4-FFF2-40B4-BE49-F238E27FC236}">
-                <a16:creationId xmlns:a16="http://schemas.microsoft.com/office/drawing/2014/main" id="{63964E59-66FB-C6BF-1282-1024ED10498A}"/>
-              </a:ext>
-            </a:extLst>
-          </p:cNvPr>
-          <p:cNvSpPr/>
-          <p:nvPr/>
-        </p:nvSpPr>
-        <p:spPr>
-          <a:xfrm>
-            <a:off x="3375064" y="2993780"/>
-            <a:ext cx="1012372" cy="178129"/>
-          </a:xfrm>
-          <a:prstGeom prst="roundRect">
-            <a:avLst/>
-          </a:prstGeom>
-        </p:spPr>
-        <p:style>
-          <a:lnRef idx="2">
-            <a:schemeClr val="dk1"/>
-          </a:lnRef>
-          <a:fillRef idx="1">
-            <a:schemeClr val="lt1"/>
-          </a:fillRef>
-          <a:effectRef idx="0">
-            <a:schemeClr val="dk1"/>
-          </a:effectRef>
-          <a:fontRef idx="minor">
-            <a:schemeClr val="dk1"/>
-          </a:fontRef>
-        </p:style>
-        <p:txBody>
-          <a:bodyPr rtlCol="0" anchor="ctr"/>
-          <a:lstStyle/>
-          <a:p>
-            <a:pPr algn="ctr"/>
-            <a:r>
-              <a:rPr lang="en-NZ" sz="1100" dirty="0">
-                <a:solidFill>
-                  <a:schemeClr val="tx1"/>
-                </a:solidFill>
-              </a:rPr>
-              <a:t>Memberships</a:t>
-            </a:r>
-          </a:p>
-        </p:txBody>
-      </p:sp>
-      <p:sp>
-        <p:nvSpPr>
-          <p:cNvPr id="11" name="Rectangle: Rounded Corners 10">
-            <a:extLst>
-              <a:ext uri="{FF2B5EF4-FFF2-40B4-BE49-F238E27FC236}">
-                <a16:creationId xmlns:a16="http://schemas.microsoft.com/office/drawing/2014/main" id="{B4BF1257-A030-458F-8795-29EF5E0481F3}"/>
-              </a:ext>
-            </a:extLst>
-          </p:cNvPr>
-          <p:cNvSpPr/>
-          <p:nvPr/>
-        </p:nvSpPr>
-        <p:spPr>
-          <a:xfrm>
-            <a:off x="5099462" y="2520745"/>
-            <a:ext cx="740229" cy="178129"/>
-          </a:xfrm>
-          <a:prstGeom prst="roundRect">
-            <a:avLst/>
-          </a:prstGeom>
-        </p:spPr>
-        <p:style>
-          <a:lnRef idx="2">
-            <a:schemeClr val="dk1"/>
-          </a:lnRef>
-          <a:fillRef idx="1">
-            <a:schemeClr val="lt1"/>
-          </a:fillRef>
-          <a:effectRef idx="0">
-            <a:schemeClr val="dk1"/>
-          </a:effectRef>
-          <a:fontRef idx="minor">
-            <a:schemeClr val="dk1"/>
-          </a:fontRef>
-        </p:style>
-        <p:txBody>
-          <a:bodyPr rtlCol="0" anchor="ctr"/>
-          <a:lstStyle/>
-          <a:p>
-            <a:pPr algn="ctr"/>
-            <a:r>
-              <a:rPr lang="en-NZ" sz="1100" dirty="0">
-                <a:solidFill>
-                  <a:schemeClr val="tx1"/>
-                </a:solidFill>
-              </a:rPr>
-              <a:t>Settings</a:t>
-            </a:r>
-          </a:p>
-        </p:txBody>
-      </p:sp>
-      <p:sp>
-        <p:nvSpPr>
-          <p:cNvPr id="12" name="Oval 11">
-            <a:extLst>
-              <a:ext uri="{FF2B5EF4-FFF2-40B4-BE49-F238E27FC236}">
-                <a16:creationId xmlns:a16="http://schemas.microsoft.com/office/drawing/2014/main" id="{C82DB54A-D035-FF26-8A3B-02398D6F175F}"/>
-              </a:ext>
-            </a:extLst>
-          </p:cNvPr>
-          <p:cNvSpPr/>
-          <p:nvPr/>
-        </p:nvSpPr>
-        <p:spPr>
-          <a:xfrm>
-            <a:off x="7604166" y="1923020"/>
-            <a:ext cx="1603169" cy="1302328"/>
-          </a:xfrm>
-          <a:custGeom>
-            <a:avLst/>
-            <a:gdLst>
-              <a:gd name="connsiteX0" fmla="*/ 0 w 1603169"/>
-              <a:gd name="connsiteY0" fmla="*/ 651164 h 1302328"/>
-              <a:gd name="connsiteX1" fmla="*/ 801585 w 1603169"/>
-              <a:gd name="connsiteY1" fmla="*/ 0 h 1302328"/>
-              <a:gd name="connsiteX2" fmla="*/ 1603170 w 1603169"/>
-              <a:gd name="connsiteY2" fmla="*/ 651164 h 1302328"/>
-              <a:gd name="connsiteX3" fmla="*/ 801585 w 1603169"/>
-              <a:gd name="connsiteY3" fmla="*/ 1302328 h 1302328"/>
-              <a:gd name="connsiteX4" fmla="*/ 0 w 1603169"/>
-              <a:gd name="connsiteY4" fmla="*/ 651164 h 1302328"/>
-            </a:gdLst>
-            <a:ahLst/>
-            <a:cxnLst>
-              <a:cxn ang="0">
-                <a:pos x="connsiteX0" y="connsiteY0"/>
-              </a:cxn>
-              <a:cxn ang="0">
-                <a:pos x="connsiteX1" y="connsiteY1"/>
-              </a:cxn>
-              <a:cxn ang="0">
-                <a:pos x="connsiteX2" y="connsiteY2"/>
-              </a:cxn>
-              <a:cxn ang="0">
-                <a:pos x="connsiteX3" y="connsiteY3"/>
-              </a:cxn>
-              <a:cxn ang="0">
-                <a:pos x="connsiteX4" y="connsiteY4"/>
-              </a:cxn>
-            </a:cxnLst>
-            <a:rect l="l" t="t" r="r" b="b"/>
-            <a:pathLst>
-              <a:path w="1603169" h="1302328" extrusionOk="0">
-                <a:moveTo>
-                  <a:pt x="0" y="651164"/>
-                </a:moveTo>
-                <a:cubicBezTo>
-                  <a:pt x="-31357" y="316332"/>
-                  <a:pt x="470356" y="21659"/>
-                  <a:pt x="801585" y="0"/>
-                </a:cubicBezTo>
-                <a:cubicBezTo>
-                  <a:pt x="1185981" y="-69422"/>
-                  <a:pt x="1606843" y="284302"/>
-                  <a:pt x="1603170" y="651164"/>
-                </a:cubicBezTo>
-                <a:cubicBezTo>
-                  <a:pt x="1612515" y="1016844"/>
-                  <a:pt x="1191363" y="1266559"/>
-                  <a:pt x="801585" y="1302328"/>
-                </a:cubicBezTo>
-                <a:cubicBezTo>
-                  <a:pt x="375506" y="1284047"/>
-                  <a:pt x="-38419" y="1101839"/>
-                  <a:pt x="0" y="651164"/>
-                </a:cubicBezTo>
-                <a:close/>
-              </a:path>
-            </a:pathLst>
-          </a:custGeom>
-          <a:noFill/>
-          <a:ln>
-            <a:solidFill>
-              <a:schemeClr val="tx1"/>
-            </a:solidFill>
-            <a:prstDash val="dash"/>
-            <a:extLst>
-              <a:ext uri="{C807C97D-BFC1-408E-A445-0C87EB9F89A2}">
-                <ask:lineSketchStyleProps xmlns:ask="http://schemas.microsoft.com/office/drawing/2018/sketchyshapes" sd="302522493">
-                  <a:prstGeom prst="ellipse">
-                    <a:avLst/>
-                  </a:prstGeom>
-                  <ask:type>
-                    <ask:lineSketchScribble/>
-                  </ask:type>
-                </ask:lineSketchStyleProps>
-              </a:ext>
-            </a:extLst>
-          </a:ln>
-        </p:spPr>
-        <p:style>
-          <a:lnRef idx="2">
-            <a:schemeClr val="accent1">
-              <a:shade val="50000"/>
-            </a:schemeClr>
-          </a:lnRef>
-          <a:fillRef idx="1">
-            <a:schemeClr val="accent1"/>
-          </a:fillRef>
-          <a:effectRef idx="0">
-            <a:schemeClr val="accent1"/>
-          </a:effectRef>
-          <a:fontRef idx="minor">
-            <a:schemeClr val="lt1"/>
-          </a:fontRef>
-        </p:style>
-        <p:txBody>
-          <a:bodyPr rtlCol="0" anchor="ctr">
-            <a:prstTxWarp prst="textArchUp">
+        </p:grpSpPr>
+        <p:sp>
+          <p:nvSpPr>
+            <p:cNvPr id="5" name="Oval 4">
+              <a:extLst>
+                <a:ext uri="{FF2B5EF4-FFF2-40B4-BE49-F238E27FC236}">
+                  <a16:creationId xmlns:a16="http://schemas.microsoft.com/office/drawing/2014/main" id="{78A2904A-0A9E-A06F-CB21-B13804ECA39D}"/>
+                </a:ext>
+              </a:extLst>
+            </p:cNvPr>
+            <p:cNvSpPr/>
+            <p:nvPr/>
+          </p:nvSpPr>
+          <p:spPr>
+            <a:xfrm>
+              <a:off x="3468781" y="1677991"/>
+              <a:ext cx="1603169" cy="1302328"/>
+            </a:xfrm>
+            <a:custGeom>
               <a:avLst/>
-            </a:prstTxWarp>
-          </a:bodyPr>
-          <a:lstStyle/>
-          <a:p>
-            <a:pPr algn="ctr"/>
-            <a:r>
-              <a:rPr lang="en-NZ" sz="1200" dirty="0">
-                <a:solidFill>
-                  <a:schemeClr val="tx1"/>
-                </a:solidFill>
-              </a:rPr>
-              <a:t>Cars</a:t>
-            </a:r>
-          </a:p>
-        </p:txBody>
-      </p:sp>
-      <p:sp>
-        <p:nvSpPr>
-          <p:cNvPr id="13" name="Oval 12">
-            <a:extLst>
-              <a:ext uri="{FF2B5EF4-FFF2-40B4-BE49-F238E27FC236}">
-                <a16:creationId xmlns:a16="http://schemas.microsoft.com/office/drawing/2014/main" id="{19CC44FB-A2AD-ABA1-155E-9B1D25368BBB}"/>
-              </a:ext>
-            </a:extLst>
-          </p:cNvPr>
-          <p:cNvSpPr/>
-          <p:nvPr/>
-        </p:nvSpPr>
-        <p:spPr>
-          <a:xfrm>
-            <a:off x="8290955" y="3225348"/>
-            <a:ext cx="1603169" cy="1302328"/>
-          </a:xfrm>
-          <a:custGeom>
-            <a:avLst/>
-            <a:gdLst>
-              <a:gd name="connsiteX0" fmla="*/ 0 w 1603169"/>
-              <a:gd name="connsiteY0" fmla="*/ 651164 h 1302328"/>
-              <a:gd name="connsiteX1" fmla="*/ 801585 w 1603169"/>
-              <a:gd name="connsiteY1" fmla="*/ 0 h 1302328"/>
-              <a:gd name="connsiteX2" fmla="*/ 1603170 w 1603169"/>
-              <a:gd name="connsiteY2" fmla="*/ 651164 h 1302328"/>
-              <a:gd name="connsiteX3" fmla="*/ 801585 w 1603169"/>
-              <a:gd name="connsiteY3" fmla="*/ 1302328 h 1302328"/>
-              <a:gd name="connsiteX4" fmla="*/ 0 w 1603169"/>
-              <a:gd name="connsiteY4" fmla="*/ 651164 h 1302328"/>
-            </a:gdLst>
-            <a:ahLst/>
-            <a:cxnLst>
-              <a:cxn ang="0">
-                <a:pos x="connsiteX0" y="connsiteY0"/>
-              </a:cxn>
-              <a:cxn ang="0">
-                <a:pos x="connsiteX1" y="connsiteY1"/>
-              </a:cxn>
-              <a:cxn ang="0">
-                <a:pos x="connsiteX2" y="connsiteY2"/>
-              </a:cxn>
-              <a:cxn ang="0">
-                <a:pos x="connsiteX3" y="connsiteY3"/>
-              </a:cxn>
-              <a:cxn ang="0">
-                <a:pos x="connsiteX4" y="connsiteY4"/>
-              </a:cxn>
-            </a:cxnLst>
-            <a:rect l="l" t="t" r="r" b="b"/>
-            <a:pathLst>
-              <a:path w="1603169" h="1302328" extrusionOk="0">
-                <a:moveTo>
-                  <a:pt x="0" y="651164"/>
-                </a:moveTo>
-                <a:cubicBezTo>
-                  <a:pt x="66848" y="286749"/>
-                  <a:pt x="390136" y="-25216"/>
-                  <a:pt x="801585" y="0"/>
-                </a:cubicBezTo>
-                <a:cubicBezTo>
-                  <a:pt x="1321747" y="-56375"/>
-                  <a:pt x="1624488" y="284155"/>
-                  <a:pt x="1603170" y="651164"/>
-                </a:cubicBezTo>
-                <a:cubicBezTo>
-                  <a:pt x="1642398" y="1093760"/>
-                  <a:pt x="1223597" y="1368542"/>
-                  <a:pt x="801585" y="1302328"/>
-                </a:cubicBezTo>
-                <a:cubicBezTo>
-                  <a:pt x="391940" y="1226827"/>
-                  <a:pt x="85854" y="965181"/>
-                  <a:pt x="0" y="651164"/>
-                </a:cubicBezTo>
-                <a:close/>
-              </a:path>
-            </a:pathLst>
-          </a:custGeom>
-          <a:noFill/>
-          <a:ln>
-            <a:solidFill>
-              <a:schemeClr val="tx1"/>
-            </a:solidFill>
-            <a:prstDash val="dash"/>
-            <a:extLst>
-              <a:ext uri="{C807C97D-BFC1-408E-A445-0C87EB9F89A2}">
-                <ask:lineSketchStyleProps xmlns:ask="http://schemas.microsoft.com/office/drawing/2018/sketchyshapes" sd="2441640028">
-                  <a:prstGeom prst="ellipse">
-                    <a:avLst/>
-                  </a:prstGeom>
-                  <ask:type>
-                    <ask:lineSketchScribble/>
-                  </ask:type>
-                </ask:lineSketchStyleProps>
-              </a:ext>
-            </a:extLst>
-          </a:ln>
-        </p:spPr>
-        <p:style>
-          <a:lnRef idx="2">
-            <a:schemeClr val="accent1">
-              <a:shade val="50000"/>
-            </a:schemeClr>
-          </a:lnRef>
-          <a:fillRef idx="1">
-            <a:schemeClr val="accent1"/>
-          </a:fillRef>
-          <a:effectRef idx="0">
-            <a:schemeClr val="accent1"/>
-          </a:effectRef>
-          <a:fontRef idx="minor">
-            <a:schemeClr val="lt1"/>
-          </a:fontRef>
-        </p:style>
-        <p:txBody>
-          <a:bodyPr rtlCol="0" anchor="ctr">
-            <a:prstTxWarp prst="textArchUp">
+              <a:gdLst>
+                <a:gd name="connsiteX0" fmla="*/ 0 w 1603169"/>
+                <a:gd name="connsiteY0" fmla="*/ 651164 h 1302328"/>
+                <a:gd name="connsiteX1" fmla="*/ 801585 w 1603169"/>
+                <a:gd name="connsiteY1" fmla="*/ 0 h 1302328"/>
+                <a:gd name="connsiteX2" fmla="*/ 1603170 w 1603169"/>
+                <a:gd name="connsiteY2" fmla="*/ 651164 h 1302328"/>
+                <a:gd name="connsiteX3" fmla="*/ 801585 w 1603169"/>
+                <a:gd name="connsiteY3" fmla="*/ 1302328 h 1302328"/>
+                <a:gd name="connsiteX4" fmla="*/ 0 w 1603169"/>
+                <a:gd name="connsiteY4" fmla="*/ 651164 h 1302328"/>
+              </a:gdLst>
+              <a:ahLst/>
+              <a:cxnLst>
+                <a:cxn ang="0">
+                  <a:pos x="connsiteX0" y="connsiteY0"/>
+                </a:cxn>
+                <a:cxn ang="0">
+                  <a:pos x="connsiteX1" y="connsiteY1"/>
+                </a:cxn>
+                <a:cxn ang="0">
+                  <a:pos x="connsiteX2" y="connsiteY2"/>
+                </a:cxn>
+                <a:cxn ang="0">
+                  <a:pos x="connsiteX3" y="connsiteY3"/>
+                </a:cxn>
+                <a:cxn ang="0">
+                  <a:pos x="connsiteX4" y="connsiteY4"/>
+                </a:cxn>
+              </a:cxnLst>
+              <a:rect l="l" t="t" r="r" b="b"/>
+              <a:pathLst>
+                <a:path w="1603169" h="1302328" extrusionOk="0">
+                  <a:moveTo>
+                    <a:pt x="0" y="651164"/>
+                  </a:moveTo>
+                  <a:cubicBezTo>
+                    <a:pt x="-54498" y="351592"/>
+                    <a:pt x="421179" y="30301"/>
+                    <a:pt x="801585" y="0"/>
+                  </a:cubicBezTo>
+                  <a:cubicBezTo>
+                    <a:pt x="1191521" y="-13884"/>
+                    <a:pt x="1613043" y="208884"/>
+                    <a:pt x="1603170" y="651164"/>
+                  </a:cubicBezTo>
+                  <a:cubicBezTo>
+                    <a:pt x="1567562" y="979702"/>
+                    <a:pt x="1336390" y="1312872"/>
+                    <a:pt x="801585" y="1302328"/>
+                  </a:cubicBezTo>
+                  <a:cubicBezTo>
+                    <a:pt x="310596" y="1303466"/>
+                    <a:pt x="103818" y="1004985"/>
+                    <a:pt x="0" y="651164"/>
+                  </a:cubicBezTo>
+                  <a:close/>
+                </a:path>
+              </a:pathLst>
+            </a:custGeom>
+            <a:noFill/>
+            <a:ln>
+              <a:solidFill>
+                <a:schemeClr val="tx1"/>
+              </a:solidFill>
+              <a:prstDash val="dash"/>
+              <a:extLst>
+                <a:ext uri="{C807C97D-BFC1-408E-A445-0C87EB9F89A2}">
+                  <ask:lineSketchStyleProps xmlns:ask="http://schemas.microsoft.com/office/drawing/2018/sketchyshapes" sd="2864466342">
+                    <a:prstGeom prst="ellipse">
+                      <a:avLst/>
+                    </a:prstGeom>
+                    <ask:type>
+                      <ask:lineSketchScribble/>
+                    </ask:type>
+                  </ask:lineSketchStyleProps>
+                </a:ext>
+              </a:extLst>
+            </a:ln>
+          </p:spPr>
+          <p:style>
+            <a:lnRef idx="2">
+              <a:schemeClr val="accent1">
+                <a:shade val="50000"/>
+              </a:schemeClr>
+            </a:lnRef>
+            <a:fillRef idx="1">
+              <a:schemeClr val="accent1"/>
+            </a:fillRef>
+            <a:effectRef idx="0">
+              <a:schemeClr val="accent1"/>
+            </a:effectRef>
+            <a:fontRef idx="minor">
+              <a:schemeClr val="lt1"/>
+            </a:fontRef>
+          </p:style>
+          <p:txBody>
+            <a:bodyPr rtlCol="0" anchor="ctr">
+              <a:prstTxWarp prst="textArchUp">
+                <a:avLst/>
+              </a:prstTxWarp>
+            </a:bodyPr>
+            <a:lstStyle/>
+            <a:p>
+              <a:pPr algn="ctr"/>
+              <a:r>
+                <a:rPr lang="en-NZ" sz="1200" dirty="0">
+                  <a:solidFill>
+                    <a:schemeClr val="tx1"/>
+                  </a:solidFill>
+                </a:rPr>
+                <a:t>Organizations</a:t>
+              </a:r>
+            </a:p>
+          </p:txBody>
+        </p:sp>
+        <p:sp>
+          <p:nvSpPr>
+            <p:cNvPr id="8" name="Rectangle: Rounded Corners 7">
+              <a:extLst>
+                <a:ext uri="{FF2B5EF4-FFF2-40B4-BE49-F238E27FC236}">
+                  <a16:creationId xmlns:a16="http://schemas.microsoft.com/office/drawing/2014/main" id="{9DA5D99B-2E04-00DE-BC6B-C44F917D4150}"/>
+                </a:ext>
+              </a:extLst>
+            </p:cNvPr>
+            <p:cNvSpPr/>
+            <p:nvPr/>
+          </p:nvSpPr>
+          <p:spPr>
+            <a:xfrm>
+              <a:off x="3900250" y="2092430"/>
+              <a:ext cx="740229" cy="178129"/>
+            </a:xfrm>
+            <a:prstGeom prst="roundRect">
               <a:avLst/>
-            </a:prstTxWarp>
-          </a:bodyPr>
-          <a:lstStyle/>
-          <a:p>
-            <a:pPr algn="ctr"/>
-            <a:r>
-              <a:rPr lang="en-NZ" sz="1200" dirty="0">
-                <a:solidFill>
-                  <a:schemeClr val="tx1"/>
-                </a:solidFill>
-              </a:rPr>
-              <a:t>Bookings</a:t>
-            </a:r>
-          </a:p>
-        </p:txBody>
-      </p:sp>
+            </a:prstGeom>
+          </p:spPr>
+          <p:style>
+            <a:lnRef idx="2">
+              <a:schemeClr val="dk1"/>
+            </a:lnRef>
+            <a:fillRef idx="1">
+              <a:schemeClr val="lt1"/>
+            </a:fillRef>
+            <a:effectRef idx="0">
+              <a:schemeClr val="dk1"/>
+            </a:effectRef>
+            <a:fontRef idx="minor">
+              <a:schemeClr val="dk1"/>
+            </a:fontRef>
+          </p:style>
+          <p:txBody>
+            <a:bodyPr rtlCol="0" anchor="ctr"/>
+            <a:lstStyle/>
+            <a:p>
+              <a:pPr algn="ctr"/>
+              <a:r>
+                <a:rPr lang="en-NZ" sz="1100" dirty="0">
+                  <a:solidFill>
+                    <a:schemeClr val="tx1"/>
+                  </a:solidFill>
+                </a:rPr>
+                <a:t>Member</a:t>
+              </a:r>
+            </a:p>
+          </p:txBody>
+        </p:sp>
+        <p:sp>
+          <p:nvSpPr>
+            <p:cNvPr id="11" name="Rectangle: Rounded Corners 10">
+              <a:extLst>
+                <a:ext uri="{FF2B5EF4-FFF2-40B4-BE49-F238E27FC236}">
+                  <a16:creationId xmlns:a16="http://schemas.microsoft.com/office/drawing/2014/main" id="{B4BF1257-A030-458F-8795-29EF5E0481F3}"/>
+                </a:ext>
+              </a:extLst>
+            </p:cNvPr>
+            <p:cNvSpPr/>
+            <p:nvPr/>
+          </p:nvSpPr>
+          <p:spPr>
+            <a:xfrm>
+              <a:off x="3915095" y="2329155"/>
+              <a:ext cx="740229" cy="178129"/>
+            </a:xfrm>
+            <a:prstGeom prst="roundRect">
+              <a:avLst/>
+            </a:prstGeom>
+          </p:spPr>
+          <p:style>
+            <a:lnRef idx="2">
+              <a:schemeClr val="dk1"/>
+            </a:lnRef>
+            <a:fillRef idx="1">
+              <a:schemeClr val="lt1"/>
+            </a:fillRef>
+            <a:effectRef idx="0">
+              <a:schemeClr val="dk1"/>
+            </a:effectRef>
+            <a:fontRef idx="minor">
+              <a:schemeClr val="dk1"/>
+            </a:fontRef>
+          </p:style>
+          <p:txBody>
+            <a:bodyPr rtlCol="0" anchor="ctr"/>
+            <a:lstStyle/>
+            <a:p>
+              <a:pPr algn="ctr"/>
+              <a:r>
+                <a:rPr lang="en-NZ" sz="1100" dirty="0">
+                  <a:solidFill>
+                    <a:schemeClr val="tx1"/>
+                  </a:solidFill>
+                </a:rPr>
+                <a:t>Settings</a:t>
+              </a:r>
+            </a:p>
+          </p:txBody>
+        </p:sp>
+      </p:grpSp>
       <p:grpSp>
         <p:nvGrpSpPr>
           <p:cNvPr id="44" name="Group 43">
@@ -41625,7 +41593,7 @@
         </p:nvGrpSpPr>
         <p:grpSpPr>
           <a:xfrm>
-            <a:off x="6375343" y="4717571"/>
+            <a:off x="4236642" y="4317957"/>
             <a:ext cx="1603169" cy="1302328"/>
             <a:chOff x="6256315" y="3299361"/>
             <a:chExt cx="1603169" cy="1302328"/>
@@ -41780,7 +41748,7 @@
           </p:nvSpPr>
           <p:spPr>
             <a:xfrm>
-              <a:off x="6687784" y="3682937"/>
+              <a:off x="6687784" y="3691646"/>
               <a:ext cx="740229" cy="178129"/>
             </a:xfrm>
             <a:prstGeom prst="roundRect">
@@ -41831,7 +41799,7 @@
           </p:nvSpPr>
           <p:spPr>
             <a:xfrm>
-              <a:off x="6687783" y="3950525"/>
+              <a:off x="6687783" y="3959234"/>
               <a:ext cx="740229" cy="178129"/>
             </a:xfrm>
             <a:prstGeom prst="roundRect">
@@ -41883,7 +41851,7 @@
         </p:nvGrpSpPr>
         <p:grpSpPr>
           <a:xfrm>
-            <a:off x="3255074" y="4554522"/>
+            <a:off x="1705070" y="3887609"/>
             <a:ext cx="1603169" cy="1302328"/>
             <a:chOff x="5751614" y="4866903"/>
             <a:chExt cx="1603169" cy="1302328"/>
@@ -42134,62 +42102,6 @@
       </p:grpSp>
       <p:sp>
         <p:nvSpPr>
-          <p:cNvPr id="23" name="Rectangle: Rounded Corners 22">
-            <a:extLst>
-              <a:ext uri="{FF2B5EF4-FFF2-40B4-BE49-F238E27FC236}">
-                <a16:creationId xmlns:a16="http://schemas.microsoft.com/office/drawing/2014/main" id="{1A1961CF-CAA2-0945-DCBA-EA7B29086DD3}"/>
-              </a:ext>
-            </a:extLst>
-          </p:cNvPr>
-          <p:cNvSpPr/>
-          <p:nvPr/>
-        </p:nvSpPr>
-        <p:spPr>
-          <a:xfrm>
-            <a:off x="7859484" y="2245623"/>
-            <a:ext cx="1146961" cy="178129"/>
-          </a:xfrm>
-          <a:prstGeom prst="roundRect">
-            <a:avLst/>
-          </a:prstGeom>
-        </p:spPr>
-        <p:style>
-          <a:lnRef idx="2">
-            <a:schemeClr val="dk1"/>
-          </a:lnRef>
-          <a:fillRef idx="1">
-            <a:schemeClr val="lt1"/>
-          </a:fillRef>
-          <a:effectRef idx="0">
-            <a:schemeClr val="dk1"/>
-          </a:effectRef>
-          <a:fontRef idx="minor">
-            <a:schemeClr val="dk1"/>
-          </a:fontRef>
-        </p:style>
-        <p:txBody>
-          <a:bodyPr rtlCol="0" anchor="ctr"/>
-          <a:lstStyle/>
-          <a:p>
-            <a:pPr algn="ctr"/>
-            <a:r>
-              <a:rPr lang="en-NZ" sz="1100" dirty="0" err="1">
-                <a:solidFill>
-                  <a:schemeClr val="tx1"/>
-                </a:solidFill>
-              </a:rPr>
-              <a:t>Unavailabilities</a:t>
-            </a:r>
-            <a:endParaRPr lang="en-NZ" sz="1100" dirty="0">
-              <a:solidFill>
-                <a:schemeClr val="tx1"/>
-              </a:solidFill>
-            </a:endParaRPr>
-          </a:p>
-        </p:txBody>
-      </p:sp>
-      <p:sp>
-        <p:nvSpPr>
           <p:cNvPr id="26" name="TextBox 25">
             <a:extLst>
               <a:ext uri="{FF2B5EF4-FFF2-40B4-BE49-F238E27FC236}">
@@ -42202,8 +42114,8 @@
         </p:nvSpPr>
         <p:spPr>
           <a:xfrm>
-            <a:off x="8811491" y="902525"/>
-            <a:ext cx="1337226" cy="369332"/>
+            <a:off x="9986233" y="178678"/>
+            <a:ext cx="2133916" cy="1277273"/>
           </a:xfrm>
           <a:prstGeom prst="rect">
             <a:avLst/>
@@ -42211,15 +42123,79 @@
           <a:noFill/>
         </p:spPr>
         <p:txBody>
-          <a:bodyPr wrap="none" rtlCol="0">
+          <a:bodyPr wrap="square" rtlCol="0">
             <a:spAutoFit/>
           </a:bodyPr>
           <a:lstStyle/>
           <a:p>
             <a:r>
-              <a:rPr lang="en-NZ" dirty="0"/>
+              <a:rPr lang="en-NZ" sz="1400" dirty="0">
+                <a:solidFill>
+                  <a:schemeClr val="tx1">
+                    <a:lumMod val="50000"/>
+                    <a:lumOff val="50000"/>
+                  </a:schemeClr>
+                </a:solidFill>
+              </a:rPr>
               <a:t>Subdomains</a:t>
             </a:r>
+            <a:endParaRPr lang="en-NZ" dirty="0">
+              <a:solidFill>
+                <a:schemeClr val="tx1">
+                  <a:lumMod val="50000"/>
+                  <a:lumOff val="50000"/>
+                </a:schemeClr>
+              </a:solidFill>
+            </a:endParaRPr>
+          </a:p>
+          <a:p>
+            <a:r>
+              <a:rPr lang="en-NZ" sz="900" dirty="0">
+                <a:solidFill>
+                  <a:schemeClr val="tx1">
+                    <a:lumMod val="50000"/>
+                    <a:lumOff val="50000"/>
+                  </a:schemeClr>
+                </a:solidFill>
+              </a:rPr>
+              <a:t>Note: </a:t>
+            </a:r>
+          </a:p>
+          <a:p>
+            <a:r>
+              <a:rPr lang="en-NZ" sz="900" dirty="0">
+                <a:solidFill>
+                  <a:schemeClr val="tx1">
+                    <a:lumMod val="50000"/>
+                    <a:lumOff val="50000"/>
+                  </a:schemeClr>
+                </a:solidFill>
+              </a:rPr>
+              <a:t>Initially, every subdomain is its own bounded context.</a:t>
+            </a:r>
+          </a:p>
+          <a:p>
+            <a:r>
+              <a:rPr lang="en-NZ" sz="900" dirty="0">
+                <a:solidFill>
+                  <a:schemeClr val="tx1">
+                    <a:lumMod val="50000"/>
+                    <a:lumOff val="50000"/>
+                  </a:schemeClr>
+                </a:solidFill>
+              </a:rPr>
+              <a:t>New Bounded Contexts will emerge as the subdomains evolve.</a:t>
+            </a:r>
+          </a:p>
+          <a:p>
+            <a:endParaRPr lang="en-NZ" dirty="0">
+              <a:solidFill>
+                <a:schemeClr val="tx1">
+                  <a:lumMod val="50000"/>
+                  <a:lumOff val="50000"/>
+                </a:schemeClr>
+              </a:solidFill>
+            </a:endParaRPr>
           </a:p>
         </p:txBody>
       </p:sp>
@@ -42233,14 +42209,16 @@
             </a:extLst>
           </p:cNvPr>
           <p:cNvCxnSpPr>
+            <a:cxnSpLocks/>
             <a:stCxn id="26" idx="1"/>
+            <a:endCxn id="5" idx="6"/>
           </p:cNvCxnSpPr>
           <p:nvPr/>
         </p:nvCxnSpPr>
         <p:spPr>
           <a:xfrm flipH="1">
-            <a:off x="6187044" y="1087191"/>
-            <a:ext cx="2624447" cy="1078077"/>
+            <a:off x="5068052" y="817315"/>
+            <a:ext cx="4918181" cy="1567493"/>
           </a:xfrm>
           <a:prstGeom prst="straightConnector1">
             <a:avLst/>
@@ -42279,13 +42257,14 @@
           <p:cNvCxnSpPr>
             <a:cxnSpLocks/>
             <a:stCxn id="26" idx="1"/>
+            <a:endCxn id="6" idx="7"/>
           </p:cNvCxnSpPr>
           <p:nvPr/>
         </p:nvCxnSpPr>
         <p:spPr>
           <a:xfrm flipH="1">
-            <a:off x="5839691" y="1087191"/>
-            <a:ext cx="2971800" cy="2477199"/>
+            <a:off x="4489990" y="817315"/>
+            <a:ext cx="5496243" cy="2539371"/>
           </a:xfrm>
           <a:prstGeom prst="straightConnector1">
             <a:avLst/>
@@ -42324,13 +42303,14 @@
           <p:cNvCxnSpPr>
             <a:cxnSpLocks/>
             <a:stCxn id="26" idx="1"/>
+            <a:endCxn id="12" idx="0"/>
           </p:cNvCxnSpPr>
           <p:nvPr/>
         </p:nvCxnSpPr>
         <p:spPr>
           <a:xfrm flipH="1">
-            <a:off x="8555181" y="1087191"/>
-            <a:ext cx="256310" cy="782390"/>
+            <a:off x="8951676" y="817315"/>
+            <a:ext cx="1034557" cy="1920652"/>
           </a:xfrm>
           <a:prstGeom prst="straightConnector1">
             <a:avLst/>
@@ -42357,53 +42337,6 @@
           </a:fontRef>
         </p:style>
       </p:cxnSp>
-      <p:sp>
-        <p:nvSpPr>
-          <p:cNvPr id="35" name="TextBox 34">
-            <a:extLst>
-              <a:ext uri="{FF2B5EF4-FFF2-40B4-BE49-F238E27FC236}">
-                <a16:creationId xmlns:a16="http://schemas.microsoft.com/office/drawing/2014/main" id="{F1B33291-7A87-82B6-E6E3-226F47801EA6}"/>
-              </a:ext>
-            </a:extLst>
-          </p:cNvPr>
-          <p:cNvSpPr txBox="1"/>
-          <p:nvPr/>
-        </p:nvSpPr>
-        <p:spPr>
-          <a:xfrm>
-            <a:off x="9690161" y="1410785"/>
-            <a:ext cx="2161518" cy="1061829"/>
-          </a:xfrm>
-          <a:prstGeom prst="rect">
-            <a:avLst/>
-          </a:prstGeom>
-          <a:noFill/>
-        </p:spPr>
-        <p:txBody>
-          <a:bodyPr wrap="square" rtlCol="0">
-            <a:spAutoFit/>
-          </a:bodyPr>
-          <a:lstStyle/>
-          <a:p>
-            <a:r>
-              <a:rPr lang="en-NZ" sz="1050" dirty="0"/>
-              <a:t>Note: </a:t>
-            </a:r>
-          </a:p>
-          <a:p>
-            <a:r>
-              <a:rPr lang="en-NZ" sz="1050" dirty="0"/>
-              <a:t>Initially, every subdomain is its own bounded context.</a:t>
-            </a:r>
-          </a:p>
-          <a:p>
-            <a:r>
-              <a:rPr lang="en-NZ" sz="1050" dirty="0"/>
-              <a:t>New Bounded Contexts will emerge as the subdomains evolve.</a:t>
-            </a:r>
-          </a:p>
-        </p:txBody>
-      </p:sp>
       <p:sp>
         <p:nvSpPr>
           <p:cNvPr id="36" name="TextBox 35">
@@ -42418,8 +42351,8 @@
         </p:nvSpPr>
         <p:spPr>
           <a:xfrm>
-            <a:off x="780803" y="4648200"/>
-            <a:ext cx="1502334" cy="923330"/>
+            <a:off x="685466" y="544726"/>
+            <a:ext cx="1361270" cy="738664"/>
           </a:xfrm>
           <a:prstGeom prst="rect">
             <a:avLst/>
@@ -42433,26 +42366,61 @@
           <a:lstStyle/>
           <a:p>
             <a:r>
-              <a:rPr lang="en-NZ" dirty="0"/>
+              <a:rPr lang="en-NZ" sz="1400" dirty="0">
+                <a:solidFill>
+                  <a:schemeClr val="tx1">
+                    <a:lumMod val="50000"/>
+                    <a:lumOff val="50000"/>
+                  </a:schemeClr>
+                </a:solidFill>
+              </a:rPr>
               <a:t>Child </a:t>
             </a:r>
           </a:p>
           <a:p>
             <a:r>
-              <a:rPr lang="en-NZ" dirty="0"/>
+              <a:rPr lang="en-NZ" sz="1400" dirty="0">
+                <a:solidFill>
+                  <a:schemeClr val="tx1">
+                    <a:lumMod val="50000"/>
+                    <a:lumOff val="50000"/>
+                  </a:schemeClr>
+                </a:solidFill>
+              </a:rPr>
               <a:t>Entities</a:t>
             </a:r>
           </a:p>
           <a:p>
             <a:r>
-              <a:rPr lang="en-NZ" dirty="0"/>
-              <a:t>/</a:t>
+              <a:rPr lang="en-NZ" sz="1400" dirty="0">
+                <a:solidFill>
+                  <a:schemeClr val="tx1">
+                    <a:lumMod val="50000"/>
+                    <a:lumOff val="50000"/>
+                  </a:schemeClr>
+                </a:solidFill>
+              </a:rPr>
+              <a:t>/ </a:t>
             </a:r>
             <a:r>
-              <a:rPr lang="en-NZ" dirty="0" err="1"/>
+              <a:rPr lang="en-NZ" sz="1400" dirty="0" err="1">
+                <a:solidFill>
+                  <a:schemeClr val="tx1">
+                    <a:lumMod val="50000"/>
+                    <a:lumOff val="50000"/>
+                  </a:schemeClr>
+                </a:solidFill>
+              </a:rPr>
               <a:t>ValueObjects</a:t>
             </a:r>
-            <a:endParaRPr lang="en-NZ" dirty="0"/>
+            <a:endParaRPr lang="en-NZ" sz="1400" dirty="0">
+              <a:solidFill>
+                <a:schemeClr val="tx1">
+                  <a:lumMod val="50000"/>
+                  <a:lumOff val="50000"/>
+                </a:schemeClr>
+              </a:solidFill>
+            </a:endParaRPr>
           </a:p>
         </p:txBody>
       </p:sp>
@@ -42467,15 +42435,15 @@
           </p:cNvPr>
           <p:cNvCxnSpPr>
             <a:cxnSpLocks/>
-            <a:stCxn id="36" idx="3"/>
+            <a:stCxn id="36" idx="2"/>
             <a:endCxn id="10" idx="1"/>
           </p:cNvCxnSpPr>
           <p:nvPr/>
         </p:nvCxnSpPr>
         <p:spPr>
-          <a:xfrm flipV="1">
-            <a:off x="2283137" y="3082845"/>
-            <a:ext cx="1091927" cy="2027020"/>
+          <a:xfrm>
+            <a:off x="1366101" y="1283390"/>
+            <a:ext cx="782455" cy="1805249"/>
           </a:xfrm>
           <a:prstGeom prst="straightConnector1">
             <a:avLst/>
@@ -42513,15 +42481,15 @@
           </p:cNvPr>
           <p:cNvCxnSpPr>
             <a:cxnSpLocks/>
-            <a:stCxn id="36" idx="3"/>
-            <a:endCxn id="9" idx="1"/>
+            <a:stCxn id="36" idx="2"/>
+            <a:endCxn id="8" idx="1"/>
           </p:cNvCxnSpPr>
           <p:nvPr/>
         </p:nvCxnSpPr>
         <p:spPr>
-          <a:xfrm flipV="1">
-            <a:off x="2283137" y="3675413"/>
-            <a:ext cx="2455116" cy="1434452"/>
+          <a:xfrm>
+            <a:off x="1366101" y="1283390"/>
+            <a:ext cx="2530251" cy="953758"/>
           </a:xfrm>
           <a:prstGeom prst="straightConnector1">
             <a:avLst/>
@@ -42548,12 +42516,538 @@
           </a:fontRef>
         </p:style>
       </p:cxnSp>
+      <p:grpSp>
+        <p:nvGrpSpPr>
+          <p:cNvPr id="49" name="Group 48">
+            <a:extLst>
+              <a:ext uri="{FF2B5EF4-FFF2-40B4-BE49-F238E27FC236}">
+                <a16:creationId xmlns:a16="http://schemas.microsoft.com/office/drawing/2014/main" id="{75068ED1-F960-1D35-3E94-9841E8BC6F19}"/>
+              </a:ext>
+            </a:extLst>
+          </p:cNvPr>
+          <p:cNvGrpSpPr/>
+          <p:nvPr/>
+        </p:nvGrpSpPr>
+        <p:grpSpPr>
+          <a:xfrm>
+            <a:off x="8150091" y="2737967"/>
+            <a:ext cx="1603169" cy="1302328"/>
+            <a:chOff x="7353793" y="1862003"/>
+            <a:chExt cx="1603169" cy="1302328"/>
+          </a:xfrm>
+        </p:grpSpPr>
+        <p:sp>
+          <p:nvSpPr>
+            <p:cNvPr id="12" name="Oval 11">
+              <a:extLst>
+                <a:ext uri="{FF2B5EF4-FFF2-40B4-BE49-F238E27FC236}">
+                  <a16:creationId xmlns:a16="http://schemas.microsoft.com/office/drawing/2014/main" id="{C82DB54A-D035-FF26-8A3B-02398D6F175F}"/>
+                </a:ext>
+              </a:extLst>
+            </p:cNvPr>
+            <p:cNvSpPr/>
+            <p:nvPr/>
+          </p:nvSpPr>
+          <p:spPr>
+            <a:xfrm>
+              <a:off x="7353793" y="1862003"/>
+              <a:ext cx="1603169" cy="1302328"/>
+            </a:xfrm>
+            <a:custGeom>
+              <a:avLst/>
+              <a:gdLst>
+                <a:gd name="connsiteX0" fmla="*/ 0 w 1603169"/>
+                <a:gd name="connsiteY0" fmla="*/ 651164 h 1302328"/>
+                <a:gd name="connsiteX1" fmla="*/ 801585 w 1603169"/>
+                <a:gd name="connsiteY1" fmla="*/ 0 h 1302328"/>
+                <a:gd name="connsiteX2" fmla="*/ 1603170 w 1603169"/>
+                <a:gd name="connsiteY2" fmla="*/ 651164 h 1302328"/>
+                <a:gd name="connsiteX3" fmla="*/ 801585 w 1603169"/>
+                <a:gd name="connsiteY3" fmla="*/ 1302328 h 1302328"/>
+                <a:gd name="connsiteX4" fmla="*/ 0 w 1603169"/>
+                <a:gd name="connsiteY4" fmla="*/ 651164 h 1302328"/>
+              </a:gdLst>
+              <a:ahLst/>
+              <a:cxnLst>
+                <a:cxn ang="0">
+                  <a:pos x="connsiteX0" y="connsiteY0"/>
+                </a:cxn>
+                <a:cxn ang="0">
+                  <a:pos x="connsiteX1" y="connsiteY1"/>
+                </a:cxn>
+                <a:cxn ang="0">
+                  <a:pos x="connsiteX2" y="connsiteY2"/>
+                </a:cxn>
+                <a:cxn ang="0">
+                  <a:pos x="connsiteX3" y="connsiteY3"/>
+                </a:cxn>
+                <a:cxn ang="0">
+                  <a:pos x="connsiteX4" y="connsiteY4"/>
+                </a:cxn>
+              </a:cxnLst>
+              <a:rect l="l" t="t" r="r" b="b"/>
+              <a:pathLst>
+                <a:path w="1603169" h="1302328" extrusionOk="0">
+                  <a:moveTo>
+                    <a:pt x="0" y="651164"/>
+                  </a:moveTo>
+                  <a:cubicBezTo>
+                    <a:pt x="-31357" y="316332"/>
+                    <a:pt x="470356" y="21659"/>
+                    <a:pt x="801585" y="0"/>
+                  </a:cubicBezTo>
+                  <a:cubicBezTo>
+                    <a:pt x="1185981" y="-69422"/>
+                    <a:pt x="1606843" y="284302"/>
+                    <a:pt x="1603170" y="651164"/>
+                  </a:cubicBezTo>
+                  <a:cubicBezTo>
+                    <a:pt x="1612515" y="1016844"/>
+                    <a:pt x="1191363" y="1266559"/>
+                    <a:pt x="801585" y="1302328"/>
+                  </a:cubicBezTo>
+                  <a:cubicBezTo>
+                    <a:pt x="375506" y="1284047"/>
+                    <a:pt x="-38419" y="1101839"/>
+                    <a:pt x="0" y="651164"/>
+                  </a:cubicBezTo>
+                  <a:close/>
+                </a:path>
+              </a:pathLst>
+            </a:custGeom>
+            <a:noFill/>
+            <a:ln>
+              <a:solidFill>
+                <a:schemeClr val="tx1"/>
+              </a:solidFill>
+              <a:prstDash val="dash"/>
+              <a:extLst>
+                <a:ext uri="{C807C97D-BFC1-408E-A445-0C87EB9F89A2}">
+                  <ask:lineSketchStyleProps xmlns:ask="http://schemas.microsoft.com/office/drawing/2018/sketchyshapes" sd="302522493">
+                    <a:prstGeom prst="ellipse">
+                      <a:avLst/>
+                    </a:prstGeom>
+                    <ask:type>
+                      <ask:lineSketchScribble/>
+                    </ask:type>
+                  </ask:lineSketchStyleProps>
+                </a:ext>
+              </a:extLst>
+            </a:ln>
+          </p:spPr>
+          <p:style>
+            <a:lnRef idx="2">
+              <a:schemeClr val="accent1">
+                <a:shade val="50000"/>
+              </a:schemeClr>
+            </a:lnRef>
+            <a:fillRef idx="1">
+              <a:schemeClr val="accent1"/>
+            </a:fillRef>
+            <a:effectRef idx="0">
+              <a:schemeClr val="accent1"/>
+            </a:effectRef>
+            <a:fontRef idx="minor">
+              <a:schemeClr val="lt1"/>
+            </a:fontRef>
+          </p:style>
+          <p:txBody>
+            <a:bodyPr rtlCol="0" anchor="ctr">
+              <a:prstTxWarp prst="textArchUp">
+                <a:avLst/>
+              </a:prstTxWarp>
+            </a:bodyPr>
+            <a:lstStyle/>
+            <a:p>
+              <a:pPr algn="ctr"/>
+              <a:r>
+                <a:rPr lang="en-NZ" sz="1200" dirty="0">
+                  <a:solidFill>
+                    <a:schemeClr val="tx1"/>
+                  </a:solidFill>
+                </a:rPr>
+                <a:t>Cars</a:t>
+              </a:r>
+            </a:p>
+          </p:txBody>
+        </p:sp>
+        <p:sp>
+          <p:nvSpPr>
+            <p:cNvPr id="23" name="Rectangle: Rounded Corners 22">
+              <a:extLst>
+                <a:ext uri="{FF2B5EF4-FFF2-40B4-BE49-F238E27FC236}">
+                  <a16:creationId xmlns:a16="http://schemas.microsoft.com/office/drawing/2014/main" id="{1A1961CF-CAA2-0945-DCBA-EA7B29086DD3}"/>
+                </a:ext>
+              </a:extLst>
+            </p:cNvPr>
+            <p:cNvSpPr/>
+            <p:nvPr/>
+          </p:nvSpPr>
+          <p:spPr>
+            <a:xfrm>
+              <a:off x="7609111" y="2184606"/>
+              <a:ext cx="1146961" cy="178129"/>
+            </a:xfrm>
+            <a:prstGeom prst="roundRect">
+              <a:avLst/>
+            </a:prstGeom>
+          </p:spPr>
+          <p:style>
+            <a:lnRef idx="2">
+              <a:schemeClr val="dk1"/>
+            </a:lnRef>
+            <a:fillRef idx="1">
+              <a:schemeClr val="lt1"/>
+            </a:fillRef>
+            <a:effectRef idx="0">
+              <a:schemeClr val="dk1"/>
+            </a:effectRef>
+            <a:fontRef idx="minor">
+              <a:schemeClr val="dk1"/>
+            </a:fontRef>
+          </p:style>
+          <p:txBody>
+            <a:bodyPr rtlCol="0" anchor="ctr"/>
+            <a:lstStyle/>
+            <a:p>
+              <a:pPr algn="ctr"/>
+              <a:r>
+                <a:rPr lang="en-NZ" sz="1100" dirty="0" err="1">
+                  <a:solidFill>
+                    <a:schemeClr val="tx1"/>
+                  </a:solidFill>
+                </a:rPr>
+                <a:t>Unavailabilities</a:t>
+              </a:r>
+              <a:endParaRPr lang="en-NZ" sz="1100" dirty="0">
+                <a:solidFill>
+                  <a:schemeClr val="tx1"/>
+                </a:solidFill>
+              </a:endParaRPr>
+            </a:p>
+          </p:txBody>
+        </p:sp>
+        <p:sp>
+          <p:nvSpPr>
+            <p:cNvPr id="45" name="Rectangle: Rounded Corners 44">
+              <a:extLst>
+                <a:ext uri="{FF2B5EF4-FFF2-40B4-BE49-F238E27FC236}">
+                  <a16:creationId xmlns:a16="http://schemas.microsoft.com/office/drawing/2014/main" id="{ECE0B036-ADDE-7D53-9D61-E3B3EEDBAFA3}"/>
+                </a:ext>
+              </a:extLst>
+            </p:cNvPr>
+            <p:cNvSpPr/>
+            <p:nvPr/>
+          </p:nvSpPr>
+          <p:spPr>
+            <a:xfrm>
+              <a:off x="7609111" y="2409938"/>
+              <a:ext cx="1146961" cy="178129"/>
+            </a:xfrm>
+            <a:prstGeom prst="roundRect">
+              <a:avLst/>
+            </a:prstGeom>
+          </p:spPr>
+          <p:style>
+            <a:lnRef idx="2">
+              <a:schemeClr val="dk1"/>
+            </a:lnRef>
+            <a:fillRef idx="1">
+              <a:schemeClr val="lt1"/>
+            </a:fillRef>
+            <a:effectRef idx="0">
+              <a:schemeClr val="dk1"/>
+            </a:effectRef>
+            <a:fontRef idx="minor">
+              <a:schemeClr val="dk1"/>
+            </a:fontRef>
+          </p:style>
+          <p:txBody>
+            <a:bodyPr rtlCol="0" anchor="ctr"/>
+            <a:lstStyle/>
+            <a:p>
+              <a:pPr algn="ctr"/>
+              <a:r>
+                <a:rPr lang="en-NZ" sz="1100" dirty="0">
+                  <a:solidFill>
+                    <a:schemeClr val="tx1"/>
+                  </a:solidFill>
+                </a:rPr>
+                <a:t>Jurisdictions</a:t>
+              </a:r>
+            </a:p>
+          </p:txBody>
+        </p:sp>
+        <p:sp>
+          <p:nvSpPr>
+            <p:cNvPr id="46" name="Rectangle: Rounded Corners 45">
+              <a:extLst>
+                <a:ext uri="{FF2B5EF4-FFF2-40B4-BE49-F238E27FC236}">
+                  <a16:creationId xmlns:a16="http://schemas.microsoft.com/office/drawing/2014/main" id="{7E1DA563-A4F6-AF87-131F-62827756EA82}"/>
+                </a:ext>
+              </a:extLst>
+            </p:cNvPr>
+            <p:cNvSpPr/>
+            <p:nvPr/>
+          </p:nvSpPr>
+          <p:spPr>
+            <a:xfrm>
+              <a:off x="7609110" y="2644393"/>
+              <a:ext cx="1146961" cy="178129"/>
+            </a:xfrm>
+            <a:prstGeom prst="roundRect">
+              <a:avLst/>
+            </a:prstGeom>
+          </p:spPr>
+          <p:style>
+            <a:lnRef idx="2">
+              <a:schemeClr val="dk1"/>
+            </a:lnRef>
+            <a:fillRef idx="1">
+              <a:schemeClr val="lt1"/>
+            </a:fillRef>
+            <a:effectRef idx="0">
+              <a:schemeClr val="dk1"/>
+            </a:effectRef>
+            <a:fontRef idx="minor">
+              <a:schemeClr val="dk1"/>
+            </a:fontRef>
+          </p:style>
+          <p:txBody>
+            <a:bodyPr rtlCol="0" anchor="ctr"/>
+            <a:lstStyle/>
+            <a:p>
+              <a:pPr algn="ctr"/>
+              <a:r>
+                <a:rPr lang="en-NZ" sz="1100" dirty="0" err="1">
+                  <a:solidFill>
+                    <a:schemeClr val="tx1"/>
+                  </a:solidFill>
+                </a:rPr>
+                <a:t>TimeSlots</a:t>
+              </a:r>
+              <a:endParaRPr lang="en-NZ" sz="1100" dirty="0">
+                <a:solidFill>
+                  <a:schemeClr val="tx1"/>
+                </a:solidFill>
+              </a:endParaRPr>
+            </a:p>
+          </p:txBody>
+        </p:sp>
+      </p:grpSp>
+      <p:grpSp>
+        <p:nvGrpSpPr>
+          <p:cNvPr id="41" name="Group 40">
+            <a:extLst>
+              <a:ext uri="{FF2B5EF4-FFF2-40B4-BE49-F238E27FC236}">
+                <a16:creationId xmlns:a16="http://schemas.microsoft.com/office/drawing/2014/main" id="{E9C57F56-98AE-0A4D-0FDF-F289B0C6AE57}"/>
+              </a:ext>
+            </a:extLst>
+          </p:cNvPr>
+          <p:cNvGrpSpPr/>
+          <p:nvPr/>
+        </p:nvGrpSpPr>
+        <p:grpSpPr>
+          <a:xfrm>
+            <a:off x="4829938" y="2929349"/>
+            <a:ext cx="1603169" cy="1302328"/>
+            <a:chOff x="4776550" y="2624644"/>
+            <a:chExt cx="1603169" cy="1302328"/>
+          </a:xfrm>
+        </p:grpSpPr>
+        <p:sp>
+          <p:nvSpPr>
+            <p:cNvPr id="21" name="Oval 20">
+              <a:extLst>
+                <a:ext uri="{FF2B5EF4-FFF2-40B4-BE49-F238E27FC236}">
+                  <a16:creationId xmlns:a16="http://schemas.microsoft.com/office/drawing/2014/main" id="{76A7861B-6939-C95D-D962-E03EA657771F}"/>
+                </a:ext>
+              </a:extLst>
+            </p:cNvPr>
+            <p:cNvSpPr/>
+            <p:nvPr/>
+          </p:nvSpPr>
+          <p:spPr>
+            <a:xfrm>
+              <a:off x="4776550" y="2624644"/>
+              <a:ext cx="1603169" cy="1302328"/>
+            </a:xfrm>
+            <a:custGeom>
+              <a:avLst/>
+              <a:gdLst>
+                <a:gd name="connsiteX0" fmla="*/ 0 w 1603169"/>
+                <a:gd name="connsiteY0" fmla="*/ 651164 h 1302328"/>
+                <a:gd name="connsiteX1" fmla="*/ 801585 w 1603169"/>
+                <a:gd name="connsiteY1" fmla="*/ 0 h 1302328"/>
+                <a:gd name="connsiteX2" fmla="*/ 1603170 w 1603169"/>
+                <a:gd name="connsiteY2" fmla="*/ 651164 h 1302328"/>
+                <a:gd name="connsiteX3" fmla="*/ 801585 w 1603169"/>
+                <a:gd name="connsiteY3" fmla="*/ 1302328 h 1302328"/>
+                <a:gd name="connsiteX4" fmla="*/ 0 w 1603169"/>
+                <a:gd name="connsiteY4" fmla="*/ 651164 h 1302328"/>
+              </a:gdLst>
+              <a:ahLst/>
+              <a:cxnLst>
+                <a:cxn ang="0">
+                  <a:pos x="connsiteX0" y="connsiteY0"/>
+                </a:cxn>
+                <a:cxn ang="0">
+                  <a:pos x="connsiteX1" y="connsiteY1"/>
+                </a:cxn>
+                <a:cxn ang="0">
+                  <a:pos x="connsiteX2" y="connsiteY2"/>
+                </a:cxn>
+                <a:cxn ang="0">
+                  <a:pos x="connsiteX3" y="connsiteY3"/>
+                </a:cxn>
+                <a:cxn ang="0">
+                  <a:pos x="connsiteX4" y="connsiteY4"/>
+                </a:cxn>
+              </a:cxnLst>
+              <a:rect l="l" t="t" r="r" b="b"/>
+              <a:pathLst>
+                <a:path w="1603169" h="1302328" extrusionOk="0">
+                  <a:moveTo>
+                    <a:pt x="0" y="651164"/>
+                  </a:moveTo>
+                  <a:cubicBezTo>
+                    <a:pt x="1010" y="308382"/>
+                    <a:pt x="344055" y="-3084"/>
+                    <a:pt x="801585" y="0"/>
+                  </a:cubicBezTo>
+                  <a:cubicBezTo>
+                    <a:pt x="1179795" y="-52616"/>
+                    <a:pt x="1567140" y="282884"/>
+                    <a:pt x="1603170" y="651164"/>
+                  </a:cubicBezTo>
+                  <a:cubicBezTo>
+                    <a:pt x="1536482" y="1114072"/>
+                    <a:pt x="1350591" y="1307889"/>
+                    <a:pt x="801585" y="1302328"/>
+                  </a:cubicBezTo>
+                  <a:cubicBezTo>
+                    <a:pt x="313978" y="1285785"/>
+                    <a:pt x="992" y="957490"/>
+                    <a:pt x="0" y="651164"/>
+                  </a:cubicBezTo>
+                  <a:close/>
+                </a:path>
+              </a:pathLst>
+            </a:custGeom>
+            <a:noFill/>
+            <a:ln>
+              <a:solidFill>
+                <a:schemeClr val="tx1"/>
+              </a:solidFill>
+              <a:prstDash val="dash"/>
+              <a:extLst>
+                <a:ext uri="{C807C97D-BFC1-408E-A445-0C87EB9F89A2}">
+                  <ask:lineSketchStyleProps xmlns:ask="http://schemas.microsoft.com/office/drawing/2018/sketchyshapes" sd="2343261054">
+                    <a:prstGeom prst="ellipse">
+                      <a:avLst/>
+                    </a:prstGeom>
+                    <ask:type>
+                      <ask:lineSketchScribble/>
+                    </ask:type>
+                  </ask:lineSketchStyleProps>
+                </a:ext>
+              </a:extLst>
+            </a:ln>
+          </p:spPr>
+          <p:style>
+            <a:lnRef idx="2">
+              <a:schemeClr val="accent1">
+                <a:shade val="50000"/>
+              </a:schemeClr>
+            </a:lnRef>
+            <a:fillRef idx="1">
+              <a:schemeClr val="accent1"/>
+            </a:fillRef>
+            <a:effectRef idx="0">
+              <a:schemeClr val="accent1"/>
+            </a:effectRef>
+            <a:fontRef idx="minor">
+              <a:schemeClr val="lt1"/>
+            </a:fontRef>
+          </p:style>
+          <p:txBody>
+            <a:bodyPr rtlCol="0" anchor="ctr">
+              <a:prstTxWarp prst="textArchUp">
+                <a:avLst/>
+              </a:prstTxWarp>
+            </a:bodyPr>
+            <a:lstStyle/>
+            <a:p>
+              <a:pPr algn="ctr"/>
+              <a:r>
+                <a:rPr lang="en-NZ" sz="1200" dirty="0">
+                  <a:solidFill>
+                    <a:schemeClr val="tx1"/>
+                  </a:solidFill>
+                </a:rPr>
+                <a:t>Subscriptions</a:t>
+              </a:r>
+            </a:p>
+          </p:txBody>
+        </p:sp>
+        <p:sp>
+          <p:nvSpPr>
+            <p:cNvPr id="22" name="Rectangle: Rounded Corners 21">
+              <a:extLst>
+                <a:ext uri="{FF2B5EF4-FFF2-40B4-BE49-F238E27FC236}">
+                  <a16:creationId xmlns:a16="http://schemas.microsoft.com/office/drawing/2014/main" id="{CBB61A0A-FBFD-1A59-D9E7-129EF711E15D}"/>
+                </a:ext>
+              </a:extLst>
+            </p:cNvPr>
+            <p:cNvSpPr/>
+            <p:nvPr/>
+          </p:nvSpPr>
+          <p:spPr>
+            <a:xfrm>
+              <a:off x="4970601" y="3087048"/>
+              <a:ext cx="1042562" cy="178129"/>
+            </a:xfrm>
+            <a:prstGeom prst="roundRect">
+              <a:avLst/>
+            </a:prstGeom>
+          </p:spPr>
+          <p:style>
+            <a:lnRef idx="2">
+              <a:schemeClr val="dk1"/>
+            </a:lnRef>
+            <a:fillRef idx="1">
+              <a:schemeClr val="lt1"/>
+            </a:fillRef>
+            <a:effectRef idx="0">
+              <a:schemeClr val="dk1"/>
+            </a:effectRef>
+            <a:fontRef idx="minor">
+              <a:schemeClr val="dk1"/>
+            </a:fontRef>
+          </p:style>
+          <p:txBody>
+            <a:bodyPr rtlCol="0" anchor="ctr"/>
+            <a:lstStyle/>
+            <a:p>
+              <a:pPr algn="ctr"/>
+              <a:r>
+                <a:rPr lang="en-NZ" sz="1100" dirty="0">
+                  <a:solidFill>
+                    <a:schemeClr val="tx1"/>
+                  </a:solidFill>
+                </a:rPr>
+                <a:t>Billing</a:t>
+              </a:r>
+            </a:p>
+          </p:txBody>
+        </p:sp>
+      </p:grpSp>
       <p:sp>
         <p:nvSpPr>
-          <p:cNvPr id="45" name="Rectangle: Rounded Corners 44">
+          <p:cNvPr id="25" name="Oval 24">
             <a:extLst>
               <a:ext uri="{FF2B5EF4-FFF2-40B4-BE49-F238E27FC236}">
-                <a16:creationId xmlns:a16="http://schemas.microsoft.com/office/drawing/2014/main" id="{ECE0B036-ADDE-7D53-9D61-E3B3EEDBAFA3}"/>
+                <a16:creationId xmlns:a16="http://schemas.microsoft.com/office/drawing/2014/main" id="{D64D5818-28C8-0857-357A-ECBB69D62F3B}"/>
               </a:ext>
             </a:extLst>
           </p:cNvPr>
@@ -42562,114 +43056,7 @@
         </p:nvSpPr>
         <p:spPr>
           <a:xfrm>
-            <a:off x="7859484" y="2470955"/>
-            <a:ext cx="1146961" cy="178129"/>
-          </a:xfrm>
-          <a:prstGeom prst="roundRect">
-            <a:avLst/>
-          </a:prstGeom>
-        </p:spPr>
-        <p:style>
-          <a:lnRef idx="2">
-            <a:schemeClr val="dk1"/>
-          </a:lnRef>
-          <a:fillRef idx="1">
-            <a:schemeClr val="lt1"/>
-          </a:fillRef>
-          <a:effectRef idx="0">
-            <a:schemeClr val="dk1"/>
-          </a:effectRef>
-          <a:fontRef idx="minor">
-            <a:schemeClr val="dk1"/>
-          </a:fontRef>
-        </p:style>
-        <p:txBody>
-          <a:bodyPr rtlCol="0" anchor="ctr"/>
-          <a:lstStyle/>
-          <a:p>
-            <a:pPr algn="ctr"/>
-            <a:r>
-              <a:rPr lang="en-NZ" sz="1100" dirty="0">
-                <a:solidFill>
-                  <a:schemeClr val="tx1"/>
-                </a:solidFill>
-              </a:rPr>
-              <a:t>Jurisdictions</a:t>
-            </a:r>
-          </a:p>
-        </p:txBody>
-      </p:sp>
-      <p:sp>
-        <p:nvSpPr>
-          <p:cNvPr id="46" name="Rectangle: Rounded Corners 45">
-            <a:extLst>
-              <a:ext uri="{FF2B5EF4-FFF2-40B4-BE49-F238E27FC236}">
-                <a16:creationId xmlns:a16="http://schemas.microsoft.com/office/drawing/2014/main" id="{7E1DA563-A4F6-AF87-131F-62827756EA82}"/>
-              </a:ext>
-            </a:extLst>
-          </p:cNvPr>
-          <p:cNvSpPr/>
-          <p:nvPr/>
-        </p:nvSpPr>
-        <p:spPr>
-          <a:xfrm>
-            <a:off x="7859483" y="2705410"/>
-            <a:ext cx="1146961" cy="178129"/>
-          </a:xfrm>
-          <a:prstGeom prst="roundRect">
-            <a:avLst/>
-          </a:prstGeom>
-        </p:spPr>
-        <p:style>
-          <a:lnRef idx="2">
-            <a:schemeClr val="dk1"/>
-          </a:lnRef>
-          <a:fillRef idx="1">
-            <a:schemeClr val="lt1"/>
-          </a:fillRef>
-          <a:effectRef idx="0">
-            <a:schemeClr val="dk1"/>
-          </a:effectRef>
-          <a:fontRef idx="minor">
-            <a:schemeClr val="dk1"/>
-          </a:fontRef>
-        </p:style>
-        <p:txBody>
-          <a:bodyPr rtlCol="0" anchor="ctr"/>
-          <a:lstStyle/>
-          <a:p>
-            <a:pPr algn="ctr"/>
-            <a:r>
-              <a:rPr lang="en-NZ" sz="1100" dirty="0" err="1">
-                <a:solidFill>
-                  <a:schemeClr val="tx1"/>
-                </a:solidFill>
-              </a:rPr>
-              <a:t>TimeSlots</a:t>
-            </a:r>
-            <a:endParaRPr lang="en-NZ" sz="1100" dirty="0">
-              <a:solidFill>
-                <a:schemeClr val="tx1"/>
-              </a:solidFill>
-            </a:endParaRPr>
-          </a:p>
-        </p:txBody>
-      </p:sp>
-      <p:sp>
-        <p:nvSpPr>
-          <p:cNvPr id="21" name="Oval 20">
-            <a:extLst>
-              <a:ext uri="{FF2B5EF4-FFF2-40B4-BE49-F238E27FC236}">
-                <a16:creationId xmlns:a16="http://schemas.microsoft.com/office/drawing/2014/main" id="{76A7861B-6939-C95D-D962-E03EA657771F}"/>
-              </a:ext>
-            </a:extLst>
-          </p:cNvPr>
-          <p:cNvSpPr/>
-          <p:nvPr/>
-        </p:nvSpPr>
-        <p:spPr>
-          <a:xfrm>
-            <a:off x="5960917" y="3145240"/>
+            <a:off x="2767506" y="5017136"/>
             <a:ext cx="1603169" cy="1302328"/>
           </a:xfrm>
           <a:custGeom>
@@ -42785,17 +43172,224 @@
                   <a:schemeClr val="tx1"/>
                 </a:solidFill>
               </a:rPr>
-              <a:t>Subscriptions</a:t>
+              <a:t>Images</a:t>
             </a:r>
           </a:p>
         </p:txBody>
       </p:sp>
+      <p:grpSp>
+        <p:nvGrpSpPr>
+          <p:cNvPr id="50" name="Group 49">
+            <a:extLst>
+              <a:ext uri="{FF2B5EF4-FFF2-40B4-BE49-F238E27FC236}">
+                <a16:creationId xmlns:a16="http://schemas.microsoft.com/office/drawing/2014/main" id="{042D0CC7-AFE0-65D3-9661-CC46BCF36ADC}"/>
+              </a:ext>
+            </a:extLst>
+          </p:cNvPr>
+          <p:cNvGrpSpPr/>
+          <p:nvPr/>
+        </p:nvGrpSpPr>
+        <p:grpSpPr>
+          <a:xfrm>
+            <a:off x="8150091" y="4108984"/>
+            <a:ext cx="1603169" cy="1302328"/>
+            <a:chOff x="8040582" y="3164331"/>
+            <a:chExt cx="1603169" cy="1302328"/>
+          </a:xfrm>
+        </p:grpSpPr>
+        <p:sp>
+          <p:nvSpPr>
+            <p:cNvPr id="13" name="Oval 12">
+              <a:extLst>
+                <a:ext uri="{FF2B5EF4-FFF2-40B4-BE49-F238E27FC236}">
+                  <a16:creationId xmlns:a16="http://schemas.microsoft.com/office/drawing/2014/main" id="{19CC44FB-A2AD-ABA1-155E-9B1D25368BBB}"/>
+                </a:ext>
+              </a:extLst>
+            </p:cNvPr>
+            <p:cNvSpPr/>
+            <p:nvPr/>
+          </p:nvSpPr>
+          <p:spPr>
+            <a:xfrm>
+              <a:off x="8040582" y="3164331"/>
+              <a:ext cx="1603169" cy="1302328"/>
+            </a:xfrm>
+            <a:custGeom>
+              <a:avLst/>
+              <a:gdLst>
+                <a:gd name="connsiteX0" fmla="*/ 0 w 1603169"/>
+                <a:gd name="connsiteY0" fmla="*/ 651164 h 1302328"/>
+                <a:gd name="connsiteX1" fmla="*/ 801585 w 1603169"/>
+                <a:gd name="connsiteY1" fmla="*/ 0 h 1302328"/>
+                <a:gd name="connsiteX2" fmla="*/ 1603170 w 1603169"/>
+                <a:gd name="connsiteY2" fmla="*/ 651164 h 1302328"/>
+                <a:gd name="connsiteX3" fmla="*/ 801585 w 1603169"/>
+                <a:gd name="connsiteY3" fmla="*/ 1302328 h 1302328"/>
+                <a:gd name="connsiteX4" fmla="*/ 0 w 1603169"/>
+                <a:gd name="connsiteY4" fmla="*/ 651164 h 1302328"/>
+              </a:gdLst>
+              <a:ahLst/>
+              <a:cxnLst>
+                <a:cxn ang="0">
+                  <a:pos x="connsiteX0" y="connsiteY0"/>
+                </a:cxn>
+                <a:cxn ang="0">
+                  <a:pos x="connsiteX1" y="connsiteY1"/>
+                </a:cxn>
+                <a:cxn ang="0">
+                  <a:pos x="connsiteX2" y="connsiteY2"/>
+                </a:cxn>
+                <a:cxn ang="0">
+                  <a:pos x="connsiteX3" y="connsiteY3"/>
+                </a:cxn>
+                <a:cxn ang="0">
+                  <a:pos x="connsiteX4" y="connsiteY4"/>
+                </a:cxn>
+              </a:cxnLst>
+              <a:rect l="l" t="t" r="r" b="b"/>
+              <a:pathLst>
+                <a:path w="1603169" h="1302328" extrusionOk="0">
+                  <a:moveTo>
+                    <a:pt x="0" y="651164"/>
+                  </a:moveTo>
+                  <a:cubicBezTo>
+                    <a:pt x="66848" y="286749"/>
+                    <a:pt x="390136" y="-25216"/>
+                    <a:pt x="801585" y="0"/>
+                  </a:cubicBezTo>
+                  <a:cubicBezTo>
+                    <a:pt x="1321747" y="-56375"/>
+                    <a:pt x="1624488" y="284155"/>
+                    <a:pt x="1603170" y="651164"/>
+                  </a:cubicBezTo>
+                  <a:cubicBezTo>
+                    <a:pt x="1642398" y="1093760"/>
+                    <a:pt x="1223597" y="1368542"/>
+                    <a:pt x="801585" y="1302328"/>
+                  </a:cubicBezTo>
+                  <a:cubicBezTo>
+                    <a:pt x="391940" y="1226827"/>
+                    <a:pt x="85854" y="965181"/>
+                    <a:pt x="0" y="651164"/>
+                  </a:cubicBezTo>
+                  <a:close/>
+                </a:path>
+              </a:pathLst>
+            </a:custGeom>
+            <a:noFill/>
+            <a:ln>
+              <a:solidFill>
+                <a:schemeClr val="tx1"/>
+              </a:solidFill>
+              <a:prstDash val="dash"/>
+              <a:extLst>
+                <a:ext uri="{C807C97D-BFC1-408E-A445-0C87EB9F89A2}">
+                  <ask:lineSketchStyleProps xmlns:ask="http://schemas.microsoft.com/office/drawing/2018/sketchyshapes" sd="2441640028">
+                    <a:prstGeom prst="ellipse">
+                      <a:avLst/>
+                    </a:prstGeom>
+                    <ask:type>
+                      <ask:lineSketchScribble/>
+                    </ask:type>
+                  </ask:lineSketchStyleProps>
+                </a:ext>
+              </a:extLst>
+            </a:ln>
+          </p:spPr>
+          <p:style>
+            <a:lnRef idx="2">
+              <a:schemeClr val="accent1">
+                <a:shade val="50000"/>
+              </a:schemeClr>
+            </a:lnRef>
+            <a:fillRef idx="1">
+              <a:schemeClr val="accent1"/>
+            </a:fillRef>
+            <a:effectRef idx="0">
+              <a:schemeClr val="accent1"/>
+            </a:effectRef>
+            <a:fontRef idx="minor">
+              <a:schemeClr val="lt1"/>
+            </a:fontRef>
+          </p:style>
+          <p:txBody>
+            <a:bodyPr rtlCol="0" anchor="ctr">
+              <a:prstTxWarp prst="textArchUp">
+                <a:avLst/>
+              </a:prstTxWarp>
+            </a:bodyPr>
+            <a:lstStyle/>
+            <a:p>
+              <a:pPr algn="ctr"/>
+              <a:r>
+                <a:rPr lang="en-NZ" sz="1200" dirty="0">
+                  <a:solidFill>
+                    <a:schemeClr val="tx1"/>
+                  </a:solidFill>
+                </a:rPr>
+                <a:t>Bookings</a:t>
+              </a:r>
+            </a:p>
+          </p:txBody>
+        </p:sp>
+        <p:sp>
+          <p:nvSpPr>
+            <p:cNvPr id="2" name="Rectangle: Rounded Corners 1">
+              <a:extLst>
+                <a:ext uri="{FF2B5EF4-FFF2-40B4-BE49-F238E27FC236}">
+                  <a16:creationId xmlns:a16="http://schemas.microsoft.com/office/drawing/2014/main" id="{948D6117-DAEC-36CE-0BC2-B70046042587}"/>
+                </a:ext>
+              </a:extLst>
+            </p:cNvPr>
+            <p:cNvSpPr/>
+            <p:nvPr/>
+          </p:nvSpPr>
+          <p:spPr>
+            <a:xfrm>
+              <a:off x="8304808" y="3559879"/>
+              <a:ext cx="1146961" cy="178129"/>
+            </a:xfrm>
+            <a:prstGeom prst="roundRect">
+              <a:avLst/>
+            </a:prstGeom>
+          </p:spPr>
+          <p:style>
+            <a:lnRef idx="2">
+              <a:schemeClr val="dk1"/>
+            </a:lnRef>
+            <a:fillRef idx="1">
+              <a:schemeClr val="lt1"/>
+            </a:fillRef>
+            <a:effectRef idx="0">
+              <a:schemeClr val="dk1"/>
+            </a:effectRef>
+            <a:fontRef idx="minor">
+              <a:schemeClr val="dk1"/>
+            </a:fontRef>
+          </p:style>
+          <p:txBody>
+            <a:bodyPr rtlCol="0" anchor="ctr"/>
+            <a:lstStyle/>
+            <a:p>
+              <a:pPr algn="ctr"/>
+              <a:r>
+                <a:rPr lang="en-NZ" sz="1100" dirty="0">
+                  <a:solidFill>
+                    <a:schemeClr val="tx1"/>
+                  </a:solidFill>
+                </a:rPr>
+                <a:t>Trips</a:t>
+              </a:r>
+            </a:p>
+          </p:txBody>
+        </p:sp>
+      </p:grpSp>
       <p:sp>
         <p:nvSpPr>
-          <p:cNvPr id="22" name="Rectangle: Rounded Corners 21">
+          <p:cNvPr id="51" name="Oval 50">
             <a:extLst>
               <a:ext uri="{FF2B5EF4-FFF2-40B4-BE49-F238E27FC236}">
-                <a16:creationId xmlns:a16="http://schemas.microsoft.com/office/drawing/2014/main" id="{CBB61A0A-FBFD-1A59-D9E7-129EF711E15D}"/>
+                <a16:creationId xmlns:a16="http://schemas.microsoft.com/office/drawing/2014/main" id="{D8AECE8F-3F39-F586-85FC-D67D6D139AB4}"/>
               </a:ext>
             </a:extLst>
           </p:cNvPr>
@@ -42803,74 +43397,23 @@
           <p:nvPr/>
         </p:nvSpPr>
         <p:spPr>
-          <a:xfrm>
-            <a:off x="6224638" y="3618275"/>
-            <a:ext cx="1042562" cy="178129"/>
-          </a:xfrm>
-          <a:prstGeom prst="roundRect">
-            <a:avLst/>
-          </a:prstGeom>
-        </p:spPr>
-        <p:style>
-          <a:lnRef idx="2">
-            <a:schemeClr val="dk1"/>
-          </a:lnRef>
-          <a:fillRef idx="1">
-            <a:schemeClr val="lt1"/>
-          </a:fillRef>
-          <a:effectRef idx="0">
-            <a:schemeClr val="dk1"/>
-          </a:effectRef>
-          <a:fontRef idx="minor">
-            <a:schemeClr val="dk1"/>
-          </a:fontRef>
-        </p:style>
-        <p:txBody>
-          <a:bodyPr rtlCol="0" anchor="ctr"/>
-          <a:lstStyle/>
-          <a:p>
-            <a:pPr algn="ctr"/>
-            <a:r>
-              <a:rPr lang="en-NZ" sz="1100" dirty="0">
-                <a:solidFill>
-                  <a:schemeClr val="tx1"/>
-                </a:solidFill>
-              </a:rPr>
-              <a:t>Billing</a:t>
-            </a:r>
-          </a:p>
-        </p:txBody>
-      </p:sp>
-      <p:sp>
-        <p:nvSpPr>
-          <p:cNvPr id="25" name="Oval 24">
-            <a:extLst>
-              <a:ext uri="{FF2B5EF4-FFF2-40B4-BE49-F238E27FC236}">
-                <a16:creationId xmlns:a16="http://schemas.microsoft.com/office/drawing/2014/main" id="{D64D5818-28C8-0857-357A-ECBB69D62F3B}"/>
-              </a:ext>
-            </a:extLst>
-          </p:cNvPr>
-          <p:cNvSpPr/>
-          <p:nvPr/>
-        </p:nvSpPr>
-        <p:spPr>
-          <a:xfrm>
-            <a:off x="4786351" y="5086209"/>
-            <a:ext cx="1603169" cy="1302328"/>
+          <a:xfrm rot="5400000">
+            <a:off x="7544878" y="2092430"/>
+            <a:ext cx="3594375" cy="3422250"/>
           </a:xfrm>
           <a:custGeom>
             <a:avLst/>
             <a:gdLst>
-              <a:gd name="connsiteX0" fmla="*/ 0 w 1603169"/>
-              <a:gd name="connsiteY0" fmla="*/ 651164 h 1302328"/>
-              <a:gd name="connsiteX1" fmla="*/ 801585 w 1603169"/>
-              <a:gd name="connsiteY1" fmla="*/ 0 h 1302328"/>
-              <a:gd name="connsiteX2" fmla="*/ 1603170 w 1603169"/>
-              <a:gd name="connsiteY2" fmla="*/ 651164 h 1302328"/>
-              <a:gd name="connsiteX3" fmla="*/ 801585 w 1603169"/>
-              <a:gd name="connsiteY3" fmla="*/ 1302328 h 1302328"/>
-              <a:gd name="connsiteX4" fmla="*/ 0 w 1603169"/>
-              <a:gd name="connsiteY4" fmla="*/ 651164 h 1302328"/>
+              <a:gd name="connsiteX0" fmla="*/ 0 w 3594375"/>
+              <a:gd name="connsiteY0" fmla="*/ 1711125 h 3422250"/>
+              <a:gd name="connsiteX1" fmla="*/ 1797188 w 3594375"/>
+              <a:gd name="connsiteY1" fmla="*/ 0 h 3422250"/>
+              <a:gd name="connsiteX2" fmla="*/ 3594376 w 3594375"/>
+              <a:gd name="connsiteY2" fmla="*/ 1711125 h 3422250"/>
+              <a:gd name="connsiteX3" fmla="*/ 1797188 w 3594375"/>
+              <a:gd name="connsiteY3" fmla="*/ 3422250 h 3422250"/>
+              <a:gd name="connsiteX4" fmla="*/ 0 w 3594375"/>
+              <a:gd name="connsiteY4" fmla="*/ 1711125 h 3422250"/>
             </a:gdLst>
             <a:ahLst/>
             <a:cxnLst>
@@ -42892,29 +43435,29 @@
             </a:cxnLst>
             <a:rect l="l" t="t" r="r" b="b"/>
             <a:pathLst>
-              <a:path w="1603169" h="1302328" extrusionOk="0">
+              <a:path w="3594375" h="3422250" extrusionOk="0">
                 <a:moveTo>
-                  <a:pt x="0" y="651164"/>
+                  <a:pt x="0" y="1711125"/>
                 </a:moveTo>
                 <a:cubicBezTo>
-                  <a:pt x="1010" y="308382"/>
-                  <a:pt x="344055" y="-3084"/>
-                  <a:pt x="801585" y="0"/>
+                  <a:pt x="-48737" y="795103"/>
+                  <a:pt x="866010" y="-72520"/>
+                  <a:pt x="1797188" y="0"/>
                 </a:cubicBezTo>
                 <a:cubicBezTo>
-                  <a:pt x="1179795" y="-52616"/>
-                  <a:pt x="1567140" y="282884"/>
-                  <a:pt x="1603170" y="651164"/>
+                  <a:pt x="2912661" y="137420"/>
+                  <a:pt x="3723676" y="893394"/>
+                  <a:pt x="3594376" y="1711125"/>
                 </a:cubicBezTo>
                 <a:cubicBezTo>
-                  <a:pt x="1536482" y="1114072"/>
-                  <a:pt x="1350591" y="1307889"/>
-                  <a:pt x="801585" y="1302328"/>
+                  <a:pt x="3670162" y="2606125"/>
+                  <a:pt x="2738901" y="3479459"/>
+                  <a:pt x="1797188" y="3422250"/>
                 </a:cubicBezTo>
                 <a:cubicBezTo>
-                  <a:pt x="313978" y="1285785"/>
-                  <a:pt x="992" y="957490"/>
-                  <a:pt x="0" y="651164"/>
+                  <a:pt x="685494" y="3462997"/>
+                  <a:pt x="-66768" y="2794000"/>
+                  <a:pt x="0" y="1711125"/>
                 </a:cubicBezTo>
                 <a:close/>
               </a:path>
@@ -42922,18 +43465,15 @@
           </a:custGeom>
           <a:noFill/>
           <a:ln>
-            <a:solidFill>
-              <a:schemeClr val="tx1"/>
-            </a:solidFill>
-            <a:prstDash val="dash"/>
+            <a:prstDash val="sysDash"/>
             <a:extLst>
               <a:ext uri="{C807C97D-BFC1-408E-A445-0C87EB9F89A2}">
-                <ask:lineSketchStyleProps xmlns:ask="http://schemas.microsoft.com/office/drawing/2018/sketchyshapes" sd="2343261054">
+                <ask:lineSketchStyleProps xmlns:ask="http://schemas.microsoft.com/office/drawing/2018/sketchyshapes" sd="2845485804">
                   <a:prstGeom prst="ellipse">
                     <a:avLst/>
                   </a:prstGeom>
                   <ask:type>
-                    <ask:lineSketchScribble/>
+                    <ask:lineSketchFreehand/>
                   </ask:type>
                 </ask:lineSketchStyleProps>
               </a:ext>
@@ -42943,7 +43483,7 @@
         <p:style>
           <a:lnRef idx="2">
             <a:schemeClr val="accent1">
-              <a:shade val="50000"/>
+              <a:shade val="15000"/>
             </a:schemeClr>
           </a:lnRef>
           <a:fillRef idx="1">
@@ -42959,70 +43499,24 @@
         <p:txBody>
           <a:bodyPr rtlCol="0" anchor="ctr">
             <a:prstTxWarp prst="textArchUp">
-              <a:avLst/>
+              <a:avLst>
+                <a:gd name="adj" fmla="val 10820264"/>
+              </a:avLst>
             </a:prstTxWarp>
           </a:bodyPr>
           <a:lstStyle/>
           <a:p>
             <a:pPr algn="ctr"/>
             <a:r>
-              <a:rPr lang="en-NZ" sz="1200" dirty="0">
+              <a:rPr lang="en-NZ" dirty="0">
                 <a:solidFill>
-                  <a:schemeClr val="tx1"/>
+                  <a:schemeClr val="tx1">
+                    <a:lumMod val="50000"/>
+                    <a:lumOff val="50000"/>
+                  </a:schemeClr>
                 </a:solidFill>
               </a:rPr>
-              <a:t>Images</a:t>
-            </a:r>
-          </a:p>
-        </p:txBody>
-      </p:sp>
-      <p:sp>
-        <p:nvSpPr>
-          <p:cNvPr id="2" name="Rectangle: Rounded Corners 1">
-            <a:extLst>
-              <a:ext uri="{FF2B5EF4-FFF2-40B4-BE49-F238E27FC236}">
-                <a16:creationId xmlns:a16="http://schemas.microsoft.com/office/drawing/2014/main" id="{948D6117-DAEC-36CE-0BC2-B70046042587}"/>
-              </a:ext>
-            </a:extLst>
-          </p:cNvPr>
-          <p:cNvSpPr/>
-          <p:nvPr/>
-        </p:nvSpPr>
-        <p:spPr>
-          <a:xfrm>
-            <a:off x="8555181" y="3620896"/>
-            <a:ext cx="1146961" cy="178129"/>
-          </a:xfrm>
-          <a:prstGeom prst="roundRect">
-            <a:avLst/>
-          </a:prstGeom>
-        </p:spPr>
-        <p:style>
-          <a:lnRef idx="2">
-            <a:schemeClr val="dk1"/>
-          </a:lnRef>
-          <a:fillRef idx="1">
-            <a:schemeClr val="lt1"/>
-          </a:fillRef>
-          <a:effectRef idx="0">
-            <a:schemeClr val="dk1"/>
-          </a:effectRef>
-          <a:fontRef idx="minor">
-            <a:schemeClr val="dk1"/>
-          </a:fontRef>
-        </p:style>
-        <p:txBody>
-          <a:bodyPr rtlCol="0" anchor="ctr"/>
-          <a:lstStyle/>
-          <a:p>
-            <a:pPr algn="ctr"/>
-            <a:r>
-              <a:rPr lang="en-NZ" sz="1100" dirty="0">
-                <a:solidFill>
-                  <a:schemeClr val="tx1"/>
-                </a:solidFill>
-              </a:rPr>
-              <a:t>Trips</a:t>
+              <a:t>Core Subdomains</a:t>
             </a:r>
           </a:p>
         </p:txBody>

--- a/docs/images/Sources.pptx
+++ b/docs/images/Sources.pptx
@@ -17,6 +17,7 @@
     <p:sldId id="289" r:id="rId11"/>
     <p:sldId id="290" r:id="rId12"/>
     <p:sldId id="260" r:id="rId13"/>
+    <p:sldId id="291" r:id="rId14"/>
   </p:sldIdLst>
   <p:sldSz cx="12192000" cy="6858000"/>
   <p:notesSz cx="6858000" cy="9144000"/>
@@ -8726,7 +8727,7 @@
           <a:p>
             <a:fld id="{7C7C8CC2-4E43-407C-8230-EFF88652EA00}" type="datetimeFigureOut">
               <a:rPr lang="en-NZ" smtClean="0"/>
-              <a:t>11/12/2023</a:t>
+              <a:t>26/12/2023</a:t>
             </a:fld>
             <a:endParaRPr lang="en-NZ"/>
           </a:p>
@@ -8926,7 +8927,7 @@
           <a:p>
             <a:fld id="{7C7C8CC2-4E43-407C-8230-EFF88652EA00}" type="datetimeFigureOut">
               <a:rPr lang="en-NZ" smtClean="0"/>
-              <a:t>11/12/2023</a:t>
+              <a:t>26/12/2023</a:t>
             </a:fld>
             <a:endParaRPr lang="en-NZ"/>
           </a:p>
@@ -9136,7 +9137,7 @@
           <a:p>
             <a:fld id="{7C7C8CC2-4E43-407C-8230-EFF88652EA00}" type="datetimeFigureOut">
               <a:rPr lang="en-NZ" smtClean="0"/>
-              <a:t>11/12/2023</a:t>
+              <a:t>26/12/2023</a:t>
             </a:fld>
             <a:endParaRPr lang="en-NZ"/>
           </a:p>
@@ -9336,7 +9337,7 @@
           <a:p>
             <a:fld id="{7C7C8CC2-4E43-407C-8230-EFF88652EA00}" type="datetimeFigureOut">
               <a:rPr lang="en-NZ" smtClean="0"/>
-              <a:t>11/12/2023</a:t>
+              <a:t>26/12/2023</a:t>
             </a:fld>
             <a:endParaRPr lang="en-NZ"/>
           </a:p>
@@ -9612,7 +9613,7 @@
           <a:p>
             <a:fld id="{7C7C8CC2-4E43-407C-8230-EFF88652EA00}" type="datetimeFigureOut">
               <a:rPr lang="en-NZ" smtClean="0"/>
-              <a:t>11/12/2023</a:t>
+              <a:t>26/12/2023</a:t>
             </a:fld>
             <a:endParaRPr lang="en-NZ"/>
           </a:p>
@@ -9880,7 +9881,7 @@
           <a:p>
             <a:fld id="{7C7C8CC2-4E43-407C-8230-EFF88652EA00}" type="datetimeFigureOut">
               <a:rPr lang="en-NZ" smtClean="0"/>
-              <a:t>11/12/2023</a:t>
+              <a:t>26/12/2023</a:t>
             </a:fld>
             <a:endParaRPr lang="en-NZ"/>
           </a:p>
@@ -10295,7 +10296,7 @@
           <a:p>
             <a:fld id="{7C7C8CC2-4E43-407C-8230-EFF88652EA00}" type="datetimeFigureOut">
               <a:rPr lang="en-NZ" smtClean="0"/>
-              <a:t>11/12/2023</a:t>
+              <a:t>26/12/2023</a:t>
             </a:fld>
             <a:endParaRPr lang="en-NZ"/>
           </a:p>
@@ -10437,7 +10438,7 @@
           <a:p>
             <a:fld id="{7C7C8CC2-4E43-407C-8230-EFF88652EA00}" type="datetimeFigureOut">
               <a:rPr lang="en-NZ" smtClean="0"/>
-              <a:t>11/12/2023</a:t>
+              <a:t>26/12/2023</a:t>
             </a:fld>
             <a:endParaRPr lang="en-NZ"/>
           </a:p>
@@ -10550,7 +10551,7 @@
           <a:p>
             <a:fld id="{7C7C8CC2-4E43-407C-8230-EFF88652EA00}" type="datetimeFigureOut">
               <a:rPr lang="en-NZ" smtClean="0"/>
-              <a:t>11/12/2023</a:t>
+              <a:t>26/12/2023</a:t>
             </a:fld>
             <a:endParaRPr lang="en-NZ"/>
           </a:p>
@@ -10863,7 +10864,7 @@
           <a:p>
             <a:fld id="{7C7C8CC2-4E43-407C-8230-EFF88652EA00}" type="datetimeFigureOut">
               <a:rPr lang="en-NZ" smtClean="0"/>
-              <a:t>11/12/2023</a:t>
+              <a:t>26/12/2023</a:t>
             </a:fld>
             <a:endParaRPr lang="en-NZ"/>
           </a:p>
@@ -11152,7 +11153,7 @@
           <a:p>
             <a:fld id="{7C7C8CC2-4E43-407C-8230-EFF88652EA00}" type="datetimeFigureOut">
               <a:rPr lang="en-NZ" smtClean="0"/>
-              <a:t>11/12/2023</a:t>
+              <a:t>26/12/2023</a:t>
             </a:fld>
             <a:endParaRPr lang="en-NZ"/>
           </a:p>
@@ -11395,7 +11396,7 @@
           <a:p>
             <a:fld id="{7C7C8CC2-4E43-407C-8230-EFF88652EA00}" type="datetimeFigureOut">
               <a:rPr lang="en-NZ" smtClean="0"/>
-              <a:t>11/12/2023</a:t>
+              <a:t>26/12/2023</a:t>
             </a:fld>
             <a:endParaRPr lang="en-NZ"/>
           </a:p>
@@ -15296,66 +15297,6 @@
           </a:p>
         </p:txBody>
       </p:sp>
-      <p:sp>
-        <p:nvSpPr>
-          <p:cNvPr id="75" name="Scroll: Vertical 74">
-            <a:extLst>
-              <a:ext uri="{FF2B5EF4-FFF2-40B4-BE49-F238E27FC236}">
-                <a16:creationId xmlns:a16="http://schemas.microsoft.com/office/drawing/2014/main" id="{CAD8C807-F852-474E-9DCD-6C18ABBDE35E}"/>
-              </a:ext>
-            </a:extLst>
-          </p:cNvPr>
-          <p:cNvSpPr/>
-          <p:nvPr/>
-        </p:nvSpPr>
-        <p:spPr>
-          <a:xfrm rot="5400000">
-            <a:off x="3882132" y="3227408"/>
-            <a:ext cx="398326" cy="495579"/>
-          </a:xfrm>
-          <a:prstGeom prst="verticalScroll">
-            <a:avLst/>
-          </a:prstGeom>
-          <a:solidFill>
-            <a:schemeClr val="accent3">
-              <a:lumMod val="75000"/>
-            </a:schemeClr>
-          </a:solidFill>
-          <a:ln>
-            <a:solidFill>
-              <a:schemeClr val="tx1"/>
-            </a:solidFill>
-          </a:ln>
-        </p:spPr>
-        <p:style>
-          <a:lnRef idx="2">
-            <a:schemeClr val="accent1">
-              <a:shade val="50000"/>
-            </a:schemeClr>
-          </a:lnRef>
-          <a:fillRef idx="1">
-            <a:schemeClr val="accent1"/>
-          </a:fillRef>
-          <a:effectRef idx="0">
-            <a:schemeClr val="accent1"/>
-          </a:effectRef>
-          <a:fontRef idx="minor">
-            <a:schemeClr val="lt1"/>
-          </a:fontRef>
-        </p:style>
-        <p:txBody>
-          <a:bodyPr vert="vert270" rtlCol="0" anchor="ctr"/>
-          <a:lstStyle/>
-          <a:p>
-            <a:pPr algn="ctr"/>
-            <a:r>
-              <a:rPr lang="en-US" sz="1200" dirty="0"/>
-              <a:t>JWT</a:t>
-            </a:r>
-            <a:endParaRPr lang="en-NZ" sz="800" dirty="0"/>
-          </a:p>
-        </p:txBody>
-      </p:sp>
       <p:grpSp>
         <p:nvGrpSpPr>
           <p:cNvPr id="65" name="Group 64">
@@ -16431,7 +16372,7 @@
             <p:spPr>
               <a:xfrm>
                 <a:off x="8369951" y="5576118"/>
-                <a:ext cx="852979" cy="352483"/>
+                <a:ext cx="852979" cy="332901"/>
               </a:xfrm>
               <a:prstGeom prst="rect">
                 <a:avLst/>
@@ -16445,7 +16386,7 @@
               <a:lstStyle/>
               <a:p>
                 <a:r>
-                  <a:rPr lang="en-US" sz="1200" dirty="0">
+                  <a:rPr lang="en-US" sz="1100" dirty="0">
                     <a:effectLst>
                       <a:glow rad="101600">
                         <a:schemeClr val="bg1">
@@ -19311,7 +19252,15 @@
                     <a:schemeClr val="tx1"/>
                   </a:solidFill>
                 </a:rPr>
-                <a:t>Blob Storage</a:t>
+                <a:t>Blob </a:t>
+              </a:r>
+              <a:r>
+                <a:rPr lang="en-US" sz="800" dirty="0">
+                  <a:solidFill>
+                    <a:schemeClr val="tx1"/>
+                  </a:solidFill>
+                </a:rPr>
+                <a:t>Storage</a:t>
               </a:r>
               <a:endParaRPr lang="en-NZ" sz="900" dirty="0">
                 <a:solidFill>
@@ -31919,6 +31868,4402 @@
 </p:sld>
 </file>
 
+<file path=ppt/slides/slide13.xml><?xml version="1.0" encoding="utf-8"?>
+<p:sld xmlns:a="http://schemas.openxmlformats.org/drawingml/2006/main" xmlns:r="http://schemas.openxmlformats.org/officeDocument/2006/relationships" xmlns:p="http://schemas.openxmlformats.org/presentationml/2006/main">
+  <p:cSld>
+    <p:spTree>
+      <p:nvGrpSpPr>
+        <p:cNvPr id="1" name=""/>
+        <p:cNvGrpSpPr/>
+        <p:nvPr/>
+      </p:nvGrpSpPr>
+      <p:grpSpPr>
+        <a:xfrm>
+          <a:off x="0" y="0"/>
+          <a:ext cx="0" cy="0"/>
+          <a:chOff x="0" y="0"/>
+          <a:chExt cx="0" cy="0"/>
+        </a:xfrm>
+      </p:grpSpPr>
+      <p:grpSp>
+        <p:nvGrpSpPr>
+          <p:cNvPr id="172" name="Group 171">
+            <a:extLst>
+              <a:ext uri="{FF2B5EF4-FFF2-40B4-BE49-F238E27FC236}">
+                <a16:creationId xmlns:a16="http://schemas.microsoft.com/office/drawing/2014/main" id="{1C7F2652-6D33-ACBE-4279-5885196CE906}"/>
+              </a:ext>
+            </a:extLst>
+          </p:cNvPr>
+          <p:cNvGrpSpPr/>
+          <p:nvPr/>
+        </p:nvGrpSpPr>
+        <p:grpSpPr>
+          <a:xfrm>
+            <a:off x="9194001" y="1842282"/>
+            <a:ext cx="1932705" cy="409284"/>
+            <a:chOff x="9194001" y="2086730"/>
+            <a:chExt cx="1932705" cy="409284"/>
+          </a:xfrm>
+        </p:grpSpPr>
+        <p:sp>
+          <p:nvSpPr>
+            <p:cNvPr id="2" name="Rectangle 1">
+              <a:extLst>
+                <a:ext uri="{FF2B5EF4-FFF2-40B4-BE49-F238E27FC236}">
+                  <a16:creationId xmlns:a16="http://schemas.microsoft.com/office/drawing/2014/main" id="{E76BDB9F-0119-D883-61AA-E4CAEB426C5B}"/>
+                </a:ext>
+              </a:extLst>
+            </p:cNvPr>
+            <p:cNvSpPr/>
+            <p:nvPr/>
+          </p:nvSpPr>
+          <p:spPr>
+            <a:xfrm>
+              <a:off x="9194001" y="2086730"/>
+              <a:ext cx="1932705" cy="409284"/>
+            </a:xfrm>
+            <a:prstGeom prst="rect">
+              <a:avLst/>
+            </a:prstGeom>
+            <a:solidFill>
+              <a:schemeClr val="bg1">
+                <a:lumMod val="85000"/>
+              </a:schemeClr>
+            </a:solidFill>
+            <a:ln>
+              <a:solidFill>
+                <a:schemeClr val="bg1">
+                  <a:lumMod val="65000"/>
+                </a:schemeClr>
+              </a:solidFill>
+            </a:ln>
+          </p:spPr>
+          <p:style>
+            <a:lnRef idx="2">
+              <a:schemeClr val="accent1">
+                <a:shade val="15000"/>
+              </a:schemeClr>
+            </a:lnRef>
+            <a:fillRef idx="1">
+              <a:schemeClr val="accent1"/>
+            </a:fillRef>
+            <a:effectRef idx="0">
+              <a:schemeClr val="accent1"/>
+            </a:effectRef>
+            <a:fontRef idx="minor">
+              <a:schemeClr val="lt1"/>
+            </a:fontRef>
+          </p:style>
+          <p:txBody>
+            <a:bodyPr rtlCol="0" anchor="ctr"/>
+            <a:lstStyle/>
+            <a:p>
+              <a:pPr algn="r"/>
+              <a:r>
+                <a:rPr lang="en-NZ" dirty="0">
+                  <a:solidFill>
+                    <a:schemeClr val="bg2">
+                      <a:lumMod val="75000"/>
+                    </a:schemeClr>
+                  </a:solidFill>
+                </a:rPr>
+                <a:t>APMs</a:t>
+              </a:r>
+            </a:p>
+          </p:txBody>
+        </p:sp>
+        <p:grpSp>
+          <p:nvGrpSpPr>
+            <p:cNvPr id="75" name="Group 74">
+              <a:extLst>
+                <a:ext uri="{FF2B5EF4-FFF2-40B4-BE49-F238E27FC236}">
+                  <a16:creationId xmlns:a16="http://schemas.microsoft.com/office/drawing/2014/main" id="{7BEA45FC-C58D-C0BC-18EC-A5381EFEA24D}"/>
+                </a:ext>
+              </a:extLst>
+            </p:cNvPr>
+            <p:cNvGrpSpPr/>
+            <p:nvPr/>
+          </p:nvGrpSpPr>
+          <p:grpSpPr>
+            <a:xfrm>
+              <a:off x="9304337" y="2132396"/>
+              <a:ext cx="1058195" cy="319189"/>
+              <a:chOff x="1484389" y="5783642"/>
+              <a:chExt cx="2243283" cy="442298"/>
+            </a:xfrm>
+          </p:grpSpPr>
+          <p:sp>
+            <p:nvSpPr>
+              <p:cNvPr id="76" name="Rectangle: Rounded Corners 75">
+                <a:extLst>
+                  <a:ext uri="{FF2B5EF4-FFF2-40B4-BE49-F238E27FC236}">
+                    <a16:creationId xmlns:a16="http://schemas.microsoft.com/office/drawing/2014/main" id="{5732F1FF-9F02-4057-799C-CC21FE4A2E66}"/>
+                  </a:ext>
+                </a:extLst>
+              </p:cNvPr>
+              <p:cNvSpPr/>
+              <p:nvPr/>
+            </p:nvSpPr>
+            <p:spPr>
+              <a:xfrm>
+                <a:off x="1484389" y="5783642"/>
+                <a:ext cx="2243283" cy="442298"/>
+              </a:xfrm>
+              <a:prstGeom prst="roundRect">
+                <a:avLst>
+                  <a:gd name="adj" fmla="val 4751"/>
+                </a:avLst>
+              </a:prstGeom>
+              <a:solidFill>
+                <a:srgbClr val="651F74"/>
+              </a:solidFill>
+              <a:ln>
+                <a:solidFill>
+                  <a:srgbClr val="002060"/>
+                </a:solidFill>
+              </a:ln>
+            </p:spPr>
+            <p:style>
+              <a:lnRef idx="2">
+                <a:schemeClr val="accent1">
+                  <a:shade val="50000"/>
+                </a:schemeClr>
+              </a:lnRef>
+              <a:fillRef idx="1">
+                <a:schemeClr val="accent1"/>
+              </a:fillRef>
+              <a:effectRef idx="0">
+                <a:schemeClr val="accent1"/>
+              </a:effectRef>
+              <a:fontRef idx="minor">
+                <a:schemeClr val="lt1"/>
+              </a:fontRef>
+            </p:style>
+            <p:txBody>
+              <a:bodyPr rtlCol="0" anchor="ctr"/>
+              <a:lstStyle/>
+              <a:p>
+                <a:pPr algn="r"/>
+                <a:r>
+                  <a:rPr lang="en-NZ" sz="1100" dirty="0"/>
+                  <a:t>App Insights </a:t>
+                </a:r>
+              </a:p>
+            </p:txBody>
+          </p:sp>
+          <p:pic>
+            <p:nvPicPr>
+              <p:cNvPr id="77" name="Picture 76">
+                <a:extLst>
+                  <a:ext uri="{FF2B5EF4-FFF2-40B4-BE49-F238E27FC236}">
+                    <a16:creationId xmlns:a16="http://schemas.microsoft.com/office/drawing/2014/main" id="{31EC86E0-B93D-42D6-C8BC-74A0E968AD9D}"/>
+                  </a:ext>
+                </a:extLst>
+              </p:cNvPr>
+              <p:cNvPicPr>
+                <a:picLocks noChangeAspect="1"/>
+              </p:cNvPicPr>
+              <p:nvPr/>
+            </p:nvPicPr>
+            <p:blipFill>
+              <a:blip r:embed="rId2"/>
+              <a:stretch>
+                <a:fillRect/>
+              </a:stretch>
+            </p:blipFill>
+            <p:spPr>
+              <a:xfrm>
+                <a:off x="1581685" y="5883792"/>
+                <a:ext cx="290502" cy="240278"/>
+              </a:xfrm>
+              <a:prstGeom prst="rect">
+                <a:avLst/>
+              </a:prstGeom>
+            </p:spPr>
+          </p:pic>
+        </p:grpSp>
+      </p:grpSp>
+      <p:cxnSp>
+        <p:nvCxnSpPr>
+          <p:cNvPr id="272" name="Straight Arrow Connector 29">
+            <a:extLst>
+              <a:ext uri="{FF2B5EF4-FFF2-40B4-BE49-F238E27FC236}">
+                <a16:creationId xmlns:a16="http://schemas.microsoft.com/office/drawing/2014/main" id="{F9CA8899-94F1-BFAC-107C-53B404DBA8C2}"/>
+              </a:ext>
+            </a:extLst>
+          </p:cNvPr>
+          <p:cNvCxnSpPr>
+            <a:cxnSpLocks/>
+            <a:stCxn id="76" idx="0"/>
+            <a:endCxn id="263" idx="3"/>
+          </p:cNvCxnSpPr>
+          <p:nvPr/>
+        </p:nvCxnSpPr>
+        <p:spPr>
+          <a:xfrm flipH="1" flipV="1">
+            <a:off x="8347324" y="1587836"/>
+            <a:ext cx="1486111" cy="300112"/>
+          </a:xfrm>
+          <a:prstGeom prst="straightConnector1">
+            <a:avLst/>
+          </a:prstGeom>
+          <a:ln w="12700" cap="flat" cmpd="sng" algn="ctr">
+            <a:solidFill>
+              <a:srgbClr val="7030A0"/>
+            </a:solidFill>
+            <a:prstDash val="sysDot"/>
+            <a:round/>
+            <a:headEnd type="arrow" w="med" len="med"/>
+            <a:tailEnd type="none" w="med" len="med"/>
+          </a:ln>
+        </p:spPr>
+        <p:style>
+          <a:lnRef idx="0">
+            <a:scrgbClr r="0" g="0" b="0"/>
+          </a:lnRef>
+          <a:fillRef idx="0">
+            <a:scrgbClr r="0" g="0" b="0"/>
+          </a:fillRef>
+          <a:effectRef idx="0">
+            <a:scrgbClr r="0" g="0" b="0"/>
+          </a:effectRef>
+          <a:fontRef idx="minor">
+            <a:schemeClr val="tx1"/>
+          </a:fontRef>
+        </p:style>
+      </p:cxnSp>
+      <p:cxnSp>
+        <p:nvCxnSpPr>
+          <p:cNvPr id="3" name="Straight Arrow Connector 29">
+            <a:extLst>
+              <a:ext uri="{FF2B5EF4-FFF2-40B4-BE49-F238E27FC236}">
+                <a16:creationId xmlns:a16="http://schemas.microsoft.com/office/drawing/2014/main" id="{4F6BB14F-4BE4-0377-B76F-C48DBAB4D20A}"/>
+              </a:ext>
+            </a:extLst>
+          </p:cNvPr>
+          <p:cNvCxnSpPr>
+            <a:cxnSpLocks/>
+            <a:stCxn id="76" idx="2"/>
+            <a:endCxn id="35" idx="2"/>
+          </p:cNvCxnSpPr>
+          <p:nvPr/>
+        </p:nvCxnSpPr>
+        <p:spPr>
+          <a:xfrm flipH="1">
+            <a:off x="9517508" y="2207137"/>
+            <a:ext cx="315927" cy="812925"/>
+          </a:xfrm>
+          <a:prstGeom prst="straightConnector1">
+            <a:avLst/>
+          </a:prstGeom>
+          <a:ln w="12700" cap="flat" cmpd="sng" algn="ctr">
+            <a:solidFill>
+              <a:srgbClr val="7030A0"/>
+            </a:solidFill>
+            <a:prstDash val="sysDot"/>
+            <a:round/>
+            <a:headEnd type="arrow" w="med" len="med"/>
+            <a:tailEnd type="none" w="med" len="med"/>
+          </a:ln>
+        </p:spPr>
+        <p:style>
+          <a:lnRef idx="0">
+            <a:scrgbClr r="0" g="0" b="0"/>
+          </a:lnRef>
+          <a:fillRef idx="0">
+            <a:scrgbClr r="0" g="0" b="0"/>
+          </a:fillRef>
+          <a:effectRef idx="0">
+            <a:scrgbClr r="0" g="0" b="0"/>
+          </a:effectRef>
+          <a:fontRef idx="minor">
+            <a:schemeClr val="tx1"/>
+          </a:fontRef>
+        </p:style>
+      </p:cxnSp>
+      <p:cxnSp>
+        <p:nvCxnSpPr>
+          <p:cNvPr id="7" name="Straight Arrow Connector 29">
+            <a:extLst>
+              <a:ext uri="{FF2B5EF4-FFF2-40B4-BE49-F238E27FC236}">
+                <a16:creationId xmlns:a16="http://schemas.microsoft.com/office/drawing/2014/main" id="{F7F8DC36-AEE5-4611-8D60-043846A24226}"/>
+              </a:ext>
+            </a:extLst>
+          </p:cNvPr>
+          <p:cNvCxnSpPr>
+            <a:cxnSpLocks/>
+            <a:stCxn id="76" idx="2"/>
+            <a:endCxn id="66" idx="0"/>
+          </p:cNvCxnSpPr>
+          <p:nvPr/>
+        </p:nvCxnSpPr>
+        <p:spPr>
+          <a:xfrm>
+            <a:off x="9833435" y="2207137"/>
+            <a:ext cx="805269" cy="812923"/>
+          </a:xfrm>
+          <a:prstGeom prst="straightConnector1">
+            <a:avLst/>
+          </a:prstGeom>
+          <a:ln w="12700" cap="flat" cmpd="sng" algn="ctr">
+            <a:solidFill>
+              <a:srgbClr val="7030A0"/>
+            </a:solidFill>
+            <a:prstDash val="sysDot"/>
+            <a:round/>
+            <a:headEnd type="arrow" w="med" len="med"/>
+            <a:tailEnd type="none" w="med" len="med"/>
+          </a:ln>
+        </p:spPr>
+        <p:style>
+          <a:lnRef idx="0">
+            <a:scrgbClr r="0" g="0" b="0"/>
+          </a:lnRef>
+          <a:fillRef idx="0">
+            <a:scrgbClr r="0" g="0" b="0"/>
+          </a:fillRef>
+          <a:effectRef idx="0">
+            <a:scrgbClr r="0" g="0" b="0"/>
+          </a:effectRef>
+          <a:fontRef idx="minor">
+            <a:schemeClr val="tx1"/>
+          </a:fontRef>
+        </p:style>
+      </p:cxnSp>
+      <p:cxnSp>
+        <p:nvCxnSpPr>
+          <p:cNvPr id="148" name="Straight Arrow Connector 29">
+            <a:extLst>
+              <a:ext uri="{FF2B5EF4-FFF2-40B4-BE49-F238E27FC236}">
+                <a16:creationId xmlns:a16="http://schemas.microsoft.com/office/drawing/2014/main" id="{B2A3FE83-40C4-4276-3E0C-740512E57162}"/>
+              </a:ext>
+            </a:extLst>
+          </p:cNvPr>
+          <p:cNvCxnSpPr>
+            <a:cxnSpLocks/>
+            <a:stCxn id="76" idx="2"/>
+            <a:endCxn id="47" idx="3"/>
+          </p:cNvCxnSpPr>
+          <p:nvPr/>
+        </p:nvCxnSpPr>
+        <p:spPr>
+          <a:xfrm flipH="1">
+            <a:off x="8359008" y="2207137"/>
+            <a:ext cx="1474427" cy="3026193"/>
+          </a:xfrm>
+          <a:prstGeom prst="straightConnector1">
+            <a:avLst/>
+          </a:prstGeom>
+          <a:ln w="12700" cap="flat" cmpd="sng" algn="ctr">
+            <a:solidFill>
+              <a:srgbClr val="7030A0"/>
+            </a:solidFill>
+            <a:prstDash val="sysDot"/>
+            <a:round/>
+            <a:headEnd type="arrow" w="med" len="med"/>
+            <a:tailEnd type="none" w="med" len="med"/>
+          </a:ln>
+        </p:spPr>
+        <p:style>
+          <a:lnRef idx="0">
+            <a:scrgbClr r="0" g="0" b="0"/>
+          </a:lnRef>
+          <a:fillRef idx="0">
+            <a:scrgbClr r="0" g="0" b="0"/>
+          </a:fillRef>
+          <a:effectRef idx="0">
+            <a:scrgbClr r="0" g="0" b="0"/>
+          </a:effectRef>
+          <a:fontRef idx="minor">
+            <a:schemeClr val="tx1"/>
+          </a:fontRef>
+        </p:style>
+      </p:cxnSp>
+      <p:cxnSp>
+        <p:nvCxnSpPr>
+          <p:cNvPr id="249" name="Straight Arrow Connector 29">
+            <a:extLst>
+              <a:ext uri="{FF2B5EF4-FFF2-40B4-BE49-F238E27FC236}">
+                <a16:creationId xmlns:a16="http://schemas.microsoft.com/office/drawing/2014/main" id="{8D7F3878-1E8C-BB8D-AD03-033B207562F5}"/>
+              </a:ext>
+            </a:extLst>
+          </p:cNvPr>
+          <p:cNvCxnSpPr>
+            <a:cxnSpLocks/>
+            <a:stCxn id="76" idx="2"/>
+            <a:endCxn id="178" idx="3"/>
+          </p:cNvCxnSpPr>
+          <p:nvPr/>
+        </p:nvCxnSpPr>
+        <p:spPr>
+          <a:xfrm flipH="1">
+            <a:off x="8359008" y="2207137"/>
+            <a:ext cx="1474427" cy="1095372"/>
+          </a:xfrm>
+          <a:prstGeom prst="straightConnector1">
+            <a:avLst/>
+          </a:prstGeom>
+          <a:ln w="12700" cap="flat" cmpd="sng" algn="ctr">
+            <a:solidFill>
+              <a:srgbClr val="7030A0"/>
+            </a:solidFill>
+            <a:prstDash val="sysDot"/>
+            <a:round/>
+            <a:headEnd type="arrow" w="med" len="med"/>
+            <a:tailEnd type="none" w="med" len="med"/>
+          </a:ln>
+        </p:spPr>
+        <p:style>
+          <a:lnRef idx="0">
+            <a:scrgbClr r="0" g="0" b="0"/>
+          </a:lnRef>
+          <a:fillRef idx="0">
+            <a:scrgbClr r="0" g="0" b="0"/>
+          </a:fillRef>
+          <a:effectRef idx="0">
+            <a:scrgbClr r="0" g="0" b="0"/>
+          </a:effectRef>
+          <a:fontRef idx="minor">
+            <a:schemeClr val="tx1"/>
+          </a:fontRef>
+        </p:style>
+      </p:cxnSp>
+      <p:grpSp>
+        <p:nvGrpSpPr>
+          <p:cNvPr id="156" name="Group 155">
+            <a:extLst>
+              <a:ext uri="{FF2B5EF4-FFF2-40B4-BE49-F238E27FC236}">
+                <a16:creationId xmlns:a16="http://schemas.microsoft.com/office/drawing/2014/main" id="{19F9D48E-E98F-1F73-D305-C85697A29063}"/>
+              </a:ext>
+            </a:extLst>
+          </p:cNvPr>
+          <p:cNvGrpSpPr/>
+          <p:nvPr/>
+        </p:nvGrpSpPr>
+        <p:grpSpPr>
+          <a:xfrm>
+            <a:off x="2073581" y="927591"/>
+            <a:ext cx="1242482" cy="1325733"/>
+            <a:chOff x="588817" y="995618"/>
+            <a:chExt cx="1242482" cy="1325733"/>
+          </a:xfrm>
+        </p:grpSpPr>
+        <p:sp>
+          <p:nvSpPr>
+            <p:cNvPr id="16" name="Oval 15">
+              <a:extLst>
+                <a:ext uri="{FF2B5EF4-FFF2-40B4-BE49-F238E27FC236}">
+                  <a16:creationId xmlns:a16="http://schemas.microsoft.com/office/drawing/2014/main" id="{1858398B-CA17-CB5B-882A-CE05FB82F292}"/>
+                </a:ext>
+              </a:extLst>
+            </p:cNvPr>
+            <p:cNvSpPr/>
+            <p:nvPr/>
+          </p:nvSpPr>
+          <p:spPr>
+            <a:xfrm>
+              <a:off x="1367978" y="2076136"/>
+              <a:ext cx="145579" cy="145579"/>
+            </a:xfrm>
+            <a:prstGeom prst="ellipse">
+              <a:avLst/>
+            </a:prstGeom>
+          </p:spPr>
+          <p:style>
+            <a:lnRef idx="2">
+              <a:schemeClr val="accent1">
+                <a:shade val="50000"/>
+              </a:schemeClr>
+            </a:lnRef>
+            <a:fillRef idx="1">
+              <a:schemeClr val="accent1"/>
+            </a:fillRef>
+            <a:effectRef idx="0">
+              <a:schemeClr val="accent1"/>
+            </a:effectRef>
+            <a:fontRef idx="minor">
+              <a:schemeClr val="lt1"/>
+            </a:fontRef>
+          </p:style>
+          <p:txBody>
+            <a:bodyPr rtlCol="0" anchor="ctr"/>
+            <a:lstStyle/>
+            <a:p>
+              <a:pPr algn="ctr"/>
+              <a:endParaRPr lang="en-NZ" sz="1200"/>
+            </a:p>
+          </p:txBody>
+        </p:sp>
+        <p:sp>
+          <p:nvSpPr>
+            <p:cNvPr id="17" name="Oval 16">
+              <a:extLst>
+                <a:ext uri="{FF2B5EF4-FFF2-40B4-BE49-F238E27FC236}">
+                  <a16:creationId xmlns:a16="http://schemas.microsoft.com/office/drawing/2014/main" id="{A37AF17B-B9EC-C0EE-C317-4BE4B731795E}"/>
+                </a:ext>
+              </a:extLst>
+            </p:cNvPr>
+            <p:cNvSpPr/>
+            <p:nvPr/>
+          </p:nvSpPr>
+          <p:spPr>
+            <a:xfrm>
+              <a:off x="885968" y="2067931"/>
+              <a:ext cx="145579" cy="145579"/>
+            </a:xfrm>
+            <a:prstGeom prst="ellipse">
+              <a:avLst/>
+            </a:prstGeom>
+          </p:spPr>
+          <p:style>
+            <a:lnRef idx="2">
+              <a:schemeClr val="accent1">
+                <a:shade val="50000"/>
+              </a:schemeClr>
+            </a:lnRef>
+            <a:fillRef idx="1">
+              <a:schemeClr val="accent1"/>
+            </a:fillRef>
+            <a:effectRef idx="0">
+              <a:schemeClr val="accent1"/>
+            </a:effectRef>
+            <a:fontRef idx="minor">
+              <a:schemeClr val="lt1"/>
+            </a:fontRef>
+          </p:style>
+          <p:txBody>
+            <a:bodyPr rtlCol="0" anchor="ctr"/>
+            <a:lstStyle/>
+            <a:p>
+              <a:pPr algn="ctr"/>
+              <a:endParaRPr lang="en-NZ" sz="1200"/>
+            </a:p>
+          </p:txBody>
+        </p:sp>
+        <p:sp>
+          <p:nvSpPr>
+            <p:cNvPr id="18" name="Rectangle: Rounded Corners 17">
+              <a:extLst>
+                <a:ext uri="{FF2B5EF4-FFF2-40B4-BE49-F238E27FC236}">
+                  <a16:creationId xmlns:a16="http://schemas.microsoft.com/office/drawing/2014/main" id="{2AA576C4-7E7E-29B3-0DD3-182E82CF2A1A}"/>
+                </a:ext>
+              </a:extLst>
+            </p:cNvPr>
+            <p:cNvSpPr/>
+            <p:nvPr/>
+          </p:nvSpPr>
+          <p:spPr>
+            <a:xfrm>
+              <a:off x="588818" y="995618"/>
+              <a:ext cx="1242481" cy="1325733"/>
+            </a:xfrm>
+            <a:prstGeom prst="roundRect">
+              <a:avLst>
+                <a:gd name="adj" fmla="val 0"/>
+              </a:avLst>
+            </a:prstGeom>
+            <a:solidFill>
+              <a:schemeClr val="bg2">
+                <a:lumMod val="90000"/>
+              </a:schemeClr>
+            </a:solidFill>
+          </p:spPr>
+          <p:style>
+            <a:lnRef idx="2">
+              <a:schemeClr val="accent1">
+                <a:shade val="50000"/>
+              </a:schemeClr>
+            </a:lnRef>
+            <a:fillRef idx="1">
+              <a:schemeClr val="accent1"/>
+            </a:fillRef>
+            <a:effectRef idx="0">
+              <a:schemeClr val="accent1"/>
+            </a:effectRef>
+            <a:fontRef idx="minor">
+              <a:schemeClr val="lt1"/>
+            </a:fontRef>
+          </p:style>
+          <p:txBody>
+            <a:bodyPr rtlCol="0" anchor="t"/>
+            <a:lstStyle/>
+            <a:p>
+              <a:pPr algn="ctr"/>
+              <a:r>
+                <a:rPr lang="en-US" sz="1200" dirty="0">
+                  <a:solidFill>
+                    <a:schemeClr val="tx1"/>
+                  </a:solidFill>
+                </a:rPr>
+                <a:t>Web</a:t>
+              </a:r>
+              <a:br>
+                <a:rPr lang="en-US" sz="1200" dirty="0">
+                  <a:solidFill>
+                    <a:schemeClr val="tx1"/>
+                  </a:solidFill>
+                </a:rPr>
+              </a:br>
+              <a:r>
+                <a:rPr lang="en-US" sz="1200" dirty="0">
+                  <a:solidFill>
+                    <a:schemeClr val="tx1"/>
+                  </a:solidFill>
+                </a:rPr>
+                <a:t>Browsers</a:t>
+              </a:r>
+              <a:endParaRPr lang="en-NZ" sz="1200" dirty="0">
+                <a:solidFill>
+                  <a:schemeClr val="tx1"/>
+                </a:solidFill>
+              </a:endParaRPr>
+            </a:p>
+          </p:txBody>
+        </p:sp>
+        <p:sp>
+          <p:nvSpPr>
+            <p:cNvPr id="20" name="TextBox 19">
+              <a:extLst>
+                <a:ext uri="{FF2B5EF4-FFF2-40B4-BE49-F238E27FC236}">
+                  <a16:creationId xmlns:a16="http://schemas.microsoft.com/office/drawing/2014/main" id="{049E817D-D598-318A-6BBE-987C6DECE258}"/>
+                </a:ext>
+              </a:extLst>
+            </p:cNvPr>
+            <p:cNvSpPr txBox="1"/>
+            <p:nvPr/>
+          </p:nvSpPr>
+          <p:spPr>
+            <a:xfrm>
+              <a:off x="588817" y="2057030"/>
+              <a:ext cx="1228323" cy="230832"/>
+            </a:xfrm>
+            <a:prstGeom prst="rect">
+              <a:avLst/>
+            </a:prstGeom>
+            <a:noFill/>
+          </p:spPr>
+          <p:txBody>
+            <a:bodyPr wrap="square" rtlCol="0">
+              <a:spAutoFit/>
+            </a:bodyPr>
+            <a:lstStyle/>
+            <a:p>
+              <a:pPr algn="r"/>
+              <a:r>
+                <a:rPr lang="en-US" sz="900" dirty="0">
+                  <a:solidFill>
+                    <a:schemeClr val="bg2">
+                      <a:lumMod val="50000"/>
+                    </a:schemeClr>
+                  </a:solidFill>
+                </a:rPr>
+                <a:t>Chrome,  Firefox, </a:t>
+              </a:r>
+              <a:r>
+                <a:rPr lang="en-US" sz="900" dirty="0" err="1">
+                  <a:solidFill>
+                    <a:schemeClr val="bg2">
+                      <a:lumMod val="50000"/>
+                    </a:schemeClr>
+                  </a:solidFill>
+                </a:rPr>
+                <a:t>etc</a:t>
+              </a:r>
+              <a:endParaRPr lang="en-NZ" sz="900" dirty="0">
+                <a:solidFill>
+                  <a:schemeClr val="bg2">
+                    <a:lumMod val="50000"/>
+                  </a:schemeClr>
+                </a:solidFill>
+              </a:endParaRPr>
+            </a:p>
+          </p:txBody>
+        </p:sp>
+        <p:grpSp>
+          <p:nvGrpSpPr>
+            <p:cNvPr id="155" name="Group 154">
+              <a:extLst>
+                <a:ext uri="{FF2B5EF4-FFF2-40B4-BE49-F238E27FC236}">
+                  <a16:creationId xmlns:a16="http://schemas.microsoft.com/office/drawing/2014/main" id="{CEC3D6FA-CFD7-DE60-DEA6-DCF6F6C136B6}"/>
+                </a:ext>
+              </a:extLst>
+            </p:cNvPr>
+            <p:cNvGrpSpPr/>
+            <p:nvPr/>
+          </p:nvGrpSpPr>
+          <p:grpSpPr>
+            <a:xfrm>
+              <a:off x="789067" y="1404142"/>
+              <a:ext cx="857947" cy="619153"/>
+              <a:chOff x="789067" y="1612369"/>
+              <a:chExt cx="857947" cy="619153"/>
+            </a:xfrm>
+          </p:grpSpPr>
+          <p:sp>
+            <p:nvSpPr>
+              <p:cNvPr id="19" name="Rectangle: Rounded Corners 18">
+                <a:extLst>
+                  <a:ext uri="{FF2B5EF4-FFF2-40B4-BE49-F238E27FC236}">
+                    <a16:creationId xmlns:a16="http://schemas.microsoft.com/office/drawing/2014/main" id="{FC521CA0-7870-F423-1017-DF185DF6BF6F}"/>
+                  </a:ext>
+                </a:extLst>
+              </p:cNvPr>
+              <p:cNvSpPr/>
+              <p:nvPr/>
+            </p:nvSpPr>
+            <p:spPr>
+              <a:xfrm>
+                <a:off x="789067" y="1612369"/>
+                <a:ext cx="857947" cy="619153"/>
+              </a:xfrm>
+              <a:prstGeom prst="roundRect">
+                <a:avLst>
+                  <a:gd name="adj" fmla="val 9701"/>
+                </a:avLst>
+              </a:prstGeom>
+              <a:solidFill>
+                <a:srgbClr val="2B2C2F"/>
+              </a:solidFill>
+            </p:spPr>
+            <p:style>
+              <a:lnRef idx="2">
+                <a:schemeClr val="accent1">
+                  <a:shade val="50000"/>
+                </a:schemeClr>
+              </a:lnRef>
+              <a:fillRef idx="1">
+                <a:schemeClr val="accent1"/>
+              </a:fillRef>
+              <a:effectRef idx="0">
+                <a:schemeClr val="accent1"/>
+              </a:effectRef>
+              <a:fontRef idx="minor">
+                <a:schemeClr val="lt1"/>
+              </a:fontRef>
+            </p:style>
+            <p:txBody>
+              <a:bodyPr rtlCol="0" anchor="ctr"/>
+              <a:lstStyle/>
+              <a:p>
+                <a:pPr algn="ctr"/>
+                <a:endParaRPr lang="en-NZ" sz="1200" dirty="0"/>
+              </a:p>
+            </p:txBody>
+          </p:sp>
+          <p:pic>
+            <p:nvPicPr>
+              <p:cNvPr id="21" name="Picture 6" descr="What is React JS? | Ironhack Blog">
+                <a:extLst>
+                  <a:ext uri="{FF2B5EF4-FFF2-40B4-BE49-F238E27FC236}">
+                    <a16:creationId xmlns:a16="http://schemas.microsoft.com/office/drawing/2014/main" id="{3018FAF2-E35D-16F9-6528-07508791B48B}"/>
+                  </a:ext>
+                </a:extLst>
+              </p:cNvPr>
+              <p:cNvPicPr>
+                <a:picLocks noChangeAspect="1" noChangeArrowheads="1"/>
+              </p:cNvPicPr>
+              <p:nvPr/>
+            </p:nvPicPr>
+            <p:blipFill>
+              <a:blip r:embed="rId3">
+                <a:extLst>
+                  <a:ext uri="{28A0092B-C50C-407E-A947-70E740481C1C}">
+                    <a14:useLocalDpi xmlns:a14="http://schemas.microsoft.com/office/drawing/2010/main" val="0"/>
+                  </a:ext>
+                </a:extLst>
+              </a:blip>
+              <a:srcRect/>
+              <a:stretch>
+                <a:fillRect/>
+              </a:stretch>
+            </p:blipFill>
+            <p:spPr bwMode="auto">
+              <a:xfrm>
+                <a:off x="866679" y="1776909"/>
+                <a:ext cx="725292" cy="303076"/>
+              </a:xfrm>
+              <a:prstGeom prst="rect">
+                <a:avLst/>
+              </a:prstGeom>
+              <a:noFill/>
+              <a:extLst>
+                <a:ext uri="{909E8E84-426E-40DD-AFC4-6F175D3DCCD1}">
+                  <a14:hiddenFill xmlns:a14="http://schemas.microsoft.com/office/drawing/2010/main">
+                    <a:solidFill>
+                      <a:srgbClr val="FFFFFF"/>
+                    </a:solidFill>
+                  </a14:hiddenFill>
+                </a:ext>
+              </a:extLst>
+            </p:spPr>
+          </p:pic>
+        </p:grpSp>
+      </p:grpSp>
+      <p:sp>
+        <p:nvSpPr>
+          <p:cNvPr id="64" name="TextBox 63">
+            <a:extLst>
+              <a:ext uri="{FF2B5EF4-FFF2-40B4-BE49-F238E27FC236}">
+                <a16:creationId xmlns:a16="http://schemas.microsoft.com/office/drawing/2014/main" id="{3E38B9E1-E382-5B93-B33E-C502F12761B6}"/>
+              </a:ext>
+            </a:extLst>
+          </p:cNvPr>
+          <p:cNvSpPr txBox="1"/>
+          <p:nvPr/>
+        </p:nvSpPr>
+        <p:spPr>
+          <a:xfrm>
+            <a:off x="8802992" y="3454577"/>
+            <a:ext cx="1098378" cy="246221"/>
+          </a:xfrm>
+          <a:prstGeom prst="rect">
+            <a:avLst/>
+          </a:prstGeom>
+          <a:noFill/>
+        </p:spPr>
+        <p:txBody>
+          <a:bodyPr wrap="none" rtlCol="0">
+            <a:spAutoFit/>
+          </a:bodyPr>
+          <a:lstStyle/>
+          <a:p>
+            <a:r>
+              <a:rPr lang="en-NZ" sz="1000" dirty="0"/>
+              <a:t>+Audits/Usages</a:t>
+            </a:r>
+          </a:p>
+        </p:txBody>
+      </p:sp>
+      <p:grpSp>
+        <p:nvGrpSpPr>
+          <p:cNvPr id="193" name="Group 192">
+            <a:extLst>
+              <a:ext uri="{FF2B5EF4-FFF2-40B4-BE49-F238E27FC236}">
+                <a16:creationId xmlns:a16="http://schemas.microsoft.com/office/drawing/2014/main" id="{805B6A06-F369-AF13-2C33-3F6063A377E3}"/>
+              </a:ext>
+            </a:extLst>
+          </p:cNvPr>
+          <p:cNvGrpSpPr/>
+          <p:nvPr/>
+        </p:nvGrpSpPr>
+        <p:grpSpPr>
+          <a:xfrm>
+            <a:off x="8887040" y="3013205"/>
+            <a:ext cx="2231314" cy="406788"/>
+            <a:chOff x="8781059" y="4344282"/>
+            <a:chExt cx="2231314" cy="406788"/>
+          </a:xfrm>
+        </p:grpSpPr>
+        <p:grpSp>
+          <p:nvGrpSpPr>
+            <p:cNvPr id="30" name="Group 29">
+              <a:extLst>
+                <a:ext uri="{FF2B5EF4-FFF2-40B4-BE49-F238E27FC236}">
+                  <a16:creationId xmlns:a16="http://schemas.microsoft.com/office/drawing/2014/main" id="{BA374FF3-90B5-7BC0-FEA1-4627E37C7C86}"/>
+                </a:ext>
+              </a:extLst>
+            </p:cNvPr>
+            <p:cNvGrpSpPr/>
+            <p:nvPr/>
+          </p:nvGrpSpPr>
+          <p:grpSpPr>
+            <a:xfrm>
+              <a:off x="8781059" y="4344282"/>
+              <a:ext cx="1242435" cy="406788"/>
+              <a:chOff x="7156883" y="5814395"/>
+              <a:chExt cx="1591766" cy="517641"/>
+            </a:xfrm>
+          </p:grpSpPr>
+          <p:grpSp>
+            <p:nvGrpSpPr>
+              <p:cNvPr id="31" name="Group 30">
+                <a:extLst>
+                  <a:ext uri="{FF2B5EF4-FFF2-40B4-BE49-F238E27FC236}">
+                    <a16:creationId xmlns:a16="http://schemas.microsoft.com/office/drawing/2014/main" id="{D8D2D9CC-F26E-2614-4B97-B5A29C3C3CA8}"/>
+                  </a:ext>
+                </a:extLst>
+              </p:cNvPr>
+              <p:cNvGrpSpPr/>
+              <p:nvPr/>
+            </p:nvGrpSpPr>
+            <p:grpSpPr>
+              <a:xfrm>
+                <a:off x="7156883" y="5814395"/>
+                <a:ext cx="1591766" cy="517641"/>
+                <a:chOff x="7656619" y="5506371"/>
+                <a:chExt cx="1591766" cy="517641"/>
+              </a:xfrm>
+            </p:grpSpPr>
+            <p:sp>
+              <p:nvSpPr>
+                <p:cNvPr id="33" name="Cylinder 32">
+                  <a:extLst>
+                    <a:ext uri="{FF2B5EF4-FFF2-40B4-BE49-F238E27FC236}">
+                      <a16:creationId xmlns:a16="http://schemas.microsoft.com/office/drawing/2014/main" id="{A43604E1-8CE8-84BE-6853-11071738B1E9}"/>
+                    </a:ext>
+                  </a:extLst>
+                </p:cNvPr>
+                <p:cNvSpPr/>
+                <p:nvPr/>
+              </p:nvSpPr>
+              <p:spPr>
+                <a:xfrm rot="5400000">
+                  <a:off x="7543882" y="5627835"/>
+                  <a:ext cx="508914" cy="283439"/>
+                </a:xfrm>
+                <a:prstGeom prst="can">
+                  <a:avLst/>
+                </a:prstGeom>
+                <a:solidFill>
+                  <a:srgbClr val="00B4E6"/>
+                </a:solidFill>
+              </p:spPr>
+              <p:style>
+                <a:lnRef idx="2">
+                  <a:schemeClr val="accent1">
+                    <a:shade val="50000"/>
+                  </a:schemeClr>
+                </a:lnRef>
+                <a:fillRef idx="1">
+                  <a:schemeClr val="accent1"/>
+                </a:fillRef>
+                <a:effectRef idx="0">
+                  <a:schemeClr val="accent1"/>
+                </a:effectRef>
+                <a:fontRef idx="minor">
+                  <a:schemeClr val="lt1"/>
+                </a:fontRef>
+              </p:style>
+              <p:txBody>
+                <a:bodyPr vert="vert270" rtlCol="0" anchor="ctr"/>
+                <a:lstStyle/>
+                <a:p>
+                  <a:pPr algn="ctr"/>
+                  <a:endParaRPr lang="en-NZ" dirty="0"/>
+                </a:p>
+              </p:txBody>
+            </p:sp>
+            <p:sp>
+              <p:nvSpPr>
+                <p:cNvPr id="34" name="Cylinder 33">
+                  <a:extLst>
+                    <a:ext uri="{FF2B5EF4-FFF2-40B4-BE49-F238E27FC236}">
+                      <a16:creationId xmlns:a16="http://schemas.microsoft.com/office/drawing/2014/main" id="{E2036C0D-0927-CE8C-59B1-B747AB45E266}"/>
+                    </a:ext>
+                  </a:extLst>
+                </p:cNvPr>
+                <p:cNvSpPr/>
+                <p:nvPr/>
+              </p:nvSpPr>
+              <p:spPr>
+                <a:xfrm rot="5400000">
+                  <a:off x="7872894" y="5627831"/>
+                  <a:ext cx="508913" cy="283439"/>
+                </a:xfrm>
+                <a:prstGeom prst="can">
+                  <a:avLst/>
+                </a:prstGeom>
+                <a:solidFill>
+                  <a:srgbClr val="00B4E6"/>
+                </a:solidFill>
+              </p:spPr>
+              <p:style>
+                <a:lnRef idx="2">
+                  <a:schemeClr val="accent1">
+                    <a:shade val="50000"/>
+                  </a:schemeClr>
+                </a:lnRef>
+                <a:fillRef idx="1">
+                  <a:schemeClr val="accent1"/>
+                </a:fillRef>
+                <a:effectRef idx="0">
+                  <a:schemeClr val="accent1"/>
+                </a:effectRef>
+                <a:fontRef idx="minor">
+                  <a:schemeClr val="lt1"/>
+                </a:fontRef>
+              </p:style>
+              <p:txBody>
+                <a:bodyPr vert="vert270" rtlCol="0" anchor="ctr"/>
+                <a:lstStyle/>
+                <a:p>
+                  <a:pPr algn="ctr"/>
+                  <a:endParaRPr lang="en-NZ" dirty="0"/>
+                </a:p>
+              </p:txBody>
+            </p:sp>
+            <p:sp>
+              <p:nvSpPr>
+                <p:cNvPr id="35" name="Cylinder 34">
+                  <a:extLst>
+                    <a:ext uri="{FF2B5EF4-FFF2-40B4-BE49-F238E27FC236}">
+                      <a16:creationId xmlns:a16="http://schemas.microsoft.com/office/drawing/2014/main" id="{1D4443CE-1A84-7A7F-5C97-3C32039472F9}"/>
+                    </a:ext>
+                  </a:extLst>
+                </p:cNvPr>
+                <p:cNvSpPr/>
+                <p:nvPr/>
+              </p:nvSpPr>
+              <p:spPr>
+                <a:xfrm rot="5400000">
+                  <a:off x="8209897" y="5627834"/>
+                  <a:ext cx="508913" cy="283439"/>
+                </a:xfrm>
+                <a:prstGeom prst="can">
+                  <a:avLst/>
+                </a:prstGeom>
+                <a:solidFill>
+                  <a:srgbClr val="96D9E2"/>
+                </a:solidFill>
+              </p:spPr>
+              <p:style>
+                <a:lnRef idx="2">
+                  <a:schemeClr val="accent1">
+                    <a:shade val="50000"/>
+                  </a:schemeClr>
+                </a:lnRef>
+                <a:fillRef idx="1">
+                  <a:schemeClr val="accent1"/>
+                </a:fillRef>
+                <a:effectRef idx="0">
+                  <a:schemeClr val="accent1"/>
+                </a:effectRef>
+                <a:fontRef idx="minor">
+                  <a:schemeClr val="lt1"/>
+                </a:fontRef>
+              </p:style>
+              <p:txBody>
+                <a:bodyPr vert="vert270" rtlCol="0" anchor="ctr"/>
+                <a:lstStyle/>
+                <a:p>
+                  <a:pPr algn="ctr"/>
+                  <a:endParaRPr lang="en-NZ" dirty="0"/>
+                </a:p>
+              </p:txBody>
+            </p:sp>
+            <p:sp>
+              <p:nvSpPr>
+                <p:cNvPr id="36" name="Cylinder 35">
+                  <a:extLst>
+                    <a:ext uri="{FF2B5EF4-FFF2-40B4-BE49-F238E27FC236}">
+                      <a16:creationId xmlns:a16="http://schemas.microsoft.com/office/drawing/2014/main" id="{F8E20C9C-93AB-2ADD-888B-96574880C368}"/>
+                    </a:ext>
+                  </a:extLst>
+                </p:cNvPr>
+                <p:cNvSpPr/>
+                <p:nvPr/>
+              </p:nvSpPr>
+              <p:spPr>
+                <a:xfrm rot="5400000">
+                  <a:off x="8519833" y="5627834"/>
+                  <a:ext cx="508912" cy="283439"/>
+                </a:xfrm>
+                <a:prstGeom prst="can">
+                  <a:avLst/>
+                </a:prstGeom>
+                <a:solidFill>
+                  <a:srgbClr val="96D9E2"/>
+                </a:solidFill>
+              </p:spPr>
+              <p:style>
+                <a:lnRef idx="2">
+                  <a:schemeClr val="accent1">
+                    <a:shade val="50000"/>
+                  </a:schemeClr>
+                </a:lnRef>
+                <a:fillRef idx="1">
+                  <a:schemeClr val="accent1"/>
+                </a:fillRef>
+                <a:effectRef idx="0">
+                  <a:schemeClr val="accent1"/>
+                </a:effectRef>
+                <a:fontRef idx="minor">
+                  <a:schemeClr val="lt1"/>
+                </a:fontRef>
+              </p:style>
+              <p:txBody>
+                <a:bodyPr vert="vert270" rtlCol="0" anchor="ctr"/>
+                <a:lstStyle/>
+                <a:p>
+                  <a:pPr algn="ctr"/>
+                  <a:endParaRPr lang="en-NZ" dirty="0"/>
+                </a:p>
+              </p:txBody>
+            </p:sp>
+            <p:sp>
+              <p:nvSpPr>
+                <p:cNvPr id="37" name="Cylinder 36">
+                  <a:extLst>
+                    <a:ext uri="{FF2B5EF4-FFF2-40B4-BE49-F238E27FC236}">
+                      <a16:creationId xmlns:a16="http://schemas.microsoft.com/office/drawing/2014/main" id="{6768C654-8516-AC19-A75B-0A1DEEC7C6D7}"/>
+                    </a:ext>
+                  </a:extLst>
+                </p:cNvPr>
+                <p:cNvSpPr/>
+                <p:nvPr/>
+              </p:nvSpPr>
+              <p:spPr>
+                <a:xfrm rot="5400000">
+                  <a:off x="8852209" y="5619108"/>
+                  <a:ext cx="508913" cy="283439"/>
+                </a:xfrm>
+                <a:prstGeom prst="can">
+                  <a:avLst/>
+                </a:prstGeom>
+                <a:solidFill>
+                  <a:srgbClr val="96D9E2"/>
+                </a:solidFill>
+              </p:spPr>
+              <p:style>
+                <a:lnRef idx="2">
+                  <a:schemeClr val="accent1">
+                    <a:shade val="50000"/>
+                  </a:schemeClr>
+                </a:lnRef>
+                <a:fillRef idx="1">
+                  <a:schemeClr val="accent1"/>
+                </a:fillRef>
+                <a:effectRef idx="0">
+                  <a:schemeClr val="accent1"/>
+                </a:effectRef>
+                <a:fontRef idx="minor">
+                  <a:schemeClr val="lt1"/>
+                </a:fontRef>
+              </p:style>
+              <p:txBody>
+                <a:bodyPr vert="vert270" rtlCol="0" anchor="ctr"/>
+                <a:lstStyle/>
+                <a:p>
+                  <a:pPr algn="ctr"/>
+                  <a:endParaRPr lang="en-NZ" dirty="0"/>
+                </a:p>
+              </p:txBody>
+            </p:sp>
+            <p:sp>
+              <p:nvSpPr>
+                <p:cNvPr id="38" name="TextBox 37">
+                  <a:extLst>
+                    <a:ext uri="{FF2B5EF4-FFF2-40B4-BE49-F238E27FC236}">
+                      <a16:creationId xmlns:a16="http://schemas.microsoft.com/office/drawing/2014/main" id="{D7862E33-19C8-7E5C-4181-94843EB828EC}"/>
+                    </a:ext>
+                  </a:extLst>
+                </p:cNvPr>
+                <p:cNvSpPr txBox="1"/>
+                <p:nvPr/>
+              </p:nvSpPr>
+              <p:spPr>
+                <a:xfrm>
+                  <a:off x="8369951" y="5576118"/>
+                  <a:ext cx="852979" cy="332901"/>
+                </a:xfrm>
+                <a:prstGeom prst="rect">
+                  <a:avLst/>
+                </a:prstGeom>
+                <a:noFill/>
+              </p:spPr>
+              <p:txBody>
+                <a:bodyPr wrap="square" rtlCol="0">
+                  <a:spAutoFit/>
+                </a:bodyPr>
+                <a:lstStyle/>
+                <a:p>
+                  <a:r>
+                    <a:rPr lang="en-US" sz="1100" dirty="0">
+                      <a:effectLst>
+                        <a:glow rad="101600">
+                          <a:schemeClr val="bg1">
+                            <a:alpha val="60000"/>
+                          </a:schemeClr>
+                        </a:glow>
+                      </a:effectLst>
+                    </a:rPr>
+                    <a:t>Queues</a:t>
+                  </a:r>
+                  <a:endParaRPr lang="en-NZ" sz="1200" dirty="0">
+                    <a:effectLst>
+                      <a:glow rad="101600">
+                        <a:schemeClr val="bg1">
+                          <a:alpha val="60000"/>
+                        </a:schemeClr>
+                      </a:glow>
+                    </a:effectLst>
+                  </a:endParaRPr>
+                </a:p>
+              </p:txBody>
+            </p:sp>
+          </p:grpSp>
+          <p:pic>
+            <p:nvPicPr>
+              <p:cNvPr id="32" name="Picture 31">
+                <a:extLst>
+                  <a:ext uri="{FF2B5EF4-FFF2-40B4-BE49-F238E27FC236}">
+                    <a16:creationId xmlns:a16="http://schemas.microsoft.com/office/drawing/2014/main" id="{4CE39ED0-1454-1944-C8FC-38A9C27AEA2F}"/>
+                  </a:ext>
+                </a:extLst>
+              </p:cNvPr>
+              <p:cNvPicPr>
+                <a:picLocks noChangeAspect="1"/>
+              </p:cNvPicPr>
+              <p:nvPr/>
+            </p:nvPicPr>
+            <p:blipFill>
+              <a:blip r:embed="rId4"/>
+              <a:stretch>
+                <a:fillRect/>
+              </a:stretch>
+            </p:blipFill>
+            <p:spPr>
+              <a:xfrm>
+                <a:off x="7236015" y="5920348"/>
+                <a:ext cx="348582" cy="317597"/>
+              </a:xfrm>
+              <a:prstGeom prst="rect">
+                <a:avLst/>
+              </a:prstGeom>
+            </p:spPr>
+          </p:pic>
+        </p:grpSp>
+        <p:grpSp>
+          <p:nvGrpSpPr>
+            <p:cNvPr id="65" name="Group 64">
+              <a:extLst>
+                <a:ext uri="{FF2B5EF4-FFF2-40B4-BE49-F238E27FC236}">
+                  <a16:creationId xmlns:a16="http://schemas.microsoft.com/office/drawing/2014/main" id="{AD38C339-22AD-F1E4-D54A-B6BCBD6D48A7}"/>
+                </a:ext>
+              </a:extLst>
+            </p:cNvPr>
+            <p:cNvGrpSpPr/>
+            <p:nvPr/>
+          </p:nvGrpSpPr>
+          <p:grpSpPr>
+            <a:xfrm>
+              <a:off x="10053073" y="4351137"/>
+              <a:ext cx="959300" cy="399929"/>
+              <a:chOff x="7334798" y="4191253"/>
+              <a:chExt cx="959300" cy="399929"/>
+            </a:xfrm>
+          </p:grpSpPr>
+          <p:sp>
+            <p:nvSpPr>
+              <p:cNvPr id="66" name="Rectangle: Rounded Corners 65">
+                <a:extLst>
+                  <a:ext uri="{FF2B5EF4-FFF2-40B4-BE49-F238E27FC236}">
+                    <a16:creationId xmlns:a16="http://schemas.microsoft.com/office/drawing/2014/main" id="{A422FA4D-FEAC-B639-7374-05E1F501C49D}"/>
+                  </a:ext>
+                </a:extLst>
+              </p:cNvPr>
+              <p:cNvSpPr/>
+              <p:nvPr/>
+            </p:nvSpPr>
+            <p:spPr>
+              <a:xfrm>
+                <a:off x="7334798" y="4191253"/>
+                <a:ext cx="959300" cy="399929"/>
+              </a:xfrm>
+              <a:prstGeom prst="roundRect">
+                <a:avLst>
+                  <a:gd name="adj" fmla="val 6468"/>
+                </a:avLst>
+              </a:prstGeom>
+              <a:solidFill>
+                <a:schemeClr val="accent4">
+                  <a:lumMod val="60000"/>
+                  <a:lumOff val="40000"/>
+                </a:schemeClr>
+              </a:solidFill>
+            </p:spPr>
+            <p:style>
+              <a:lnRef idx="2">
+                <a:schemeClr val="accent1">
+                  <a:shade val="50000"/>
+                </a:schemeClr>
+              </a:lnRef>
+              <a:fillRef idx="1">
+                <a:schemeClr val="accent1"/>
+              </a:fillRef>
+              <a:effectRef idx="0">
+                <a:schemeClr val="accent1"/>
+              </a:effectRef>
+              <a:fontRef idx="minor">
+                <a:schemeClr val="lt1"/>
+              </a:fontRef>
+            </p:style>
+            <p:txBody>
+              <a:bodyPr rtlCol="0" anchor="ctr"/>
+              <a:lstStyle/>
+              <a:p>
+                <a:pPr algn="r"/>
+                <a:r>
+                  <a:rPr lang="en-US" sz="1000" dirty="0">
+                    <a:solidFill>
+                      <a:schemeClr val="tx1"/>
+                    </a:solidFill>
+                  </a:rPr>
+                  <a:t>Functions</a:t>
+                </a:r>
+                <a:endParaRPr lang="en-US" sz="1200" dirty="0">
+                  <a:solidFill>
+                    <a:schemeClr val="tx1"/>
+                  </a:solidFill>
+                </a:endParaRPr>
+              </a:p>
+            </p:txBody>
+          </p:sp>
+          <p:pic>
+            <p:nvPicPr>
+              <p:cNvPr id="67" name="Picture 4" descr="Azure Functions (@AzureFunctions) / Twitter">
+                <a:extLst>
+                  <a:ext uri="{FF2B5EF4-FFF2-40B4-BE49-F238E27FC236}">
+                    <a16:creationId xmlns:a16="http://schemas.microsoft.com/office/drawing/2014/main" id="{5735C5A8-AEDC-9FC0-FE2D-D71C6DB67554}"/>
+                  </a:ext>
+                </a:extLst>
+              </p:cNvPr>
+              <p:cNvPicPr>
+                <a:picLocks noChangeAspect="1" noChangeArrowheads="1"/>
+              </p:cNvPicPr>
+              <p:nvPr/>
+            </p:nvPicPr>
+            <p:blipFill>
+              <a:blip r:embed="rId5">
+                <a:extLst>
+                  <a:ext uri="{28A0092B-C50C-407E-A947-70E740481C1C}">
+                    <a14:useLocalDpi xmlns:a14="http://schemas.microsoft.com/office/drawing/2010/main" val="0"/>
+                  </a:ext>
+                </a:extLst>
+              </a:blip>
+              <a:srcRect/>
+              <a:stretch>
+                <a:fillRect/>
+              </a:stretch>
+            </p:blipFill>
+            <p:spPr bwMode="auto">
+              <a:xfrm>
+                <a:off x="7364438" y="4251747"/>
+                <a:ext cx="278939" cy="278939"/>
+              </a:xfrm>
+              <a:prstGeom prst="rect">
+                <a:avLst/>
+              </a:prstGeom>
+              <a:noFill/>
+              <a:extLst>
+                <a:ext uri="{909E8E84-426E-40DD-AFC4-6F175D3DCCD1}">
+                  <a14:hiddenFill xmlns:a14="http://schemas.microsoft.com/office/drawing/2010/main">
+                    <a:solidFill>
+                      <a:srgbClr val="FFFFFF"/>
+                    </a:solidFill>
+                  </a14:hiddenFill>
+                </a:ext>
+              </a:extLst>
+            </p:spPr>
+          </p:pic>
+        </p:grpSp>
+      </p:grpSp>
+      <p:sp>
+        <p:nvSpPr>
+          <p:cNvPr id="70" name="TextBox 69">
+            <a:extLst>
+              <a:ext uri="{FF2B5EF4-FFF2-40B4-BE49-F238E27FC236}">
+                <a16:creationId xmlns:a16="http://schemas.microsoft.com/office/drawing/2014/main" id="{CA04463A-E0EF-FAC0-C088-1CBD54A117A5}"/>
+              </a:ext>
+            </a:extLst>
+          </p:cNvPr>
+          <p:cNvSpPr txBox="1"/>
+          <p:nvPr/>
+        </p:nvSpPr>
+        <p:spPr>
+          <a:xfrm rot="5400000">
+            <a:off x="10910995" y="4898336"/>
+            <a:ext cx="1194558" cy="246221"/>
+          </a:xfrm>
+          <a:prstGeom prst="rect">
+            <a:avLst/>
+          </a:prstGeom>
+          <a:noFill/>
+        </p:spPr>
+        <p:txBody>
+          <a:bodyPr wrap="none" rtlCol="0">
+            <a:spAutoFit/>
+          </a:bodyPr>
+          <a:lstStyle/>
+          <a:p>
+            <a:r>
+              <a:rPr lang="en-NZ" sz="1000" dirty="0"/>
+              <a:t>+ Usages / Audits</a:t>
+            </a:r>
+          </a:p>
+        </p:txBody>
+      </p:sp>
+      <p:grpSp>
+        <p:nvGrpSpPr>
+          <p:cNvPr id="107" name="Group 106">
+            <a:extLst>
+              <a:ext uri="{FF2B5EF4-FFF2-40B4-BE49-F238E27FC236}">
+                <a16:creationId xmlns:a16="http://schemas.microsoft.com/office/drawing/2014/main" id="{674347A6-01DB-2B4C-CD77-423C4BCF39FB}"/>
+              </a:ext>
+            </a:extLst>
+          </p:cNvPr>
+          <p:cNvGrpSpPr/>
+          <p:nvPr/>
+        </p:nvGrpSpPr>
+        <p:grpSpPr>
+          <a:xfrm>
+            <a:off x="10007341" y="4848510"/>
+            <a:ext cx="1111013" cy="1781254"/>
+            <a:chOff x="3806550" y="4946699"/>
+            <a:chExt cx="1111013" cy="1781254"/>
+          </a:xfrm>
+        </p:grpSpPr>
+        <p:sp>
+          <p:nvSpPr>
+            <p:cNvPr id="102" name="Rectangle 101">
+              <a:extLst>
+                <a:ext uri="{FF2B5EF4-FFF2-40B4-BE49-F238E27FC236}">
+                  <a16:creationId xmlns:a16="http://schemas.microsoft.com/office/drawing/2014/main" id="{D2C08B74-FF1B-FD94-AF29-32A4E819B1A6}"/>
+                </a:ext>
+              </a:extLst>
+            </p:cNvPr>
+            <p:cNvSpPr/>
+            <p:nvPr/>
+          </p:nvSpPr>
+          <p:spPr>
+            <a:xfrm>
+              <a:off x="3806550" y="4946699"/>
+              <a:ext cx="1111013" cy="1781254"/>
+            </a:xfrm>
+            <a:prstGeom prst="rect">
+              <a:avLst/>
+            </a:prstGeom>
+            <a:solidFill>
+              <a:schemeClr val="bg1">
+                <a:lumMod val="85000"/>
+              </a:schemeClr>
+            </a:solidFill>
+            <a:ln>
+              <a:solidFill>
+                <a:schemeClr val="bg1">
+                  <a:lumMod val="65000"/>
+                </a:schemeClr>
+              </a:solidFill>
+            </a:ln>
+          </p:spPr>
+          <p:style>
+            <a:lnRef idx="2">
+              <a:schemeClr val="accent1">
+                <a:shade val="15000"/>
+              </a:schemeClr>
+            </a:lnRef>
+            <a:fillRef idx="1">
+              <a:schemeClr val="accent1"/>
+            </a:fillRef>
+            <a:effectRef idx="0">
+              <a:schemeClr val="accent1"/>
+            </a:effectRef>
+            <a:fontRef idx="minor">
+              <a:schemeClr val="lt1"/>
+            </a:fontRef>
+          </p:style>
+          <p:txBody>
+            <a:bodyPr lIns="0" rIns="0" rtlCol="0" anchor="b"/>
+            <a:lstStyle/>
+            <a:p>
+              <a:pPr algn="ctr"/>
+              <a:r>
+                <a:rPr lang="en-NZ" sz="1200" dirty="0">
+                  <a:solidFill>
+                    <a:schemeClr val="bg2">
+                      <a:lumMod val="75000"/>
+                    </a:schemeClr>
+                  </a:solidFill>
+                </a:rPr>
+                <a:t>Product Metrics</a:t>
+              </a:r>
+              <a:endParaRPr lang="en-NZ" sz="400" dirty="0">
+                <a:solidFill>
+                  <a:schemeClr val="bg2">
+                    <a:lumMod val="75000"/>
+                  </a:schemeClr>
+                </a:solidFill>
+              </a:endParaRPr>
+            </a:p>
+          </p:txBody>
+        </p:sp>
+        <p:pic>
+          <p:nvPicPr>
+            <p:cNvPr id="103" name="Picture 2" descr="Mixpanel | Attribution Platform - Ematic Solutions">
+              <a:extLst>
+                <a:ext uri="{FF2B5EF4-FFF2-40B4-BE49-F238E27FC236}">
+                  <a16:creationId xmlns:a16="http://schemas.microsoft.com/office/drawing/2014/main" id="{572FC521-E143-BA17-6F85-FBDBA220791C}"/>
+                </a:ext>
+              </a:extLst>
+            </p:cNvPr>
+            <p:cNvPicPr>
+              <a:picLocks noChangeAspect="1" noChangeArrowheads="1"/>
+            </p:cNvPicPr>
+            <p:nvPr/>
+          </p:nvPicPr>
+          <p:blipFill rotWithShape="1">
+            <a:blip r:embed="rId6">
+              <a:clrChange>
+                <a:clrFrom>
+                  <a:srgbClr val="FFFFFF"/>
+                </a:clrFrom>
+                <a:clrTo>
+                  <a:srgbClr val="FFFFFF">
+                    <a:alpha val="0"/>
+                  </a:srgbClr>
+                </a:clrTo>
+              </a:clrChange>
+              <a:extLst>
+                <a:ext uri="{28A0092B-C50C-407E-A947-70E740481C1C}">
+                  <a14:useLocalDpi xmlns:a14="http://schemas.microsoft.com/office/drawing/2010/main" val="0"/>
+                </a:ext>
+              </a:extLst>
+            </a:blip>
+            <a:srcRect l="-1460" t="13489" r="2189" b="10958"/>
+            <a:stretch/>
+          </p:blipFill>
+          <p:spPr bwMode="auto">
+            <a:xfrm rot="20400000">
+              <a:off x="3884797" y="5440538"/>
+              <a:ext cx="940471" cy="267196"/>
+            </a:xfrm>
+            <a:prstGeom prst="rect">
+              <a:avLst/>
+            </a:prstGeom>
+            <a:solidFill>
+              <a:schemeClr val="bg2">
+                <a:lumMod val="75000"/>
+              </a:schemeClr>
+            </a:solidFill>
+            <a:ln w="12700">
+              <a:solidFill>
+                <a:schemeClr val="tx1">
+                  <a:lumMod val="50000"/>
+                  <a:lumOff val="50000"/>
+                </a:schemeClr>
+              </a:solidFill>
+              <a:prstDash val="sysDash"/>
+            </a:ln>
+          </p:spPr>
+        </p:pic>
+        <p:sp>
+          <p:nvSpPr>
+            <p:cNvPr id="104" name="Rectangle 103">
+              <a:extLst>
+                <a:ext uri="{FF2B5EF4-FFF2-40B4-BE49-F238E27FC236}">
+                  <a16:creationId xmlns:a16="http://schemas.microsoft.com/office/drawing/2014/main" id="{717767FE-7BF0-ACA7-EF66-5A9F0D233B7A}"/>
+                </a:ext>
+              </a:extLst>
+            </p:cNvPr>
+            <p:cNvSpPr/>
+            <p:nvPr/>
+          </p:nvSpPr>
+          <p:spPr>
+            <a:xfrm rot="20400000">
+              <a:off x="3891737" y="6102981"/>
+              <a:ext cx="926590" cy="196725"/>
+            </a:xfrm>
+            <a:prstGeom prst="rect">
+              <a:avLst/>
+            </a:prstGeom>
+            <a:solidFill>
+              <a:schemeClr val="bg2">
+                <a:lumMod val="75000"/>
+              </a:schemeClr>
+            </a:solidFill>
+            <a:ln w="12700">
+              <a:solidFill>
+                <a:schemeClr val="tx1">
+                  <a:lumMod val="50000"/>
+                  <a:lumOff val="50000"/>
+                </a:schemeClr>
+              </a:solidFill>
+              <a:prstDash val="sysDash"/>
+            </a:ln>
+          </p:spPr>
+          <p:style>
+            <a:lnRef idx="2">
+              <a:schemeClr val="accent1">
+                <a:shade val="50000"/>
+              </a:schemeClr>
+            </a:lnRef>
+            <a:fillRef idx="1">
+              <a:schemeClr val="accent1"/>
+            </a:fillRef>
+            <a:effectRef idx="0">
+              <a:schemeClr val="accent1"/>
+            </a:effectRef>
+            <a:fontRef idx="minor">
+              <a:schemeClr val="lt1"/>
+            </a:fontRef>
+          </p:style>
+          <p:txBody>
+            <a:bodyPr rtlCol="0" anchor="ctr"/>
+            <a:lstStyle/>
+            <a:p>
+              <a:pPr algn="ctr"/>
+              <a:r>
+                <a:rPr lang="en-US" sz="1200" dirty="0">
+                  <a:solidFill>
+                    <a:schemeClr val="tx1">
+                      <a:lumMod val="50000"/>
+                      <a:lumOff val="50000"/>
+                    </a:schemeClr>
+                  </a:solidFill>
+                </a:rPr>
+                <a:t>Another?</a:t>
+              </a:r>
+              <a:endParaRPr lang="en-NZ" sz="1200" dirty="0">
+                <a:solidFill>
+                  <a:schemeClr val="tx1">
+                    <a:lumMod val="50000"/>
+                    <a:lumOff val="50000"/>
+                  </a:schemeClr>
+                </a:solidFill>
+              </a:endParaRPr>
+            </a:p>
+          </p:txBody>
+        </p:sp>
+        <p:pic>
+          <p:nvPicPr>
+            <p:cNvPr id="105" name="Picture 12" descr="Analyze the impact of personalization in Google Analytics">
+              <a:extLst>
+                <a:ext uri="{FF2B5EF4-FFF2-40B4-BE49-F238E27FC236}">
+                  <a16:creationId xmlns:a16="http://schemas.microsoft.com/office/drawing/2014/main" id="{37F9FE0A-9362-889A-62D5-D912CFF493F7}"/>
+                </a:ext>
+              </a:extLst>
+            </p:cNvPr>
+            <p:cNvPicPr>
+              <a:picLocks noChangeAspect="1" noChangeArrowheads="1"/>
+            </p:cNvPicPr>
+            <p:nvPr/>
+          </p:nvPicPr>
+          <p:blipFill rotWithShape="1">
+            <a:blip r:embed="rId7">
+              <a:clrChange>
+                <a:clrFrom>
+                  <a:srgbClr val="FFFFFF"/>
+                </a:clrFrom>
+                <a:clrTo>
+                  <a:srgbClr val="FFFFFF">
+                    <a:alpha val="0"/>
+                  </a:srgbClr>
+                </a:clrTo>
+              </a:clrChange>
+              <a:extLst>
+                <a:ext uri="{28A0092B-C50C-407E-A947-70E740481C1C}">
+                  <a14:useLocalDpi xmlns:a14="http://schemas.microsoft.com/office/drawing/2010/main" val="0"/>
+                </a:ext>
+              </a:extLst>
+            </a:blip>
+            <a:srcRect l="-3074" t="-1409" r="-5031" b="-4078"/>
+            <a:stretch/>
+          </p:blipFill>
+          <p:spPr bwMode="auto">
+            <a:xfrm rot="20400000">
+              <a:off x="3972053" y="5105614"/>
+              <a:ext cx="765959" cy="255640"/>
+            </a:xfrm>
+            <a:prstGeom prst="rect">
+              <a:avLst/>
+            </a:prstGeom>
+            <a:solidFill>
+              <a:schemeClr val="bg2">
+                <a:lumMod val="75000"/>
+              </a:schemeClr>
+            </a:solidFill>
+            <a:ln w="12700">
+              <a:solidFill>
+                <a:schemeClr val="tx1">
+                  <a:lumMod val="50000"/>
+                  <a:lumOff val="50000"/>
+                </a:schemeClr>
+              </a:solidFill>
+              <a:prstDash val="sysDash"/>
+            </a:ln>
+          </p:spPr>
+        </p:pic>
+        <p:pic>
+          <p:nvPicPr>
+            <p:cNvPr id="106" name="Picture 14" descr="Amplitude Analytics Reviews, Ratings &amp; Features 2023 | Gartner Peer Insights">
+              <a:extLst>
+                <a:ext uri="{FF2B5EF4-FFF2-40B4-BE49-F238E27FC236}">
+                  <a16:creationId xmlns:a16="http://schemas.microsoft.com/office/drawing/2014/main" id="{EEB7BB8D-E23F-B147-8779-384F65663A6E}"/>
+                </a:ext>
+              </a:extLst>
+            </p:cNvPr>
+            <p:cNvPicPr>
+              <a:picLocks noChangeAspect="1" noChangeArrowheads="1"/>
+            </p:cNvPicPr>
+            <p:nvPr/>
+          </p:nvPicPr>
+          <p:blipFill rotWithShape="1">
+            <a:blip r:embed="rId8">
+              <a:clrChange>
+                <a:clrFrom>
+                  <a:srgbClr val="FFFFFF"/>
+                </a:clrFrom>
+                <a:clrTo>
+                  <a:srgbClr val="FFFFFF">
+                    <a:alpha val="0"/>
+                  </a:srgbClr>
+                </a:clrTo>
+              </a:clrChange>
+              <a:extLst>
+                <a:ext uri="{28A0092B-C50C-407E-A947-70E740481C1C}">
+                  <a14:useLocalDpi xmlns:a14="http://schemas.microsoft.com/office/drawing/2010/main" val="0"/>
+                </a:ext>
+              </a:extLst>
+            </a:blip>
+            <a:srcRect t="22393" b="28622"/>
+            <a:stretch/>
+          </p:blipFill>
+          <p:spPr bwMode="auto">
+            <a:xfrm rot="20400000">
+              <a:off x="3892561" y="5779495"/>
+              <a:ext cx="924942" cy="251372"/>
+            </a:xfrm>
+            <a:prstGeom prst="rect">
+              <a:avLst/>
+            </a:prstGeom>
+            <a:solidFill>
+              <a:schemeClr val="bg2">
+                <a:lumMod val="75000"/>
+              </a:schemeClr>
+            </a:solidFill>
+            <a:ln w="12700">
+              <a:solidFill>
+                <a:schemeClr val="tx1">
+                  <a:lumMod val="50000"/>
+                  <a:lumOff val="50000"/>
+                </a:schemeClr>
+              </a:solidFill>
+              <a:prstDash val="sysDash"/>
+            </a:ln>
+          </p:spPr>
+        </p:pic>
+      </p:grpSp>
+      <p:sp>
+        <p:nvSpPr>
+          <p:cNvPr id="131" name="TextBox 130">
+            <a:extLst>
+              <a:ext uri="{FF2B5EF4-FFF2-40B4-BE49-F238E27FC236}">
+                <a16:creationId xmlns:a16="http://schemas.microsoft.com/office/drawing/2014/main" id="{681038C5-BBBE-CDB2-8F3E-DB406DA6D973}"/>
+              </a:ext>
+            </a:extLst>
+          </p:cNvPr>
+          <p:cNvSpPr txBox="1"/>
+          <p:nvPr/>
+        </p:nvSpPr>
+        <p:spPr>
+          <a:xfrm>
+            <a:off x="9125964" y="1408576"/>
+            <a:ext cx="1167307" cy="400110"/>
+          </a:xfrm>
+          <a:prstGeom prst="rect">
+            <a:avLst/>
+          </a:prstGeom>
+          <a:noFill/>
+        </p:spPr>
+        <p:txBody>
+          <a:bodyPr wrap="none" rtlCol="0">
+            <a:spAutoFit/>
+          </a:bodyPr>
+          <a:lstStyle/>
+          <a:p>
+            <a:r>
+              <a:rPr lang="en-NZ" sz="1000" dirty="0"/>
+              <a:t>+Traces/Crashes</a:t>
+            </a:r>
+          </a:p>
+          <a:p>
+            <a:r>
+              <a:rPr lang="en-NZ" sz="1000" dirty="0"/>
+              <a:t>/Measures </a:t>
+            </a:r>
+          </a:p>
+        </p:txBody>
+      </p:sp>
+      <p:grpSp>
+        <p:nvGrpSpPr>
+          <p:cNvPr id="171" name="Group 170">
+            <a:extLst>
+              <a:ext uri="{FF2B5EF4-FFF2-40B4-BE49-F238E27FC236}">
+                <a16:creationId xmlns:a16="http://schemas.microsoft.com/office/drawing/2014/main" id="{1740B6E8-90D1-7CC9-2398-4EC84E31818D}"/>
+              </a:ext>
+            </a:extLst>
+          </p:cNvPr>
+          <p:cNvGrpSpPr/>
+          <p:nvPr/>
+        </p:nvGrpSpPr>
+        <p:grpSpPr>
+          <a:xfrm>
+            <a:off x="9194001" y="3985016"/>
+            <a:ext cx="1932705" cy="516007"/>
+            <a:chOff x="9194001" y="3088730"/>
+            <a:chExt cx="1932705" cy="516007"/>
+          </a:xfrm>
+        </p:grpSpPr>
+        <p:sp>
+          <p:nvSpPr>
+            <p:cNvPr id="132" name="Rectangle 131">
+              <a:extLst>
+                <a:ext uri="{FF2B5EF4-FFF2-40B4-BE49-F238E27FC236}">
+                  <a16:creationId xmlns:a16="http://schemas.microsoft.com/office/drawing/2014/main" id="{A8A727FC-229F-90EA-1C27-A2488A604E59}"/>
+                </a:ext>
+              </a:extLst>
+            </p:cNvPr>
+            <p:cNvSpPr/>
+            <p:nvPr/>
+          </p:nvSpPr>
+          <p:spPr>
+            <a:xfrm>
+              <a:off x="9194001" y="3088730"/>
+              <a:ext cx="1932705" cy="516007"/>
+            </a:xfrm>
+            <a:prstGeom prst="rect">
+              <a:avLst/>
+            </a:prstGeom>
+            <a:solidFill>
+              <a:schemeClr val="bg1">
+                <a:lumMod val="85000"/>
+              </a:schemeClr>
+            </a:solidFill>
+            <a:ln>
+              <a:solidFill>
+                <a:schemeClr val="bg1">
+                  <a:lumMod val="65000"/>
+                </a:schemeClr>
+              </a:solidFill>
+            </a:ln>
+          </p:spPr>
+          <p:style>
+            <a:lnRef idx="2">
+              <a:schemeClr val="accent1">
+                <a:shade val="15000"/>
+              </a:schemeClr>
+            </a:lnRef>
+            <a:fillRef idx="1">
+              <a:schemeClr val="accent1"/>
+            </a:fillRef>
+            <a:effectRef idx="0">
+              <a:schemeClr val="accent1"/>
+            </a:effectRef>
+            <a:fontRef idx="minor">
+              <a:schemeClr val="lt1"/>
+            </a:fontRef>
+          </p:style>
+          <p:txBody>
+            <a:bodyPr rtlCol="0" anchor="ctr"/>
+            <a:lstStyle/>
+            <a:p>
+              <a:pPr algn="r"/>
+              <a:r>
+                <a:rPr lang="en-NZ" dirty="0">
+                  <a:solidFill>
+                    <a:schemeClr val="bg2">
+                      <a:lumMod val="75000"/>
+                    </a:schemeClr>
+                  </a:solidFill>
+                </a:rPr>
+                <a:t>Data</a:t>
+              </a:r>
+            </a:p>
+          </p:txBody>
+        </p:sp>
+        <p:grpSp>
+          <p:nvGrpSpPr>
+            <p:cNvPr id="133" name="Group 132">
+              <a:extLst>
+                <a:ext uri="{FF2B5EF4-FFF2-40B4-BE49-F238E27FC236}">
+                  <a16:creationId xmlns:a16="http://schemas.microsoft.com/office/drawing/2014/main" id="{14BA3CBD-3592-B551-1412-0CA1ECF8F500}"/>
+                </a:ext>
+              </a:extLst>
+            </p:cNvPr>
+            <p:cNvGrpSpPr/>
+            <p:nvPr/>
+          </p:nvGrpSpPr>
+          <p:grpSpPr>
+            <a:xfrm>
+              <a:off x="9763593" y="3119600"/>
+              <a:ext cx="516948" cy="456681"/>
+              <a:chOff x="8813773" y="3114097"/>
+              <a:chExt cx="516948" cy="456681"/>
+            </a:xfrm>
+          </p:grpSpPr>
+          <p:sp>
+            <p:nvSpPr>
+              <p:cNvPr id="134" name="Cylinder 133">
+                <a:extLst>
+                  <a:ext uri="{FF2B5EF4-FFF2-40B4-BE49-F238E27FC236}">
+                    <a16:creationId xmlns:a16="http://schemas.microsoft.com/office/drawing/2014/main" id="{5457BB5E-8393-BCB5-7BC1-AD2476D977A2}"/>
+                  </a:ext>
+                </a:extLst>
+              </p:cNvPr>
+              <p:cNvSpPr/>
+              <p:nvPr/>
+            </p:nvSpPr>
+            <p:spPr>
+              <a:xfrm>
+                <a:off x="8813773" y="3114097"/>
+                <a:ext cx="516948" cy="456681"/>
+              </a:xfrm>
+              <a:prstGeom prst="can">
+                <a:avLst/>
+              </a:prstGeom>
+              <a:solidFill>
+                <a:schemeClr val="bg1">
+                  <a:lumMod val="65000"/>
+                </a:schemeClr>
+              </a:solidFill>
+              <a:ln>
+                <a:prstDash val="sysDash"/>
+              </a:ln>
+            </p:spPr>
+            <p:style>
+              <a:lnRef idx="2">
+                <a:schemeClr val="accent1">
+                  <a:shade val="50000"/>
+                </a:schemeClr>
+              </a:lnRef>
+              <a:fillRef idx="1">
+                <a:schemeClr val="accent1"/>
+              </a:fillRef>
+              <a:effectRef idx="0">
+                <a:schemeClr val="accent1"/>
+              </a:effectRef>
+              <a:fontRef idx="minor">
+                <a:schemeClr val="lt1"/>
+              </a:fontRef>
+            </p:style>
+            <p:txBody>
+              <a:bodyPr rIns="36000" rtlCol="0" anchor="ctr"/>
+              <a:lstStyle/>
+              <a:p>
+                <a:pPr algn="r"/>
+                <a:r>
+                  <a:rPr lang="en-US" sz="900" dirty="0">
+                    <a:solidFill>
+                      <a:schemeClr val="tx1">
+                        <a:lumMod val="65000"/>
+                        <a:lumOff val="35000"/>
+                      </a:schemeClr>
+                    </a:solidFill>
+                  </a:rPr>
+                  <a:t>Table </a:t>
+                </a:r>
+                <a:r>
+                  <a:rPr lang="en-US" sz="800" dirty="0">
+                    <a:solidFill>
+                      <a:schemeClr val="tx1">
+                        <a:lumMod val="65000"/>
+                        <a:lumOff val="35000"/>
+                      </a:schemeClr>
+                    </a:solidFill>
+                  </a:rPr>
+                  <a:t>Storage</a:t>
+                </a:r>
+                <a:endParaRPr lang="en-NZ" sz="900" dirty="0">
+                  <a:solidFill>
+                    <a:schemeClr val="tx1">
+                      <a:lumMod val="65000"/>
+                      <a:lumOff val="35000"/>
+                    </a:schemeClr>
+                  </a:solidFill>
+                </a:endParaRPr>
+              </a:p>
+            </p:txBody>
+          </p:sp>
+          <p:pic>
+            <p:nvPicPr>
+              <p:cNvPr id="135" name="Picture 134">
+                <a:extLst>
+                  <a:ext uri="{FF2B5EF4-FFF2-40B4-BE49-F238E27FC236}">
+                    <a16:creationId xmlns:a16="http://schemas.microsoft.com/office/drawing/2014/main" id="{26330CAA-80B5-DB96-64BA-DBDDFBAC5604}"/>
+                  </a:ext>
+                </a:extLst>
+              </p:cNvPr>
+              <p:cNvPicPr>
+                <a:picLocks noChangeAspect="1"/>
+              </p:cNvPicPr>
+              <p:nvPr/>
+            </p:nvPicPr>
+            <p:blipFill>
+              <a:blip r:embed="rId4"/>
+              <a:stretch>
+                <a:fillRect/>
+              </a:stretch>
+            </p:blipFill>
+            <p:spPr>
+              <a:xfrm>
+                <a:off x="8833187" y="3243336"/>
+                <a:ext cx="192678" cy="151968"/>
+              </a:xfrm>
+              <a:prstGeom prst="rect">
+                <a:avLst/>
+              </a:prstGeom>
+            </p:spPr>
+          </p:pic>
+        </p:grpSp>
+        <p:grpSp>
+          <p:nvGrpSpPr>
+            <p:cNvPr id="136" name="Group 135">
+              <a:extLst>
+                <a:ext uri="{FF2B5EF4-FFF2-40B4-BE49-F238E27FC236}">
+                  <a16:creationId xmlns:a16="http://schemas.microsoft.com/office/drawing/2014/main" id="{D5A27850-E96A-545A-3078-3C0DAECA8F41}"/>
+                </a:ext>
+              </a:extLst>
+            </p:cNvPr>
+            <p:cNvGrpSpPr/>
+            <p:nvPr/>
+          </p:nvGrpSpPr>
+          <p:grpSpPr>
+            <a:xfrm>
+              <a:off x="9220741" y="3113848"/>
+              <a:ext cx="516948" cy="456681"/>
+              <a:chOff x="8813773" y="2558797"/>
+              <a:chExt cx="516948" cy="456681"/>
+            </a:xfrm>
+          </p:grpSpPr>
+          <p:sp>
+            <p:nvSpPr>
+              <p:cNvPr id="137" name="Cylinder 136">
+                <a:extLst>
+                  <a:ext uri="{FF2B5EF4-FFF2-40B4-BE49-F238E27FC236}">
+                    <a16:creationId xmlns:a16="http://schemas.microsoft.com/office/drawing/2014/main" id="{2694B80F-A7EB-FB71-9CE6-55FD307FEA5A}"/>
+                  </a:ext>
+                </a:extLst>
+              </p:cNvPr>
+              <p:cNvSpPr/>
+              <p:nvPr/>
+            </p:nvSpPr>
+            <p:spPr>
+              <a:xfrm>
+                <a:off x="8813773" y="2558797"/>
+                <a:ext cx="516948" cy="456681"/>
+              </a:xfrm>
+              <a:prstGeom prst="can">
+                <a:avLst/>
+              </a:prstGeom>
+              <a:solidFill>
+                <a:srgbClr val="BB1932"/>
+              </a:solidFill>
+              <a:ln>
+                <a:solidFill>
+                  <a:srgbClr val="740000"/>
+                </a:solidFill>
+              </a:ln>
+            </p:spPr>
+            <p:style>
+              <a:lnRef idx="2">
+                <a:schemeClr val="accent1">
+                  <a:shade val="50000"/>
+                </a:schemeClr>
+              </a:lnRef>
+              <a:fillRef idx="1">
+                <a:schemeClr val="accent1"/>
+              </a:fillRef>
+              <a:effectRef idx="0">
+                <a:schemeClr val="accent1"/>
+              </a:effectRef>
+              <a:fontRef idx="minor">
+                <a:schemeClr val="lt1"/>
+              </a:fontRef>
+            </p:style>
+            <p:txBody>
+              <a:bodyPr rIns="36000" rtlCol="0" anchor="ctr"/>
+              <a:lstStyle/>
+              <a:p>
+                <a:pPr algn="r"/>
+                <a:r>
+                  <a:rPr lang="en-US" sz="900" dirty="0">
+                    <a:solidFill>
+                      <a:schemeClr val="tx1"/>
+                    </a:solidFill>
+                  </a:rPr>
+                  <a:t>Azure SQL</a:t>
+                </a:r>
+                <a:endParaRPr lang="en-NZ" sz="900" dirty="0">
+                  <a:solidFill>
+                    <a:schemeClr val="tx1"/>
+                  </a:solidFill>
+                </a:endParaRPr>
+              </a:p>
+            </p:txBody>
+          </p:sp>
+          <p:pic>
+            <p:nvPicPr>
+              <p:cNvPr id="138" name="Picture 137">
+                <a:extLst>
+                  <a:ext uri="{FF2B5EF4-FFF2-40B4-BE49-F238E27FC236}">
+                    <a16:creationId xmlns:a16="http://schemas.microsoft.com/office/drawing/2014/main" id="{2D44528A-E4AA-DBCB-6E78-76B025F0870C}"/>
+                  </a:ext>
+                </a:extLst>
+              </p:cNvPr>
+              <p:cNvPicPr>
+                <a:picLocks noChangeAspect="1"/>
+              </p:cNvPicPr>
+              <p:nvPr/>
+            </p:nvPicPr>
+            <p:blipFill>
+              <a:blip r:embed="rId9"/>
+              <a:stretch>
+                <a:fillRect/>
+              </a:stretch>
+            </p:blipFill>
+            <p:spPr>
+              <a:xfrm>
+                <a:off x="8829354" y="2735984"/>
+                <a:ext cx="182393" cy="176250"/>
+              </a:xfrm>
+              <a:prstGeom prst="rect">
+                <a:avLst/>
+              </a:prstGeom>
+              <a:ln>
+                <a:noFill/>
+              </a:ln>
+            </p:spPr>
+          </p:pic>
+        </p:grpSp>
+      </p:grpSp>
+      <p:sp>
+        <p:nvSpPr>
+          <p:cNvPr id="143" name="TextBox 142">
+            <a:extLst>
+              <a:ext uri="{FF2B5EF4-FFF2-40B4-BE49-F238E27FC236}">
+                <a16:creationId xmlns:a16="http://schemas.microsoft.com/office/drawing/2014/main" id="{E60CA0E4-79E3-2704-539B-87D00ADF7142}"/>
+              </a:ext>
+            </a:extLst>
+          </p:cNvPr>
+          <p:cNvSpPr txBox="1"/>
+          <p:nvPr/>
+        </p:nvSpPr>
+        <p:spPr>
+          <a:xfrm>
+            <a:off x="8563450" y="4021713"/>
+            <a:ext cx="620683" cy="246221"/>
+          </a:xfrm>
+          <a:prstGeom prst="rect">
+            <a:avLst/>
+          </a:prstGeom>
+          <a:noFill/>
+        </p:spPr>
+        <p:txBody>
+          <a:bodyPr wrap="none" rtlCol="0">
+            <a:spAutoFit/>
+          </a:bodyPr>
+          <a:lstStyle/>
+          <a:p>
+            <a:r>
+              <a:rPr lang="en-NZ" sz="1000" dirty="0"/>
+              <a:t>+Audits</a:t>
+            </a:r>
+          </a:p>
+        </p:txBody>
+      </p:sp>
+      <p:sp>
+        <p:nvSpPr>
+          <p:cNvPr id="151" name="TextBox 150">
+            <a:extLst>
+              <a:ext uri="{FF2B5EF4-FFF2-40B4-BE49-F238E27FC236}">
+                <a16:creationId xmlns:a16="http://schemas.microsoft.com/office/drawing/2014/main" id="{B0E19051-8B08-2093-839C-FF25C1416D25}"/>
+              </a:ext>
+            </a:extLst>
+          </p:cNvPr>
+          <p:cNvSpPr txBox="1"/>
+          <p:nvPr/>
+        </p:nvSpPr>
+        <p:spPr>
+          <a:xfrm>
+            <a:off x="9314050" y="5492916"/>
+            <a:ext cx="681597" cy="246221"/>
+          </a:xfrm>
+          <a:prstGeom prst="rect">
+            <a:avLst/>
+          </a:prstGeom>
+          <a:noFill/>
+        </p:spPr>
+        <p:txBody>
+          <a:bodyPr wrap="none" rtlCol="0">
+            <a:spAutoFit/>
+          </a:bodyPr>
+          <a:lstStyle/>
+          <a:p>
+            <a:r>
+              <a:rPr lang="en-NZ" sz="1000" dirty="0"/>
+              <a:t>+Usages</a:t>
+            </a:r>
+          </a:p>
+        </p:txBody>
+      </p:sp>
+      <p:sp>
+        <p:nvSpPr>
+          <p:cNvPr id="152" name="TextBox 151">
+            <a:extLst>
+              <a:ext uri="{FF2B5EF4-FFF2-40B4-BE49-F238E27FC236}">
+                <a16:creationId xmlns:a16="http://schemas.microsoft.com/office/drawing/2014/main" id="{D1F30FD8-3C5F-66D3-43AA-C8F69E367088}"/>
+              </a:ext>
+            </a:extLst>
+          </p:cNvPr>
+          <p:cNvSpPr txBox="1"/>
+          <p:nvPr/>
+        </p:nvSpPr>
+        <p:spPr>
+          <a:xfrm>
+            <a:off x="267419" y="207034"/>
+            <a:ext cx="2600392" cy="461665"/>
+          </a:xfrm>
+          <a:prstGeom prst="rect">
+            <a:avLst/>
+          </a:prstGeom>
+          <a:noFill/>
+        </p:spPr>
+        <p:txBody>
+          <a:bodyPr wrap="none" rtlCol="0">
+            <a:spAutoFit/>
+          </a:bodyPr>
+          <a:lstStyle/>
+          <a:p>
+            <a:r>
+              <a:rPr lang="en-NZ" sz="2400" dirty="0"/>
+              <a:t>Recording - Azure</a:t>
+            </a:r>
+          </a:p>
+        </p:txBody>
+      </p:sp>
+      <p:sp>
+        <p:nvSpPr>
+          <p:cNvPr id="157" name="TextBox 156">
+            <a:extLst>
+              <a:ext uri="{FF2B5EF4-FFF2-40B4-BE49-F238E27FC236}">
+                <a16:creationId xmlns:a16="http://schemas.microsoft.com/office/drawing/2014/main" id="{9E5E79C2-B915-C350-C7F7-010B0A4A06FB}"/>
+              </a:ext>
+            </a:extLst>
+          </p:cNvPr>
+          <p:cNvSpPr txBox="1"/>
+          <p:nvPr/>
+        </p:nvSpPr>
+        <p:spPr>
+          <a:xfrm>
+            <a:off x="3706848" y="1351201"/>
+            <a:ext cx="1106393" cy="338554"/>
+          </a:xfrm>
+          <a:prstGeom prst="rect">
+            <a:avLst/>
+          </a:prstGeom>
+          <a:noFill/>
+        </p:spPr>
+        <p:txBody>
+          <a:bodyPr wrap="none" rtlCol="0">
+            <a:spAutoFit/>
+          </a:bodyPr>
+          <a:lstStyle/>
+          <a:p>
+            <a:r>
+              <a:rPr lang="en-NZ" sz="800" dirty="0"/>
+              <a:t>+Traces/</a:t>
+            </a:r>
+            <a:r>
+              <a:rPr lang="en-NZ" sz="800" dirty="0" err="1"/>
+              <a:t>PageViews</a:t>
+            </a:r>
+            <a:endParaRPr lang="en-NZ" sz="800" dirty="0"/>
+          </a:p>
+          <a:p>
+            <a:r>
+              <a:rPr lang="en-NZ" sz="800" dirty="0"/>
+              <a:t>/Usages</a:t>
+            </a:r>
+          </a:p>
+        </p:txBody>
+      </p:sp>
+      <p:sp>
+        <p:nvSpPr>
+          <p:cNvPr id="170" name="TextBox 169">
+            <a:extLst>
+              <a:ext uri="{FF2B5EF4-FFF2-40B4-BE49-F238E27FC236}">
+                <a16:creationId xmlns:a16="http://schemas.microsoft.com/office/drawing/2014/main" id="{1A442F5E-FE79-C70A-9D9A-128467862624}"/>
+              </a:ext>
+            </a:extLst>
+          </p:cNvPr>
+          <p:cNvSpPr txBox="1"/>
+          <p:nvPr/>
+        </p:nvSpPr>
+        <p:spPr>
+          <a:xfrm rot="16200000">
+            <a:off x="4267102" y="6053610"/>
+            <a:ext cx="944489" cy="215444"/>
+          </a:xfrm>
+          <a:prstGeom prst="rect">
+            <a:avLst/>
+          </a:prstGeom>
+          <a:noFill/>
+        </p:spPr>
+        <p:txBody>
+          <a:bodyPr wrap="none" rtlCol="0">
+            <a:spAutoFit/>
+          </a:bodyPr>
+          <a:lstStyle/>
+          <a:p>
+            <a:r>
+              <a:rPr lang="en-NZ" sz="800" dirty="0"/>
+              <a:t>+ Usages/Audits</a:t>
+            </a:r>
+          </a:p>
+        </p:txBody>
+      </p:sp>
+      <p:grpSp>
+        <p:nvGrpSpPr>
+          <p:cNvPr id="257" name="Group 256">
+            <a:extLst>
+              <a:ext uri="{FF2B5EF4-FFF2-40B4-BE49-F238E27FC236}">
+                <a16:creationId xmlns:a16="http://schemas.microsoft.com/office/drawing/2014/main" id="{3A165621-235E-E7DA-8B1E-B39330FB6941}"/>
+              </a:ext>
+            </a:extLst>
+          </p:cNvPr>
+          <p:cNvGrpSpPr/>
+          <p:nvPr/>
+        </p:nvGrpSpPr>
+        <p:grpSpPr>
+          <a:xfrm>
+            <a:off x="5142447" y="2666425"/>
+            <a:ext cx="3216561" cy="1272168"/>
+            <a:chOff x="5142447" y="285376"/>
+            <a:chExt cx="3216561" cy="1272168"/>
+          </a:xfrm>
+        </p:grpSpPr>
+        <p:grpSp>
+          <p:nvGrpSpPr>
+            <p:cNvPr id="177" name="Group 176">
+              <a:extLst>
+                <a:ext uri="{FF2B5EF4-FFF2-40B4-BE49-F238E27FC236}">
+                  <a16:creationId xmlns:a16="http://schemas.microsoft.com/office/drawing/2014/main" id="{5B39F245-9C52-7A3A-FCCB-917A3258D599}"/>
+                </a:ext>
+              </a:extLst>
+            </p:cNvPr>
+            <p:cNvGrpSpPr/>
+            <p:nvPr/>
+          </p:nvGrpSpPr>
+          <p:grpSpPr>
+            <a:xfrm>
+              <a:off x="5142447" y="285376"/>
+              <a:ext cx="3216561" cy="1272168"/>
+              <a:chOff x="2698105" y="3204588"/>
+              <a:chExt cx="3216561" cy="1272168"/>
+            </a:xfrm>
+          </p:grpSpPr>
+          <p:sp>
+            <p:nvSpPr>
+              <p:cNvPr id="178" name="Rectangle: Rounded Corners 177">
+                <a:extLst>
+                  <a:ext uri="{FF2B5EF4-FFF2-40B4-BE49-F238E27FC236}">
+                    <a16:creationId xmlns:a16="http://schemas.microsoft.com/office/drawing/2014/main" id="{FDB4BCF3-715F-0120-3881-F80A3F36AD3C}"/>
+                  </a:ext>
+                </a:extLst>
+              </p:cNvPr>
+              <p:cNvSpPr/>
+              <p:nvPr/>
+            </p:nvSpPr>
+            <p:spPr>
+              <a:xfrm>
+                <a:off x="2698105" y="3204588"/>
+                <a:ext cx="3216561" cy="1272168"/>
+              </a:xfrm>
+              <a:prstGeom prst="roundRect">
+                <a:avLst>
+                  <a:gd name="adj" fmla="val 5101"/>
+                </a:avLst>
+              </a:prstGeom>
+              <a:solidFill>
+                <a:srgbClr val="0078D7"/>
+              </a:solidFill>
+            </p:spPr>
+            <p:style>
+              <a:lnRef idx="2">
+                <a:schemeClr val="accent1">
+                  <a:shade val="50000"/>
+                </a:schemeClr>
+              </a:lnRef>
+              <a:fillRef idx="1">
+                <a:schemeClr val="accent1"/>
+              </a:fillRef>
+              <a:effectRef idx="0">
+                <a:schemeClr val="accent1"/>
+              </a:effectRef>
+              <a:fontRef idx="minor">
+                <a:schemeClr val="lt1"/>
+              </a:fontRef>
+            </p:style>
+            <p:txBody>
+              <a:bodyPr rtlCol="0" anchor="b"/>
+              <a:lstStyle/>
+              <a:p>
+                <a:r>
+                  <a:rPr lang="en-US" sz="1200" dirty="0"/>
+                  <a:t>              Backend API Host (2)</a:t>
+                </a:r>
+              </a:p>
+            </p:txBody>
+          </p:sp>
+          <p:sp>
+            <p:nvSpPr>
+              <p:cNvPr id="179" name="Rectangle 178">
+                <a:extLst>
+                  <a:ext uri="{FF2B5EF4-FFF2-40B4-BE49-F238E27FC236}">
+                    <a16:creationId xmlns:a16="http://schemas.microsoft.com/office/drawing/2014/main" id="{753DE876-CEB1-3496-0DB9-B3A22055D949}"/>
+                  </a:ext>
+                </a:extLst>
+              </p:cNvPr>
+              <p:cNvSpPr/>
+              <p:nvPr/>
+            </p:nvSpPr>
+            <p:spPr>
+              <a:xfrm>
+                <a:off x="3001084" y="3526720"/>
+                <a:ext cx="1039660" cy="379857"/>
+              </a:xfrm>
+              <a:prstGeom prst="rect">
+                <a:avLst/>
+              </a:prstGeom>
+            </p:spPr>
+            <p:style>
+              <a:lnRef idx="2">
+                <a:schemeClr val="accent1">
+                  <a:shade val="50000"/>
+                </a:schemeClr>
+              </a:lnRef>
+              <a:fillRef idx="1">
+                <a:schemeClr val="accent1"/>
+              </a:fillRef>
+              <a:effectRef idx="0">
+                <a:schemeClr val="accent1"/>
+              </a:effectRef>
+              <a:fontRef idx="minor">
+                <a:schemeClr val="lt1"/>
+              </a:fontRef>
+            </p:style>
+            <p:txBody>
+              <a:bodyPr rtlCol="0" anchor="ctr"/>
+              <a:lstStyle/>
+              <a:p>
+                <a:pPr algn="ctr"/>
+                <a:r>
+                  <a:rPr lang="en-US" sz="1200" dirty="0"/>
+                  <a:t>Other APIs</a:t>
+                </a:r>
+                <a:endParaRPr lang="en-NZ" sz="1200" dirty="0"/>
+              </a:p>
+            </p:txBody>
+          </p:sp>
+          <p:pic>
+            <p:nvPicPr>
+              <p:cNvPr id="180" name="Picture 8" descr="App Service - Web App | Microsoft Azure Mono">
+                <a:extLst>
+                  <a:ext uri="{FF2B5EF4-FFF2-40B4-BE49-F238E27FC236}">
+                    <a16:creationId xmlns:a16="http://schemas.microsoft.com/office/drawing/2014/main" id="{30097C3C-BA30-08AC-263E-85D5D4DB89AC}"/>
+                  </a:ext>
+                </a:extLst>
+              </p:cNvPr>
+              <p:cNvPicPr>
+                <a:picLocks noChangeAspect="1" noChangeArrowheads="1"/>
+              </p:cNvPicPr>
+              <p:nvPr/>
+            </p:nvPicPr>
+            <p:blipFill>
+              <a:blip r:embed="rId10">
+                <a:extLst>
+                  <a:ext uri="{28A0092B-C50C-407E-A947-70E740481C1C}">
+                    <a14:useLocalDpi xmlns:a14="http://schemas.microsoft.com/office/drawing/2010/main" val="0"/>
+                  </a:ext>
+                </a:extLst>
+              </a:blip>
+              <a:srcRect/>
+              <a:stretch>
+                <a:fillRect/>
+              </a:stretch>
+            </p:blipFill>
+            <p:spPr bwMode="auto">
+              <a:xfrm>
+                <a:off x="2778776" y="3953000"/>
+                <a:ext cx="450277" cy="417367"/>
+              </a:xfrm>
+              <a:prstGeom prst="rect">
+                <a:avLst/>
+              </a:prstGeom>
+              <a:noFill/>
+              <a:extLst>
+                <a:ext uri="{909E8E84-426E-40DD-AFC4-6F175D3DCCD1}">
+                  <a14:hiddenFill xmlns:a14="http://schemas.microsoft.com/office/drawing/2010/main">
+                    <a:solidFill>
+                      <a:srgbClr val="FFFFFF"/>
+                    </a:solidFill>
+                  </a14:hiddenFill>
+                </a:ext>
+              </a:extLst>
+            </p:spPr>
+          </p:pic>
+        </p:grpSp>
+        <p:sp>
+          <p:nvSpPr>
+            <p:cNvPr id="182" name="Rectangle 181">
+              <a:extLst>
+                <a:ext uri="{FF2B5EF4-FFF2-40B4-BE49-F238E27FC236}">
+                  <a16:creationId xmlns:a16="http://schemas.microsoft.com/office/drawing/2014/main" id="{71CA4B64-BBBA-FBE8-CE4F-9C7B5918563F}"/>
+                </a:ext>
+              </a:extLst>
+            </p:cNvPr>
+            <p:cNvSpPr/>
+            <p:nvPr/>
+          </p:nvSpPr>
+          <p:spPr>
+            <a:xfrm>
+              <a:off x="6858638" y="645253"/>
+              <a:ext cx="1169933" cy="306177"/>
+            </a:xfrm>
+            <a:prstGeom prst="rect">
+              <a:avLst/>
+            </a:prstGeom>
+            <a:solidFill>
+              <a:schemeClr val="accent5">
+                <a:lumMod val="60000"/>
+                <a:lumOff val="40000"/>
+              </a:schemeClr>
+            </a:solidFill>
+            <a:ln>
+              <a:prstDash val="sysDash"/>
+            </a:ln>
+          </p:spPr>
+          <p:style>
+            <a:lnRef idx="2">
+              <a:schemeClr val="accent1">
+                <a:shade val="50000"/>
+              </a:schemeClr>
+            </a:lnRef>
+            <a:fillRef idx="1">
+              <a:schemeClr val="accent1"/>
+            </a:fillRef>
+            <a:effectRef idx="0">
+              <a:schemeClr val="accent1"/>
+            </a:effectRef>
+            <a:fontRef idx="minor">
+              <a:schemeClr val="lt1"/>
+            </a:fontRef>
+          </p:style>
+          <p:txBody>
+            <a:bodyPr rtlCol="0" anchor="ctr"/>
+            <a:lstStyle/>
+            <a:p>
+              <a:pPr algn="ctr"/>
+              <a:r>
+                <a:rPr lang="en-US" sz="1200" dirty="0" err="1">
+                  <a:solidFill>
+                    <a:schemeClr val="tx1"/>
+                  </a:solidFill>
+                </a:rPr>
+                <a:t>HostRecorder</a:t>
+              </a:r>
+              <a:endParaRPr lang="en-NZ" sz="1200" dirty="0">
+                <a:solidFill>
+                  <a:schemeClr val="tx1"/>
+                </a:solidFill>
+              </a:endParaRPr>
+            </a:p>
+          </p:txBody>
+        </p:sp>
+        <p:cxnSp>
+          <p:nvCxnSpPr>
+            <p:cNvPr id="183" name="Straight Arrow Connector 38">
+              <a:extLst>
+                <a:ext uri="{FF2B5EF4-FFF2-40B4-BE49-F238E27FC236}">
+                  <a16:creationId xmlns:a16="http://schemas.microsoft.com/office/drawing/2014/main" id="{495DA6AB-7B0F-C415-B2DE-4A5F7E84CAEB}"/>
+                </a:ext>
+              </a:extLst>
+            </p:cNvPr>
+            <p:cNvCxnSpPr>
+              <a:cxnSpLocks/>
+              <a:stCxn id="179" idx="3"/>
+              <a:endCxn id="182" idx="1"/>
+            </p:cNvCxnSpPr>
+            <p:nvPr/>
+          </p:nvCxnSpPr>
+          <p:spPr>
+            <a:xfrm>
+              <a:off x="6485086" y="797437"/>
+              <a:ext cx="373552" cy="905"/>
+            </a:xfrm>
+            <a:prstGeom prst="bentConnector3">
+              <a:avLst>
+                <a:gd name="adj1" fmla="val 50000"/>
+              </a:avLst>
+            </a:prstGeom>
+            <a:ln w="19050" cap="flat" cmpd="sng" algn="ctr">
+              <a:solidFill>
+                <a:schemeClr val="dk1"/>
+              </a:solidFill>
+              <a:prstDash val="solid"/>
+              <a:round/>
+              <a:headEnd type="none" w="med" len="med"/>
+              <a:tailEnd type="arrow" w="med" len="med"/>
+            </a:ln>
+          </p:spPr>
+          <p:style>
+            <a:lnRef idx="0">
+              <a:scrgbClr r="0" g="0" b="0"/>
+            </a:lnRef>
+            <a:fillRef idx="0">
+              <a:scrgbClr r="0" g="0" b="0"/>
+            </a:fillRef>
+            <a:effectRef idx="0">
+              <a:scrgbClr r="0" g="0" b="0"/>
+            </a:effectRef>
+            <a:fontRef idx="minor">
+              <a:schemeClr val="tx1"/>
+            </a:fontRef>
+          </p:style>
+        </p:cxnSp>
+        <p:sp>
+          <p:nvSpPr>
+            <p:cNvPr id="253" name="TextBox 252">
+              <a:extLst>
+                <a:ext uri="{FF2B5EF4-FFF2-40B4-BE49-F238E27FC236}">
+                  <a16:creationId xmlns:a16="http://schemas.microsoft.com/office/drawing/2014/main" id="{917D1C44-1D4E-7E37-AE56-8DC6284F8E8C}"/>
+                </a:ext>
+              </a:extLst>
+            </p:cNvPr>
+            <p:cNvSpPr txBox="1"/>
+            <p:nvPr/>
+          </p:nvSpPr>
+          <p:spPr>
+            <a:xfrm>
+              <a:off x="6453818" y="317518"/>
+              <a:ext cx="1492716" cy="338554"/>
+            </a:xfrm>
+            <a:prstGeom prst="rect">
+              <a:avLst/>
+            </a:prstGeom>
+            <a:noFill/>
+          </p:spPr>
+          <p:txBody>
+            <a:bodyPr wrap="none" rtlCol="0">
+              <a:spAutoFit/>
+            </a:bodyPr>
+            <a:lstStyle/>
+            <a:p>
+              <a:r>
+                <a:rPr lang="en-NZ" sz="800" dirty="0"/>
+                <a:t>+ Traces/Crashes/Measures</a:t>
+              </a:r>
+            </a:p>
+            <a:p>
+              <a:r>
+                <a:rPr lang="en-NZ" sz="800" dirty="0"/>
+                <a:t>Audits/Usages</a:t>
+              </a:r>
+            </a:p>
+          </p:txBody>
+        </p:sp>
+      </p:grpSp>
+      <p:grpSp>
+        <p:nvGrpSpPr>
+          <p:cNvPr id="277" name="Group 276">
+            <a:extLst>
+              <a:ext uri="{FF2B5EF4-FFF2-40B4-BE49-F238E27FC236}">
+                <a16:creationId xmlns:a16="http://schemas.microsoft.com/office/drawing/2014/main" id="{2E4C4615-C751-A78A-1594-530765A7C30C}"/>
+              </a:ext>
+            </a:extLst>
+          </p:cNvPr>
+          <p:cNvGrpSpPr/>
+          <p:nvPr/>
+        </p:nvGrpSpPr>
+        <p:grpSpPr>
+          <a:xfrm>
+            <a:off x="5146016" y="4052454"/>
+            <a:ext cx="3212992" cy="2361751"/>
+            <a:chOff x="5146016" y="2839293"/>
+            <a:chExt cx="3212992" cy="2361751"/>
+          </a:xfrm>
+        </p:grpSpPr>
+        <p:sp>
+          <p:nvSpPr>
+            <p:cNvPr id="44" name="Oval 43">
+              <a:extLst>
+                <a:ext uri="{FF2B5EF4-FFF2-40B4-BE49-F238E27FC236}">
+                  <a16:creationId xmlns:a16="http://schemas.microsoft.com/office/drawing/2014/main" id="{79CE5E8B-7050-54BB-4FEC-402F4067C4CB}"/>
+                </a:ext>
+              </a:extLst>
+            </p:cNvPr>
+            <p:cNvSpPr/>
+            <p:nvPr/>
+          </p:nvSpPr>
+          <p:spPr>
+            <a:xfrm>
+              <a:off x="6593831" y="3222985"/>
+              <a:ext cx="175950" cy="175950"/>
+            </a:xfrm>
+            <a:prstGeom prst="ellipse">
+              <a:avLst/>
+            </a:prstGeom>
+            <a:solidFill>
+              <a:srgbClr val="0078D7"/>
+            </a:solidFill>
+            <a:ln>
+              <a:solidFill>
+                <a:srgbClr val="0078D7"/>
+              </a:solidFill>
+            </a:ln>
+          </p:spPr>
+          <p:style>
+            <a:lnRef idx="2">
+              <a:schemeClr val="accent1">
+                <a:shade val="50000"/>
+              </a:schemeClr>
+            </a:lnRef>
+            <a:fillRef idx="1">
+              <a:schemeClr val="accent1"/>
+            </a:fillRef>
+            <a:effectRef idx="0">
+              <a:schemeClr val="accent1"/>
+            </a:effectRef>
+            <a:fontRef idx="minor">
+              <a:schemeClr val="lt1"/>
+            </a:fontRef>
+          </p:style>
+          <p:txBody>
+            <a:bodyPr rtlCol="0" anchor="ctr"/>
+            <a:lstStyle/>
+            <a:p>
+              <a:pPr algn="ctr"/>
+              <a:endParaRPr lang="en-NZ" dirty="0"/>
+            </a:p>
+          </p:txBody>
+        </p:sp>
+        <p:sp>
+          <p:nvSpPr>
+            <p:cNvPr id="45" name="Oval 44">
+              <a:extLst>
+                <a:ext uri="{FF2B5EF4-FFF2-40B4-BE49-F238E27FC236}">
+                  <a16:creationId xmlns:a16="http://schemas.microsoft.com/office/drawing/2014/main" id="{4D5B1FC5-355F-D779-27F2-0E1616741948}"/>
+                </a:ext>
+              </a:extLst>
+            </p:cNvPr>
+            <p:cNvSpPr/>
+            <p:nvPr/>
+          </p:nvSpPr>
+          <p:spPr>
+            <a:xfrm>
+              <a:off x="5151350" y="4058889"/>
+              <a:ext cx="175950" cy="175950"/>
+            </a:xfrm>
+            <a:prstGeom prst="ellipse">
+              <a:avLst/>
+            </a:prstGeom>
+            <a:solidFill>
+              <a:schemeClr val="accent2"/>
+            </a:solidFill>
+            <a:ln>
+              <a:solidFill>
+                <a:schemeClr val="accent1"/>
+              </a:solidFill>
+            </a:ln>
+          </p:spPr>
+          <p:style>
+            <a:lnRef idx="2">
+              <a:schemeClr val="accent1">
+                <a:shade val="50000"/>
+              </a:schemeClr>
+            </a:lnRef>
+            <a:fillRef idx="1">
+              <a:schemeClr val="accent1"/>
+            </a:fillRef>
+            <a:effectRef idx="0">
+              <a:schemeClr val="accent1"/>
+            </a:effectRef>
+            <a:fontRef idx="minor">
+              <a:schemeClr val="lt1"/>
+            </a:fontRef>
+          </p:style>
+          <p:txBody>
+            <a:bodyPr rtlCol="0" anchor="ctr"/>
+            <a:lstStyle/>
+            <a:p>
+              <a:pPr algn="ctr"/>
+              <a:endParaRPr lang="en-NZ"/>
+            </a:p>
+          </p:txBody>
+        </p:sp>
+        <p:sp>
+          <p:nvSpPr>
+            <p:cNvPr id="46" name="Oval 45">
+              <a:extLst>
+                <a:ext uri="{FF2B5EF4-FFF2-40B4-BE49-F238E27FC236}">
+                  <a16:creationId xmlns:a16="http://schemas.microsoft.com/office/drawing/2014/main" id="{96B99708-837C-E579-0827-22206F609EB9}"/>
+                </a:ext>
+              </a:extLst>
+            </p:cNvPr>
+            <p:cNvSpPr/>
+            <p:nvPr/>
+          </p:nvSpPr>
+          <p:spPr>
+            <a:xfrm>
+              <a:off x="5157986" y="4625864"/>
+              <a:ext cx="175950" cy="175950"/>
+            </a:xfrm>
+            <a:prstGeom prst="ellipse">
+              <a:avLst/>
+            </a:prstGeom>
+            <a:solidFill>
+              <a:schemeClr val="accent2"/>
+            </a:solidFill>
+            <a:ln>
+              <a:solidFill>
+                <a:schemeClr val="accent1"/>
+              </a:solidFill>
+            </a:ln>
+          </p:spPr>
+          <p:style>
+            <a:lnRef idx="2">
+              <a:schemeClr val="accent1">
+                <a:shade val="50000"/>
+              </a:schemeClr>
+            </a:lnRef>
+            <a:fillRef idx="1">
+              <a:schemeClr val="accent1"/>
+            </a:fillRef>
+            <a:effectRef idx="0">
+              <a:schemeClr val="accent1"/>
+            </a:effectRef>
+            <a:fontRef idx="minor">
+              <a:schemeClr val="lt1"/>
+            </a:fontRef>
+          </p:style>
+          <p:txBody>
+            <a:bodyPr rtlCol="0" anchor="ctr"/>
+            <a:lstStyle/>
+            <a:p>
+              <a:pPr algn="ctr"/>
+              <a:endParaRPr lang="en-NZ"/>
+            </a:p>
+          </p:txBody>
+        </p:sp>
+        <p:sp>
+          <p:nvSpPr>
+            <p:cNvPr id="47" name="Rectangle: Rounded Corners 46">
+              <a:extLst>
+                <a:ext uri="{FF2B5EF4-FFF2-40B4-BE49-F238E27FC236}">
+                  <a16:creationId xmlns:a16="http://schemas.microsoft.com/office/drawing/2014/main" id="{B44A569B-35FE-1BC1-9722-3ECC9E514393}"/>
+                </a:ext>
+              </a:extLst>
+            </p:cNvPr>
+            <p:cNvSpPr/>
+            <p:nvPr/>
+          </p:nvSpPr>
+          <p:spPr>
+            <a:xfrm>
+              <a:off x="5146016" y="2839293"/>
+              <a:ext cx="3212992" cy="2361751"/>
+            </a:xfrm>
+            <a:prstGeom prst="roundRect">
+              <a:avLst>
+                <a:gd name="adj" fmla="val 4576"/>
+              </a:avLst>
+            </a:prstGeom>
+            <a:solidFill>
+              <a:srgbClr val="0078D7"/>
+            </a:solidFill>
+          </p:spPr>
+          <p:style>
+            <a:lnRef idx="2">
+              <a:schemeClr val="accent1">
+                <a:shade val="50000"/>
+              </a:schemeClr>
+            </a:lnRef>
+            <a:fillRef idx="1">
+              <a:schemeClr val="accent1"/>
+            </a:fillRef>
+            <a:effectRef idx="0">
+              <a:schemeClr val="accent1"/>
+            </a:effectRef>
+            <a:fontRef idx="minor">
+              <a:schemeClr val="lt1"/>
+            </a:fontRef>
+          </p:style>
+          <p:txBody>
+            <a:bodyPr rtlCol="0" anchor="b"/>
+            <a:lstStyle/>
+            <a:p>
+              <a:r>
+                <a:rPr lang="en-US" sz="1200" dirty="0"/>
+                <a:t>              </a:t>
+              </a:r>
+              <a:r>
+                <a:rPr lang="en-US" sz="1200" dirty="0" err="1"/>
+                <a:t>BackEnd</a:t>
+              </a:r>
+              <a:r>
+                <a:rPr lang="en-US" sz="1200" dirty="0"/>
+                <a:t> API Host (1)</a:t>
+              </a:r>
+              <a:endParaRPr lang="en-NZ" dirty="0"/>
+            </a:p>
+          </p:txBody>
+        </p:sp>
+        <p:sp>
+          <p:nvSpPr>
+            <p:cNvPr id="49" name="Rectangle 48">
+              <a:extLst>
+                <a:ext uri="{FF2B5EF4-FFF2-40B4-BE49-F238E27FC236}">
+                  <a16:creationId xmlns:a16="http://schemas.microsoft.com/office/drawing/2014/main" id="{C4C74057-B086-B52F-0A6F-A44483AC67D8}"/>
+                </a:ext>
+              </a:extLst>
+            </p:cNvPr>
+            <p:cNvSpPr/>
+            <p:nvPr/>
+          </p:nvSpPr>
+          <p:spPr>
+            <a:xfrm>
+              <a:off x="5308720" y="3040435"/>
+              <a:ext cx="1237773" cy="445873"/>
+            </a:xfrm>
+            <a:prstGeom prst="rect">
+              <a:avLst/>
+            </a:prstGeom>
+            <a:solidFill>
+              <a:schemeClr val="accent1"/>
+            </a:solidFill>
+          </p:spPr>
+          <p:style>
+            <a:lnRef idx="2">
+              <a:schemeClr val="accent1">
+                <a:shade val="50000"/>
+              </a:schemeClr>
+            </a:lnRef>
+            <a:fillRef idx="1">
+              <a:schemeClr val="accent1"/>
+            </a:fillRef>
+            <a:effectRef idx="0">
+              <a:schemeClr val="accent1"/>
+            </a:effectRef>
+            <a:fontRef idx="minor">
+              <a:schemeClr val="lt1"/>
+            </a:fontRef>
+          </p:style>
+          <p:txBody>
+            <a:bodyPr rtlCol="0" anchor="ctr"/>
+            <a:lstStyle/>
+            <a:p>
+              <a:pPr algn="ctr"/>
+              <a:r>
+                <a:rPr lang="en-US" sz="1200" dirty="0">
+                  <a:solidFill>
+                    <a:schemeClr val="bg1"/>
+                  </a:solidFill>
+                </a:rPr>
+                <a:t>Other APIs</a:t>
+              </a:r>
+              <a:endParaRPr lang="en-NZ" sz="1200" dirty="0">
+                <a:solidFill>
+                  <a:schemeClr val="bg1"/>
+                </a:solidFill>
+              </a:endParaRPr>
+            </a:p>
+          </p:txBody>
+        </p:sp>
+        <p:sp>
+          <p:nvSpPr>
+            <p:cNvPr id="53" name="Rectangle 52">
+              <a:extLst>
+                <a:ext uri="{FF2B5EF4-FFF2-40B4-BE49-F238E27FC236}">
+                  <a16:creationId xmlns:a16="http://schemas.microsoft.com/office/drawing/2014/main" id="{3507010C-DE69-575A-0FED-FBCE2EB24490}"/>
+                </a:ext>
+              </a:extLst>
+            </p:cNvPr>
+            <p:cNvSpPr/>
+            <p:nvPr/>
+          </p:nvSpPr>
+          <p:spPr>
+            <a:xfrm>
+              <a:off x="5301997" y="4149220"/>
+              <a:ext cx="1221842" cy="445873"/>
+            </a:xfrm>
+            <a:prstGeom prst="rect">
+              <a:avLst/>
+            </a:prstGeom>
+            <a:solidFill>
+              <a:schemeClr val="accent1"/>
+            </a:solidFill>
+          </p:spPr>
+          <p:style>
+            <a:lnRef idx="2">
+              <a:schemeClr val="accent1">
+                <a:shade val="50000"/>
+              </a:schemeClr>
+            </a:lnRef>
+            <a:fillRef idx="1">
+              <a:schemeClr val="accent1"/>
+            </a:fillRef>
+            <a:effectRef idx="0">
+              <a:schemeClr val="accent1"/>
+            </a:effectRef>
+            <a:fontRef idx="minor">
+              <a:schemeClr val="lt1"/>
+            </a:fontRef>
+          </p:style>
+          <p:txBody>
+            <a:bodyPr rtlCol="0" anchor="ctr"/>
+            <a:lstStyle/>
+            <a:p>
+              <a:pPr algn="ctr"/>
+              <a:r>
+                <a:rPr lang="en-US" sz="1200" dirty="0">
+                  <a:solidFill>
+                    <a:schemeClr val="bg1"/>
+                  </a:solidFill>
+                </a:rPr>
+                <a:t>Ancillary API</a:t>
+              </a:r>
+              <a:endParaRPr lang="en-NZ" sz="1200" dirty="0">
+                <a:solidFill>
+                  <a:schemeClr val="bg1"/>
+                </a:solidFill>
+              </a:endParaRPr>
+            </a:p>
+          </p:txBody>
+        </p:sp>
+        <p:pic>
+          <p:nvPicPr>
+            <p:cNvPr id="57" name="Picture 8" descr="App Service - Web App | Microsoft Azure Mono">
+              <a:extLst>
+                <a:ext uri="{FF2B5EF4-FFF2-40B4-BE49-F238E27FC236}">
+                  <a16:creationId xmlns:a16="http://schemas.microsoft.com/office/drawing/2014/main" id="{8AA66BF7-E839-2983-8626-E3F363685F94}"/>
+                </a:ext>
+              </a:extLst>
+            </p:cNvPr>
+            <p:cNvPicPr>
+              <a:picLocks noChangeAspect="1" noChangeArrowheads="1"/>
+            </p:cNvPicPr>
+            <p:nvPr/>
+          </p:nvPicPr>
+          <p:blipFill>
+            <a:blip r:embed="rId10">
+              <a:extLst>
+                <a:ext uri="{28A0092B-C50C-407E-A947-70E740481C1C}">
+                  <a14:useLocalDpi xmlns:a14="http://schemas.microsoft.com/office/drawing/2010/main" val="0"/>
+                </a:ext>
+              </a:extLst>
+            </a:blip>
+            <a:srcRect/>
+            <a:stretch>
+              <a:fillRect/>
+            </a:stretch>
+          </p:blipFill>
+          <p:spPr bwMode="auto">
+            <a:xfrm>
+              <a:off x="5229260" y="4650828"/>
+              <a:ext cx="450277" cy="450277"/>
+            </a:xfrm>
+            <a:prstGeom prst="rect">
+              <a:avLst/>
+            </a:prstGeom>
+            <a:noFill/>
+            <a:extLst>
+              <a:ext uri="{909E8E84-426E-40DD-AFC4-6F175D3DCCD1}">
+                <a14:hiddenFill xmlns:a14="http://schemas.microsoft.com/office/drawing/2010/main">
+                  <a:solidFill>
+                    <a:srgbClr val="FFFFFF"/>
+                  </a:solidFill>
+                </a14:hiddenFill>
+              </a:ext>
+            </a:extLst>
+          </p:spPr>
+        </p:pic>
+        <p:sp>
+          <p:nvSpPr>
+            <p:cNvPr id="123" name="Rectangle 122">
+              <a:extLst>
+                <a:ext uri="{FF2B5EF4-FFF2-40B4-BE49-F238E27FC236}">
+                  <a16:creationId xmlns:a16="http://schemas.microsoft.com/office/drawing/2014/main" id="{6DA5FEB2-D31D-D8E0-50E8-E4554192A373}"/>
+                </a:ext>
+              </a:extLst>
+            </p:cNvPr>
+            <p:cNvSpPr/>
+            <p:nvPr/>
+          </p:nvSpPr>
+          <p:spPr>
+            <a:xfrm>
+              <a:off x="7020843" y="3370873"/>
+              <a:ext cx="1169933" cy="306177"/>
+            </a:xfrm>
+            <a:prstGeom prst="rect">
+              <a:avLst/>
+            </a:prstGeom>
+            <a:solidFill>
+              <a:schemeClr val="accent5">
+                <a:lumMod val="60000"/>
+                <a:lumOff val="40000"/>
+              </a:schemeClr>
+            </a:solidFill>
+            <a:ln>
+              <a:prstDash val="sysDash"/>
+            </a:ln>
+          </p:spPr>
+          <p:style>
+            <a:lnRef idx="2">
+              <a:schemeClr val="accent1">
+                <a:shade val="50000"/>
+              </a:schemeClr>
+            </a:lnRef>
+            <a:fillRef idx="1">
+              <a:schemeClr val="accent1"/>
+            </a:fillRef>
+            <a:effectRef idx="0">
+              <a:schemeClr val="accent1"/>
+            </a:effectRef>
+            <a:fontRef idx="minor">
+              <a:schemeClr val="lt1"/>
+            </a:fontRef>
+          </p:style>
+          <p:txBody>
+            <a:bodyPr rtlCol="0" anchor="ctr"/>
+            <a:lstStyle/>
+            <a:p>
+              <a:pPr algn="ctr"/>
+              <a:r>
+                <a:rPr lang="en-US" sz="1200" dirty="0" err="1">
+                  <a:solidFill>
+                    <a:schemeClr val="tx1"/>
+                  </a:solidFill>
+                </a:rPr>
+                <a:t>HostRecorder</a:t>
+              </a:r>
+              <a:endParaRPr lang="en-NZ" sz="1200" dirty="0">
+                <a:solidFill>
+                  <a:schemeClr val="tx1"/>
+                </a:solidFill>
+              </a:endParaRPr>
+            </a:p>
+          </p:txBody>
+        </p:sp>
+        <p:cxnSp>
+          <p:nvCxnSpPr>
+            <p:cNvPr id="124" name="Straight Arrow Connector 38">
+              <a:extLst>
+                <a:ext uri="{FF2B5EF4-FFF2-40B4-BE49-F238E27FC236}">
+                  <a16:creationId xmlns:a16="http://schemas.microsoft.com/office/drawing/2014/main" id="{DF0440B5-6D0B-E640-63B2-459D806653A5}"/>
+                </a:ext>
+              </a:extLst>
+            </p:cNvPr>
+            <p:cNvCxnSpPr>
+              <a:cxnSpLocks/>
+              <a:stCxn id="49" idx="3"/>
+              <a:endCxn id="123" idx="1"/>
+            </p:cNvCxnSpPr>
+            <p:nvPr/>
+          </p:nvCxnSpPr>
+          <p:spPr>
+            <a:xfrm>
+              <a:off x="6546493" y="3263372"/>
+              <a:ext cx="474350" cy="260590"/>
+            </a:xfrm>
+            <a:prstGeom prst="bentConnector3">
+              <a:avLst>
+                <a:gd name="adj1" fmla="val 50000"/>
+              </a:avLst>
+            </a:prstGeom>
+            <a:ln w="19050" cap="flat" cmpd="sng" algn="ctr">
+              <a:solidFill>
+                <a:schemeClr val="dk1"/>
+              </a:solidFill>
+              <a:prstDash val="solid"/>
+              <a:round/>
+              <a:headEnd type="none" w="med" len="med"/>
+              <a:tailEnd type="arrow" w="med" len="med"/>
+            </a:ln>
+          </p:spPr>
+          <p:style>
+            <a:lnRef idx="0">
+              <a:scrgbClr r="0" g="0" b="0"/>
+            </a:lnRef>
+            <a:fillRef idx="0">
+              <a:scrgbClr r="0" g="0" b="0"/>
+            </a:fillRef>
+            <a:effectRef idx="0">
+              <a:scrgbClr r="0" g="0" b="0"/>
+            </a:effectRef>
+            <a:fontRef idx="minor">
+              <a:schemeClr val="tx1"/>
+            </a:fontRef>
+          </p:style>
+        </p:cxnSp>
+        <p:sp>
+          <p:nvSpPr>
+            <p:cNvPr id="159" name="Rectangle 158">
+              <a:extLst>
+                <a:ext uri="{FF2B5EF4-FFF2-40B4-BE49-F238E27FC236}">
+                  <a16:creationId xmlns:a16="http://schemas.microsoft.com/office/drawing/2014/main" id="{B144BAC2-2681-6E0E-0F2A-6205B50FC9C9}"/>
+                </a:ext>
+              </a:extLst>
+            </p:cNvPr>
+            <p:cNvSpPr/>
+            <p:nvPr/>
+          </p:nvSpPr>
+          <p:spPr>
+            <a:xfrm>
+              <a:off x="5301997" y="3584856"/>
+              <a:ext cx="1237773" cy="445873"/>
+            </a:xfrm>
+            <a:prstGeom prst="rect">
+              <a:avLst/>
+            </a:prstGeom>
+            <a:solidFill>
+              <a:schemeClr val="accent1"/>
+            </a:solidFill>
+          </p:spPr>
+          <p:style>
+            <a:lnRef idx="2">
+              <a:schemeClr val="accent1">
+                <a:shade val="50000"/>
+              </a:schemeClr>
+            </a:lnRef>
+            <a:fillRef idx="1">
+              <a:schemeClr val="accent1"/>
+            </a:fillRef>
+            <a:effectRef idx="0">
+              <a:schemeClr val="accent1"/>
+            </a:effectRef>
+            <a:fontRef idx="minor">
+              <a:schemeClr val="lt1"/>
+            </a:fontRef>
+          </p:style>
+          <p:txBody>
+            <a:bodyPr rtlCol="0" anchor="ctr"/>
+            <a:lstStyle/>
+            <a:p>
+              <a:pPr algn="ctr"/>
+              <a:r>
+                <a:rPr lang="en-US" sz="1200" dirty="0">
+                  <a:solidFill>
+                    <a:schemeClr val="bg1"/>
+                  </a:solidFill>
+                </a:rPr>
+                <a:t>Recording API</a:t>
+              </a:r>
+              <a:endParaRPr lang="en-NZ" sz="1200" dirty="0">
+                <a:solidFill>
+                  <a:schemeClr val="bg1"/>
+                </a:solidFill>
+              </a:endParaRPr>
+            </a:p>
+          </p:txBody>
+        </p:sp>
+        <p:cxnSp>
+          <p:nvCxnSpPr>
+            <p:cNvPr id="166" name="Straight Arrow Connector 38">
+              <a:extLst>
+                <a:ext uri="{FF2B5EF4-FFF2-40B4-BE49-F238E27FC236}">
+                  <a16:creationId xmlns:a16="http://schemas.microsoft.com/office/drawing/2014/main" id="{EDC29464-B4EE-A40E-D8AA-7DECB8391688}"/>
+                </a:ext>
+              </a:extLst>
+            </p:cNvPr>
+            <p:cNvCxnSpPr>
+              <a:cxnSpLocks/>
+              <a:stCxn id="159" idx="3"/>
+              <a:endCxn id="123" idx="1"/>
+            </p:cNvCxnSpPr>
+            <p:nvPr/>
+          </p:nvCxnSpPr>
+          <p:spPr>
+            <a:xfrm flipV="1">
+              <a:off x="6539770" y="3523962"/>
+              <a:ext cx="481073" cy="283831"/>
+            </a:xfrm>
+            <a:prstGeom prst="bentConnector3">
+              <a:avLst>
+                <a:gd name="adj1" fmla="val 50000"/>
+              </a:avLst>
+            </a:prstGeom>
+            <a:ln w="19050" cap="flat" cmpd="sng" algn="ctr">
+              <a:solidFill>
+                <a:schemeClr val="dk1"/>
+              </a:solidFill>
+              <a:prstDash val="solid"/>
+              <a:round/>
+              <a:headEnd type="none" w="med" len="med"/>
+              <a:tailEnd type="arrow" w="med" len="med"/>
+            </a:ln>
+          </p:spPr>
+          <p:style>
+            <a:lnRef idx="0">
+              <a:scrgbClr r="0" g="0" b="0"/>
+            </a:lnRef>
+            <a:fillRef idx="0">
+              <a:scrgbClr r="0" g="0" b="0"/>
+            </a:fillRef>
+            <a:effectRef idx="0">
+              <a:scrgbClr r="0" g="0" b="0"/>
+            </a:effectRef>
+            <a:fontRef idx="minor">
+              <a:schemeClr val="tx1"/>
+            </a:fontRef>
+          </p:style>
+        </p:cxnSp>
+        <p:sp>
+          <p:nvSpPr>
+            <p:cNvPr id="252" name="TextBox 251">
+              <a:extLst>
+                <a:ext uri="{FF2B5EF4-FFF2-40B4-BE49-F238E27FC236}">
+                  <a16:creationId xmlns:a16="http://schemas.microsoft.com/office/drawing/2014/main" id="{5A1B7C83-BD19-672F-14A1-0351AE1B5832}"/>
+                </a:ext>
+              </a:extLst>
+            </p:cNvPr>
+            <p:cNvSpPr txBox="1"/>
+            <p:nvPr/>
+          </p:nvSpPr>
+          <p:spPr>
+            <a:xfrm>
+              <a:off x="6570966" y="2926708"/>
+              <a:ext cx="1492716" cy="338554"/>
+            </a:xfrm>
+            <a:prstGeom prst="rect">
+              <a:avLst/>
+            </a:prstGeom>
+            <a:noFill/>
+          </p:spPr>
+          <p:txBody>
+            <a:bodyPr wrap="none" rtlCol="0">
+              <a:spAutoFit/>
+            </a:bodyPr>
+            <a:lstStyle/>
+            <a:p>
+              <a:r>
+                <a:rPr lang="en-NZ" sz="800" dirty="0"/>
+                <a:t>+ Traces/Crashes/Measures</a:t>
+              </a:r>
+            </a:p>
+            <a:p>
+              <a:r>
+                <a:rPr lang="en-NZ" sz="800" dirty="0"/>
+                <a:t>Audits/Usages</a:t>
+              </a:r>
+            </a:p>
+          </p:txBody>
+        </p:sp>
+        <p:sp>
+          <p:nvSpPr>
+            <p:cNvPr id="254" name="TextBox 253">
+              <a:extLst>
+                <a:ext uri="{FF2B5EF4-FFF2-40B4-BE49-F238E27FC236}">
+                  <a16:creationId xmlns:a16="http://schemas.microsoft.com/office/drawing/2014/main" id="{BF70E56B-28EE-371C-D03E-43BF4B66FF5A}"/>
+                </a:ext>
+              </a:extLst>
+            </p:cNvPr>
+            <p:cNvSpPr txBox="1"/>
+            <p:nvPr/>
+          </p:nvSpPr>
+          <p:spPr>
+            <a:xfrm>
+              <a:off x="6555093" y="3839070"/>
+              <a:ext cx="1103187" cy="215444"/>
+            </a:xfrm>
+            <a:prstGeom prst="rect">
+              <a:avLst/>
+            </a:prstGeom>
+            <a:noFill/>
+          </p:spPr>
+          <p:txBody>
+            <a:bodyPr wrap="none" rtlCol="0">
+              <a:spAutoFit/>
+            </a:bodyPr>
+            <a:lstStyle/>
+            <a:p>
+              <a:r>
+                <a:rPr lang="en-NZ" sz="800" dirty="0"/>
+                <a:t>+ Usages/Measures</a:t>
+              </a:r>
+            </a:p>
+          </p:txBody>
+        </p:sp>
+      </p:grpSp>
+      <p:cxnSp>
+        <p:nvCxnSpPr>
+          <p:cNvPr id="28" name="Straight Arrow Connector 29">
+            <a:extLst>
+              <a:ext uri="{FF2B5EF4-FFF2-40B4-BE49-F238E27FC236}">
+                <a16:creationId xmlns:a16="http://schemas.microsoft.com/office/drawing/2014/main" id="{2487AE29-09FA-E0B9-3624-FBE19DED6341}"/>
+              </a:ext>
+            </a:extLst>
+          </p:cNvPr>
+          <p:cNvCxnSpPr>
+            <a:cxnSpLocks/>
+            <a:stCxn id="33" idx="3"/>
+            <a:endCxn id="123" idx="3"/>
+          </p:cNvCxnSpPr>
+          <p:nvPr/>
+        </p:nvCxnSpPr>
+        <p:spPr>
+          <a:xfrm flipH="1">
+            <a:off x="8190776" y="3220028"/>
+            <a:ext cx="696265" cy="1517095"/>
+          </a:xfrm>
+          <a:prstGeom prst="straightConnector1">
+            <a:avLst/>
+          </a:prstGeom>
+          <a:ln w="19050" cap="flat" cmpd="sng" algn="ctr">
+            <a:solidFill>
+              <a:schemeClr val="bg2">
+                <a:lumMod val="50000"/>
+              </a:schemeClr>
+            </a:solidFill>
+            <a:prstDash val="solid"/>
+            <a:round/>
+            <a:headEnd type="arrow" w="med" len="med"/>
+            <a:tailEnd type="none" w="med" len="med"/>
+          </a:ln>
+        </p:spPr>
+        <p:style>
+          <a:lnRef idx="0">
+            <a:scrgbClr r="0" g="0" b="0"/>
+          </a:lnRef>
+          <a:fillRef idx="0">
+            <a:scrgbClr r="0" g="0" b="0"/>
+          </a:fillRef>
+          <a:effectRef idx="0">
+            <a:scrgbClr r="0" g="0" b="0"/>
+          </a:effectRef>
+          <a:fontRef idx="minor">
+            <a:schemeClr val="tx1"/>
+          </a:fontRef>
+        </p:style>
+      </p:cxnSp>
+      <p:grpSp>
+        <p:nvGrpSpPr>
+          <p:cNvPr id="284" name="Group 283">
+            <a:extLst>
+              <a:ext uri="{FF2B5EF4-FFF2-40B4-BE49-F238E27FC236}">
+                <a16:creationId xmlns:a16="http://schemas.microsoft.com/office/drawing/2014/main" id="{8C982128-8DBE-1C9F-C7FB-CB8174C42D94}"/>
+              </a:ext>
+            </a:extLst>
+          </p:cNvPr>
+          <p:cNvGrpSpPr/>
+          <p:nvPr/>
+        </p:nvGrpSpPr>
+        <p:grpSpPr>
+          <a:xfrm>
+            <a:off x="5130763" y="644768"/>
+            <a:ext cx="3216561" cy="1886135"/>
+            <a:chOff x="5142446" y="57977"/>
+            <a:chExt cx="3216561" cy="1886135"/>
+          </a:xfrm>
+        </p:grpSpPr>
+        <p:grpSp>
+          <p:nvGrpSpPr>
+            <p:cNvPr id="259" name="Group 258">
+              <a:extLst>
+                <a:ext uri="{FF2B5EF4-FFF2-40B4-BE49-F238E27FC236}">
+                  <a16:creationId xmlns:a16="http://schemas.microsoft.com/office/drawing/2014/main" id="{746E4B18-59E7-1CA5-4EDD-D708F44E310A}"/>
+                </a:ext>
+              </a:extLst>
+            </p:cNvPr>
+            <p:cNvGrpSpPr/>
+            <p:nvPr/>
+          </p:nvGrpSpPr>
+          <p:grpSpPr>
+            <a:xfrm>
+              <a:off x="5142446" y="57977"/>
+              <a:ext cx="3216561" cy="1886135"/>
+              <a:chOff x="2698105" y="3204587"/>
+              <a:chExt cx="3216561" cy="1886135"/>
+            </a:xfrm>
+          </p:grpSpPr>
+          <p:sp>
+            <p:nvSpPr>
+              <p:cNvPr id="263" name="Rectangle: Rounded Corners 262">
+                <a:extLst>
+                  <a:ext uri="{FF2B5EF4-FFF2-40B4-BE49-F238E27FC236}">
+                    <a16:creationId xmlns:a16="http://schemas.microsoft.com/office/drawing/2014/main" id="{319EF625-F8BA-44B1-613A-AF4A23B0597C}"/>
+                  </a:ext>
+                </a:extLst>
+              </p:cNvPr>
+              <p:cNvSpPr/>
+              <p:nvPr/>
+            </p:nvSpPr>
+            <p:spPr>
+              <a:xfrm>
+                <a:off x="2698105" y="3204587"/>
+                <a:ext cx="3216561" cy="1886135"/>
+              </a:xfrm>
+              <a:prstGeom prst="roundRect">
+                <a:avLst>
+                  <a:gd name="adj" fmla="val 5101"/>
+                </a:avLst>
+              </a:prstGeom>
+              <a:solidFill>
+                <a:srgbClr val="0078D7"/>
+              </a:solidFill>
+            </p:spPr>
+            <p:style>
+              <a:lnRef idx="2">
+                <a:schemeClr val="accent1">
+                  <a:shade val="50000"/>
+                </a:schemeClr>
+              </a:lnRef>
+              <a:fillRef idx="1">
+                <a:schemeClr val="accent1"/>
+              </a:fillRef>
+              <a:effectRef idx="0">
+                <a:schemeClr val="accent1"/>
+              </a:effectRef>
+              <a:fontRef idx="minor">
+                <a:schemeClr val="lt1"/>
+              </a:fontRef>
+            </p:style>
+            <p:txBody>
+              <a:bodyPr rtlCol="0" anchor="b"/>
+              <a:lstStyle/>
+              <a:p>
+                <a:r>
+                  <a:rPr lang="en-US" sz="1200" dirty="0"/>
+                  <a:t>              Backend 4FrontEnd Host</a:t>
+                </a:r>
+              </a:p>
+            </p:txBody>
+          </p:sp>
+          <p:sp>
+            <p:nvSpPr>
+              <p:cNvPr id="264" name="Rectangle 263">
+                <a:extLst>
+                  <a:ext uri="{FF2B5EF4-FFF2-40B4-BE49-F238E27FC236}">
+                    <a16:creationId xmlns:a16="http://schemas.microsoft.com/office/drawing/2014/main" id="{26B2E57F-F4F3-8BFB-5050-AFB4A01591EB}"/>
+                  </a:ext>
+                </a:extLst>
+              </p:cNvPr>
+              <p:cNvSpPr/>
+              <p:nvPr/>
+            </p:nvSpPr>
+            <p:spPr>
+              <a:xfrm>
+                <a:off x="3001084" y="3526720"/>
+                <a:ext cx="1039660" cy="379857"/>
+              </a:xfrm>
+              <a:prstGeom prst="rect">
+                <a:avLst/>
+              </a:prstGeom>
+            </p:spPr>
+            <p:style>
+              <a:lnRef idx="2">
+                <a:schemeClr val="accent1">
+                  <a:shade val="50000"/>
+                </a:schemeClr>
+              </a:lnRef>
+              <a:fillRef idx="1">
+                <a:schemeClr val="accent1"/>
+              </a:fillRef>
+              <a:effectRef idx="0">
+                <a:schemeClr val="accent1"/>
+              </a:effectRef>
+              <a:fontRef idx="minor">
+                <a:schemeClr val="lt1"/>
+              </a:fontRef>
+            </p:style>
+            <p:txBody>
+              <a:bodyPr rtlCol="0" anchor="ctr"/>
+              <a:lstStyle/>
+              <a:p>
+                <a:pPr algn="ctr"/>
+                <a:r>
+                  <a:rPr lang="en-US" sz="1200" dirty="0"/>
+                  <a:t>Any APIs</a:t>
+                </a:r>
+                <a:endParaRPr lang="en-NZ" sz="1200" dirty="0"/>
+              </a:p>
+            </p:txBody>
+          </p:sp>
+          <p:pic>
+            <p:nvPicPr>
+              <p:cNvPr id="265" name="Picture 8" descr="App Service - Web App | Microsoft Azure Mono">
+                <a:extLst>
+                  <a:ext uri="{FF2B5EF4-FFF2-40B4-BE49-F238E27FC236}">
+                    <a16:creationId xmlns:a16="http://schemas.microsoft.com/office/drawing/2014/main" id="{CF771138-2DD8-8859-11CD-D2B0378D640D}"/>
+                  </a:ext>
+                </a:extLst>
+              </p:cNvPr>
+              <p:cNvPicPr>
+                <a:picLocks noChangeAspect="1" noChangeArrowheads="1"/>
+              </p:cNvPicPr>
+              <p:nvPr/>
+            </p:nvPicPr>
+            <p:blipFill>
+              <a:blip r:embed="rId10">
+                <a:extLst>
+                  <a:ext uri="{28A0092B-C50C-407E-A947-70E740481C1C}">
+                    <a14:useLocalDpi xmlns:a14="http://schemas.microsoft.com/office/drawing/2010/main" val="0"/>
+                  </a:ext>
+                </a:extLst>
+              </a:blip>
+              <a:srcRect/>
+              <a:stretch>
+                <a:fillRect/>
+              </a:stretch>
+            </p:blipFill>
+            <p:spPr bwMode="auto">
+              <a:xfrm>
+                <a:off x="2778776" y="4550527"/>
+                <a:ext cx="450277" cy="417367"/>
+              </a:xfrm>
+              <a:prstGeom prst="rect">
+                <a:avLst/>
+              </a:prstGeom>
+              <a:noFill/>
+              <a:extLst>
+                <a:ext uri="{909E8E84-426E-40DD-AFC4-6F175D3DCCD1}">
+                  <a14:hiddenFill xmlns:a14="http://schemas.microsoft.com/office/drawing/2010/main">
+                    <a:solidFill>
+                      <a:srgbClr val="FFFFFF"/>
+                    </a:solidFill>
+                  </a14:hiddenFill>
+                </a:ext>
+              </a:extLst>
+            </p:spPr>
+          </p:pic>
+        </p:grpSp>
+        <p:sp>
+          <p:nvSpPr>
+            <p:cNvPr id="260" name="Rectangle 259">
+              <a:extLst>
+                <a:ext uri="{FF2B5EF4-FFF2-40B4-BE49-F238E27FC236}">
+                  <a16:creationId xmlns:a16="http://schemas.microsoft.com/office/drawing/2014/main" id="{6E57702C-3BBF-5565-E964-DBD93FC9F045}"/>
+                </a:ext>
+              </a:extLst>
+            </p:cNvPr>
+            <p:cNvSpPr/>
+            <p:nvPr/>
+          </p:nvSpPr>
+          <p:spPr>
+            <a:xfrm>
+              <a:off x="6858637" y="644188"/>
+              <a:ext cx="1169933" cy="306177"/>
+            </a:xfrm>
+            <a:prstGeom prst="rect">
+              <a:avLst/>
+            </a:prstGeom>
+            <a:solidFill>
+              <a:schemeClr val="accent5">
+                <a:lumMod val="60000"/>
+                <a:lumOff val="40000"/>
+              </a:schemeClr>
+            </a:solidFill>
+            <a:ln>
+              <a:prstDash val="sysDash"/>
+            </a:ln>
+          </p:spPr>
+          <p:style>
+            <a:lnRef idx="2">
+              <a:schemeClr val="accent1">
+                <a:shade val="50000"/>
+              </a:schemeClr>
+            </a:lnRef>
+            <a:fillRef idx="1">
+              <a:schemeClr val="accent1"/>
+            </a:fillRef>
+            <a:effectRef idx="0">
+              <a:schemeClr val="accent1"/>
+            </a:effectRef>
+            <a:fontRef idx="minor">
+              <a:schemeClr val="lt1"/>
+            </a:fontRef>
+          </p:style>
+          <p:txBody>
+            <a:bodyPr rtlCol="0" anchor="ctr"/>
+            <a:lstStyle/>
+            <a:p>
+              <a:pPr algn="ctr"/>
+              <a:r>
+                <a:rPr lang="en-US" sz="1200" dirty="0" err="1">
+                  <a:solidFill>
+                    <a:schemeClr val="tx1"/>
+                  </a:solidFill>
+                </a:rPr>
+                <a:t>HostRecorder</a:t>
+              </a:r>
+              <a:endParaRPr lang="en-NZ" sz="1200" dirty="0">
+                <a:solidFill>
+                  <a:schemeClr val="tx1"/>
+                </a:solidFill>
+              </a:endParaRPr>
+            </a:p>
+          </p:txBody>
+        </p:sp>
+        <p:cxnSp>
+          <p:nvCxnSpPr>
+            <p:cNvPr id="261" name="Straight Arrow Connector 38">
+              <a:extLst>
+                <a:ext uri="{FF2B5EF4-FFF2-40B4-BE49-F238E27FC236}">
+                  <a16:creationId xmlns:a16="http://schemas.microsoft.com/office/drawing/2014/main" id="{328F0A6B-32E4-87C4-D3CD-3630061280E6}"/>
+                </a:ext>
+              </a:extLst>
+            </p:cNvPr>
+            <p:cNvCxnSpPr>
+              <a:cxnSpLocks/>
+              <a:stCxn id="264" idx="3"/>
+              <a:endCxn id="260" idx="1"/>
+            </p:cNvCxnSpPr>
+            <p:nvPr/>
+          </p:nvCxnSpPr>
+          <p:spPr>
+            <a:xfrm>
+              <a:off x="6485085" y="570039"/>
+              <a:ext cx="373552" cy="227238"/>
+            </a:xfrm>
+            <a:prstGeom prst="bentConnector3">
+              <a:avLst>
+                <a:gd name="adj1" fmla="val 50000"/>
+              </a:avLst>
+            </a:prstGeom>
+            <a:ln w="19050" cap="flat" cmpd="sng" algn="ctr">
+              <a:solidFill>
+                <a:schemeClr val="dk1"/>
+              </a:solidFill>
+              <a:prstDash val="solid"/>
+              <a:round/>
+              <a:headEnd type="none" w="med" len="med"/>
+              <a:tailEnd type="arrow" w="med" len="med"/>
+            </a:ln>
+          </p:spPr>
+          <p:style>
+            <a:lnRef idx="0">
+              <a:scrgbClr r="0" g="0" b="0"/>
+            </a:lnRef>
+            <a:fillRef idx="0">
+              <a:scrgbClr r="0" g="0" b="0"/>
+            </a:fillRef>
+            <a:effectRef idx="0">
+              <a:scrgbClr r="0" g="0" b="0"/>
+            </a:effectRef>
+            <a:fontRef idx="minor">
+              <a:schemeClr val="tx1"/>
+            </a:fontRef>
+          </p:style>
+        </p:cxnSp>
+        <p:sp>
+          <p:nvSpPr>
+            <p:cNvPr id="262" name="TextBox 261">
+              <a:extLst>
+                <a:ext uri="{FF2B5EF4-FFF2-40B4-BE49-F238E27FC236}">
+                  <a16:creationId xmlns:a16="http://schemas.microsoft.com/office/drawing/2014/main" id="{33E55B85-0DC0-89C2-4352-877FA9B9CBF4}"/>
+                </a:ext>
+              </a:extLst>
+            </p:cNvPr>
+            <p:cNvSpPr txBox="1"/>
+            <p:nvPr/>
+          </p:nvSpPr>
+          <p:spPr>
+            <a:xfrm>
+              <a:off x="6453817" y="90120"/>
+              <a:ext cx="1492716" cy="338554"/>
+            </a:xfrm>
+            <a:prstGeom prst="rect">
+              <a:avLst/>
+            </a:prstGeom>
+            <a:noFill/>
+          </p:spPr>
+          <p:txBody>
+            <a:bodyPr wrap="none" rtlCol="0">
+              <a:spAutoFit/>
+            </a:bodyPr>
+            <a:lstStyle/>
+            <a:p>
+              <a:r>
+                <a:rPr lang="en-NZ" sz="800" dirty="0"/>
+                <a:t>+ Traces/Crashes/Measures</a:t>
+              </a:r>
+            </a:p>
+            <a:p>
+              <a:r>
+                <a:rPr lang="en-NZ" sz="800" dirty="0"/>
+                <a:t>Audits/Usages</a:t>
+              </a:r>
+            </a:p>
+          </p:txBody>
+        </p:sp>
+        <p:sp>
+          <p:nvSpPr>
+            <p:cNvPr id="26" name="Rectangle 25">
+              <a:extLst>
+                <a:ext uri="{FF2B5EF4-FFF2-40B4-BE49-F238E27FC236}">
+                  <a16:creationId xmlns:a16="http://schemas.microsoft.com/office/drawing/2014/main" id="{D43614FB-F9BE-49F3-C0F7-9FF74A2F24AC}"/>
+                </a:ext>
+              </a:extLst>
+            </p:cNvPr>
+            <p:cNvSpPr/>
+            <p:nvPr/>
+          </p:nvSpPr>
+          <p:spPr>
+            <a:xfrm>
+              <a:off x="5445425" y="864717"/>
+              <a:ext cx="1039660" cy="379857"/>
+            </a:xfrm>
+            <a:prstGeom prst="rect">
+              <a:avLst/>
+            </a:prstGeom>
+          </p:spPr>
+          <p:style>
+            <a:lnRef idx="2">
+              <a:schemeClr val="accent1">
+                <a:shade val="50000"/>
+              </a:schemeClr>
+            </a:lnRef>
+            <a:fillRef idx="1">
+              <a:schemeClr val="accent1"/>
+            </a:fillRef>
+            <a:effectRef idx="0">
+              <a:schemeClr val="accent1"/>
+            </a:effectRef>
+            <a:fontRef idx="minor">
+              <a:schemeClr val="lt1"/>
+            </a:fontRef>
+          </p:style>
+          <p:txBody>
+            <a:bodyPr rtlCol="0" anchor="ctr"/>
+            <a:lstStyle/>
+            <a:p>
+              <a:pPr algn="ctr"/>
+              <a:r>
+                <a:rPr lang="en-US" sz="1200" dirty="0"/>
+                <a:t>Recording API</a:t>
+              </a:r>
+              <a:endParaRPr lang="en-NZ" sz="1200" dirty="0"/>
+            </a:p>
+          </p:txBody>
+        </p:sp>
+        <p:cxnSp>
+          <p:nvCxnSpPr>
+            <p:cNvPr id="281" name="Straight Arrow Connector 38">
+              <a:extLst>
+                <a:ext uri="{FF2B5EF4-FFF2-40B4-BE49-F238E27FC236}">
+                  <a16:creationId xmlns:a16="http://schemas.microsoft.com/office/drawing/2014/main" id="{CEE99303-E3E8-4070-89F7-4A6B46023D6F}"/>
+                </a:ext>
+              </a:extLst>
+            </p:cNvPr>
+            <p:cNvCxnSpPr>
+              <a:cxnSpLocks/>
+              <a:stCxn id="26" idx="3"/>
+              <a:endCxn id="260" idx="1"/>
+            </p:cNvCxnSpPr>
+            <p:nvPr/>
+          </p:nvCxnSpPr>
+          <p:spPr>
+            <a:xfrm flipV="1">
+              <a:off x="6485085" y="797277"/>
+              <a:ext cx="373552" cy="257369"/>
+            </a:xfrm>
+            <a:prstGeom prst="bentConnector3">
+              <a:avLst>
+                <a:gd name="adj1" fmla="val 50000"/>
+              </a:avLst>
+            </a:prstGeom>
+            <a:ln w="19050" cap="flat" cmpd="sng" algn="ctr">
+              <a:solidFill>
+                <a:schemeClr val="dk1"/>
+              </a:solidFill>
+              <a:prstDash val="solid"/>
+              <a:round/>
+              <a:headEnd type="none" w="med" len="med"/>
+              <a:tailEnd type="arrow" w="med" len="med"/>
+            </a:ln>
+          </p:spPr>
+          <p:style>
+            <a:lnRef idx="0">
+              <a:scrgbClr r="0" g="0" b="0"/>
+            </a:lnRef>
+            <a:fillRef idx="0">
+              <a:scrgbClr r="0" g="0" b="0"/>
+            </a:fillRef>
+            <a:effectRef idx="0">
+              <a:scrgbClr r="0" g="0" b="0"/>
+            </a:effectRef>
+            <a:fontRef idx="minor">
+              <a:schemeClr val="tx1"/>
+            </a:fontRef>
+          </p:style>
+        </p:cxnSp>
+      </p:grpSp>
+      <p:cxnSp>
+        <p:nvCxnSpPr>
+          <p:cNvPr id="41" name="Straight Arrow Connector 38">
+            <a:extLst>
+              <a:ext uri="{FF2B5EF4-FFF2-40B4-BE49-F238E27FC236}">
+                <a16:creationId xmlns:a16="http://schemas.microsoft.com/office/drawing/2014/main" id="{E6623D6C-8E4F-C492-4177-BAFC0DFC10CC}"/>
+              </a:ext>
+            </a:extLst>
+          </p:cNvPr>
+          <p:cNvCxnSpPr>
+            <a:cxnSpLocks/>
+            <a:stCxn id="19" idx="3"/>
+            <a:endCxn id="26" idx="1"/>
+          </p:cNvCxnSpPr>
+          <p:nvPr/>
+        </p:nvCxnSpPr>
+        <p:spPr>
+          <a:xfrm flipV="1">
+            <a:off x="3131778" y="1641437"/>
+            <a:ext cx="2301964" cy="4255"/>
+          </a:xfrm>
+          <a:prstGeom prst="bentConnector3">
+            <a:avLst>
+              <a:gd name="adj1" fmla="val 50000"/>
+            </a:avLst>
+          </a:prstGeom>
+          <a:ln w="19050" cap="flat" cmpd="sng" algn="ctr">
+            <a:solidFill>
+              <a:schemeClr val="dk1"/>
+            </a:solidFill>
+            <a:prstDash val="solid"/>
+            <a:round/>
+            <a:headEnd type="none" w="med" len="med"/>
+            <a:tailEnd type="arrow" w="med" len="med"/>
+          </a:ln>
+        </p:spPr>
+        <p:style>
+          <a:lnRef idx="0">
+            <a:scrgbClr r="0" g="0" b="0"/>
+          </a:lnRef>
+          <a:fillRef idx="0">
+            <a:scrgbClr r="0" g="0" b="0"/>
+          </a:fillRef>
+          <a:effectRef idx="0">
+            <a:scrgbClr r="0" g="0" b="0"/>
+          </a:effectRef>
+          <a:fontRef idx="minor">
+            <a:schemeClr val="tx1"/>
+          </a:fontRef>
+        </p:style>
+      </p:cxnSp>
+      <p:cxnSp>
+        <p:nvCxnSpPr>
+          <p:cNvPr id="63" name="Straight Arrow Connector 29">
+            <a:extLst>
+              <a:ext uri="{FF2B5EF4-FFF2-40B4-BE49-F238E27FC236}">
+                <a16:creationId xmlns:a16="http://schemas.microsoft.com/office/drawing/2014/main" id="{D253527E-4D96-7836-BDCE-B942CD4E4131}"/>
+              </a:ext>
+            </a:extLst>
+          </p:cNvPr>
+          <p:cNvCxnSpPr>
+            <a:cxnSpLocks/>
+            <a:stCxn id="53" idx="1"/>
+            <a:endCxn id="66" idx="3"/>
+          </p:cNvCxnSpPr>
+          <p:nvPr/>
+        </p:nvCxnSpPr>
+        <p:spPr>
+          <a:xfrm rot="10800000" flipH="1">
+            <a:off x="5301996" y="3220026"/>
+            <a:ext cx="5816357" cy="2365293"/>
+          </a:xfrm>
+          <a:prstGeom prst="bentConnector5">
+            <a:avLst>
+              <a:gd name="adj1" fmla="val -7043"/>
+              <a:gd name="adj2" fmla="val -49415"/>
+              <a:gd name="adj3" fmla="val 103930"/>
+            </a:avLst>
+          </a:prstGeom>
+          <a:ln w="19050" cap="flat" cmpd="sng" algn="ctr">
+            <a:solidFill>
+              <a:schemeClr val="dk1"/>
+            </a:solidFill>
+            <a:prstDash val="dash"/>
+            <a:round/>
+            <a:headEnd type="arrow" w="med" len="med"/>
+            <a:tailEnd type="none" w="med" len="med"/>
+          </a:ln>
+        </p:spPr>
+        <p:style>
+          <a:lnRef idx="0">
+            <a:scrgbClr r="0" g="0" b="0"/>
+          </a:lnRef>
+          <a:fillRef idx="0">
+            <a:scrgbClr r="0" g="0" b="0"/>
+          </a:fillRef>
+          <a:effectRef idx="0">
+            <a:scrgbClr r="0" g="0" b="0"/>
+          </a:effectRef>
+          <a:fontRef idx="minor">
+            <a:schemeClr val="tx1"/>
+          </a:fontRef>
+        </p:style>
+      </p:cxnSp>
+      <p:cxnSp>
+        <p:nvCxnSpPr>
+          <p:cNvPr id="139" name="Straight Arrow Connector 29">
+            <a:extLst>
+              <a:ext uri="{FF2B5EF4-FFF2-40B4-BE49-F238E27FC236}">
+                <a16:creationId xmlns:a16="http://schemas.microsoft.com/office/drawing/2014/main" id="{3EC017AA-BD93-8925-1729-39C301932929}"/>
+              </a:ext>
+            </a:extLst>
+          </p:cNvPr>
+          <p:cNvCxnSpPr>
+            <a:cxnSpLocks/>
+            <a:stCxn id="132" idx="1"/>
+            <a:endCxn id="53" idx="3"/>
+          </p:cNvCxnSpPr>
+          <p:nvPr/>
+        </p:nvCxnSpPr>
+        <p:spPr>
+          <a:xfrm rot="10800000" flipV="1">
+            <a:off x="6523839" y="4243020"/>
+            <a:ext cx="2670162" cy="1342298"/>
+          </a:xfrm>
+          <a:prstGeom prst="bentConnector3">
+            <a:avLst>
+              <a:gd name="adj1" fmla="val 9652"/>
+            </a:avLst>
+          </a:prstGeom>
+          <a:ln w="19050" cap="flat" cmpd="sng" algn="ctr">
+            <a:solidFill>
+              <a:schemeClr val="bg2">
+                <a:lumMod val="50000"/>
+              </a:schemeClr>
+            </a:solidFill>
+            <a:prstDash val="solid"/>
+            <a:round/>
+            <a:headEnd type="arrow" w="med" len="med"/>
+            <a:tailEnd type="none" w="med" len="med"/>
+          </a:ln>
+        </p:spPr>
+        <p:style>
+          <a:lnRef idx="0">
+            <a:scrgbClr r="0" g="0" b="0"/>
+          </a:lnRef>
+          <a:fillRef idx="0">
+            <a:scrgbClr r="0" g="0" b="0"/>
+          </a:fillRef>
+          <a:effectRef idx="0">
+            <a:scrgbClr r="0" g="0" b="0"/>
+          </a:effectRef>
+          <a:fontRef idx="minor">
+            <a:schemeClr val="tx1"/>
+          </a:fontRef>
+        </p:style>
+      </p:cxnSp>
+      <p:cxnSp>
+        <p:nvCxnSpPr>
+          <p:cNvPr id="108" name="Straight Arrow Connector 29">
+            <a:extLst>
+              <a:ext uri="{FF2B5EF4-FFF2-40B4-BE49-F238E27FC236}">
+                <a16:creationId xmlns:a16="http://schemas.microsoft.com/office/drawing/2014/main" id="{668DD861-FCE8-C55C-0E2C-DD55DFDA929C}"/>
+              </a:ext>
+            </a:extLst>
+          </p:cNvPr>
+          <p:cNvCxnSpPr>
+            <a:cxnSpLocks/>
+            <a:stCxn id="102" idx="1"/>
+            <a:endCxn id="53" idx="3"/>
+          </p:cNvCxnSpPr>
+          <p:nvPr/>
+        </p:nvCxnSpPr>
+        <p:spPr>
+          <a:xfrm rot="10800000">
+            <a:off x="6523839" y="5585319"/>
+            <a:ext cx="3483502" cy="153819"/>
+          </a:xfrm>
+          <a:prstGeom prst="bentConnector3">
+            <a:avLst>
+              <a:gd name="adj1" fmla="val 23491"/>
+            </a:avLst>
+          </a:prstGeom>
+          <a:ln w="19050" cap="flat" cmpd="sng" algn="ctr">
+            <a:solidFill>
+              <a:schemeClr val="bg2">
+                <a:lumMod val="50000"/>
+              </a:schemeClr>
+            </a:solidFill>
+            <a:prstDash val="solid"/>
+            <a:round/>
+            <a:headEnd type="arrow" w="med" len="med"/>
+            <a:tailEnd type="none" w="med" len="med"/>
+          </a:ln>
+        </p:spPr>
+        <p:style>
+          <a:lnRef idx="0">
+            <a:scrgbClr r="0" g="0" b="0"/>
+          </a:lnRef>
+          <a:fillRef idx="0">
+            <a:scrgbClr r="0" g="0" b="0"/>
+          </a:fillRef>
+          <a:effectRef idx="0">
+            <a:scrgbClr r="0" g="0" b="0"/>
+          </a:effectRef>
+          <a:fontRef idx="minor">
+            <a:schemeClr val="tx1"/>
+          </a:fontRef>
+        </p:style>
+      </p:cxnSp>
+      <p:cxnSp>
+        <p:nvCxnSpPr>
+          <p:cNvPr id="100" name="Straight Arrow Connector 29">
+            <a:extLst>
+              <a:ext uri="{FF2B5EF4-FFF2-40B4-BE49-F238E27FC236}">
+                <a16:creationId xmlns:a16="http://schemas.microsoft.com/office/drawing/2014/main" id="{03149885-B8D0-9C60-4BDF-B4173499ECCA}"/>
+              </a:ext>
+            </a:extLst>
+          </p:cNvPr>
+          <p:cNvCxnSpPr>
+            <a:cxnSpLocks/>
+            <a:stCxn id="2" idx="1"/>
+            <a:endCxn id="123" idx="3"/>
+          </p:cNvCxnSpPr>
+          <p:nvPr/>
+        </p:nvCxnSpPr>
+        <p:spPr>
+          <a:xfrm flipH="1">
+            <a:off x="8190776" y="2046924"/>
+            <a:ext cx="1003225" cy="2690199"/>
+          </a:xfrm>
+          <a:prstGeom prst="straightConnector1">
+            <a:avLst/>
+          </a:prstGeom>
+          <a:ln w="19050" cap="flat" cmpd="sng" algn="ctr">
+            <a:solidFill>
+              <a:schemeClr val="bg2">
+                <a:lumMod val="50000"/>
+              </a:schemeClr>
+            </a:solidFill>
+            <a:prstDash val="solid"/>
+            <a:round/>
+            <a:headEnd type="arrow" w="med" len="med"/>
+            <a:tailEnd type="none" w="med" len="med"/>
+          </a:ln>
+        </p:spPr>
+        <p:style>
+          <a:lnRef idx="0">
+            <a:scrgbClr r="0" g="0" b="0"/>
+          </a:lnRef>
+          <a:fillRef idx="0">
+            <a:scrgbClr r="0" g="0" b="0"/>
+          </a:fillRef>
+          <a:effectRef idx="0">
+            <a:scrgbClr r="0" g="0" b="0"/>
+          </a:effectRef>
+          <a:fontRef idx="minor">
+            <a:schemeClr val="tx1"/>
+          </a:fontRef>
+        </p:style>
+      </p:cxnSp>
+      <p:cxnSp>
+        <p:nvCxnSpPr>
+          <p:cNvPr id="186" name="Straight Arrow Connector 29">
+            <a:extLst>
+              <a:ext uri="{FF2B5EF4-FFF2-40B4-BE49-F238E27FC236}">
+                <a16:creationId xmlns:a16="http://schemas.microsoft.com/office/drawing/2014/main" id="{ED94095D-AB74-930E-400E-F66A9ADEE52D}"/>
+              </a:ext>
+            </a:extLst>
+          </p:cNvPr>
+          <p:cNvCxnSpPr>
+            <a:cxnSpLocks/>
+            <a:stCxn id="2" idx="1"/>
+            <a:endCxn id="182" idx="3"/>
+          </p:cNvCxnSpPr>
+          <p:nvPr/>
+        </p:nvCxnSpPr>
+        <p:spPr>
+          <a:xfrm flipH="1">
+            <a:off x="8028571" y="2046924"/>
+            <a:ext cx="1165430" cy="1132467"/>
+          </a:xfrm>
+          <a:prstGeom prst="straightConnector1">
+            <a:avLst/>
+          </a:prstGeom>
+          <a:ln w="19050" cap="flat" cmpd="sng" algn="ctr">
+            <a:solidFill>
+              <a:schemeClr val="bg2">
+                <a:lumMod val="50000"/>
+              </a:schemeClr>
+            </a:solidFill>
+            <a:prstDash val="solid"/>
+            <a:round/>
+            <a:headEnd type="arrow" w="med" len="med"/>
+            <a:tailEnd type="none" w="med" len="med"/>
+          </a:ln>
+        </p:spPr>
+        <p:style>
+          <a:lnRef idx="0">
+            <a:scrgbClr r="0" g="0" b="0"/>
+          </a:lnRef>
+          <a:fillRef idx="0">
+            <a:scrgbClr r="0" g="0" b="0"/>
+          </a:fillRef>
+          <a:effectRef idx="0">
+            <a:scrgbClr r="0" g="0" b="0"/>
+          </a:effectRef>
+          <a:fontRef idx="minor">
+            <a:schemeClr val="tx1"/>
+          </a:fontRef>
+        </p:style>
+      </p:cxnSp>
+      <p:cxnSp>
+        <p:nvCxnSpPr>
+          <p:cNvPr id="189" name="Straight Arrow Connector 29">
+            <a:extLst>
+              <a:ext uri="{FF2B5EF4-FFF2-40B4-BE49-F238E27FC236}">
+                <a16:creationId xmlns:a16="http://schemas.microsoft.com/office/drawing/2014/main" id="{21B5DBA8-B914-6BD0-2686-C3FA13FA4D4A}"/>
+              </a:ext>
+            </a:extLst>
+          </p:cNvPr>
+          <p:cNvCxnSpPr>
+            <a:cxnSpLocks/>
+            <a:stCxn id="33" idx="3"/>
+            <a:endCxn id="182" idx="3"/>
+          </p:cNvCxnSpPr>
+          <p:nvPr/>
+        </p:nvCxnSpPr>
+        <p:spPr>
+          <a:xfrm flipH="1" flipV="1">
+            <a:off x="8028571" y="3179391"/>
+            <a:ext cx="858470" cy="40637"/>
+          </a:xfrm>
+          <a:prstGeom prst="straightConnector1">
+            <a:avLst/>
+          </a:prstGeom>
+          <a:ln w="19050" cap="flat" cmpd="sng" algn="ctr">
+            <a:solidFill>
+              <a:schemeClr val="bg2">
+                <a:lumMod val="50000"/>
+              </a:schemeClr>
+            </a:solidFill>
+            <a:prstDash val="solid"/>
+            <a:round/>
+            <a:headEnd type="arrow" w="med" len="med"/>
+            <a:tailEnd type="none" w="med" len="med"/>
+          </a:ln>
+        </p:spPr>
+        <p:style>
+          <a:lnRef idx="0">
+            <a:scrgbClr r="0" g="0" b="0"/>
+          </a:lnRef>
+          <a:fillRef idx="0">
+            <a:scrgbClr r="0" g="0" b="0"/>
+          </a:fillRef>
+          <a:effectRef idx="0">
+            <a:scrgbClr r="0" g="0" b="0"/>
+          </a:effectRef>
+          <a:fontRef idx="minor">
+            <a:schemeClr val="tx1"/>
+          </a:fontRef>
+        </p:style>
+      </p:cxnSp>
+      <p:cxnSp>
+        <p:nvCxnSpPr>
+          <p:cNvPr id="266" name="Straight Arrow Connector 29">
+            <a:extLst>
+              <a:ext uri="{FF2B5EF4-FFF2-40B4-BE49-F238E27FC236}">
+                <a16:creationId xmlns:a16="http://schemas.microsoft.com/office/drawing/2014/main" id="{154CA2BD-6BD0-7A6F-DA7F-83DF2251DD5E}"/>
+              </a:ext>
+            </a:extLst>
+          </p:cNvPr>
+          <p:cNvCxnSpPr>
+            <a:cxnSpLocks/>
+            <a:stCxn id="2" idx="1"/>
+            <a:endCxn id="260" idx="3"/>
+          </p:cNvCxnSpPr>
+          <p:nvPr/>
+        </p:nvCxnSpPr>
+        <p:spPr>
+          <a:xfrm flipH="1" flipV="1">
+            <a:off x="8016887" y="1384068"/>
+            <a:ext cx="1177114" cy="662856"/>
+          </a:xfrm>
+          <a:prstGeom prst="straightConnector1">
+            <a:avLst/>
+          </a:prstGeom>
+          <a:ln w="19050" cap="flat" cmpd="sng" algn="ctr">
+            <a:solidFill>
+              <a:schemeClr val="bg2">
+                <a:lumMod val="50000"/>
+              </a:schemeClr>
+            </a:solidFill>
+            <a:prstDash val="solid"/>
+            <a:round/>
+            <a:headEnd type="arrow" w="med" len="med"/>
+            <a:tailEnd type="none" w="med" len="med"/>
+          </a:ln>
+        </p:spPr>
+        <p:style>
+          <a:lnRef idx="0">
+            <a:scrgbClr r="0" g="0" b="0"/>
+          </a:lnRef>
+          <a:fillRef idx="0">
+            <a:scrgbClr r="0" g="0" b="0"/>
+          </a:fillRef>
+          <a:effectRef idx="0">
+            <a:scrgbClr r="0" g="0" b="0"/>
+          </a:effectRef>
+          <a:fontRef idx="minor">
+            <a:schemeClr val="tx1"/>
+          </a:fontRef>
+        </p:style>
+      </p:cxnSp>
+      <p:cxnSp>
+        <p:nvCxnSpPr>
+          <p:cNvPr id="269" name="Straight Arrow Connector 29">
+            <a:extLst>
+              <a:ext uri="{FF2B5EF4-FFF2-40B4-BE49-F238E27FC236}">
+                <a16:creationId xmlns:a16="http://schemas.microsoft.com/office/drawing/2014/main" id="{62E5D350-CDCC-7C85-11EE-E3FBBF601760}"/>
+              </a:ext>
+            </a:extLst>
+          </p:cNvPr>
+          <p:cNvCxnSpPr>
+            <a:cxnSpLocks/>
+            <a:stCxn id="33" idx="3"/>
+            <a:endCxn id="260" idx="3"/>
+          </p:cNvCxnSpPr>
+          <p:nvPr/>
+        </p:nvCxnSpPr>
+        <p:spPr>
+          <a:xfrm flipH="1" flipV="1">
+            <a:off x="8016887" y="1384068"/>
+            <a:ext cx="870154" cy="1835960"/>
+          </a:xfrm>
+          <a:prstGeom prst="straightConnector1">
+            <a:avLst/>
+          </a:prstGeom>
+          <a:ln w="19050" cap="flat" cmpd="sng" algn="ctr">
+            <a:solidFill>
+              <a:schemeClr val="bg2">
+                <a:lumMod val="50000"/>
+              </a:schemeClr>
+            </a:solidFill>
+            <a:prstDash val="solid"/>
+            <a:round/>
+            <a:headEnd type="arrow" w="med" len="med"/>
+            <a:tailEnd type="none" w="med" len="med"/>
+          </a:ln>
+        </p:spPr>
+        <p:style>
+          <a:lnRef idx="0">
+            <a:scrgbClr r="0" g="0" b="0"/>
+          </a:lnRef>
+          <a:fillRef idx="0">
+            <a:scrgbClr r="0" g="0" b="0"/>
+          </a:fillRef>
+          <a:effectRef idx="0">
+            <a:scrgbClr r="0" g="0" b="0"/>
+          </a:effectRef>
+          <a:fontRef idx="minor">
+            <a:schemeClr val="tx1"/>
+          </a:fontRef>
+        </p:style>
+      </p:cxnSp>
+    </p:spTree>
+    <p:extLst>
+      <p:ext uri="{BB962C8B-B14F-4D97-AF65-F5344CB8AC3E}">
+        <p14:creationId xmlns:p14="http://schemas.microsoft.com/office/powerpoint/2010/main" val="1676824193"/>
+      </p:ext>
+    </p:extLst>
+  </p:cSld>
+  <p:clrMapOvr>
+    <a:masterClrMapping/>
+  </p:clrMapOvr>
+</p:sld>
+</file>
+
 <file path=ppt/slides/slide2.xml><?xml version="1.0" encoding="utf-8"?>
 <p:sld xmlns:a="http://schemas.openxmlformats.org/drawingml/2006/main" xmlns:r="http://schemas.openxmlformats.org/officeDocument/2006/relationships" xmlns:p="http://schemas.openxmlformats.org/presentationml/2006/main">
   <p:cSld>
@@ -34789,8 +39134,8 @@
         </p:nvCxnSpPr>
         <p:spPr>
           <a:xfrm>
-            <a:off x="9402877" y="2447823"/>
-            <a:ext cx="8650" cy="1903316"/>
+            <a:off x="9408949" y="2447823"/>
+            <a:ext cx="2578" cy="1903316"/>
           </a:xfrm>
           <a:prstGeom prst="straightConnector1">
             <a:avLst/>
@@ -34840,8 +39185,8 @@
         </p:nvCxnSpPr>
         <p:spPr>
           <a:xfrm>
-            <a:off x="9402877" y="2447823"/>
-            <a:ext cx="1129846" cy="1903314"/>
+            <a:off x="9408949" y="2447823"/>
+            <a:ext cx="1123774" cy="1903314"/>
           </a:xfrm>
           <a:prstGeom prst="straightConnector1">
             <a:avLst/>
@@ -35193,66 +39538,6 @@
                 <a:schemeClr val="tx1"/>
               </a:solidFill>
             </a:endParaRPr>
-          </a:p>
-        </p:txBody>
-      </p:sp>
-      <p:sp>
-        <p:nvSpPr>
-          <p:cNvPr id="75" name="Scroll: Vertical 74">
-            <a:extLst>
-              <a:ext uri="{FF2B5EF4-FFF2-40B4-BE49-F238E27FC236}">
-                <a16:creationId xmlns:a16="http://schemas.microsoft.com/office/drawing/2014/main" id="{CAD8C807-F852-474E-9DCD-6C18ABBDE35E}"/>
-              </a:ext>
-            </a:extLst>
-          </p:cNvPr>
-          <p:cNvSpPr/>
-          <p:nvPr/>
-        </p:nvSpPr>
-        <p:spPr>
-          <a:xfrm rot="5400000">
-            <a:off x="3882133" y="3227408"/>
-            <a:ext cx="398326" cy="495579"/>
-          </a:xfrm>
-          <a:prstGeom prst="verticalScroll">
-            <a:avLst/>
-          </a:prstGeom>
-          <a:solidFill>
-            <a:schemeClr val="accent3">
-              <a:lumMod val="75000"/>
-            </a:schemeClr>
-          </a:solidFill>
-          <a:ln>
-            <a:solidFill>
-              <a:schemeClr val="tx1"/>
-            </a:solidFill>
-          </a:ln>
-        </p:spPr>
-        <p:style>
-          <a:lnRef idx="2">
-            <a:schemeClr val="accent1">
-              <a:shade val="50000"/>
-            </a:schemeClr>
-          </a:lnRef>
-          <a:fillRef idx="1">
-            <a:schemeClr val="accent1"/>
-          </a:fillRef>
-          <a:effectRef idx="0">
-            <a:schemeClr val="accent1"/>
-          </a:effectRef>
-          <a:fontRef idx="minor">
-            <a:schemeClr val="lt1"/>
-          </a:fontRef>
-        </p:style>
-        <p:txBody>
-          <a:bodyPr vert="vert270" rtlCol="0" anchor="ctr"/>
-          <a:lstStyle/>
-          <a:p>
-            <a:pPr algn="ctr"/>
-            <a:r>
-              <a:rPr lang="en-US" sz="1200" dirty="0"/>
-              <a:t>JWT</a:t>
-            </a:r>
-            <a:endParaRPr lang="en-NZ" sz="800" dirty="0"/>
           </a:p>
         </p:txBody>
       </p:sp>
@@ -38461,9 +42746,9 @@
         <p:grpSpPr>
           <a:xfrm>
             <a:off x="8872325" y="2142999"/>
-            <a:ext cx="1061103" cy="304824"/>
+            <a:ext cx="1073247" cy="304824"/>
             <a:chOff x="8868697" y="1695584"/>
-            <a:chExt cx="1061103" cy="304824"/>
+            <a:chExt cx="1073247" cy="304824"/>
           </a:xfrm>
         </p:grpSpPr>
         <p:sp>
@@ -38481,7 +42766,7 @@
           <p:spPr>
             <a:xfrm>
               <a:off x="8868697" y="1695584"/>
-              <a:ext cx="1061103" cy="304824"/>
+              <a:ext cx="1073247" cy="304824"/>
             </a:xfrm>
             <a:prstGeom prst="roundRect">
               <a:avLst>
@@ -38521,7 +42806,7 @@
             <a:p>
               <a:pPr algn="r"/>
               <a:r>
-                <a:rPr lang="en-NZ" sz="1100" dirty="0"/>
+                <a:rPr lang="en-NZ" sz="1000" dirty="0"/>
                 <a:t>CloudWatch</a:t>
               </a:r>
               <a:endParaRPr lang="en-NZ" sz="1600" dirty="0"/>
@@ -39998,7 +44283,7 @@
                 <a:t>S3 </a:t>
               </a:r>
               <a:r>
-                <a:rPr lang="en-US" sz="800" dirty="0">
+                <a:rPr lang="en-US" sz="700" dirty="0">
                   <a:solidFill>
                     <a:schemeClr val="tx1"/>
                   </a:solidFill>
